--- a/CampChallenge_PHP/000.座学/kadai.pptx
+++ b/CampChallenge_PHP/000.座学/kadai.pptx
@@ -5,10 +5,17 @@
     <p:sldMasterId id="2147483648" r:id="rId1"/>
   </p:sldMasterIdLst>
   <p:sldIdLst>
-    <p:sldId id="256" r:id="rId2"/>
-    <p:sldId id="258" r:id="rId3"/>
-    <p:sldId id="259" r:id="rId4"/>
-    <p:sldId id="260" r:id="rId5"/>
+    <p:sldId id="258" r:id="rId2"/>
+    <p:sldId id="259" r:id="rId3"/>
+    <p:sldId id="260" r:id="rId4"/>
+    <p:sldId id="261" r:id="rId5"/>
+    <p:sldId id="263" r:id="rId6"/>
+    <p:sldId id="264" r:id="rId7"/>
+    <p:sldId id="265" r:id="rId8"/>
+    <p:sldId id="266" r:id="rId9"/>
+    <p:sldId id="267" r:id="rId10"/>
+    <p:sldId id="268" r:id="rId11"/>
+    <p:sldId id="269" r:id="rId12"/>
   </p:sldIdLst>
   <p:sldSz cx="9144000" cy="6858000" type="screen4x3"/>
   <p:notesSz cx="6858000" cy="9144000"/>
@@ -291,7 +298,7 @@
           <a:p>
             <a:fld id="{E125FBED-F68A-4600-B49F-FB121240001F}" type="datetimeFigureOut">
               <a:rPr kumimoji="1" lang="ja-JP" altLang="en-US" smtClean="0"/>
-              <a:t>2017/3/2</a:t>
+              <a:t>2017/3/3</a:t>
             </a:fld>
             <a:endParaRPr kumimoji="1" lang="ja-JP" altLang="en-US"/>
           </a:p>
@@ -493,7 +500,7 @@
           <a:p>
             <a:fld id="{E125FBED-F68A-4600-B49F-FB121240001F}" type="datetimeFigureOut">
               <a:rPr kumimoji="1" lang="ja-JP" altLang="en-US" smtClean="0"/>
-              <a:t>2017/3/2</a:t>
+              <a:t>2017/3/3</a:t>
             </a:fld>
             <a:endParaRPr kumimoji="1" lang="ja-JP" altLang="en-US"/>
           </a:p>
@@ -705,7 +712,7 @@
           <a:p>
             <a:fld id="{E125FBED-F68A-4600-B49F-FB121240001F}" type="datetimeFigureOut">
               <a:rPr kumimoji="1" lang="ja-JP" altLang="en-US" smtClean="0"/>
-              <a:t>2017/3/2</a:t>
+              <a:t>2017/3/3</a:t>
             </a:fld>
             <a:endParaRPr kumimoji="1" lang="ja-JP" altLang="en-US"/>
           </a:p>
@@ -907,7 +914,7 @@
           <a:p>
             <a:fld id="{E125FBED-F68A-4600-B49F-FB121240001F}" type="datetimeFigureOut">
               <a:rPr kumimoji="1" lang="ja-JP" altLang="en-US" smtClean="0"/>
-              <a:t>2017/3/2</a:t>
+              <a:t>2017/3/3</a:t>
             </a:fld>
             <a:endParaRPr kumimoji="1" lang="ja-JP" altLang="en-US"/>
           </a:p>
@@ -1153,7 +1160,7 @@
           <a:p>
             <a:fld id="{E125FBED-F68A-4600-B49F-FB121240001F}" type="datetimeFigureOut">
               <a:rPr kumimoji="1" lang="ja-JP" altLang="en-US" smtClean="0"/>
-              <a:t>2017/3/2</a:t>
+              <a:t>2017/3/3</a:t>
             </a:fld>
             <a:endParaRPr kumimoji="1" lang="ja-JP" altLang="en-US"/>
           </a:p>
@@ -1505,7 +1512,7 @@
           <a:p>
             <a:fld id="{E125FBED-F68A-4600-B49F-FB121240001F}" type="datetimeFigureOut">
               <a:rPr kumimoji="1" lang="ja-JP" altLang="en-US" smtClean="0"/>
-              <a:t>2017/3/2</a:t>
+              <a:t>2017/3/3</a:t>
             </a:fld>
             <a:endParaRPr kumimoji="1" lang="ja-JP" altLang="en-US"/>
           </a:p>
@@ -1991,7 +1998,7 @@
           <a:p>
             <a:fld id="{E125FBED-F68A-4600-B49F-FB121240001F}" type="datetimeFigureOut">
               <a:rPr kumimoji="1" lang="ja-JP" altLang="en-US" smtClean="0"/>
-              <a:t>2017/3/2</a:t>
+              <a:t>2017/3/3</a:t>
             </a:fld>
             <a:endParaRPr kumimoji="1" lang="ja-JP" altLang="en-US"/>
           </a:p>
@@ -2109,7 +2116,7 @@
           <a:p>
             <a:fld id="{E125FBED-F68A-4600-B49F-FB121240001F}" type="datetimeFigureOut">
               <a:rPr kumimoji="1" lang="ja-JP" altLang="en-US" smtClean="0"/>
-              <a:t>2017/3/2</a:t>
+              <a:t>2017/3/3</a:t>
             </a:fld>
             <a:endParaRPr kumimoji="1" lang="ja-JP" altLang="en-US"/>
           </a:p>
@@ -2204,7 +2211,7 @@
           <a:p>
             <a:fld id="{E125FBED-F68A-4600-B49F-FB121240001F}" type="datetimeFigureOut">
               <a:rPr kumimoji="1" lang="ja-JP" altLang="en-US" smtClean="0"/>
-              <a:t>2017/3/2</a:t>
+              <a:t>2017/3/3</a:t>
             </a:fld>
             <a:endParaRPr kumimoji="1" lang="ja-JP" altLang="en-US"/>
           </a:p>
@@ -2513,7 +2520,7 @@
           <a:p>
             <a:fld id="{E125FBED-F68A-4600-B49F-FB121240001F}" type="datetimeFigureOut">
               <a:rPr kumimoji="1" lang="ja-JP" altLang="en-US" smtClean="0"/>
-              <a:t>2017/3/2</a:t>
+              <a:t>2017/3/3</a:t>
             </a:fld>
             <a:endParaRPr kumimoji="1" lang="ja-JP" altLang="en-US"/>
           </a:p>
@@ -2766,7 +2773,7 @@
           <a:p>
             <a:fld id="{E125FBED-F68A-4600-B49F-FB121240001F}" type="datetimeFigureOut">
               <a:rPr kumimoji="1" lang="ja-JP" altLang="en-US" smtClean="0"/>
-              <a:t>2017/3/2</a:t>
+              <a:t>2017/3/3</a:t>
             </a:fld>
             <a:endParaRPr kumimoji="1" lang="ja-JP" altLang="en-US"/>
           </a:p>
@@ -3011,7 +3018,7 @@
           <a:p>
             <a:fld id="{E125FBED-F68A-4600-B49F-FB121240001F}" type="datetimeFigureOut">
               <a:rPr kumimoji="1" lang="ja-JP" altLang="en-US" smtClean="0"/>
-              <a:t>2017/3/2</a:t>
+              <a:t>2017/3/3</a:t>
             </a:fld>
             <a:endParaRPr kumimoji="1" lang="ja-JP" altLang="en-US"/>
           </a:p>
@@ -3393,41 +3400,3048 @@
             <a:spLocks noGrp="1"/>
           </p:cNvSpPr>
           <p:nvPr>
-            <p:ph type="ctrTitle"/>
+            <p:ph type="title"/>
           </p:nvPr>
         </p:nvSpPr>
         <p:spPr/>
         <p:txBody>
-          <a:bodyPr/>
-          <a:lstStyle/>
-          <a:p>
-            <a:endParaRPr kumimoji="1" lang="ja-JP" altLang="en-US"/>
-          </a:p>
-        </p:txBody>
-      </p:sp>
-      <p:sp>
-        <p:nvSpPr>
-          <p:cNvPr id="3" name="サブタイトル 2"/>
+          <a:bodyPr>
+            <a:normAutofit/>
+          </a:bodyPr>
+          <a:lstStyle/>
+          <a:p>
+            <a:r>
+              <a:rPr kumimoji="1" lang="ja-JP" altLang="en-US" sz="2000" dirty="0" smtClean="0">
+                <a:latin typeface="メイリオ" pitchFamily="50" charset="-128"/>
+                <a:ea typeface="メイリオ" pitchFamily="50" charset="-128"/>
+              </a:rPr>
+              <a:t>文字の表示</a:t>
+            </a:r>
+            <a:r>
+              <a:rPr kumimoji="1" lang="en-US" altLang="ja-JP" sz="2000" dirty="0" smtClean="0">
+                <a:latin typeface="メイリオ" pitchFamily="50" charset="-128"/>
+                <a:ea typeface="メイリオ" pitchFamily="50" charset="-128"/>
+              </a:rPr>
+              <a:t/>
+            </a:r>
+            <a:br>
+              <a:rPr kumimoji="1" lang="en-US" altLang="ja-JP" sz="2000" dirty="0" smtClean="0">
+                <a:latin typeface="メイリオ" pitchFamily="50" charset="-128"/>
+                <a:ea typeface="メイリオ" pitchFamily="50" charset="-128"/>
+              </a:rPr>
+            </a:br>
+            <a:r>
+              <a:rPr kumimoji="1" lang="ja-JP" altLang="en-US" sz="2000" dirty="0" smtClean="0">
+                <a:latin typeface="メイリオ" pitchFamily="50" charset="-128"/>
+                <a:ea typeface="メイリオ" pitchFamily="50" charset="-128"/>
+              </a:rPr>
+              <a:t>実行すると「こんにちは」を表示</a:t>
+            </a:r>
+            <a:endParaRPr kumimoji="1" lang="ja-JP" altLang="en-US" sz="2000" dirty="0">
+              <a:latin typeface="メイリオ" pitchFamily="50" charset="-128"/>
+              <a:ea typeface="メイリオ" pitchFamily="50" charset="-128"/>
+            </a:endParaRPr>
+          </a:p>
+        </p:txBody>
+      </p:sp>
+      <p:sp>
+        <p:nvSpPr>
+          <p:cNvPr id="4" name="円/楕円 3"/>
+          <p:cNvSpPr/>
+          <p:nvPr/>
+        </p:nvSpPr>
+        <p:spPr>
+          <a:xfrm>
+            <a:off x="3226463" y="1628800"/>
+            <a:ext cx="2376264" cy="905243"/>
+          </a:xfrm>
+          <a:prstGeom prst="ellipse">
+            <a:avLst/>
+          </a:prstGeom>
+        </p:spPr>
+        <p:style>
+          <a:lnRef idx="2">
+            <a:schemeClr val="accent6"/>
+          </a:lnRef>
+          <a:fillRef idx="1">
+            <a:schemeClr val="lt1"/>
+          </a:fillRef>
+          <a:effectRef idx="0">
+            <a:schemeClr val="accent6"/>
+          </a:effectRef>
+          <a:fontRef idx="minor">
+            <a:schemeClr val="dk1"/>
+          </a:fontRef>
+        </p:style>
+        <p:txBody>
+          <a:bodyPr rtlCol="0" anchor="ctr"/>
+          <a:lstStyle/>
+          <a:p>
+            <a:pPr algn="ctr"/>
+            <a:r>
+              <a:rPr kumimoji="1" lang="en-US" altLang="ja-JP" sz="2800" dirty="0" smtClean="0"/>
+              <a:t>start</a:t>
+            </a:r>
+            <a:endParaRPr kumimoji="1" lang="ja-JP" altLang="en-US" sz="2800" dirty="0"/>
+          </a:p>
+        </p:txBody>
+      </p:sp>
+      <p:sp>
+        <p:nvSpPr>
+          <p:cNvPr id="5" name="円/楕円 4"/>
+          <p:cNvSpPr/>
+          <p:nvPr/>
+        </p:nvSpPr>
+        <p:spPr>
+          <a:xfrm>
+            <a:off x="3226463" y="5116045"/>
+            <a:ext cx="2376264" cy="905243"/>
+          </a:xfrm>
+          <a:prstGeom prst="ellipse">
+            <a:avLst/>
+          </a:prstGeom>
+        </p:spPr>
+        <p:style>
+          <a:lnRef idx="2">
+            <a:schemeClr val="accent6"/>
+          </a:lnRef>
+          <a:fillRef idx="1">
+            <a:schemeClr val="lt1"/>
+          </a:fillRef>
+          <a:effectRef idx="0">
+            <a:schemeClr val="accent6"/>
+          </a:effectRef>
+          <a:fontRef idx="minor">
+            <a:schemeClr val="dk1"/>
+          </a:fontRef>
+        </p:style>
+        <p:txBody>
+          <a:bodyPr rtlCol="0" anchor="ctr"/>
+          <a:lstStyle/>
+          <a:p>
+            <a:pPr algn="ctr"/>
+            <a:r>
+              <a:rPr lang="en-US" altLang="ja-JP" sz="2800" dirty="0" smtClean="0"/>
+              <a:t>end</a:t>
+            </a:r>
+            <a:endParaRPr kumimoji="1" lang="en-US" altLang="ja-JP" sz="2800" dirty="0" smtClean="0"/>
+          </a:p>
+        </p:txBody>
+      </p:sp>
+      <p:cxnSp>
+        <p:nvCxnSpPr>
+          <p:cNvPr id="7" name="直線矢印コネクタ 6"/>
+          <p:cNvCxnSpPr/>
+          <p:nvPr/>
+        </p:nvCxnSpPr>
+        <p:spPr>
+          <a:xfrm>
+            <a:off x="4414595" y="2708920"/>
+            <a:ext cx="0" cy="648072"/>
+          </a:xfrm>
+          <a:prstGeom prst="straightConnector1">
+            <a:avLst/>
+          </a:prstGeom>
+          <a:ln>
+            <a:tailEnd type="arrow"/>
+          </a:ln>
+        </p:spPr>
+        <p:style>
+          <a:lnRef idx="1">
+            <a:schemeClr val="accent1"/>
+          </a:lnRef>
+          <a:fillRef idx="0">
+            <a:schemeClr val="accent1"/>
+          </a:fillRef>
+          <a:effectRef idx="0">
+            <a:schemeClr val="accent1"/>
+          </a:effectRef>
+          <a:fontRef idx="minor">
+            <a:schemeClr val="tx1"/>
+          </a:fontRef>
+        </p:style>
+      </p:cxnSp>
+      <p:cxnSp>
+        <p:nvCxnSpPr>
+          <p:cNvPr id="8" name="直線矢印コネクタ 7"/>
+          <p:cNvCxnSpPr/>
+          <p:nvPr/>
+        </p:nvCxnSpPr>
+        <p:spPr>
+          <a:xfrm>
+            <a:off x="4427984" y="4365104"/>
+            <a:ext cx="0" cy="648072"/>
+          </a:xfrm>
+          <a:prstGeom prst="straightConnector1">
+            <a:avLst/>
+          </a:prstGeom>
+          <a:ln>
+            <a:tailEnd type="arrow"/>
+          </a:ln>
+        </p:spPr>
+        <p:style>
+          <a:lnRef idx="1">
+            <a:schemeClr val="accent1"/>
+          </a:lnRef>
+          <a:fillRef idx="0">
+            <a:schemeClr val="accent1"/>
+          </a:fillRef>
+          <a:effectRef idx="0">
+            <a:schemeClr val="accent1"/>
+          </a:effectRef>
+          <a:fontRef idx="minor">
+            <a:schemeClr val="tx1"/>
+          </a:fontRef>
+        </p:style>
+      </p:cxnSp>
+      <p:sp>
+        <p:nvSpPr>
+          <p:cNvPr id="9" name="正方形/長方形 8"/>
+          <p:cNvSpPr/>
+          <p:nvPr/>
+        </p:nvSpPr>
+        <p:spPr>
+          <a:xfrm>
+            <a:off x="2290359" y="3501008"/>
+            <a:ext cx="4369874" cy="648072"/>
+          </a:xfrm>
+          <a:prstGeom prst="rect">
+            <a:avLst/>
+          </a:prstGeom>
+        </p:spPr>
+        <p:style>
+          <a:lnRef idx="2">
+            <a:schemeClr val="accent6"/>
+          </a:lnRef>
+          <a:fillRef idx="1">
+            <a:schemeClr val="lt1"/>
+          </a:fillRef>
+          <a:effectRef idx="0">
+            <a:schemeClr val="accent6"/>
+          </a:effectRef>
+          <a:fontRef idx="minor">
+            <a:schemeClr val="dk1"/>
+          </a:fontRef>
+        </p:style>
+        <p:txBody>
+          <a:bodyPr rtlCol="0" anchor="ctr"/>
+          <a:lstStyle/>
+          <a:p>
+            <a:pPr algn="ctr"/>
+            <a:r>
+              <a:rPr kumimoji="1" lang="ja-JP" altLang="en-US" dirty="0" smtClean="0"/>
+              <a:t>「こんにちは」と画面に表示</a:t>
+            </a:r>
+            <a:endParaRPr kumimoji="1" lang="en-US" altLang="ja-JP" dirty="0" smtClean="0"/>
+          </a:p>
+        </p:txBody>
+      </p:sp>
+    </p:spTree>
+    <p:extLst>
+      <p:ext uri="{BB962C8B-B14F-4D97-AF65-F5344CB8AC3E}">
+        <p14:creationId xmlns:p14="http://schemas.microsoft.com/office/powerpoint/2010/main" val="781488286"/>
+      </p:ext>
+    </p:extLst>
+  </p:cSld>
+  <p:clrMapOvr>
+    <a:masterClrMapping/>
+  </p:clrMapOvr>
+</p:sld>
+</file>
+
+<file path=ppt/slides/slide10.xml><?xml version="1.0" encoding="utf-8"?>
+<p:sld xmlns:a="http://schemas.openxmlformats.org/drawingml/2006/main" xmlns:r="http://schemas.openxmlformats.org/officeDocument/2006/relationships" xmlns:p="http://schemas.openxmlformats.org/presentationml/2006/main">
+  <p:cSld>
+    <p:spTree>
+      <p:nvGrpSpPr>
+        <p:cNvPr id="1" name=""/>
+        <p:cNvGrpSpPr/>
+        <p:nvPr/>
+      </p:nvGrpSpPr>
+      <p:grpSpPr>
+        <a:xfrm>
+          <a:off x="0" y="0"/>
+          <a:ext cx="0" cy="0"/>
+          <a:chOff x="0" y="0"/>
+          <a:chExt cx="0" cy="0"/>
+        </a:xfrm>
+      </p:grpSpPr>
+      <p:sp>
+        <p:nvSpPr>
+          <p:cNvPr id="2" name="タイトル 1"/>
           <p:cNvSpPr>
             <a:spLocks noGrp="1"/>
           </p:cNvSpPr>
           <p:nvPr>
-            <p:ph type="subTitle" idx="1"/>
+            <p:ph type="title"/>
           </p:nvPr>
         </p:nvSpPr>
-        <p:spPr/>
-        <p:txBody>
-          <a:bodyPr/>
-          <a:lstStyle/>
-          <a:p>
-            <a:endParaRPr kumimoji="1" lang="ja-JP" altLang="en-US"/>
-          </a:p>
-        </p:txBody>
-      </p:sp>
+        <p:spPr>
+          <a:xfrm>
+            <a:off x="457200" y="202630"/>
+            <a:ext cx="8229600" cy="922114"/>
+          </a:xfrm>
+        </p:spPr>
+        <p:txBody>
+          <a:bodyPr>
+            <a:normAutofit fontScale="90000"/>
+          </a:bodyPr>
+          <a:lstStyle/>
+          <a:p>
+            <a:r>
+              <a:rPr lang="ja-JP" altLang="en-US" sz="2000" dirty="0"/>
+              <a:t>条件分</a:t>
+            </a:r>
+            <a:r>
+              <a:rPr lang="ja-JP" altLang="en-US" sz="2000" dirty="0" smtClean="0"/>
+              <a:t>岐・繰り返し処理</a:t>
+            </a:r>
+            <a:r>
+              <a:rPr lang="en-US" altLang="ja-JP" sz="2000" dirty="0"/>
+              <a:t>3</a:t>
+            </a:r>
+            <a:r>
+              <a:rPr lang="en-US" altLang="ja-JP" sz="2000" dirty="0" smtClean="0"/>
+              <a:t/>
+            </a:r>
+            <a:br>
+              <a:rPr lang="en-US" altLang="ja-JP" sz="2000" dirty="0" smtClean="0"/>
+            </a:br>
+            <a:r>
+              <a:rPr lang="en-US" altLang="ja-JP" sz="1800" dirty="0"/>
+              <a:t>1</a:t>
+            </a:r>
+            <a:r>
+              <a:rPr lang="ja-JP" altLang="en-US" sz="1800" dirty="0"/>
+              <a:t>から始まる数字が</a:t>
+            </a:r>
+            <a:r>
+              <a:rPr lang="en-US" altLang="ja-JP" sz="1800" dirty="0"/>
+              <a:t>1</a:t>
+            </a:r>
+            <a:r>
+              <a:rPr lang="ja-JP" altLang="en-US" sz="1800" dirty="0"/>
+              <a:t>足されてから表示される。これを「</a:t>
+            </a:r>
+            <a:r>
+              <a:rPr lang="en-US" altLang="ja-JP" sz="1800" dirty="0"/>
+              <a:t>7</a:t>
+            </a:r>
+            <a:r>
+              <a:rPr lang="ja-JP" altLang="en-US" sz="1800" dirty="0"/>
+              <a:t>」が表示されるまで繰り返す。また、その数字が偶数なら「この数字は偶数です」奇数なら「この数字は奇数です」と表示される。</a:t>
+            </a:r>
+            <a:endParaRPr kumimoji="1" lang="ja-JP" altLang="en-US" sz="2000" dirty="0">
+              <a:latin typeface="メイリオ" pitchFamily="50" charset="-128"/>
+              <a:ea typeface="メイリオ" pitchFamily="50" charset="-128"/>
+            </a:endParaRPr>
+          </a:p>
+        </p:txBody>
+      </p:sp>
+      <p:sp>
+        <p:nvSpPr>
+          <p:cNvPr id="4" name="円/楕円 3"/>
+          <p:cNvSpPr/>
+          <p:nvPr/>
+        </p:nvSpPr>
+        <p:spPr>
+          <a:xfrm>
+            <a:off x="1391299" y="1268760"/>
+            <a:ext cx="1431159" cy="545203"/>
+          </a:xfrm>
+          <a:prstGeom prst="ellipse">
+            <a:avLst/>
+          </a:prstGeom>
+        </p:spPr>
+        <p:style>
+          <a:lnRef idx="2">
+            <a:schemeClr val="accent6"/>
+          </a:lnRef>
+          <a:fillRef idx="1">
+            <a:schemeClr val="lt1"/>
+          </a:fillRef>
+          <a:effectRef idx="0">
+            <a:schemeClr val="accent6"/>
+          </a:effectRef>
+          <a:fontRef idx="minor">
+            <a:schemeClr val="dk1"/>
+          </a:fontRef>
+        </p:style>
+        <p:txBody>
+          <a:bodyPr rtlCol="0" anchor="ctr"/>
+          <a:lstStyle/>
+          <a:p>
+            <a:pPr algn="ctr"/>
+            <a:r>
+              <a:rPr kumimoji="1" lang="en-US" altLang="ja-JP" sz="2800" dirty="0" smtClean="0"/>
+              <a:t>start</a:t>
+            </a:r>
+            <a:endParaRPr kumimoji="1" lang="ja-JP" altLang="en-US" sz="2800" dirty="0"/>
+          </a:p>
+        </p:txBody>
+      </p:sp>
+      <p:sp>
+        <p:nvSpPr>
+          <p:cNvPr id="5" name="円/楕円 4"/>
+          <p:cNvSpPr/>
+          <p:nvPr/>
+        </p:nvSpPr>
+        <p:spPr>
+          <a:xfrm>
+            <a:off x="1403648" y="6268173"/>
+            <a:ext cx="1431159" cy="545203"/>
+          </a:xfrm>
+          <a:prstGeom prst="ellipse">
+            <a:avLst/>
+          </a:prstGeom>
+        </p:spPr>
+        <p:style>
+          <a:lnRef idx="2">
+            <a:schemeClr val="accent6"/>
+          </a:lnRef>
+          <a:fillRef idx="1">
+            <a:schemeClr val="lt1"/>
+          </a:fillRef>
+          <a:effectRef idx="0">
+            <a:schemeClr val="accent6"/>
+          </a:effectRef>
+          <a:fontRef idx="minor">
+            <a:schemeClr val="dk1"/>
+          </a:fontRef>
+        </p:style>
+        <p:txBody>
+          <a:bodyPr rtlCol="0" anchor="ctr"/>
+          <a:lstStyle/>
+          <a:p>
+            <a:pPr algn="ctr"/>
+            <a:r>
+              <a:rPr lang="en-US" altLang="ja-JP" sz="2800" dirty="0" smtClean="0"/>
+              <a:t>end</a:t>
+            </a:r>
+            <a:endParaRPr kumimoji="1" lang="en-US" altLang="ja-JP" sz="2800" dirty="0" smtClean="0"/>
+          </a:p>
+        </p:txBody>
+      </p:sp>
+      <p:cxnSp>
+        <p:nvCxnSpPr>
+          <p:cNvPr id="7" name="直線矢印コネクタ 6"/>
+          <p:cNvCxnSpPr/>
+          <p:nvPr/>
+        </p:nvCxnSpPr>
+        <p:spPr>
+          <a:xfrm flipH="1">
+            <a:off x="2106878" y="1813963"/>
+            <a:ext cx="4502" cy="195450"/>
+          </a:xfrm>
+          <a:prstGeom prst="straightConnector1">
+            <a:avLst/>
+          </a:prstGeom>
+          <a:ln>
+            <a:tailEnd type="arrow"/>
+          </a:ln>
+        </p:spPr>
+        <p:style>
+          <a:lnRef idx="1">
+            <a:schemeClr val="accent1"/>
+          </a:lnRef>
+          <a:fillRef idx="0">
+            <a:schemeClr val="accent1"/>
+          </a:fillRef>
+          <a:effectRef idx="0">
+            <a:schemeClr val="accent1"/>
+          </a:effectRef>
+          <a:fontRef idx="minor">
+            <a:schemeClr val="tx1"/>
+          </a:fontRef>
+        </p:style>
+      </p:cxnSp>
+      <p:cxnSp>
+        <p:nvCxnSpPr>
+          <p:cNvPr id="27" name="直線矢印コネクタ 26"/>
+          <p:cNvCxnSpPr/>
+          <p:nvPr/>
+        </p:nvCxnSpPr>
+        <p:spPr>
+          <a:xfrm>
+            <a:off x="2106878" y="5865073"/>
+            <a:ext cx="4502" cy="372239"/>
+          </a:xfrm>
+          <a:prstGeom prst="straightConnector1">
+            <a:avLst/>
+          </a:prstGeom>
+          <a:ln>
+            <a:tailEnd type="arrow"/>
+          </a:ln>
+        </p:spPr>
+        <p:style>
+          <a:lnRef idx="1">
+            <a:schemeClr val="accent1"/>
+          </a:lnRef>
+          <a:fillRef idx="0">
+            <a:schemeClr val="accent1"/>
+          </a:fillRef>
+          <a:effectRef idx="0">
+            <a:schemeClr val="accent1"/>
+          </a:effectRef>
+          <a:fontRef idx="minor">
+            <a:schemeClr val="tx1"/>
+          </a:fontRef>
+        </p:style>
+      </p:cxnSp>
+      <p:cxnSp>
+        <p:nvCxnSpPr>
+          <p:cNvPr id="17" name="直線矢印コネクタ 16"/>
+          <p:cNvCxnSpPr/>
+          <p:nvPr/>
+        </p:nvCxnSpPr>
+        <p:spPr>
+          <a:xfrm>
+            <a:off x="2111379" y="2420888"/>
+            <a:ext cx="11307" cy="360040"/>
+          </a:xfrm>
+          <a:prstGeom prst="straightConnector1">
+            <a:avLst/>
+          </a:prstGeom>
+          <a:ln>
+            <a:tailEnd type="arrow"/>
+          </a:ln>
+        </p:spPr>
+        <p:style>
+          <a:lnRef idx="1">
+            <a:schemeClr val="accent1"/>
+          </a:lnRef>
+          <a:fillRef idx="0">
+            <a:schemeClr val="accent1"/>
+          </a:fillRef>
+          <a:effectRef idx="0">
+            <a:schemeClr val="accent1"/>
+          </a:effectRef>
+          <a:fontRef idx="minor">
+            <a:schemeClr val="tx1"/>
+          </a:fontRef>
+        </p:style>
+      </p:cxnSp>
+      <p:sp>
+        <p:nvSpPr>
+          <p:cNvPr id="25" name="正方形/長方形 24"/>
+          <p:cNvSpPr/>
+          <p:nvPr/>
+        </p:nvSpPr>
+        <p:spPr>
+          <a:xfrm>
+            <a:off x="6660232" y="3288022"/>
+            <a:ext cx="2392508" cy="786014"/>
+          </a:xfrm>
+          <a:prstGeom prst="rect">
+            <a:avLst/>
+          </a:prstGeom>
+        </p:spPr>
+        <p:style>
+          <a:lnRef idx="2">
+            <a:schemeClr val="accent6"/>
+          </a:lnRef>
+          <a:fillRef idx="1">
+            <a:schemeClr val="lt1"/>
+          </a:fillRef>
+          <a:effectRef idx="0">
+            <a:schemeClr val="accent6"/>
+          </a:effectRef>
+          <a:fontRef idx="minor">
+            <a:schemeClr val="dk1"/>
+          </a:fontRef>
+        </p:style>
+        <p:txBody>
+          <a:bodyPr rtlCol="0" anchor="ctr"/>
+          <a:lstStyle/>
+          <a:p>
+            <a:pPr algn="ctr"/>
+            <a:r>
+              <a:rPr lang="ja-JP" altLang="en-US" dirty="0" smtClean="0"/>
+              <a:t>「この数字は偶数です」</a:t>
+            </a:r>
+            <a:endParaRPr lang="en-US" altLang="ja-JP" dirty="0" smtClean="0"/>
+          </a:p>
+          <a:p>
+            <a:pPr algn="ctr"/>
+            <a:r>
+              <a:rPr lang="ja-JP" altLang="en-US" dirty="0" smtClean="0"/>
+              <a:t>と</a:t>
+            </a:r>
+            <a:r>
+              <a:rPr lang="ja-JP" altLang="en-US" dirty="0" smtClean="0"/>
+              <a:t>表示する</a:t>
+            </a:r>
+            <a:endParaRPr lang="en-US" altLang="ja-JP" dirty="0"/>
+          </a:p>
+        </p:txBody>
+      </p:sp>
+      <p:sp>
+        <p:nvSpPr>
+          <p:cNvPr id="23" name="フローチャート : 判断 22"/>
+          <p:cNvSpPr/>
+          <p:nvPr/>
+        </p:nvSpPr>
+        <p:spPr>
+          <a:xfrm>
+            <a:off x="4403287" y="1659566"/>
+            <a:ext cx="3456384" cy="1073487"/>
+          </a:xfrm>
+          <a:prstGeom prst="flowChartDecision">
+            <a:avLst/>
+          </a:prstGeom>
+        </p:spPr>
+        <p:style>
+          <a:lnRef idx="2">
+            <a:schemeClr val="accent6"/>
+          </a:lnRef>
+          <a:fillRef idx="1">
+            <a:schemeClr val="lt1"/>
+          </a:fillRef>
+          <a:effectRef idx="0">
+            <a:schemeClr val="accent6"/>
+          </a:effectRef>
+          <a:fontRef idx="minor">
+            <a:schemeClr val="dk1"/>
+          </a:fontRef>
+        </p:style>
+        <p:txBody>
+          <a:bodyPr rtlCol="0" anchor="ctr"/>
+          <a:lstStyle/>
+          <a:p>
+            <a:pPr algn="ctr"/>
+            <a:r>
+              <a:rPr lang="en-US" altLang="ja-JP" dirty="0" smtClean="0"/>
+              <a:t>X</a:t>
+            </a:r>
+            <a:r>
+              <a:rPr lang="ja-JP" altLang="en-US" dirty="0" smtClean="0"/>
+              <a:t>を</a:t>
+            </a:r>
+            <a:r>
+              <a:rPr lang="en-US" altLang="ja-JP" dirty="0" smtClean="0"/>
+              <a:t>2</a:t>
+            </a:r>
+            <a:r>
+              <a:rPr lang="ja-JP" altLang="en-US" dirty="0" smtClean="0"/>
+              <a:t>で割った余りが</a:t>
+            </a:r>
+            <a:r>
+              <a:rPr lang="en-US" altLang="ja-JP" dirty="0" smtClean="0"/>
+              <a:t>0</a:t>
+            </a:r>
+            <a:r>
+              <a:rPr lang="ja-JP" altLang="en-US" dirty="0" smtClean="0"/>
+              <a:t>である</a:t>
+            </a:r>
+            <a:endParaRPr kumimoji="1" lang="ja-JP" altLang="en-US" dirty="0"/>
+          </a:p>
+        </p:txBody>
+      </p:sp>
+      <p:sp>
+        <p:nvSpPr>
+          <p:cNvPr id="24" name="正方形/長方形 23"/>
+          <p:cNvSpPr/>
+          <p:nvPr/>
+        </p:nvSpPr>
+        <p:spPr>
+          <a:xfrm>
+            <a:off x="6995575" y="1556792"/>
+            <a:ext cx="1104817" cy="511136"/>
+          </a:xfrm>
+          <a:prstGeom prst="rect">
+            <a:avLst/>
+          </a:prstGeom>
+          <a:noFill/>
+          <a:ln>
+            <a:noFill/>
+          </a:ln>
+        </p:spPr>
+        <p:style>
+          <a:lnRef idx="2">
+            <a:schemeClr val="accent1">
+              <a:shade val="50000"/>
+            </a:schemeClr>
+          </a:lnRef>
+          <a:fillRef idx="1">
+            <a:schemeClr val="accent1"/>
+          </a:fillRef>
+          <a:effectRef idx="0">
+            <a:schemeClr val="accent1"/>
+          </a:effectRef>
+          <a:fontRef idx="minor">
+            <a:schemeClr val="lt1"/>
+          </a:fontRef>
+        </p:style>
+        <p:txBody>
+          <a:bodyPr rtlCol="0" anchor="ctr"/>
+          <a:lstStyle/>
+          <a:p>
+            <a:pPr algn="ctr"/>
+            <a:r>
+              <a:rPr lang="en-US" altLang="ja-JP" dirty="0" smtClean="0">
+                <a:solidFill>
+                  <a:schemeClr val="tx1"/>
+                </a:solidFill>
+              </a:rPr>
+              <a:t>yes</a:t>
+            </a:r>
+            <a:endParaRPr kumimoji="1" lang="ja-JP" altLang="en-US" dirty="0">
+              <a:solidFill>
+                <a:schemeClr val="tx1"/>
+              </a:solidFill>
+            </a:endParaRPr>
+          </a:p>
+        </p:txBody>
+      </p:sp>
+      <p:sp>
+        <p:nvSpPr>
+          <p:cNvPr id="29" name="正方形/長方形 28"/>
+          <p:cNvSpPr/>
+          <p:nvPr/>
+        </p:nvSpPr>
+        <p:spPr>
+          <a:xfrm>
+            <a:off x="5231379" y="2716000"/>
+            <a:ext cx="1104817" cy="511136"/>
+          </a:xfrm>
+          <a:prstGeom prst="rect">
+            <a:avLst/>
+          </a:prstGeom>
+          <a:noFill/>
+          <a:ln>
+            <a:noFill/>
+          </a:ln>
+        </p:spPr>
+        <p:style>
+          <a:lnRef idx="2">
+            <a:schemeClr val="accent1">
+              <a:shade val="50000"/>
+            </a:schemeClr>
+          </a:lnRef>
+          <a:fillRef idx="1">
+            <a:schemeClr val="accent1"/>
+          </a:fillRef>
+          <a:effectRef idx="0">
+            <a:schemeClr val="accent1"/>
+          </a:effectRef>
+          <a:fontRef idx="minor">
+            <a:schemeClr val="lt1"/>
+          </a:fontRef>
+        </p:style>
+        <p:txBody>
+          <a:bodyPr rtlCol="0" anchor="ctr"/>
+          <a:lstStyle/>
+          <a:p>
+            <a:pPr algn="ctr"/>
+            <a:r>
+              <a:rPr kumimoji="1" lang="en-US" altLang="ja-JP" dirty="0" smtClean="0">
+                <a:solidFill>
+                  <a:schemeClr val="tx1"/>
+                </a:solidFill>
+              </a:rPr>
+              <a:t>no</a:t>
+            </a:r>
+            <a:endParaRPr kumimoji="1" lang="ja-JP" altLang="en-US" dirty="0">
+              <a:solidFill>
+                <a:schemeClr val="tx1"/>
+              </a:solidFill>
+            </a:endParaRPr>
+          </a:p>
+        </p:txBody>
+      </p:sp>
+      <p:cxnSp>
+        <p:nvCxnSpPr>
+          <p:cNvPr id="31" name="直線矢印コネクタ 30"/>
+          <p:cNvCxnSpPr/>
+          <p:nvPr/>
+        </p:nvCxnSpPr>
+        <p:spPr>
+          <a:xfrm>
+            <a:off x="7884368" y="2129301"/>
+            <a:ext cx="32042" cy="1158721"/>
+          </a:xfrm>
+          <a:prstGeom prst="straightConnector1">
+            <a:avLst/>
+          </a:prstGeom>
+          <a:ln>
+            <a:tailEnd type="arrow"/>
+          </a:ln>
+        </p:spPr>
+        <p:style>
+          <a:lnRef idx="1">
+            <a:schemeClr val="accent1"/>
+          </a:lnRef>
+          <a:fillRef idx="0">
+            <a:schemeClr val="accent1"/>
+          </a:fillRef>
+          <a:effectRef idx="0">
+            <a:schemeClr val="accent1"/>
+          </a:effectRef>
+          <a:fontRef idx="minor">
+            <a:schemeClr val="tx1"/>
+          </a:fontRef>
+        </p:style>
+      </p:cxnSp>
+      <p:cxnSp>
+        <p:nvCxnSpPr>
+          <p:cNvPr id="35" name="直線コネクタ 34"/>
+          <p:cNvCxnSpPr/>
+          <p:nvPr/>
+        </p:nvCxnSpPr>
+        <p:spPr>
+          <a:xfrm>
+            <a:off x="3335515" y="3564461"/>
+            <a:ext cx="360040" cy="0"/>
+          </a:xfrm>
+          <a:prstGeom prst="line">
+            <a:avLst/>
+          </a:prstGeom>
+        </p:spPr>
+        <p:style>
+          <a:lnRef idx="1">
+            <a:schemeClr val="accent1"/>
+          </a:lnRef>
+          <a:fillRef idx="0">
+            <a:schemeClr val="accent1"/>
+          </a:fillRef>
+          <a:effectRef idx="0">
+            <a:schemeClr val="accent1"/>
+          </a:effectRef>
+          <a:fontRef idx="minor">
+            <a:schemeClr val="tx1"/>
+          </a:fontRef>
+        </p:style>
+      </p:cxnSp>
+      <p:cxnSp>
+        <p:nvCxnSpPr>
+          <p:cNvPr id="37" name="直線矢印コネクタ 36"/>
+          <p:cNvCxnSpPr/>
+          <p:nvPr/>
+        </p:nvCxnSpPr>
+        <p:spPr>
+          <a:xfrm>
+            <a:off x="6131479" y="2765177"/>
+            <a:ext cx="0" cy="391544"/>
+          </a:xfrm>
+          <a:prstGeom prst="straightConnector1">
+            <a:avLst/>
+          </a:prstGeom>
+          <a:ln>
+            <a:tailEnd type="arrow"/>
+          </a:ln>
+        </p:spPr>
+        <p:style>
+          <a:lnRef idx="1">
+            <a:schemeClr val="accent1"/>
+          </a:lnRef>
+          <a:fillRef idx="0">
+            <a:schemeClr val="accent1"/>
+          </a:fillRef>
+          <a:effectRef idx="0">
+            <a:schemeClr val="accent1"/>
+          </a:effectRef>
+          <a:fontRef idx="minor">
+            <a:schemeClr val="tx1"/>
+          </a:fontRef>
+        </p:style>
+      </p:cxnSp>
+      <p:cxnSp>
+        <p:nvCxnSpPr>
+          <p:cNvPr id="40" name="直線コネクタ 39"/>
+          <p:cNvCxnSpPr/>
+          <p:nvPr/>
+        </p:nvCxnSpPr>
+        <p:spPr>
+          <a:xfrm flipH="1">
+            <a:off x="7884369" y="4093027"/>
+            <a:ext cx="1" cy="236074"/>
+          </a:xfrm>
+          <a:prstGeom prst="line">
+            <a:avLst/>
+          </a:prstGeom>
+        </p:spPr>
+        <p:style>
+          <a:lnRef idx="1">
+            <a:schemeClr val="accent1"/>
+          </a:lnRef>
+          <a:fillRef idx="0">
+            <a:schemeClr val="accent1"/>
+          </a:fillRef>
+          <a:effectRef idx="0">
+            <a:schemeClr val="accent1"/>
+          </a:effectRef>
+          <a:fontRef idx="minor">
+            <a:schemeClr val="tx1"/>
+          </a:fontRef>
+        </p:style>
+      </p:cxnSp>
+      <p:cxnSp>
+        <p:nvCxnSpPr>
+          <p:cNvPr id="43" name="直線矢印コネクタ 42"/>
+          <p:cNvCxnSpPr/>
+          <p:nvPr/>
+        </p:nvCxnSpPr>
+        <p:spPr>
+          <a:xfrm>
+            <a:off x="2319467" y="3021351"/>
+            <a:ext cx="0" cy="391544"/>
+          </a:xfrm>
+          <a:prstGeom prst="straightConnector1">
+            <a:avLst/>
+          </a:prstGeom>
+          <a:ln>
+            <a:tailEnd type="arrow"/>
+          </a:ln>
+        </p:spPr>
+        <p:style>
+          <a:lnRef idx="1">
+            <a:schemeClr val="accent1"/>
+          </a:lnRef>
+          <a:fillRef idx="0">
+            <a:schemeClr val="accent1"/>
+          </a:fillRef>
+          <a:effectRef idx="0">
+            <a:schemeClr val="accent1"/>
+          </a:effectRef>
+          <a:fontRef idx="minor">
+            <a:schemeClr val="tx1"/>
+          </a:fontRef>
+        </p:style>
+      </p:cxnSp>
+      <p:sp>
+        <p:nvSpPr>
+          <p:cNvPr id="44" name="正方形/長方形 43"/>
+          <p:cNvSpPr/>
+          <p:nvPr/>
+        </p:nvSpPr>
+        <p:spPr>
+          <a:xfrm>
+            <a:off x="971600" y="4149081"/>
+            <a:ext cx="2616986" cy="360040"/>
+          </a:xfrm>
+          <a:prstGeom prst="rect">
+            <a:avLst/>
+          </a:prstGeom>
+        </p:spPr>
+        <p:style>
+          <a:lnRef idx="2">
+            <a:schemeClr val="accent6"/>
+          </a:lnRef>
+          <a:fillRef idx="1">
+            <a:schemeClr val="lt1"/>
+          </a:fillRef>
+          <a:effectRef idx="0">
+            <a:schemeClr val="accent6"/>
+          </a:effectRef>
+          <a:fontRef idx="minor">
+            <a:schemeClr val="dk1"/>
+          </a:fontRef>
+        </p:style>
+        <p:txBody>
+          <a:bodyPr rtlCol="0" anchor="ctr"/>
+          <a:lstStyle/>
+          <a:p>
+            <a:pPr algn="ctr"/>
+            <a:r>
+              <a:rPr lang="ja-JP" altLang="en-US" dirty="0" smtClean="0"/>
+              <a:t>改行文字を表示する</a:t>
+            </a:r>
+            <a:endParaRPr lang="en-US" altLang="ja-JP" dirty="0"/>
+          </a:p>
+        </p:txBody>
+      </p:sp>
+      <p:cxnSp>
+        <p:nvCxnSpPr>
+          <p:cNvPr id="46" name="直線矢印コネクタ 45"/>
+          <p:cNvCxnSpPr/>
+          <p:nvPr/>
+        </p:nvCxnSpPr>
+        <p:spPr>
+          <a:xfrm>
+            <a:off x="2243047" y="5313408"/>
+            <a:ext cx="24698" cy="203825"/>
+          </a:xfrm>
+          <a:prstGeom prst="straightConnector1">
+            <a:avLst/>
+          </a:prstGeom>
+          <a:ln>
+            <a:tailEnd type="arrow"/>
+          </a:ln>
+        </p:spPr>
+        <p:style>
+          <a:lnRef idx="1">
+            <a:schemeClr val="accent1"/>
+          </a:lnRef>
+          <a:fillRef idx="0">
+            <a:schemeClr val="accent1"/>
+          </a:fillRef>
+          <a:effectRef idx="0">
+            <a:schemeClr val="accent1"/>
+          </a:effectRef>
+          <a:fontRef idx="minor">
+            <a:schemeClr val="tx1"/>
+          </a:fontRef>
+        </p:style>
+      </p:cxnSp>
+      <p:sp>
+        <p:nvSpPr>
+          <p:cNvPr id="47" name="片側の 2 つの角を切り取った四角形 46"/>
+          <p:cNvSpPr/>
+          <p:nvPr/>
+        </p:nvSpPr>
+        <p:spPr>
+          <a:xfrm>
+            <a:off x="1403648" y="2708921"/>
+            <a:ext cx="1800200" cy="288032"/>
+          </a:xfrm>
+          <a:prstGeom prst="snip2SameRect">
+            <a:avLst/>
+          </a:prstGeom>
+        </p:spPr>
+        <p:style>
+          <a:lnRef idx="2">
+            <a:schemeClr val="accent6"/>
+          </a:lnRef>
+          <a:fillRef idx="1">
+            <a:schemeClr val="lt1"/>
+          </a:fillRef>
+          <a:effectRef idx="0">
+            <a:schemeClr val="accent6"/>
+          </a:effectRef>
+          <a:fontRef idx="minor">
+            <a:schemeClr val="dk1"/>
+          </a:fontRef>
+        </p:style>
+        <p:txBody>
+          <a:bodyPr rtlCol="0" anchor="ctr"/>
+          <a:lstStyle/>
+          <a:p>
+            <a:pPr algn="ctr"/>
+            <a:r>
+              <a:rPr lang="en-US" altLang="ja-JP" dirty="0" smtClean="0"/>
+              <a:t>X</a:t>
+            </a:r>
+            <a:r>
+              <a:rPr lang="ja-JP" altLang="en-US" dirty="0" smtClean="0"/>
+              <a:t>≦</a:t>
+            </a:r>
+            <a:r>
+              <a:rPr lang="en-US" altLang="ja-JP" dirty="0" smtClean="0"/>
+              <a:t>7</a:t>
+            </a:r>
+            <a:endParaRPr kumimoji="1" lang="ja-JP" altLang="en-US" dirty="0"/>
+          </a:p>
+        </p:txBody>
+      </p:sp>
+      <p:sp>
+        <p:nvSpPr>
+          <p:cNvPr id="48" name="片側の 2 つの角を切り取った四角形 47"/>
+          <p:cNvSpPr/>
+          <p:nvPr/>
+        </p:nvSpPr>
+        <p:spPr>
+          <a:xfrm rot="10800000">
+            <a:off x="1287714" y="5517232"/>
+            <a:ext cx="1800200" cy="288032"/>
+          </a:xfrm>
+          <a:prstGeom prst="snip2SameRect">
+            <a:avLst/>
+          </a:prstGeom>
+        </p:spPr>
+        <p:style>
+          <a:lnRef idx="2">
+            <a:schemeClr val="accent6"/>
+          </a:lnRef>
+          <a:fillRef idx="1">
+            <a:schemeClr val="lt1"/>
+          </a:fillRef>
+          <a:effectRef idx="0">
+            <a:schemeClr val="accent6"/>
+          </a:effectRef>
+          <a:fontRef idx="minor">
+            <a:schemeClr val="dk1"/>
+          </a:fontRef>
+        </p:style>
+        <p:txBody>
+          <a:bodyPr rtlCol="0" anchor="ctr"/>
+          <a:lstStyle/>
+          <a:p>
+            <a:pPr algn="ctr"/>
+            <a:endParaRPr kumimoji="1" lang="ja-JP" altLang="en-US" dirty="0"/>
+          </a:p>
+        </p:txBody>
+      </p:sp>
+      <p:sp>
+        <p:nvSpPr>
+          <p:cNvPr id="49" name="正方形/長方形 48"/>
+          <p:cNvSpPr/>
+          <p:nvPr/>
+        </p:nvSpPr>
+        <p:spPr>
+          <a:xfrm>
+            <a:off x="1403648" y="3429001"/>
+            <a:ext cx="1944216" cy="451926"/>
+          </a:xfrm>
+          <a:prstGeom prst="rect">
+            <a:avLst/>
+          </a:prstGeom>
+        </p:spPr>
+        <p:style>
+          <a:lnRef idx="2">
+            <a:schemeClr val="accent6"/>
+          </a:lnRef>
+          <a:fillRef idx="1">
+            <a:schemeClr val="lt1"/>
+          </a:fillRef>
+          <a:effectRef idx="0">
+            <a:schemeClr val="accent6"/>
+          </a:effectRef>
+          <a:fontRef idx="minor">
+            <a:schemeClr val="dk1"/>
+          </a:fontRef>
+        </p:style>
+        <p:txBody>
+          <a:bodyPr rtlCol="0" anchor="ctr"/>
+          <a:lstStyle/>
+          <a:p>
+            <a:pPr algn="ctr"/>
+            <a:r>
+              <a:rPr lang="en-US" altLang="ja-JP" dirty="0" smtClean="0"/>
+              <a:t>X</a:t>
+            </a:r>
+            <a:r>
+              <a:rPr lang="ja-JP" altLang="en-US" dirty="0" smtClean="0"/>
+              <a:t>を表示する</a:t>
+            </a:r>
+            <a:endParaRPr lang="en-US" altLang="ja-JP" dirty="0" smtClean="0"/>
+          </a:p>
+        </p:txBody>
+      </p:sp>
+      <p:cxnSp>
+        <p:nvCxnSpPr>
+          <p:cNvPr id="50" name="直線矢印コネクタ 49"/>
+          <p:cNvCxnSpPr/>
+          <p:nvPr/>
+        </p:nvCxnSpPr>
+        <p:spPr>
+          <a:xfrm flipH="1">
+            <a:off x="3588586" y="4437112"/>
+            <a:ext cx="1778300" cy="0"/>
+          </a:xfrm>
+          <a:prstGeom prst="straightConnector1">
+            <a:avLst/>
+          </a:prstGeom>
+          <a:ln>
+            <a:tailEnd type="arrow"/>
+          </a:ln>
+        </p:spPr>
+        <p:style>
+          <a:lnRef idx="1">
+            <a:schemeClr val="accent1"/>
+          </a:lnRef>
+          <a:fillRef idx="0">
+            <a:schemeClr val="accent1"/>
+          </a:fillRef>
+          <a:effectRef idx="0">
+            <a:schemeClr val="accent1"/>
+          </a:effectRef>
+          <a:fontRef idx="minor">
+            <a:schemeClr val="tx1"/>
+          </a:fontRef>
+        </p:style>
+      </p:cxnSp>
+      <p:sp>
+        <p:nvSpPr>
+          <p:cNvPr id="51" name="正方形/長方形 50"/>
+          <p:cNvSpPr/>
+          <p:nvPr/>
+        </p:nvSpPr>
+        <p:spPr>
+          <a:xfrm>
+            <a:off x="1018910" y="4869161"/>
+            <a:ext cx="2616986" cy="360040"/>
+          </a:xfrm>
+          <a:prstGeom prst="rect">
+            <a:avLst/>
+          </a:prstGeom>
+        </p:spPr>
+        <p:style>
+          <a:lnRef idx="2">
+            <a:schemeClr val="accent6"/>
+          </a:lnRef>
+          <a:fillRef idx="1">
+            <a:schemeClr val="lt1"/>
+          </a:fillRef>
+          <a:effectRef idx="0">
+            <a:schemeClr val="accent6"/>
+          </a:effectRef>
+          <a:fontRef idx="minor">
+            <a:schemeClr val="dk1"/>
+          </a:fontRef>
+        </p:style>
+        <p:txBody>
+          <a:bodyPr rtlCol="0" anchor="ctr"/>
+          <a:lstStyle/>
+          <a:p>
+            <a:pPr algn="ctr"/>
+            <a:r>
+              <a:rPr lang="en-US" altLang="ja-JP" dirty="0"/>
+              <a:t>x</a:t>
+            </a:r>
+            <a:r>
+              <a:rPr lang="ja-JP" altLang="en-US" dirty="0" smtClean="0"/>
+              <a:t>に</a:t>
+            </a:r>
+            <a:r>
+              <a:rPr lang="en-US" altLang="ja-JP" dirty="0" smtClean="0"/>
+              <a:t>1</a:t>
+            </a:r>
+            <a:r>
+              <a:rPr lang="ja-JP" altLang="en-US" dirty="0" smtClean="0"/>
+              <a:t>を足す</a:t>
+            </a:r>
+            <a:endParaRPr lang="en-US" altLang="ja-JP" dirty="0"/>
+          </a:p>
+        </p:txBody>
+      </p:sp>
+      <p:cxnSp>
+        <p:nvCxnSpPr>
+          <p:cNvPr id="52" name="直線矢印コネクタ 51"/>
+          <p:cNvCxnSpPr/>
+          <p:nvPr/>
+        </p:nvCxnSpPr>
+        <p:spPr>
+          <a:xfrm flipH="1">
+            <a:off x="2243048" y="4593328"/>
+            <a:ext cx="24696" cy="203825"/>
+          </a:xfrm>
+          <a:prstGeom prst="straightConnector1">
+            <a:avLst/>
+          </a:prstGeom>
+          <a:ln>
+            <a:tailEnd type="arrow"/>
+          </a:ln>
+        </p:spPr>
+        <p:style>
+          <a:lnRef idx="1">
+            <a:schemeClr val="accent1"/>
+          </a:lnRef>
+          <a:fillRef idx="0">
+            <a:schemeClr val="accent1"/>
+          </a:fillRef>
+          <a:effectRef idx="0">
+            <a:schemeClr val="accent1"/>
+          </a:effectRef>
+          <a:fontRef idx="minor">
+            <a:schemeClr val="tx1"/>
+          </a:fontRef>
+        </p:style>
+      </p:cxnSp>
+      <p:cxnSp>
+        <p:nvCxnSpPr>
+          <p:cNvPr id="54" name="直線コネクタ 53"/>
+          <p:cNvCxnSpPr/>
+          <p:nvPr/>
+        </p:nvCxnSpPr>
+        <p:spPr>
+          <a:xfrm>
+            <a:off x="3695555" y="1337715"/>
+            <a:ext cx="2460621" cy="3053"/>
+          </a:xfrm>
+          <a:prstGeom prst="line">
+            <a:avLst/>
+          </a:prstGeom>
+        </p:spPr>
+        <p:style>
+          <a:lnRef idx="1">
+            <a:schemeClr val="accent1"/>
+          </a:lnRef>
+          <a:fillRef idx="0">
+            <a:schemeClr val="accent1"/>
+          </a:fillRef>
+          <a:effectRef idx="0">
+            <a:schemeClr val="accent1"/>
+          </a:effectRef>
+          <a:fontRef idx="minor">
+            <a:schemeClr val="tx1"/>
+          </a:fontRef>
+        </p:style>
+      </p:cxnSp>
+      <p:sp>
+        <p:nvSpPr>
+          <p:cNvPr id="55" name="正方形/長方形 54"/>
+          <p:cNvSpPr/>
+          <p:nvPr/>
+        </p:nvSpPr>
+        <p:spPr>
+          <a:xfrm>
+            <a:off x="1327991" y="2007109"/>
+            <a:ext cx="1578082" cy="360040"/>
+          </a:xfrm>
+          <a:prstGeom prst="rect">
+            <a:avLst/>
+          </a:prstGeom>
+        </p:spPr>
+        <p:style>
+          <a:lnRef idx="2">
+            <a:schemeClr val="accent6"/>
+          </a:lnRef>
+          <a:fillRef idx="1">
+            <a:schemeClr val="lt1"/>
+          </a:fillRef>
+          <a:effectRef idx="0">
+            <a:schemeClr val="accent6"/>
+          </a:effectRef>
+          <a:fontRef idx="minor">
+            <a:schemeClr val="dk1"/>
+          </a:fontRef>
+        </p:style>
+        <p:txBody>
+          <a:bodyPr rtlCol="0" anchor="ctr"/>
+          <a:lstStyle/>
+          <a:p>
+            <a:pPr algn="ctr"/>
+            <a:r>
+              <a:rPr lang="en-US" altLang="ja-JP" dirty="0" smtClean="0"/>
+              <a:t>X=1</a:t>
+            </a:r>
+            <a:endParaRPr lang="en-US" altLang="ja-JP" dirty="0"/>
+          </a:p>
+        </p:txBody>
+      </p:sp>
+      <p:cxnSp>
+        <p:nvCxnSpPr>
+          <p:cNvPr id="56" name="直線矢印コネクタ 55"/>
+          <p:cNvCxnSpPr/>
+          <p:nvPr/>
+        </p:nvCxnSpPr>
+        <p:spPr>
+          <a:xfrm>
+            <a:off x="6156176" y="1352967"/>
+            <a:ext cx="0" cy="347841"/>
+          </a:xfrm>
+          <a:prstGeom prst="straightConnector1">
+            <a:avLst/>
+          </a:prstGeom>
+          <a:ln>
+            <a:tailEnd type="arrow"/>
+          </a:ln>
+        </p:spPr>
+        <p:style>
+          <a:lnRef idx="1">
+            <a:schemeClr val="accent1"/>
+          </a:lnRef>
+          <a:fillRef idx="0">
+            <a:schemeClr val="accent1"/>
+          </a:fillRef>
+          <a:effectRef idx="0">
+            <a:schemeClr val="accent1"/>
+          </a:effectRef>
+          <a:fontRef idx="minor">
+            <a:schemeClr val="tx1"/>
+          </a:fontRef>
+        </p:style>
+      </p:cxnSp>
+      <p:sp>
+        <p:nvSpPr>
+          <p:cNvPr id="32" name="正方形/長方形 31"/>
+          <p:cNvSpPr/>
+          <p:nvPr/>
+        </p:nvSpPr>
+        <p:spPr>
+          <a:xfrm>
+            <a:off x="4139952" y="3291058"/>
+            <a:ext cx="2392508" cy="786014"/>
+          </a:xfrm>
+          <a:prstGeom prst="rect">
+            <a:avLst/>
+          </a:prstGeom>
+        </p:spPr>
+        <p:style>
+          <a:lnRef idx="2">
+            <a:schemeClr val="accent6"/>
+          </a:lnRef>
+          <a:fillRef idx="1">
+            <a:schemeClr val="lt1"/>
+          </a:fillRef>
+          <a:effectRef idx="0">
+            <a:schemeClr val="accent6"/>
+          </a:effectRef>
+          <a:fontRef idx="minor">
+            <a:schemeClr val="dk1"/>
+          </a:fontRef>
+        </p:style>
+        <p:txBody>
+          <a:bodyPr rtlCol="0" anchor="ctr"/>
+          <a:lstStyle/>
+          <a:p>
+            <a:pPr algn="ctr"/>
+            <a:r>
+              <a:rPr lang="ja-JP" altLang="en-US" dirty="0" smtClean="0"/>
+              <a:t>「この数字は奇数です」</a:t>
+            </a:r>
+            <a:endParaRPr lang="en-US" altLang="ja-JP" dirty="0" smtClean="0"/>
+          </a:p>
+          <a:p>
+            <a:pPr algn="ctr"/>
+            <a:r>
+              <a:rPr lang="ja-JP" altLang="en-US" dirty="0" smtClean="0"/>
+              <a:t>と</a:t>
+            </a:r>
+            <a:r>
+              <a:rPr lang="ja-JP" altLang="en-US" dirty="0" smtClean="0"/>
+              <a:t>表示する</a:t>
+            </a:r>
+            <a:endParaRPr lang="en-US" altLang="ja-JP" dirty="0"/>
+          </a:p>
+        </p:txBody>
+      </p:sp>
+      <p:cxnSp>
+        <p:nvCxnSpPr>
+          <p:cNvPr id="39" name="直線コネクタ 38"/>
+          <p:cNvCxnSpPr/>
+          <p:nvPr/>
+        </p:nvCxnSpPr>
+        <p:spPr>
+          <a:xfrm flipH="1">
+            <a:off x="5364088" y="4149080"/>
+            <a:ext cx="1" cy="236074"/>
+          </a:xfrm>
+          <a:prstGeom prst="line">
+            <a:avLst/>
+          </a:prstGeom>
+        </p:spPr>
+        <p:style>
+          <a:lnRef idx="1">
+            <a:schemeClr val="accent1"/>
+          </a:lnRef>
+          <a:fillRef idx="0">
+            <a:schemeClr val="accent1"/>
+          </a:fillRef>
+          <a:effectRef idx="0">
+            <a:schemeClr val="accent1"/>
+          </a:effectRef>
+          <a:fontRef idx="minor">
+            <a:schemeClr val="tx1"/>
+          </a:fontRef>
+        </p:style>
+      </p:cxnSp>
+      <p:cxnSp>
+        <p:nvCxnSpPr>
+          <p:cNvPr id="41" name="直線コネクタ 40"/>
+          <p:cNvCxnSpPr/>
+          <p:nvPr/>
+        </p:nvCxnSpPr>
+        <p:spPr>
+          <a:xfrm>
+            <a:off x="5436096" y="4434059"/>
+            <a:ext cx="2460621" cy="3053"/>
+          </a:xfrm>
+          <a:prstGeom prst="line">
+            <a:avLst/>
+          </a:prstGeom>
+        </p:spPr>
+        <p:style>
+          <a:lnRef idx="1">
+            <a:schemeClr val="accent1"/>
+          </a:lnRef>
+          <a:fillRef idx="0">
+            <a:schemeClr val="accent1"/>
+          </a:fillRef>
+          <a:effectRef idx="0">
+            <a:schemeClr val="accent1"/>
+          </a:effectRef>
+          <a:fontRef idx="minor">
+            <a:schemeClr val="tx1"/>
+          </a:fontRef>
+        </p:style>
+      </p:cxnSp>
+      <p:cxnSp>
+        <p:nvCxnSpPr>
+          <p:cNvPr id="42" name="直線コネクタ 41"/>
+          <p:cNvCxnSpPr/>
+          <p:nvPr/>
+        </p:nvCxnSpPr>
+        <p:spPr>
+          <a:xfrm>
+            <a:off x="3695555" y="1352967"/>
+            <a:ext cx="12349" cy="2220049"/>
+          </a:xfrm>
+          <a:prstGeom prst="line">
+            <a:avLst/>
+          </a:prstGeom>
+        </p:spPr>
+        <p:style>
+          <a:lnRef idx="1">
+            <a:schemeClr val="accent1"/>
+          </a:lnRef>
+          <a:fillRef idx="0">
+            <a:schemeClr val="accent1"/>
+          </a:fillRef>
+          <a:effectRef idx="0">
+            <a:schemeClr val="accent1"/>
+          </a:effectRef>
+          <a:fontRef idx="minor">
+            <a:schemeClr val="tx1"/>
+          </a:fontRef>
+        </p:style>
+      </p:cxnSp>
     </p:spTree>
     <p:extLst>
       <p:ext uri="{BB962C8B-B14F-4D97-AF65-F5344CB8AC3E}">
-        <p14:creationId xmlns:p14="http://schemas.microsoft.com/office/powerpoint/2010/main" val="1247683051"/>
+        <p14:creationId xmlns:p14="http://schemas.microsoft.com/office/powerpoint/2010/main" val="3988712251"/>
+      </p:ext>
+    </p:extLst>
+  </p:cSld>
+  <p:clrMapOvr>
+    <a:masterClrMapping/>
+  </p:clrMapOvr>
+</p:sld>
+</file>
+
+<file path=ppt/slides/slide11.xml><?xml version="1.0" encoding="utf-8"?>
+<p:sld xmlns:a="http://schemas.openxmlformats.org/drawingml/2006/main" xmlns:r="http://schemas.openxmlformats.org/officeDocument/2006/relationships" xmlns:p="http://schemas.openxmlformats.org/presentationml/2006/main">
+  <p:cSld>
+    <p:spTree>
+      <p:nvGrpSpPr>
+        <p:cNvPr id="1" name=""/>
+        <p:cNvGrpSpPr/>
+        <p:nvPr/>
+      </p:nvGrpSpPr>
+      <p:grpSpPr>
+        <a:xfrm>
+          <a:off x="0" y="0"/>
+          <a:ext cx="0" cy="0"/>
+          <a:chOff x="0" y="0"/>
+          <a:chExt cx="0" cy="0"/>
+        </a:xfrm>
+      </p:grpSpPr>
+      <p:sp>
+        <p:nvSpPr>
+          <p:cNvPr id="2" name="タイトル 1"/>
+          <p:cNvSpPr>
+            <a:spLocks noGrp="1"/>
+          </p:cNvSpPr>
+          <p:nvPr>
+            <p:ph type="title"/>
+          </p:nvPr>
+        </p:nvSpPr>
+        <p:spPr>
+          <a:xfrm>
+            <a:off x="457200" y="202630"/>
+            <a:ext cx="8229600" cy="706090"/>
+          </a:xfrm>
+        </p:spPr>
+        <p:txBody>
+          <a:bodyPr>
+            <a:normAutofit/>
+          </a:bodyPr>
+          <a:lstStyle/>
+          <a:p>
+            <a:r>
+              <a:rPr lang="ja-JP" altLang="en-US" sz="1800" dirty="0"/>
+              <a:t>フローチャートで自動販売機のシステムを完成させなさい</a:t>
+            </a:r>
+            <a:r>
+              <a:rPr lang="ja-JP" altLang="en-US" sz="1800" dirty="0" smtClean="0"/>
+              <a:t>。</a:t>
+            </a:r>
+            <a:r>
+              <a:rPr lang="en-US" altLang="ja-JP" sz="1800" dirty="0" smtClean="0"/>
+              <a:t/>
+            </a:r>
+            <a:br>
+              <a:rPr lang="en-US" altLang="ja-JP" sz="1800" dirty="0" smtClean="0"/>
+            </a:br>
+            <a:r>
+              <a:rPr lang="ja-JP" altLang="en-US" sz="1800" dirty="0" smtClean="0"/>
+              <a:t>ど</a:t>
+            </a:r>
+            <a:r>
+              <a:rPr lang="ja-JP" altLang="en-US" sz="1800" dirty="0"/>
+              <a:t>のような処理を盛り込んで完成させるかは自由です。</a:t>
+            </a:r>
+            <a:endParaRPr kumimoji="1" lang="ja-JP" altLang="en-US" sz="2000" dirty="0">
+              <a:latin typeface="メイリオ" pitchFamily="50" charset="-128"/>
+              <a:ea typeface="メイリオ" pitchFamily="50" charset="-128"/>
+            </a:endParaRPr>
+          </a:p>
+        </p:txBody>
+      </p:sp>
+      <p:sp>
+        <p:nvSpPr>
+          <p:cNvPr id="4" name="円/楕円 3"/>
+          <p:cNvSpPr/>
+          <p:nvPr/>
+        </p:nvSpPr>
+        <p:spPr>
+          <a:xfrm>
+            <a:off x="1331640" y="908720"/>
+            <a:ext cx="1236485" cy="474151"/>
+          </a:xfrm>
+          <a:prstGeom prst="ellipse">
+            <a:avLst/>
+          </a:prstGeom>
+        </p:spPr>
+        <p:style>
+          <a:lnRef idx="2">
+            <a:schemeClr val="accent6"/>
+          </a:lnRef>
+          <a:fillRef idx="1">
+            <a:schemeClr val="lt1"/>
+          </a:fillRef>
+          <a:effectRef idx="0">
+            <a:schemeClr val="accent6"/>
+          </a:effectRef>
+          <a:fontRef idx="minor">
+            <a:schemeClr val="dk1"/>
+          </a:fontRef>
+        </p:style>
+        <p:txBody>
+          <a:bodyPr rtlCol="0" anchor="ctr"/>
+          <a:lstStyle/>
+          <a:p>
+            <a:pPr algn="ctr"/>
+            <a:r>
+              <a:rPr kumimoji="1" lang="en-US" altLang="ja-JP" sz="2800" dirty="0" smtClean="0"/>
+              <a:t>start</a:t>
+            </a:r>
+            <a:endParaRPr kumimoji="1" lang="ja-JP" altLang="en-US" sz="2800" dirty="0"/>
+          </a:p>
+        </p:txBody>
+      </p:sp>
+      <p:sp>
+        <p:nvSpPr>
+          <p:cNvPr id="5" name="円/楕円 4"/>
+          <p:cNvSpPr/>
+          <p:nvPr/>
+        </p:nvSpPr>
+        <p:spPr>
+          <a:xfrm>
+            <a:off x="1259632" y="6237312"/>
+            <a:ext cx="1431159" cy="545203"/>
+          </a:xfrm>
+          <a:prstGeom prst="ellipse">
+            <a:avLst/>
+          </a:prstGeom>
+        </p:spPr>
+        <p:style>
+          <a:lnRef idx="2">
+            <a:schemeClr val="accent6"/>
+          </a:lnRef>
+          <a:fillRef idx="1">
+            <a:schemeClr val="lt1"/>
+          </a:fillRef>
+          <a:effectRef idx="0">
+            <a:schemeClr val="accent6"/>
+          </a:effectRef>
+          <a:fontRef idx="minor">
+            <a:schemeClr val="dk1"/>
+          </a:fontRef>
+        </p:style>
+        <p:txBody>
+          <a:bodyPr rtlCol="0" anchor="ctr"/>
+          <a:lstStyle/>
+          <a:p>
+            <a:pPr algn="ctr"/>
+            <a:r>
+              <a:rPr lang="en-US" altLang="ja-JP" sz="2800" dirty="0" smtClean="0"/>
+              <a:t>end</a:t>
+            </a:r>
+            <a:endParaRPr kumimoji="1" lang="en-US" altLang="ja-JP" sz="2800" dirty="0" smtClean="0"/>
+          </a:p>
+        </p:txBody>
+      </p:sp>
+      <p:cxnSp>
+        <p:nvCxnSpPr>
+          <p:cNvPr id="7" name="直線矢印コネクタ 6"/>
+          <p:cNvCxnSpPr/>
+          <p:nvPr/>
+        </p:nvCxnSpPr>
+        <p:spPr>
+          <a:xfrm flipH="1">
+            <a:off x="1975211" y="1412776"/>
+            <a:ext cx="4502" cy="195450"/>
+          </a:xfrm>
+          <a:prstGeom prst="straightConnector1">
+            <a:avLst/>
+          </a:prstGeom>
+          <a:ln>
+            <a:tailEnd type="arrow"/>
+          </a:ln>
+        </p:spPr>
+        <p:style>
+          <a:lnRef idx="1">
+            <a:schemeClr val="accent1"/>
+          </a:lnRef>
+          <a:fillRef idx="0">
+            <a:schemeClr val="accent1"/>
+          </a:fillRef>
+          <a:effectRef idx="0">
+            <a:schemeClr val="accent1"/>
+          </a:effectRef>
+          <a:fontRef idx="minor">
+            <a:schemeClr val="tx1"/>
+          </a:fontRef>
+        </p:style>
+      </p:cxnSp>
+      <p:sp>
+        <p:nvSpPr>
+          <p:cNvPr id="25" name="正方形/長方形 24"/>
+          <p:cNvSpPr/>
+          <p:nvPr/>
+        </p:nvSpPr>
+        <p:spPr>
+          <a:xfrm>
+            <a:off x="7580092" y="2924944"/>
+            <a:ext cx="1528412" cy="421930"/>
+          </a:xfrm>
+          <a:prstGeom prst="rect">
+            <a:avLst/>
+          </a:prstGeom>
+        </p:spPr>
+        <p:style>
+          <a:lnRef idx="2">
+            <a:schemeClr val="accent6"/>
+          </a:lnRef>
+          <a:fillRef idx="1">
+            <a:schemeClr val="lt1"/>
+          </a:fillRef>
+          <a:effectRef idx="0">
+            <a:schemeClr val="accent6"/>
+          </a:effectRef>
+          <a:fontRef idx="minor">
+            <a:schemeClr val="dk1"/>
+          </a:fontRef>
+        </p:style>
+        <p:txBody>
+          <a:bodyPr rtlCol="0" anchor="ctr"/>
+          <a:lstStyle/>
+          <a:p>
+            <a:pPr algn="ctr"/>
+            <a:r>
+              <a:rPr lang="en-US" altLang="ja-JP" dirty="0" smtClean="0"/>
+              <a:t>X</a:t>
+            </a:r>
+            <a:r>
+              <a:rPr lang="ja-JP" altLang="en-US" dirty="0" smtClean="0"/>
+              <a:t>を表示する</a:t>
+            </a:r>
+            <a:endParaRPr lang="en-US" altLang="ja-JP" dirty="0"/>
+          </a:p>
+        </p:txBody>
+      </p:sp>
+      <p:sp>
+        <p:nvSpPr>
+          <p:cNvPr id="23" name="フローチャート : 判断 22"/>
+          <p:cNvSpPr/>
+          <p:nvPr/>
+        </p:nvSpPr>
+        <p:spPr>
+          <a:xfrm>
+            <a:off x="116475" y="2852937"/>
+            <a:ext cx="3735445" cy="826530"/>
+          </a:xfrm>
+          <a:prstGeom prst="flowChartDecision">
+            <a:avLst/>
+          </a:prstGeom>
+        </p:spPr>
+        <p:style>
+          <a:lnRef idx="2">
+            <a:schemeClr val="accent6"/>
+          </a:lnRef>
+          <a:fillRef idx="1">
+            <a:schemeClr val="lt1"/>
+          </a:fillRef>
+          <a:effectRef idx="0">
+            <a:schemeClr val="accent6"/>
+          </a:effectRef>
+          <a:fontRef idx="minor">
+            <a:schemeClr val="dk1"/>
+          </a:fontRef>
+        </p:style>
+        <p:txBody>
+          <a:bodyPr rtlCol="0" anchor="ctr"/>
+          <a:lstStyle/>
+          <a:p>
+            <a:pPr algn="ctr"/>
+            <a:r>
+              <a:rPr kumimoji="1" lang="ja-JP" altLang="en-US" dirty="0" smtClean="0"/>
+              <a:t>おつり返却ボタンが押してあるか</a:t>
+            </a:r>
+            <a:endParaRPr kumimoji="1" lang="ja-JP" altLang="en-US" dirty="0"/>
+          </a:p>
+        </p:txBody>
+      </p:sp>
+      <p:sp>
+        <p:nvSpPr>
+          <p:cNvPr id="24" name="正方形/長方形 23"/>
+          <p:cNvSpPr/>
+          <p:nvPr/>
+        </p:nvSpPr>
+        <p:spPr>
+          <a:xfrm>
+            <a:off x="1763688" y="3709952"/>
+            <a:ext cx="1104817" cy="511136"/>
+          </a:xfrm>
+          <a:prstGeom prst="rect">
+            <a:avLst/>
+          </a:prstGeom>
+          <a:noFill/>
+          <a:ln>
+            <a:noFill/>
+          </a:ln>
+        </p:spPr>
+        <p:style>
+          <a:lnRef idx="2">
+            <a:schemeClr val="accent1">
+              <a:shade val="50000"/>
+            </a:schemeClr>
+          </a:lnRef>
+          <a:fillRef idx="1">
+            <a:schemeClr val="accent1"/>
+          </a:fillRef>
+          <a:effectRef idx="0">
+            <a:schemeClr val="accent1"/>
+          </a:effectRef>
+          <a:fontRef idx="minor">
+            <a:schemeClr val="lt1"/>
+          </a:fontRef>
+        </p:style>
+        <p:txBody>
+          <a:bodyPr rtlCol="0" anchor="ctr"/>
+          <a:lstStyle/>
+          <a:p>
+            <a:pPr algn="ctr"/>
+            <a:r>
+              <a:rPr lang="en-US" altLang="ja-JP" dirty="0" smtClean="0">
+                <a:solidFill>
+                  <a:schemeClr val="tx1"/>
+                </a:solidFill>
+              </a:rPr>
+              <a:t>yes</a:t>
+            </a:r>
+            <a:endParaRPr kumimoji="1" lang="ja-JP" altLang="en-US" dirty="0">
+              <a:solidFill>
+                <a:schemeClr val="tx1"/>
+              </a:solidFill>
+            </a:endParaRPr>
+          </a:p>
+        </p:txBody>
+      </p:sp>
+      <p:sp>
+        <p:nvSpPr>
+          <p:cNvPr id="29" name="正方形/長方形 28"/>
+          <p:cNvSpPr/>
+          <p:nvPr/>
+        </p:nvSpPr>
+        <p:spPr>
+          <a:xfrm>
+            <a:off x="3131840" y="2773848"/>
+            <a:ext cx="1104817" cy="511136"/>
+          </a:xfrm>
+          <a:prstGeom prst="rect">
+            <a:avLst/>
+          </a:prstGeom>
+          <a:noFill/>
+          <a:ln>
+            <a:noFill/>
+          </a:ln>
+        </p:spPr>
+        <p:style>
+          <a:lnRef idx="2">
+            <a:schemeClr val="accent1">
+              <a:shade val="50000"/>
+            </a:schemeClr>
+          </a:lnRef>
+          <a:fillRef idx="1">
+            <a:schemeClr val="accent1"/>
+          </a:fillRef>
+          <a:effectRef idx="0">
+            <a:schemeClr val="accent1"/>
+          </a:effectRef>
+          <a:fontRef idx="minor">
+            <a:schemeClr val="lt1"/>
+          </a:fontRef>
+        </p:style>
+        <p:txBody>
+          <a:bodyPr rtlCol="0" anchor="ctr"/>
+          <a:lstStyle/>
+          <a:p>
+            <a:pPr algn="ctr"/>
+            <a:r>
+              <a:rPr kumimoji="1" lang="en-US" altLang="ja-JP" dirty="0" smtClean="0">
+                <a:solidFill>
+                  <a:schemeClr val="tx1"/>
+                </a:solidFill>
+              </a:rPr>
+              <a:t>no</a:t>
+            </a:r>
+            <a:endParaRPr kumimoji="1" lang="ja-JP" altLang="en-US" dirty="0">
+              <a:solidFill>
+                <a:schemeClr val="tx1"/>
+              </a:solidFill>
+            </a:endParaRPr>
+          </a:p>
+        </p:txBody>
+      </p:sp>
+      <p:cxnSp>
+        <p:nvCxnSpPr>
+          <p:cNvPr id="31" name="直線矢印コネクタ 30"/>
+          <p:cNvCxnSpPr/>
+          <p:nvPr/>
+        </p:nvCxnSpPr>
+        <p:spPr>
+          <a:xfrm>
+            <a:off x="8388424" y="2060848"/>
+            <a:ext cx="0" cy="831145"/>
+          </a:xfrm>
+          <a:prstGeom prst="straightConnector1">
+            <a:avLst/>
+          </a:prstGeom>
+          <a:ln>
+            <a:tailEnd type="arrow"/>
+          </a:ln>
+        </p:spPr>
+        <p:style>
+          <a:lnRef idx="1">
+            <a:schemeClr val="accent1"/>
+          </a:lnRef>
+          <a:fillRef idx="0">
+            <a:schemeClr val="accent1"/>
+          </a:fillRef>
+          <a:effectRef idx="0">
+            <a:schemeClr val="accent1"/>
+          </a:effectRef>
+          <a:fontRef idx="minor">
+            <a:schemeClr val="tx1"/>
+          </a:fontRef>
+        </p:style>
+      </p:cxnSp>
+      <p:cxnSp>
+        <p:nvCxnSpPr>
+          <p:cNvPr id="35" name="直線コネクタ 34"/>
+          <p:cNvCxnSpPr/>
+          <p:nvPr/>
+        </p:nvCxnSpPr>
+        <p:spPr>
+          <a:xfrm>
+            <a:off x="3851920" y="3348437"/>
+            <a:ext cx="360040" cy="0"/>
+          </a:xfrm>
+          <a:prstGeom prst="line">
+            <a:avLst/>
+          </a:prstGeom>
+        </p:spPr>
+        <p:style>
+          <a:lnRef idx="1">
+            <a:schemeClr val="accent1"/>
+          </a:lnRef>
+          <a:fillRef idx="0">
+            <a:schemeClr val="accent1"/>
+          </a:fillRef>
+          <a:effectRef idx="0">
+            <a:schemeClr val="accent1"/>
+          </a:effectRef>
+          <a:fontRef idx="minor">
+            <a:schemeClr val="tx1"/>
+          </a:fontRef>
+        </p:style>
+      </p:cxnSp>
+      <p:cxnSp>
+        <p:nvCxnSpPr>
+          <p:cNvPr id="37" name="直線矢印コネクタ 36"/>
+          <p:cNvCxnSpPr/>
+          <p:nvPr/>
+        </p:nvCxnSpPr>
+        <p:spPr>
+          <a:xfrm>
+            <a:off x="6156176" y="2492896"/>
+            <a:ext cx="0" cy="391544"/>
+          </a:xfrm>
+          <a:prstGeom prst="straightConnector1">
+            <a:avLst/>
+          </a:prstGeom>
+          <a:ln>
+            <a:tailEnd type="arrow"/>
+          </a:ln>
+        </p:spPr>
+        <p:style>
+          <a:lnRef idx="1">
+            <a:schemeClr val="accent1"/>
+          </a:lnRef>
+          <a:fillRef idx="0">
+            <a:schemeClr val="accent1"/>
+          </a:fillRef>
+          <a:effectRef idx="0">
+            <a:schemeClr val="accent1"/>
+          </a:effectRef>
+          <a:fontRef idx="minor">
+            <a:schemeClr val="tx1"/>
+          </a:fontRef>
+        </p:style>
+      </p:cxnSp>
+      <p:cxnSp>
+        <p:nvCxnSpPr>
+          <p:cNvPr id="46" name="直線矢印コネクタ 45"/>
+          <p:cNvCxnSpPr/>
+          <p:nvPr/>
+        </p:nvCxnSpPr>
+        <p:spPr>
+          <a:xfrm>
+            <a:off x="1979712" y="5949280"/>
+            <a:ext cx="24698" cy="203825"/>
+          </a:xfrm>
+          <a:prstGeom prst="straightConnector1">
+            <a:avLst/>
+          </a:prstGeom>
+          <a:ln>
+            <a:tailEnd type="arrow"/>
+          </a:ln>
+        </p:spPr>
+        <p:style>
+          <a:lnRef idx="1">
+            <a:schemeClr val="accent1"/>
+          </a:lnRef>
+          <a:fillRef idx="0">
+            <a:schemeClr val="accent1"/>
+          </a:fillRef>
+          <a:effectRef idx="0">
+            <a:schemeClr val="accent1"/>
+          </a:effectRef>
+          <a:fontRef idx="minor">
+            <a:schemeClr val="tx1"/>
+          </a:fontRef>
+        </p:style>
+      </p:cxnSp>
+      <p:cxnSp>
+        <p:nvCxnSpPr>
+          <p:cNvPr id="54" name="直線コネクタ 53"/>
+          <p:cNvCxnSpPr/>
+          <p:nvPr/>
+        </p:nvCxnSpPr>
+        <p:spPr>
+          <a:xfrm>
+            <a:off x="4211960" y="1340768"/>
+            <a:ext cx="1944216" cy="1"/>
+          </a:xfrm>
+          <a:prstGeom prst="line">
+            <a:avLst/>
+          </a:prstGeom>
+        </p:spPr>
+        <p:style>
+          <a:lnRef idx="1">
+            <a:schemeClr val="accent1"/>
+          </a:lnRef>
+          <a:fillRef idx="0">
+            <a:schemeClr val="accent1"/>
+          </a:fillRef>
+          <a:effectRef idx="0">
+            <a:schemeClr val="accent1"/>
+          </a:effectRef>
+          <a:fontRef idx="minor">
+            <a:schemeClr val="tx1"/>
+          </a:fontRef>
+        </p:style>
+      </p:cxnSp>
+      <p:cxnSp>
+        <p:nvCxnSpPr>
+          <p:cNvPr id="56" name="直線矢印コネクタ 55"/>
+          <p:cNvCxnSpPr/>
+          <p:nvPr/>
+        </p:nvCxnSpPr>
+        <p:spPr>
+          <a:xfrm>
+            <a:off x="6156176" y="1352967"/>
+            <a:ext cx="0" cy="347841"/>
+          </a:xfrm>
+          <a:prstGeom prst="straightConnector1">
+            <a:avLst/>
+          </a:prstGeom>
+          <a:ln>
+            <a:tailEnd type="arrow"/>
+          </a:ln>
+        </p:spPr>
+        <p:style>
+          <a:lnRef idx="1">
+            <a:schemeClr val="accent1"/>
+          </a:lnRef>
+          <a:fillRef idx="0">
+            <a:schemeClr val="accent1"/>
+          </a:fillRef>
+          <a:effectRef idx="0">
+            <a:schemeClr val="accent1"/>
+          </a:effectRef>
+          <a:fontRef idx="minor">
+            <a:schemeClr val="tx1"/>
+          </a:fontRef>
+        </p:style>
+      </p:cxnSp>
+      <p:sp>
+        <p:nvSpPr>
+          <p:cNvPr id="32" name="正方形/長方形 31"/>
+          <p:cNvSpPr/>
+          <p:nvPr/>
+        </p:nvSpPr>
+        <p:spPr>
+          <a:xfrm>
+            <a:off x="5137920" y="2924944"/>
+            <a:ext cx="2026368" cy="754522"/>
+          </a:xfrm>
+          <a:prstGeom prst="rect">
+            <a:avLst/>
+          </a:prstGeom>
+        </p:spPr>
+        <p:style>
+          <a:lnRef idx="2">
+            <a:schemeClr val="accent6"/>
+          </a:lnRef>
+          <a:fillRef idx="1">
+            <a:schemeClr val="lt1"/>
+          </a:fillRef>
+          <a:effectRef idx="0">
+            <a:schemeClr val="accent6"/>
+          </a:effectRef>
+          <a:fontRef idx="minor">
+            <a:schemeClr val="dk1"/>
+          </a:fontRef>
+        </p:style>
+        <p:txBody>
+          <a:bodyPr rtlCol="0" anchor="ctr"/>
+          <a:lstStyle/>
+          <a:p>
+            <a:pPr algn="ctr"/>
+            <a:r>
+              <a:rPr lang="ja-JP" altLang="en-US" dirty="0"/>
+              <a:t>買え</a:t>
+            </a:r>
+            <a:r>
+              <a:rPr lang="ja-JP" altLang="en-US" dirty="0" smtClean="0"/>
+              <a:t>る</a:t>
+            </a:r>
+            <a:r>
+              <a:rPr lang="ja-JP" altLang="en-US" dirty="0"/>
+              <a:t>商品</a:t>
+            </a:r>
+            <a:r>
+              <a:rPr lang="ja-JP" altLang="en-US" dirty="0" smtClean="0"/>
+              <a:t>の</a:t>
+            </a:r>
+            <a:r>
+              <a:rPr lang="ja-JP" altLang="en-US" dirty="0"/>
+              <a:t>ボタン</a:t>
+            </a:r>
+            <a:r>
+              <a:rPr lang="ja-JP" altLang="en-US" dirty="0" smtClean="0"/>
+              <a:t>を</a:t>
+            </a:r>
+            <a:r>
+              <a:rPr lang="ja-JP" altLang="en-US" dirty="0"/>
+              <a:t>光らせる</a:t>
+            </a:r>
+            <a:endParaRPr lang="en-US" altLang="ja-JP" dirty="0"/>
+          </a:p>
+        </p:txBody>
+      </p:sp>
+      <p:cxnSp>
+        <p:nvCxnSpPr>
+          <p:cNvPr id="42" name="直線コネクタ 41"/>
+          <p:cNvCxnSpPr/>
+          <p:nvPr/>
+        </p:nvCxnSpPr>
+        <p:spPr>
+          <a:xfrm flipH="1">
+            <a:off x="4224309" y="1352967"/>
+            <a:ext cx="12348" cy="2004025"/>
+          </a:xfrm>
+          <a:prstGeom prst="line">
+            <a:avLst/>
+          </a:prstGeom>
+        </p:spPr>
+        <p:style>
+          <a:lnRef idx="1">
+            <a:schemeClr val="accent1"/>
+          </a:lnRef>
+          <a:fillRef idx="0">
+            <a:schemeClr val="accent1"/>
+          </a:fillRef>
+          <a:effectRef idx="0">
+            <a:schemeClr val="accent1"/>
+          </a:effectRef>
+          <a:fontRef idx="minor">
+            <a:schemeClr val="tx1"/>
+          </a:fontRef>
+        </p:style>
+      </p:cxnSp>
+      <p:sp>
+        <p:nvSpPr>
+          <p:cNvPr id="33" name="フローチャート : 手操作入力 32"/>
+          <p:cNvSpPr/>
+          <p:nvPr/>
+        </p:nvSpPr>
+        <p:spPr>
+          <a:xfrm>
+            <a:off x="810658" y="1628800"/>
+            <a:ext cx="2393190" cy="411474"/>
+          </a:xfrm>
+          <a:prstGeom prst="flowChartManualInput">
+            <a:avLst/>
+          </a:prstGeom>
+        </p:spPr>
+        <p:style>
+          <a:lnRef idx="2">
+            <a:schemeClr val="accent6"/>
+          </a:lnRef>
+          <a:fillRef idx="1">
+            <a:schemeClr val="lt1"/>
+          </a:fillRef>
+          <a:effectRef idx="0">
+            <a:schemeClr val="accent6"/>
+          </a:effectRef>
+          <a:fontRef idx="minor">
+            <a:schemeClr val="dk1"/>
+          </a:fontRef>
+        </p:style>
+        <p:txBody>
+          <a:bodyPr rtlCol="0" anchor="ctr"/>
+          <a:lstStyle/>
+          <a:p>
+            <a:pPr algn="ctr"/>
+            <a:r>
+              <a:rPr lang="ja-JP" altLang="en-US" dirty="0" smtClean="0"/>
+              <a:t>お金を入力する</a:t>
+            </a:r>
+            <a:endParaRPr lang="en-US" altLang="ja-JP" dirty="0"/>
+          </a:p>
+        </p:txBody>
+      </p:sp>
+      <p:cxnSp>
+        <p:nvCxnSpPr>
+          <p:cNvPr id="34" name="直線矢印コネクタ 33"/>
+          <p:cNvCxnSpPr/>
+          <p:nvPr/>
+        </p:nvCxnSpPr>
+        <p:spPr>
+          <a:xfrm flipH="1">
+            <a:off x="1979712" y="2060848"/>
+            <a:ext cx="4502" cy="195450"/>
+          </a:xfrm>
+          <a:prstGeom prst="straightConnector1">
+            <a:avLst/>
+          </a:prstGeom>
+          <a:ln>
+            <a:tailEnd type="arrow"/>
+          </a:ln>
+        </p:spPr>
+        <p:style>
+          <a:lnRef idx="1">
+            <a:schemeClr val="accent1"/>
+          </a:lnRef>
+          <a:fillRef idx="0">
+            <a:schemeClr val="accent1"/>
+          </a:fillRef>
+          <a:effectRef idx="0">
+            <a:schemeClr val="accent1"/>
+          </a:effectRef>
+          <a:fontRef idx="minor">
+            <a:schemeClr val="tx1"/>
+          </a:fontRef>
+        </p:style>
+      </p:cxnSp>
+      <p:sp>
+        <p:nvSpPr>
+          <p:cNvPr id="36" name="正方形/長方形 35"/>
+          <p:cNvSpPr/>
+          <p:nvPr/>
+        </p:nvSpPr>
+        <p:spPr>
+          <a:xfrm>
+            <a:off x="1043608" y="2256994"/>
+            <a:ext cx="2160240" cy="451926"/>
+          </a:xfrm>
+          <a:prstGeom prst="rect">
+            <a:avLst/>
+          </a:prstGeom>
+        </p:spPr>
+        <p:style>
+          <a:lnRef idx="2">
+            <a:schemeClr val="accent6"/>
+          </a:lnRef>
+          <a:fillRef idx="1">
+            <a:schemeClr val="lt1"/>
+          </a:fillRef>
+          <a:effectRef idx="0">
+            <a:schemeClr val="accent6"/>
+          </a:effectRef>
+          <a:fontRef idx="minor">
+            <a:schemeClr val="dk1"/>
+          </a:fontRef>
+        </p:style>
+        <p:txBody>
+          <a:bodyPr rtlCol="0" anchor="ctr"/>
+          <a:lstStyle/>
+          <a:p>
+            <a:pPr algn="ctr"/>
+            <a:r>
+              <a:rPr lang="ja-JP" altLang="en-US" dirty="0" smtClean="0"/>
+              <a:t>金額</a:t>
+            </a:r>
+            <a:r>
+              <a:rPr lang="en-US" altLang="ja-JP" dirty="0" smtClean="0"/>
+              <a:t>(X)</a:t>
+            </a:r>
+            <a:r>
+              <a:rPr lang="ja-JP" altLang="en-US" dirty="0" smtClean="0"/>
+              <a:t>を表示する</a:t>
+            </a:r>
+            <a:endParaRPr lang="en-US" altLang="ja-JP" dirty="0" smtClean="0"/>
+          </a:p>
+        </p:txBody>
+      </p:sp>
+      <p:cxnSp>
+        <p:nvCxnSpPr>
+          <p:cNvPr id="45" name="直線矢印コネクタ 44"/>
+          <p:cNvCxnSpPr/>
+          <p:nvPr/>
+        </p:nvCxnSpPr>
+        <p:spPr>
+          <a:xfrm>
+            <a:off x="1977462" y="3938056"/>
+            <a:ext cx="2250" cy="1579177"/>
+          </a:xfrm>
+          <a:prstGeom prst="straightConnector1">
+            <a:avLst/>
+          </a:prstGeom>
+          <a:ln>
+            <a:tailEnd type="arrow"/>
+          </a:ln>
+        </p:spPr>
+        <p:style>
+          <a:lnRef idx="1">
+            <a:schemeClr val="accent1"/>
+          </a:lnRef>
+          <a:fillRef idx="0">
+            <a:schemeClr val="accent1"/>
+          </a:fillRef>
+          <a:effectRef idx="0">
+            <a:schemeClr val="accent1"/>
+          </a:effectRef>
+          <a:fontRef idx="minor">
+            <a:schemeClr val="tx1"/>
+          </a:fontRef>
+        </p:style>
+      </p:cxnSp>
+      <p:sp>
+        <p:nvSpPr>
+          <p:cNvPr id="53" name="正方形/長方形 52"/>
+          <p:cNvSpPr/>
+          <p:nvPr/>
+        </p:nvSpPr>
+        <p:spPr>
+          <a:xfrm>
+            <a:off x="683568" y="5589240"/>
+            <a:ext cx="2616986" cy="360040"/>
+          </a:xfrm>
+          <a:prstGeom prst="rect">
+            <a:avLst/>
+          </a:prstGeom>
+        </p:spPr>
+        <p:style>
+          <a:lnRef idx="2">
+            <a:schemeClr val="accent6"/>
+          </a:lnRef>
+          <a:fillRef idx="1">
+            <a:schemeClr val="lt1"/>
+          </a:fillRef>
+          <a:effectRef idx="0">
+            <a:schemeClr val="accent6"/>
+          </a:effectRef>
+          <a:fontRef idx="minor">
+            <a:schemeClr val="dk1"/>
+          </a:fontRef>
+        </p:style>
+        <p:txBody>
+          <a:bodyPr rtlCol="0" anchor="ctr"/>
+          <a:lstStyle/>
+          <a:p>
+            <a:pPr algn="ctr"/>
+            <a:r>
+              <a:rPr lang="ja-JP" altLang="en-US" dirty="0" smtClean="0"/>
+              <a:t>残金</a:t>
+            </a:r>
+            <a:r>
+              <a:rPr lang="en-US" altLang="ja-JP" dirty="0" smtClean="0"/>
+              <a:t>(X-Y)</a:t>
+            </a:r>
+            <a:r>
+              <a:rPr lang="ja-JP" altLang="en-US" dirty="0" smtClean="0"/>
+              <a:t>を出力する</a:t>
+            </a:r>
+            <a:endParaRPr lang="en-US" altLang="ja-JP" dirty="0"/>
+          </a:p>
+        </p:txBody>
+      </p:sp>
+      <p:sp>
+        <p:nvSpPr>
+          <p:cNvPr id="57" name="フローチャート : 判断 56"/>
+          <p:cNvSpPr/>
+          <p:nvPr/>
+        </p:nvSpPr>
+        <p:spPr>
+          <a:xfrm>
+            <a:off x="4292939" y="1700808"/>
+            <a:ext cx="3735445" cy="782149"/>
+          </a:xfrm>
+          <a:prstGeom prst="flowChartDecision">
+            <a:avLst/>
+          </a:prstGeom>
+        </p:spPr>
+        <p:style>
+          <a:lnRef idx="2">
+            <a:schemeClr val="accent6"/>
+          </a:lnRef>
+          <a:fillRef idx="1">
+            <a:schemeClr val="lt1"/>
+          </a:fillRef>
+          <a:effectRef idx="0">
+            <a:schemeClr val="accent6"/>
+          </a:effectRef>
+          <a:fontRef idx="minor">
+            <a:schemeClr val="dk1"/>
+          </a:fontRef>
+        </p:style>
+        <p:txBody>
+          <a:bodyPr rtlCol="0" anchor="ctr"/>
+          <a:lstStyle/>
+          <a:p>
+            <a:pPr algn="ctr"/>
+            <a:r>
+              <a:rPr kumimoji="1" lang="ja-JP" altLang="en-US" dirty="0" smtClean="0"/>
+              <a:t>購入する額</a:t>
+            </a:r>
+            <a:r>
+              <a:rPr kumimoji="1" lang="en-US" altLang="ja-JP" dirty="0" smtClean="0"/>
+              <a:t>Y</a:t>
+            </a:r>
+            <a:r>
+              <a:rPr kumimoji="1" lang="ja-JP" altLang="en-US" dirty="0" smtClean="0"/>
+              <a:t>まで投入されたか</a:t>
+            </a:r>
+            <a:endParaRPr kumimoji="1" lang="ja-JP" altLang="en-US" dirty="0"/>
+          </a:p>
+        </p:txBody>
+      </p:sp>
+      <p:cxnSp>
+        <p:nvCxnSpPr>
+          <p:cNvPr id="58" name="直線コネクタ 57"/>
+          <p:cNvCxnSpPr/>
+          <p:nvPr/>
+        </p:nvCxnSpPr>
+        <p:spPr>
+          <a:xfrm>
+            <a:off x="8028384" y="2067441"/>
+            <a:ext cx="360040" cy="0"/>
+          </a:xfrm>
+          <a:prstGeom prst="line">
+            <a:avLst/>
+          </a:prstGeom>
+        </p:spPr>
+        <p:style>
+          <a:lnRef idx="1">
+            <a:schemeClr val="accent1"/>
+          </a:lnRef>
+          <a:fillRef idx="0">
+            <a:schemeClr val="accent1"/>
+          </a:fillRef>
+          <a:effectRef idx="0">
+            <a:schemeClr val="accent1"/>
+          </a:effectRef>
+          <a:fontRef idx="minor">
+            <a:schemeClr val="tx1"/>
+          </a:fontRef>
+        </p:style>
+      </p:cxnSp>
+      <p:sp>
+        <p:nvSpPr>
+          <p:cNvPr id="59" name="正方形/長方形 58"/>
+          <p:cNvSpPr/>
+          <p:nvPr/>
+        </p:nvSpPr>
+        <p:spPr>
+          <a:xfrm>
+            <a:off x="5987463" y="2276872"/>
+            <a:ext cx="1104817" cy="511136"/>
+          </a:xfrm>
+          <a:prstGeom prst="rect">
+            <a:avLst/>
+          </a:prstGeom>
+          <a:noFill/>
+          <a:ln>
+            <a:noFill/>
+          </a:ln>
+        </p:spPr>
+        <p:style>
+          <a:lnRef idx="2">
+            <a:schemeClr val="accent1">
+              <a:shade val="50000"/>
+            </a:schemeClr>
+          </a:lnRef>
+          <a:fillRef idx="1">
+            <a:schemeClr val="accent1"/>
+          </a:fillRef>
+          <a:effectRef idx="0">
+            <a:schemeClr val="accent1"/>
+          </a:effectRef>
+          <a:fontRef idx="minor">
+            <a:schemeClr val="lt1"/>
+          </a:fontRef>
+        </p:style>
+        <p:txBody>
+          <a:bodyPr rtlCol="0" anchor="ctr"/>
+          <a:lstStyle/>
+          <a:p>
+            <a:pPr algn="ctr"/>
+            <a:r>
+              <a:rPr lang="en-US" altLang="ja-JP" dirty="0" smtClean="0">
+                <a:solidFill>
+                  <a:schemeClr val="tx1"/>
+                </a:solidFill>
+              </a:rPr>
+              <a:t>yes</a:t>
+            </a:r>
+            <a:endParaRPr kumimoji="1" lang="ja-JP" altLang="en-US" dirty="0">
+              <a:solidFill>
+                <a:schemeClr val="tx1"/>
+              </a:solidFill>
+            </a:endParaRPr>
+          </a:p>
+        </p:txBody>
+      </p:sp>
+      <p:sp>
+        <p:nvSpPr>
+          <p:cNvPr id="60" name="正方形/長方形 59"/>
+          <p:cNvSpPr/>
+          <p:nvPr/>
+        </p:nvSpPr>
+        <p:spPr>
+          <a:xfrm>
+            <a:off x="7355615" y="1628800"/>
+            <a:ext cx="1104817" cy="511136"/>
+          </a:xfrm>
+          <a:prstGeom prst="rect">
+            <a:avLst/>
+          </a:prstGeom>
+          <a:noFill/>
+          <a:ln>
+            <a:noFill/>
+          </a:ln>
+        </p:spPr>
+        <p:style>
+          <a:lnRef idx="2">
+            <a:schemeClr val="accent1">
+              <a:shade val="50000"/>
+            </a:schemeClr>
+          </a:lnRef>
+          <a:fillRef idx="1">
+            <a:schemeClr val="accent1"/>
+          </a:fillRef>
+          <a:effectRef idx="0">
+            <a:schemeClr val="accent1"/>
+          </a:effectRef>
+          <a:fontRef idx="minor">
+            <a:schemeClr val="lt1"/>
+          </a:fontRef>
+        </p:style>
+        <p:txBody>
+          <a:bodyPr rtlCol="0" anchor="ctr"/>
+          <a:lstStyle/>
+          <a:p>
+            <a:pPr algn="ctr"/>
+            <a:r>
+              <a:rPr kumimoji="1" lang="en-US" altLang="ja-JP" dirty="0" smtClean="0">
+                <a:solidFill>
+                  <a:schemeClr val="tx1"/>
+                </a:solidFill>
+              </a:rPr>
+              <a:t>no</a:t>
+            </a:r>
+            <a:endParaRPr kumimoji="1" lang="ja-JP" altLang="en-US" dirty="0">
+              <a:solidFill>
+                <a:schemeClr val="tx1"/>
+              </a:solidFill>
+            </a:endParaRPr>
+          </a:p>
+        </p:txBody>
+      </p:sp>
+      <p:sp>
+        <p:nvSpPr>
+          <p:cNvPr id="61" name="フローチャート : 判断 60"/>
+          <p:cNvSpPr/>
+          <p:nvPr/>
+        </p:nvSpPr>
+        <p:spPr>
+          <a:xfrm>
+            <a:off x="4283381" y="3908691"/>
+            <a:ext cx="3735445" cy="818954"/>
+          </a:xfrm>
+          <a:prstGeom prst="flowChartDecision">
+            <a:avLst/>
+          </a:prstGeom>
+        </p:spPr>
+        <p:style>
+          <a:lnRef idx="2">
+            <a:schemeClr val="accent6"/>
+          </a:lnRef>
+          <a:fillRef idx="1">
+            <a:schemeClr val="lt1"/>
+          </a:fillRef>
+          <a:effectRef idx="0">
+            <a:schemeClr val="accent6"/>
+          </a:effectRef>
+          <a:fontRef idx="minor">
+            <a:schemeClr val="dk1"/>
+          </a:fontRef>
+        </p:style>
+        <p:txBody>
+          <a:bodyPr rtlCol="0" anchor="ctr"/>
+          <a:lstStyle/>
+          <a:p>
+            <a:pPr algn="ctr"/>
+            <a:r>
+              <a:rPr kumimoji="1" lang="ja-JP" altLang="en-US" dirty="0" smtClean="0"/>
+              <a:t>おつり返却ボタンが押してあるか</a:t>
+            </a:r>
+            <a:endParaRPr kumimoji="1" lang="ja-JP" altLang="en-US" dirty="0"/>
+          </a:p>
+        </p:txBody>
+      </p:sp>
+      <p:cxnSp>
+        <p:nvCxnSpPr>
+          <p:cNvPr id="62" name="直線矢印コネクタ 61"/>
+          <p:cNvCxnSpPr/>
+          <p:nvPr/>
+        </p:nvCxnSpPr>
+        <p:spPr>
+          <a:xfrm>
+            <a:off x="6156176" y="3541512"/>
+            <a:ext cx="0" cy="391544"/>
+          </a:xfrm>
+          <a:prstGeom prst="straightConnector1">
+            <a:avLst/>
+          </a:prstGeom>
+          <a:ln>
+            <a:tailEnd type="arrow"/>
+          </a:ln>
+        </p:spPr>
+        <p:style>
+          <a:lnRef idx="1">
+            <a:schemeClr val="accent1"/>
+          </a:lnRef>
+          <a:fillRef idx="0">
+            <a:schemeClr val="accent1"/>
+          </a:fillRef>
+          <a:effectRef idx="0">
+            <a:schemeClr val="accent1"/>
+          </a:effectRef>
+          <a:fontRef idx="minor">
+            <a:schemeClr val="tx1"/>
+          </a:fontRef>
+        </p:style>
+      </p:cxnSp>
+      <p:sp>
+        <p:nvSpPr>
+          <p:cNvPr id="63" name="正方形/長方形 62"/>
+          <p:cNvSpPr/>
+          <p:nvPr/>
+        </p:nvSpPr>
+        <p:spPr>
+          <a:xfrm>
+            <a:off x="6084168" y="4581128"/>
+            <a:ext cx="1104817" cy="511136"/>
+          </a:xfrm>
+          <a:prstGeom prst="rect">
+            <a:avLst/>
+          </a:prstGeom>
+          <a:noFill/>
+          <a:ln>
+            <a:noFill/>
+          </a:ln>
+        </p:spPr>
+        <p:style>
+          <a:lnRef idx="2">
+            <a:schemeClr val="accent1">
+              <a:shade val="50000"/>
+            </a:schemeClr>
+          </a:lnRef>
+          <a:fillRef idx="1">
+            <a:schemeClr val="accent1"/>
+          </a:fillRef>
+          <a:effectRef idx="0">
+            <a:schemeClr val="accent1"/>
+          </a:effectRef>
+          <a:fontRef idx="minor">
+            <a:schemeClr val="lt1"/>
+          </a:fontRef>
+        </p:style>
+        <p:txBody>
+          <a:bodyPr rtlCol="0" anchor="ctr"/>
+          <a:lstStyle/>
+          <a:p>
+            <a:pPr algn="ctr"/>
+            <a:r>
+              <a:rPr lang="en-US" altLang="ja-JP" dirty="0" smtClean="0">
+                <a:solidFill>
+                  <a:schemeClr val="tx1"/>
+                </a:solidFill>
+              </a:rPr>
+              <a:t>yes</a:t>
+            </a:r>
+            <a:endParaRPr kumimoji="1" lang="ja-JP" altLang="en-US" dirty="0">
+              <a:solidFill>
+                <a:schemeClr val="tx1"/>
+              </a:solidFill>
+            </a:endParaRPr>
+          </a:p>
+        </p:txBody>
+      </p:sp>
+      <p:sp>
+        <p:nvSpPr>
+          <p:cNvPr id="64" name="正方形/長方形 63"/>
+          <p:cNvSpPr/>
+          <p:nvPr/>
+        </p:nvSpPr>
+        <p:spPr>
+          <a:xfrm>
+            <a:off x="7452320" y="3645024"/>
+            <a:ext cx="1104817" cy="511136"/>
+          </a:xfrm>
+          <a:prstGeom prst="rect">
+            <a:avLst/>
+          </a:prstGeom>
+          <a:noFill/>
+          <a:ln>
+            <a:noFill/>
+          </a:ln>
+        </p:spPr>
+        <p:style>
+          <a:lnRef idx="2">
+            <a:schemeClr val="accent1">
+              <a:shade val="50000"/>
+            </a:schemeClr>
+          </a:lnRef>
+          <a:fillRef idx="1">
+            <a:schemeClr val="accent1"/>
+          </a:fillRef>
+          <a:effectRef idx="0">
+            <a:schemeClr val="accent1"/>
+          </a:effectRef>
+          <a:fontRef idx="minor">
+            <a:schemeClr val="lt1"/>
+          </a:fontRef>
+        </p:style>
+        <p:txBody>
+          <a:bodyPr rtlCol="0" anchor="ctr"/>
+          <a:lstStyle/>
+          <a:p>
+            <a:pPr algn="ctr"/>
+            <a:r>
+              <a:rPr kumimoji="1" lang="en-US" altLang="ja-JP" dirty="0" smtClean="0">
+                <a:solidFill>
+                  <a:schemeClr val="tx1"/>
+                </a:solidFill>
+              </a:rPr>
+              <a:t>no</a:t>
+            </a:r>
+            <a:endParaRPr kumimoji="1" lang="ja-JP" altLang="en-US" dirty="0">
+              <a:solidFill>
+                <a:schemeClr val="tx1"/>
+              </a:solidFill>
+            </a:endParaRPr>
+          </a:p>
+        </p:txBody>
+      </p:sp>
+      <p:cxnSp>
+        <p:nvCxnSpPr>
+          <p:cNvPr id="65" name="直線矢印コネクタ 64"/>
+          <p:cNvCxnSpPr/>
+          <p:nvPr/>
+        </p:nvCxnSpPr>
+        <p:spPr>
+          <a:xfrm>
+            <a:off x="8388424" y="4326047"/>
+            <a:ext cx="0" cy="401597"/>
+          </a:xfrm>
+          <a:prstGeom prst="straightConnector1">
+            <a:avLst/>
+          </a:prstGeom>
+          <a:ln>
+            <a:tailEnd type="arrow"/>
+          </a:ln>
+        </p:spPr>
+        <p:style>
+          <a:lnRef idx="1">
+            <a:schemeClr val="accent1"/>
+          </a:lnRef>
+          <a:fillRef idx="0">
+            <a:schemeClr val="accent1"/>
+          </a:fillRef>
+          <a:effectRef idx="0">
+            <a:schemeClr val="accent1"/>
+          </a:effectRef>
+          <a:fontRef idx="minor">
+            <a:schemeClr val="tx1"/>
+          </a:fontRef>
+        </p:style>
+      </p:cxnSp>
+      <p:cxnSp>
+        <p:nvCxnSpPr>
+          <p:cNvPr id="66" name="直線矢印コネクタ 65"/>
+          <p:cNvCxnSpPr/>
+          <p:nvPr/>
+        </p:nvCxnSpPr>
+        <p:spPr>
+          <a:xfrm flipH="1">
+            <a:off x="3384814" y="5750458"/>
+            <a:ext cx="2699354" cy="37604"/>
+          </a:xfrm>
+          <a:prstGeom prst="straightConnector1">
+            <a:avLst/>
+          </a:prstGeom>
+          <a:ln>
+            <a:tailEnd type="arrow"/>
+          </a:ln>
+        </p:spPr>
+        <p:style>
+          <a:lnRef idx="1">
+            <a:schemeClr val="accent1"/>
+          </a:lnRef>
+          <a:fillRef idx="0">
+            <a:schemeClr val="accent1"/>
+          </a:fillRef>
+          <a:effectRef idx="0">
+            <a:schemeClr val="accent1"/>
+          </a:effectRef>
+          <a:fontRef idx="minor">
+            <a:schemeClr val="tx1"/>
+          </a:fontRef>
+        </p:style>
+      </p:cxnSp>
+      <p:cxnSp>
+        <p:nvCxnSpPr>
+          <p:cNvPr id="67" name="直線コネクタ 66"/>
+          <p:cNvCxnSpPr/>
+          <p:nvPr/>
+        </p:nvCxnSpPr>
+        <p:spPr>
+          <a:xfrm>
+            <a:off x="8028384" y="4332640"/>
+            <a:ext cx="360040" cy="0"/>
+          </a:xfrm>
+          <a:prstGeom prst="line">
+            <a:avLst/>
+          </a:prstGeom>
+        </p:spPr>
+        <p:style>
+          <a:lnRef idx="1">
+            <a:schemeClr val="accent1"/>
+          </a:lnRef>
+          <a:fillRef idx="0">
+            <a:schemeClr val="accent1"/>
+          </a:fillRef>
+          <a:effectRef idx="0">
+            <a:schemeClr val="accent1"/>
+          </a:effectRef>
+          <a:fontRef idx="minor">
+            <a:schemeClr val="tx1"/>
+          </a:fontRef>
+        </p:style>
+      </p:cxnSp>
+      <p:cxnSp>
+        <p:nvCxnSpPr>
+          <p:cNvPr id="68" name="直線コネクタ 67"/>
+          <p:cNvCxnSpPr/>
+          <p:nvPr/>
+        </p:nvCxnSpPr>
+        <p:spPr>
+          <a:xfrm flipH="1">
+            <a:off x="6156176" y="4727644"/>
+            <a:ext cx="16833" cy="1022814"/>
+          </a:xfrm>
+          <a:prstGeom prst="line">
+            <a:avLst/>
+          </a:prstGeom>
+        </p:spPr>
+        <p:style>
+          <a:lnRef idx="1">
+            <a:schemeClr val="accent1"/>
+          </a:lnRef>
+          <a:fillRef idx="0">
+            <a:schemeClr val="accent1"/>
+          </a:fillRef>
+          <a:effectRef idx="0">
+            <a:schemeClr val="accent1"/>
+          </a:effectRef>
+          <a:fontRef idx="minor">
+            <a:schemeClr val="tx1"/>
+          </a:fontRef>
+        </p:style>
+      </p:cxnSp>
+      <p:sp>
+        <p:nvSpPr>
+          <p:cNvPr id="69" name="正方形/長方形 68"/>
+          <p:cNvSpPr/>
+          <p:nvPr/>
+        </p:nvSpPr>
+        <p:spPr>
+          <a:xfrm>
+            <a:off x="7580091" y="4715003"/>
+            <a:ext cx="1579109" cy="524048"/>
+          </a:xfrm>
+          <a:prstGeom prst="rect">
+            <a:avLst/>
+          </a:prstGeom>
+        </p:spPr>
+        <p:style>
+          <a:lnRef idx="2">
+            <a:schemeClr val="accent6"/>
+          </a:lnRef>
+          <a:fillRef idx="1">
+            <a:schemeClr val="lt1"/>
+          </a:fillRef>
+          <a:effectRef idx="0">
+            <a:schemeClr val="accent6"/>
+          </a:effectRef>
+          <a:fontRef idx="minor">
+            <a:schemeClr val="dk1"/>
+          </a:fontRef>
+        </p:style>
+        <p:txBody>
+          <a:bodyPr rtlCol="0" anchor="ctr"/>
+          <a:lstStyle/>
+          <a:p>
+            <a:pPr algn="ctr"/>
+            <a:r>
+              <a:rPr lang="ja-JP" altLang="en-US" dirty="0" smtClean="0"/>
+              <a:t>ボタンを押す</a:t>
+            </a:r>
+            <a:endParaRPr lang="en-US" altLang="ja-JP" dirty="0"/>
+          </a:p>
+        </p:txBody>
+      </p:sp>
+      <p:cxnSp>
+        <p:nvCxnSpPr>
+          <p:cNvPr id="70" name="直線矢印コネクタ 69"/>
+          <p:cNvCxnSpPr/>
+          <p:nvPr/>
+        </p:nvCxnSpPr>
+        <p:spPr>
+          <a:xfrm>
+            <a:off x="8404669" y="5229200"/>
+            <a:ext cx="0" cy="401597"/>
+          </a:xfrm>
+          <a:prstGeom prst="straightConnector1">
+            <a:avLst/>
+          </a:prstGeom>
+          <a:ln>
+            <a:tailEnd type="arrow"/>
+          </a:ln>
+        </p:spPr>
+        <p:style>
+          <a:lnRef idx="1">
+            <a:schemeClr val="accent1"/>
+          </a:lnRef>
+          <a:fillRef idx="0">
+            <a:schemeClr val="accent1"/>
+          </a:fillRef>
+          <a:effectRef idx="0">
+            <a:schemeClr val="accent1"/>
+          </a:effectRef>
+          <a:fontRef idx="minor">
+            <a:schemeClr val="tx1"/>
+          </a:fontRef>
+        </p:style>
+      </p:cxnSp>
+      <p:sp>
+        <p:nvSpPr>
+          <p:cNvPr id="71" name="正方形/長方形 70"/>
+          <p:cNvSpPr/>
+          <p:nvPr/>
+        </p:nvSpPr>
+        <p:spPr>
+          <a:xfrm>
+            <a:off x="7596336" y="5618156"/>
+            <a:ext cx="1579109" cy="524048"/>
+          </a:xfrm>
+          <a:prstGeom prst="rect">
+            <a:avLst/>
+          </a:prstGeom>
+        </p:spPr>
+        <p:style>
+          <a:lnRef idx="2">
+            <a:schemeClr val="accent6"/>
+          </a:lnRef>
+          <a:fillRef idx="1">
+            <a:schemeClr val="lt1"/>
+          </a:fillRef>
+          <a:effectRef idx="0">
+            <a:schemeClr val="accent6"/>
+          </a:effectRef>
+          <a:fontRef idx="minor">
+            <a:schemeClr val="dk1"/>
+          </a:fontRef>
+        </p:style>
+        <p:txBody>
+          <a:bodyPr rtlCol="0" anchor="ctr"/>
+          <a:lstStyle/>
+          <a:p>
+            <a:pPr algn="ctr"/>
+            <a:r>
+              <a:rPr lang="ja-JP" altLang="en-US" dirty="0" smtClean="0"/>
+              <a:t>商品を出す</a:t>
+            </a:r>
+            <a:endParaRPr lang="en-US" altLang="ja-JP" dirty="0"/>
+          </a:p>
+        </p:txBody>
+      </p:sp>
+      <p:cxnSp>
+        <p:nvCxnSpPr>
+          <p:cNvPr id="72" name="直線矢印コネクタ 71"/>
+          <p:cNvCxnSpPr>
+            <a:stCxn id="71" idx="1"/>
+          </p:cNvCxnSpPr>
+          <p:nvPr/>
+        </p:nvCxnSpPr>
+        <p:spPr>
+          <a:xfrm flipH="1">
+            <a:off x="3384815" y="5880180"/>
+            <a:ext cx="4211521" cy="60283"/>
+          </a:xfrm>
+          <a:prstGeom prst="straightConnector1">
+            <a:avLst/>
+          </a:prstGeom>
+          <a:ln>
+            <a:tailEnd type="arrow"/>
+          </a:ln>
+        </p:spPr>
+        <p:style>
+          <a:lnRef idx="1">
+            <a:schemeClr val="accent1"/>
+          </a:lnRef>
+          <a:fillRef idx="0">
+            <a:schemeClr val="accent1"/>
+          </a:fillRef>
+          <a:effectRef idx="0">
+            <a:schemeClr val="accent1"/>
+          </a:effectRef>
+          <a:fontRef idx="minor">
+            <a:schemeClr val="tx1"/>
+          </a:fontRef>
+        </p:style>
+      </p:cxnSp>
+    </p:spTree>
+    <p:extLst>
+      <p:ext uri="{BB962C8B-B14F-4D97-AF65-F5344CB8AC3E}">
+        <p14:creationId xmlns:p14="http://schemas.microsoft.com/office/powerpoint/2010/main" val="4039940083"/>
       </p:ext>
     </p:extLst>
   </p:cSld>
@@ -3472,31 +6486,31 @@
           <a:lstStyle/>
           <a:p>
             <a:r>
-              <a:rPr kumimoji="1" lang="ja-JP" altLang="en-US" sz="2000" dirty="0" smtClean="0">
-                <a:latin typeface="メイリオ" pitchFamily="50" charset="-128"/>
-                <a:ea typeface="メイリオ" pitchFamily="50" charset="-128"/>
-              </a:rPr>
-              <a:t>文字の表示</a:t>
-            </a:r>
-            <a:r>
-              <a:rPr kumimoji="1" lang="en-US" altLang="ja-JP" sz="2000" dirty="0" smtClean="0">
-                <a:latin typeface="メイリオ" pitchFamily="50" charset="-128"/>
-                <a:ea typeface="メイリオ" pitchFamily="50" charset="-128"/>
-              </a:rPr>
+              <a:rPr lang="ja-JP" altLang="en-US" sz="2000" dirty="0" smtClean="0"/>
+              <a:t>文字の追加</a:t>
+            </a:r>
+            <a:r>
+              <a:rPr lang="en-US" altLang="ja-JP" sz="2000" dirty="0" smtClean="0"/>
               <a:t/>
             </a:r>
             <a:br>
-              <a:rPr kumimoji="1" lang="en-US" altLang="ja-JP" sz="2000" dirty="0" smtClean="0">
-                <a:latin typeface="メイリオ" pitchFamily="50" charset="-128"/>
-                <a:ea typeface="メイリオ" pitchFamily="50" charset="-128"/>
-              </a:rPr>
+              <a:rPr lang="en-US" altLang="ja-JP" sz="2000" dirty="0" smtClean="0"/>
             </a:br>
             <a:r>
-              <a:rPr kumimoji="1" lang="ja-JP" altLang="en-US" sz="2000" dirty="0" smtClean="0">
-                <a:latin typeface="メイリオ" pitchFamily="50" charset="-128"/>
-                <a:ea typeface="メイリオ" pitchFamily="50" charset="-128"/>
-              </a:rPr>
-              <a:t>実行すると「こんにちは」を表示</a:t>
+              <a:rPr lang="ja-JP" altLang="en-US" sz="2000" dirty="0" smtClean="0"/>
+              <a:t>入</a:t>
+            </a:r>
+            <a:r>
+              <a:rPr lang="ja-JP" altLang="en-US" sz="2000" dirty="0"/>
+              <a:t>力された文字に「入力された文字は</a:t>
+            </a:r>
+            <a:r>
+              <a:rPr lang="en-US" altLang="ja-JP" sz="2000" dirty="0"/>
+              <a:t>:</a:t>
+            </a:r>
+            <a:r>
+              <a:rPr lang="ja-JP" altLang="en-US" sz="2000" dirty="0"/>
+              <a:t>」という文字を追加する処理</a:t>
             </a:r>
             <a:endParaRPr kumimoji="1" lang="ja-JP" altLang="en-US" sz="2000" dirty="0">
               <a:latin typeface="メイリオ" pitchFamily="50" charset="-128"/>
@@ -3513,8 +6527,8 @@
         </p:nvSpPr>
         <p:spPr>
           <a:xfrm>
-            <a:off x="3226463" y="1628800"/>
-            <a:ext cx="2376264" cy="905243"/>
+            <a:off x="3707904" y="1412776"/>
+            <a:ext cx="1431159" cy="545203"/>
           </a:xfrm>
           <a:prstGeom prst="ellipse">
             <a:avLst/>
@@ -3555,8 +6569,8 @@
         </p:nvSpPr>
         <p:spPr>
           <a:xfrm>
-            <a:off x="3226463" y="5116045"/>
-            <a:ext cx="2376264" cy="905243"/>
+            <a:off x="3759716" y="6124157"/>
+            <a:ext cx="1431159" cy="545203"/>
           </a:xfrm>
           <a:prstGeom prst="ellipse">
             <a:avLst/>
@@ -3596,9 +6610,9 @@
           <p:nvPr/>
         </p:nvCxnSpPr>
         <p:spPr>
-          <a:xfrm>
-            <a:off x="4414595" y="2708920"/>
-            <a:ext cx="0" cy="648072"/>
+          <a:xfrm flipH="1">
+            <a:off x="4423483" y="1957979"/>
+            <a:ext cx="4501" cy="390901"/>
           </a:xfrm>
           <a:prstGeom prst="straightConnector1">
             <a:avLst/>
@@ -3630,8 +6644,8 @@
         </p:nvCxnSpPr>
         <p:spPr>
           <a:xfrm>
-            <a:off x="4427984" y="4365104"/>
-            <a:ext cx="0" cy="648072"/>
+            <a:off x="4463988" y="5697252"/>
+            <a:ext cx="0" cy="324036"/>
           </a:xfrm>
           <a:prstGeom prst="straightConnector1">
             <a:avLst/>
@@ -3663,7 +6677,7 @@
         </p:nvSpPr>
         <p:spPr>
           <a:xfrm>
-            <a:off x="2290359" y="3501008"/>
+            <a:off x="2290359" y="3717032"/>
             <a:ext cx="4369874" cy="648072"/>
           </a:xfrm>
           <a:prstGeom prst="rect">
@@ -3690,8 +6704,182 @@
           <a:p>
             <a:pPr algn="ctr"/>
             <a:r>
+              <a:rPr kumimoji="1" lang="en-US" altLang="ja-JP" dirty="0" smtClean="0"/>
+              <a:t>X</a:t>
+            </a:r>
+            <a:r>
               <a:rPr kumimoji="1" lang="ja-JP" altLang="en-US" dirty="0" smtClean="0"/>
-              <a:t>「こんにちは」と画面に表示</a:t>
+              <a:t>に</a:t>
+            </a:r>
+            <a:r>
+              <a:rPr lang="ja-JP" altLang="en-US" dirty="0" smtClean="0"/>
+              <a:t>「入力された文字は</a:t>
+            </a:r>
+            <a:r>
+              <a:rPr lang="en-US" altLang="ja-JP" dirty="0" smtClean="0"/>
+              <a:t>:</a:t>
+            </a:r>
+            <a:r>
+              <a:rPr lang="ja-JP" altLang="en-US" dirty="0" smtClean="0"/>
+              <a:t>」をプラス</a:t>
+            </a:r>
+            <a:endParaRPr kumimoji="1" lang="en-US" altLang="ja-JP" dirty="0" smtClean="0"/>
+          </a:p>
+        </p:txBody>
+      </p:sp>
+      <p:sp>
+        <p:nvSpPr>
+          <p:cNvPr id="12" name="フローチャート : 手操作入力 11"/>
+          <p:cNvSpPr/>
+          <p:nvPr/>
+        </p:nvSpPr>
+        <p:spPr>
+          <a:xfrm>
+            <a:off x="3347864" y="2348880"/>
+            <a:ext cx="2232248" cy="822949"/>
+          </a:xfrm>
+          <a:prstGeom prst="flowChartManualInput">
+            <a:avLst/>
+          </a:prstGeom>
+        </p:spPr>
+        <p:style>
+          <a:lnRef idx="2">
+            <a:schemeClr val="accent6"/>
+          </a:lnRef>
+          <a:fillRef idx="1">
+            <a:schemeClr val="lt1"/>
+          </a:fillRef>
+          <a:effectRef idx="0">
+            <a:schemeClr val="accent6"/>
+          </a:effectRef>
+          <a:fontRef idx="minor">
+            <a:schemeClr val="dk1"/>
+          </a:fontRef>
+        </p:style>
+        <p:txBody>
+          <a:bodyPr rtlCol="0" anchor="ctr"/>
+          <a:lstStyle/>
+          <a:p>
+            <a:pPr algn="ctr"/>
+            <a:r>
+              <a:rPr kumimoji="1" lang="en-US" altLang="ja-JP" dirty="0" smtClean="0"/>
+              <a:t>X</a:t>
+            </a:r>
+            <a:r>
+              <a:rPr kumimoji="1" lang="ja-JP" altLang="en-US" dirty="0" smtClean="0"/>
+              <a:t>に文字を入力</a:t>
+            </a:r>
+            <a:endParaRPr kumimoji="1" lang="ja-JP" altLang="en-US" dirty="0"/>
+          </a:p>
+        </p:txBody>
+      </p:sp>
+      <p:cxnSp>
+        <p:nvCxnSpPr>
+          <p:cNvPr id="15" name="直線矢印コネクタ 14"/>
+          <p:cNvCxnSpPr/>
+          <p:nvPr/>
+        </p:nvCxnSpPr>
+        <p:spPr>
+          <a:xfrm flipH="1">
+            <a:off x="4495491" y="3212976"/>
+            <a:ext cx="4501" cy="390901"/>
+          </a:xfrm>
+          <a:prstGeom prst="straightConnector1">
+            <a:avLst/>
+          </a:prstGeom>
+          <a:ln>
+            <a:tailEnd type="arrow"/>
+          </a:ln>
+        </p:spPr>
+        <p:style>
+          <a:lnRef idx="1">
+            <a:schemeClr val="accent1"/>
+          </a:lnRef>
+          <a:fillRef idx="0">
+            <a:schemeClr val="accent1"/>
+          </a:fillRef>
+          <a:effectRef idx="0">
+            <a:schemeClr val="accent1"/>
+          </a:effectRef>
+          <a:fontRef idx="minor">
+            <a:schemeClr val="tx1"/>
+          </a:fontRef>
+        </p:style>
+      </p:cxnSp>
+      <p:cxnSp>
+        <p:nvCxnSpPr>
+          <p:cNvPr id="19" name="直線矢印コネクタ 18"/>
+          <p:cNvCxnSpPr/>
+          <p:nvPr/>
+        </p:nvCxnSpPr>
+        <p:spPr>
+          <a:xfrm>
+            <a:off x="4499992" y="4437112"/>
+            <a:ext cx="0" cy="324036"/>
+          </a:xfrm>
+          <a:prstGeom prst="straightConnector1">
+            <a:avLst/>
+          </a:prstGeom>
+          <a:ln>
+            <a:tailEnd type="arrow"/>
+          </a:ln>
+        </p:spPr>
+        <p:style>
+          <a:lnRef idx="1">
+            <a:schemeClr val="accent1"/>
+          </a:lnRef>
+          <a:fillRef idx="0">
+            <a:schemeClr val="accent1"/>
+          </a:fillRef>
+          <a:effectRef idx="0">
+            <a:schemeClr val="accent1"/>
+          </a:effectRef>
+          <a:fontRef idx="minor">
+            <a:schemeClr val="tx1"/>
+          </a:fontRef>
+        </p:style>
+      </p:cxnSp>
+      <p:sp>
+        <p:nvSpPr>
+          <p:cNvPr id="20" name="正方形/長方形 19"/>
+          <p:cNvSpPr/>
+          <p:nvPr/>
+        </p:nvSpPr>
+        <p:spPr>
+          <a:xfrm>
+            <a:off x="2339752" y="4869160"/>
+            <a:ext cx="4369874" cy="648072"/>
+          </a:xfrm>
+          <a:prstGeom prst="rect">
+            <a:avLst/>
+          </a:prstGeom>
+        </p:spPr>
+        <p:style>
+          <a:lnRef idx="2">
+            <a:schemeClr val="accent6"/>
+          </a:lnRef>
+          <a:fillRef idx="1">
+            <a:schemeClr val="lt1"/>
+          </a:fillRef>
+          <a:effectRef idx="0">
+            <a:schemeClr val="accent6"/>
+          </a:effectRef>
+          <a:fontRef idx="minor">
+            <a:schemeClr val="dk1"/>
+          </a:fontRef>
+        </p:style>
+        <p:txBody>
+          <a:bodyPr rtlCol="0" anchor="ctr"/>
+          <a:lstStyle/>
+          <a:p>
+            <a:pPr algn="ctr"/>
+            <a:r>
+              <a:rPr kumimoji="1" lang="en-US" altLang="ja-JP" dirty="0" smtClean="0"/>
+              <a:t>X</a:t>
+            </a:r>
+            <a:r>
+              <a:rPr kumimoji="1" lang="ja-JP" altLang="en-US" dirty="0" smtClean="0"/>
+              <a:t>を表示</a:t>
             </a:r>
             <a:endParaRPr kumimoji="1" lang="en-US" altLang="ja-JP" dirty="0" smtClean="0"/>
           </a:p>
@@ -3700,7 +6888,7 @@
     </p:spTree>
     <p:extLst>
       <p:ext uri="{BB962C8B-B14F-4D97-AF65-F5344CB8AC3E}">
-        <p14:creationId xmlns:p14="http://schemas.microsoft.com/office/powerpoint/2010/main" val="781488286"/>
+        <p14:creationId xmlns:p14="http://schemas.microsoft.com/office/powerpoint/2010/main" val="2483157164"/>
       </p:ext>
     </p:extLst>
   </p:cSld>
@@ -3746,11 +6934,11 @@
           <a:p>
             <a:r>
               <a:rPr lang="ja-JP" altLang="en-US" sz="2000" dirty="0" smtClean="0"/>
-              <a:t>文字の追加</a:t>
+              <a:t>条件分岐</a:t>
             </a:r>
             <a:r>
               <a:rPr lang="en-US" altLang="ja-JP" sz="2000" dirty="0" smtClean="0"/>
-              <a:t/>
+              <a:t>1</a:t>
             </a:r>
             <a:br>
               <a:rPr lang="en-US" altLang="ja-JP" sz="2000" dirty="0" smtClean="0"/>
@@ -3761,15 +6949,31 @@
             </a:r>
             <a:r>
               <a:rPr lang="ja-JP" altLang="en-US" sz="2000" dirty="0"/>
-              <a:t>力された文字に「入力された文字は</a:t>
+              <a:t>力された数字が</a:t>
             </a:r>
             <a:r>
               <a:rPr lang="en-US" altLang="ja-JP" sz="2000" dirty="0"/>
-              <a:t>:</a:t>
+              <a:t>5</a:t>
             </a:r>
             <a:r>
               <a:rPr lang="ja-JP" altLang="en-US" sz="2000" dirty="0"/>
-              <a:t>」という文字を追加する処理</a:t>
+              <a:t>以上なら「</a:t>
+            </a:r>
+            <a:r>
+              <a:rPr lang="en-US" altLang="ja-JP" sz="2000" dirty="0"/>
+              <a:t>true</a:t>
+            </a:r>
+            <a:r>
+              <a:rPr lang="ja-JP" altLang="en-US" sz="2000" dirty="0"/>
+              <a:t>」と、そうでないなら「</a:t>
+            </a:r>
+            <a:r>
+              <a:rPr lang="en-US" altLang="ja-JP" sz="2000" dirty="0"/>
+              <a:t>false</a:t>
+            </a:r>
+            <a:r>
+              <a:rPr lang="ja-JP" altLang="en-US" sz="2000" dirty="0"/>
+              <a:t>」と表示する処理</a:t>
             </a:r>
             <a:endParaRPr kumimoji="1" lang="ja-JP" altLang="en-US" sz="2000" dirty="0">
               <a:latin typeface="メイリオ" pitchFamily="50" charset="-128"/>
@@ -3903,8 +7107,8 @@
         </p:nvCxnSpPr>
         <p:spPr>
           <a:xfrm>
-            <a:off x="4463988" y="5697252"/>
-            <a:ext cx="0" cy="324036"/>
+            <a:off x="4452681" y="5181590"/>
+            <a:ext cx="11307" cy="839698"/>
           </a:xfrm>
           <a:prstGeom prst="straightConnector1">
             <a:avLst/>
@@ -3930,16 +7134,16 @@
       </p:cxnSp>
       <p:sp>
         <p:nvSpPr>
-          <p:cNvPr id="9" name="正方形/長方形 8"/>
+          <p:cNvPr id="12" name="フローチャート : 手操作入力 11"/>
           <p:cNvSpPr/>
           <p:nvPr/>
         </p:nvSpPr>
         <p:spPr>
           <a:xfrm>
-            <a:off x="2290359" y="3717032"/>
-            <a:ext cx="4369874" cy="648072"/>
-          </a:xfrm>
-          <a:prstGeom prst="rect">
+            <a:off x="3347864" y="2348881"/>
+            <a:ext cx="2232248" cy="411474"/>
+          </a:xfrm>
+          <a:prstGeom prst="flowChartManualInput">
             <a:avLst/>
           </a:prstGeom>
         </p:spPr>
@@ -3968,65 +7172,7 @@
             </a:r>
             <a:r>
               <a:rPr kumimoji="1" lang="ja-JP" altLang="en-US" dirty="0" smtClean="0"/>
-              <a:t>に</a:t>
-            </a:r>
-            <a:r>
-              <a:rPr lang="ja-JP" altLang="en-US" dirty="0" smtClean="0"/>
-              <a:t>「入力された文字は</a:t>
-            </a:r>
-            <a:r>
-              <a:rPr lang="en-US" altLang="ja-JP" dirty="0" smtClean="0"/>
-              <a:t>:</a:t>
-            </a:r>
-            <a:r>
-              <a:rPr lang="ja-JP" altLang="en-US" dirty="0" smtClean="0"/>
-              <a:t>」をプラス</a:t>
-            </a:r>
-            <a:endParaRPr kumimoji="1" lang="en-US" altLang="ja-JP" dirty="0" smtClean="0"/>
-          </a:p>
-        </p:txBody>
-      </p:sp>
-      <p:sp>
-        <p:nvSpPr>
-          <p:cNvPr id="12" name="フローチャート : 手操作入力 11"/>
-          <p:cNvSpPr/>
-          <p:nvPr/>
-        </p:nvSpPr>
-        <p:spPr>
-          <a:xfrm>
-            <a:off x="3347864" y="2348880"/>
-            <a:ext cx="2232248" cy="822949"/>
-          </a:xfrm>
-          <a:prstGeom prst="flowChartManualInput">
-            <a:avLst/>
-          </a:prstGeom>
-        </p:spPr>
-        <p:style>
-          <a:lnRef idx="2">
-            <a:schemeClr val="accent6"/>
-          </a:lnRef>
-          <a:fillRef idx="1">
-            <a:schemeClr val="lt1"/>
-          </a:fillRef>
-          <a:effectRef idx="0">
-            <a:schemeClr val="accent6"/>
-          </a:effectRef>
-          <a:fontRef idx="minor">
-            <a:schemeClr val="dk1"/>
-          </a:fontRef>
-        </p:style>
-        <p:txBody>
-          <a:bodyPr rtlCol="0" anchor="ctr"/>
-          <a:lstStyle/>
-          <a:p>
-            <a:pPr algn="ctr"/>
-            <a:r>
-              <a:rPr kumimoji="1" lang="en-US" altLang="ja-JP" dirty="0" smtClean="0"/>
-              <a:t>X</a:t>
-            </a:r>
-            <a:r>
-              <a:rPr kumimoji="1" lang="ja-JP" altLang="en-US" dirty="0" smtClean="0"/>
-              <a:t>に文字を入力</a:t>
+              <a:t>に数字を入力</a:t>
             </a:r>
             <a:endParaRPr kumimoji="1" lang="ja-JP" altLang="en-US" dirty="0"/>
           </a:p>
@@ -4040,7 +7186,7 @@
         </p:nvCxnSpPr>
         <p:spPr>
           <a:xfrm flipH="1">
-            <a:off x="4495491" y="3212976"/>
+            <a:off x="4417812" y="2845856"/>
             <a:ext cx="4501" cy="390901"/>
           </a:xfrm>
           <a:prstGeom prst="straightConnector1">
@@ -4073,7 +7219,7 @@
         </p:nvCxnSpPr>
         <p:spPr>
           <a:xfrm>
-            <a:off x="4499992" y="4437112"/>
+            <a:off x="4417812" y="4005064"/>
             <a:ext cx="0" cy="324036"/>
           </a:xfrm>
           <a:prstGeom prst="straightConnector1">
@@ -4106,8 +7252,8 @@
         </p:nvSpPr>
         <p:spPr>
           <a:xfrm>
-            <a:off x="2339752" y="4869160"/>
-            <a:ext cx="4369874" cy="648072"/>
+            <a:off x="3347864" y="4509120"/>
+            <a:ext cx="2209634" cy="648072"/>
           </a:xfrm>
           <a:prstGeom prst="rect">
             <a:avLst/>
@@ -4133,21 +7279,377 @@
           <a:p>
             <a:pPr algn="ctr"/>
             <a:r>
+              <a:rPr kumimoji="1" lang="ja-JP" altLang="en-US" dirty="0" smtClean="0"/>
+              <a:t>文字「</a:t>
+            </a:r>
+            <a:r>
+              <a:rPr kumimoji="1" lang="en-US" altLang="ja-JP" dirty="0" smtClean="0"/>
+              <a:t>false</a:t>
+            </a:r>
+            <a:r>
+              <a:rPr kumimoji="1" lang="ja-JP" altLang="en-US" dirty="0" smtClean="0"/>
+              <a:t>」を表示</a:t>
+            </a:r>
+            <a:endParaRPr kumimoji="1" lang="en-US" altLang="ja-JP" dirty="0" smtClean="0"/>
+          </a:p>
+        </p:txBody>
+      </p:sp>
+      <p:sp>
+        <p:nvSpPr>
+          <p:cNvPr id="3" name="フローチャート : 判断 2"/>
+          <p:cNvSpPr/>
+          <p:nvPr/>
+        </p:nvSpPr>
+        <p:spPr>
+          <a:xfrm>
+            <a:off x="2987824" y="3284984"/>
+            <a:ext cx="2880320" cy="648072"/>
+          </a:xfrm>
+          <a:prstGeom prst="flowChartDecision">
+            <a:avLst/>
+          </a:prstGeom>
+        </p:spPr>
+        <p:style>
+          <a:lnRef idx="2">
+            <a:schemeClr val="accent6"/>
+          </a:lnRef>
+          <a:fillRef idx="1">
+            <a:schemeClr val="lt1"/>
+          </a:fillRef>
+          <a:effectRef idx="0">
+            <a:schemeClr val="accent6"/>
+          </a:effectRef>
+          <a:fontRef idx="minor">
+            <a:schemeClr val="dk1"/>
+          </a:fontRef>
+        </p:style>
+        <p:txBody>
+          <a:bodyPr rtlCol="0" anchor="ctr"/>
+          <a:lstStyle/>
+          <a:p>
+            <a:pPr algn="ctr"/>
+            <a:r>
               <a:rPr kumimoji="1" lang="en-US" altLang="ja-JP" dirty="0" smtClean="0"/>
               <a:t>X</a:t>
             </a:r>
             <a:r>
               <a:rPr kumimoji="1" lang="ja-JP" altLang="en-US" dirty="0" smtClean="0"/>
+              <a:t>が</a:t>
+            </a:r>
+            <a:r>
+              <a:rPr kumimoji="1" lang="en-US" altLang="ja-JP" dirty="0" smtClean="0"/>
+              <a:t>5</a:t>
+            </a:r>
+            <a:r>
+              <a:rPr kumimoji="1" lang="ja-JP" altLang="en-US" dirty="0" smtClean="0"/>
+              <a:t>以上</a:t>
+            </a:r>
+            <a:endParaRPr kumimoji="1" lang="ja-JP" altLang="en-US" dirty="0"/>
+          </a:p>
+        </p:txBody>
+      </p:sp>
+      <p:cxnSp>
+        <p:nvCxnSpPr>
+          <p:cNvPr id="25" name="直線コネクタ 24"/>
+          <p:cNvCxnSpPr>
+            <a:stCxn id="3" idx="3"/>
+          </p:cNvCxnSpPr>
+          <p:nvPr/>
+        </p:nvCxnSpPr>
+        <p:spPr>
+          <a:xfrm>
+            <a:off x="5868144" y="3609020"/>
+            <a:ext cx="1656184" cy="0"/>
+          </a:xfrm>
+          <a:prstGeom prst="line">
+            <a:avLst/>
+          </a:prstGeom>
+        </p:spPr>
+        <p:style>
+          <a:lnRef idx="1">
+            <a:schemeClr val="accent1"/>
+          </a:lnRef>
+          <a:fillRef idx="0">
+            <a:schemeClr val="accent1"/>
+          </a:fillRef>
+          <a:effectRef idx="0">
+            <a:schemeClr val="accent1"/>
+          </a:effectRef>
+          <a:fontRef idx="minor">
+            <a:schemeClr val="tx1"/>
+          </a:fontRef>
+        </p:style>
+      </p:cxnSp>
+      <p:cxnSp>
+        <p:nvCxnSpPr>
+          <p:cNvPr id="27" name="直線矢印コネクタ 26"/>
+          <p:cNvCxnSpPr/>
+          <p:nvPr/>
+        </p:nvCxnSpPr>
+        <p:spPr>
+          <a:xfrm>
+            <a:off x="7524328" y="3609020"/>
+            <a:ext cx="0" cy="900100"/>
+          </a:xfrm>
+          <a:prstGeom prst="straightConnector1">
+            <a:avLst/>
+          </a:prstGeom>
+          <a:ln>
+            <a:tailEnd type="arrow"/>
+          </a:ln>
+        </p:spPr>
+        <p:style>
+          <a:lnRef idx="1">
+            <a:schemeClr val="accent1"/>
+          </a:lnRef>
+          <a:fillRef idx="0">
+            <a:schemeClr val="accent1"/>
+          </a:fillRef>
+          <a:effectRef idx="0">
+            <a:schemeClr val="accent1"/>
+          </a:effectRef>
+          <a:fontRef idx="minor">
+            <a:schemeClr val="tx1"/>
+          </a:fontRef>
+        </p:style>
+      </p:cxnSp>
+      <p:sp>
+        <p:nvSpPr>
+          <p:cNvPr id="28" name="正方形/長方形 27"/>
+          <p:cNvSpPr/>
+          <p:nvPr/>
+        </p:nvSpPr>
+        <p:spPr>
+          <a:xfrm>
+            <a:off x="6419511" y="4533518"/>
+            <a:ext cx="2209634" cy="648072"/>
+          </a:xfrm>
+          <a:prstGeom prst="rect">
+            <a:avLst/>
+          </a:prstGeom>
+        </p:spPr>
+        <p:style>
+          <a:lnRef idx="2">
+            <a:schemeClr val="accent6"/>
+          </a:lnRef>
+          <a:fillRef idx="1">
+            <a:schemeClr val="lt1"/>
+          </a:fillRef>
+          <a:effectRef idx="0">
+            <a:schemeClr val="accent6"/>
+          </a:effectRef>
+          <a:fontRef idx="minor">
+            <a:schemeClr val="dk1"/>
+          </a:fontRef>
+        </p:style>
+        <p:txBody>
+          <a:bodyPr rtlCol="0" anchor="ctr"/>
+          <a:lstStyle/>
+          <a:p>
+            <a:pPr algn="ctr"/>
+            <a:r>
+              <a:rPr lang="ja-JP" altLang="en-US" dirty="0"/>
+              <a:t>文字</a:t>
+            </a:r>
+            <a:r>
+              <a:rPr lang="ja-JP" altLang="en-US" dirty="0" smtClean="0"/>
+              <a:t>「</a:t>
+            </a:r>
+            <a:r>
+              <a:rPr lang="en-US" altLang="ja-JP" dirty="0" smtClean="0"/>
+              <a:t>true</a:t>
+            </a:r>
+            <a:r>
+              <a:rPr lang="ja-JP" altLang="en-US" dirty="0" smtClean="0"/>
+              <a:t>」</a:t>
+            </a:r>
+            <a:r>
+              <a:rPr lang="ja-JP" altLang="en-US" dirty="0"/>
               <a:t>を表示</a:t>
             </a:r>
-            <a:endParaRPr kumimoji="1" lang="en-US" altLang="ja-JP" dirty="0" smtClean="0"/>
+            <a:endParaRPr lang="en-US" altLang="ja-JP" dirty="0"/>
+          </a:p>
+        </p:txBody>
+      </p:sp>
+      <p:cxnSp>
+        <p:nvCxnSpPr>
+          <p:cNvPr id="31" name="直線コネクタ 30"/>
+          <p:cNvCxnSpPr/>
+          <p:nvPr/>
+        </p:nvCxnSpPr>
+        <p:spPr>
+          <a:xfrm>
+            <a:off x="7524328" y="5235672"/>
+            <a:ext cx="0" cy="497584"/>
+          </a:xfrm>
+          <a:prstGeom prst="line">
+            <a:avLst/>
+          </a:prstGeom>
+        </p:spPr>
+        <p:style>
+          <a:lnRef idx="1">
+            <a:schemeClr val="accent1"/>
+          </a:lnRef>
+          <a:fillRef idx="0">
+            <a:schemeClr val="accent1"/>
+          </a:fillRef>
+          <a:effectRef idx="0">
+            <a:schemeClr val="accent1"/>
+          </a:effectRef>
+          <a:fontRef idx="minor">
+            <a:schemeClr val="tx1"/>
+          </a:fontRef>
+        </p:style>
+      </p:cxnSp>
+      <p:cxnSp>
+        <p:nvCxnSpPr>
+          <p:cNvPr id="32" name="直線矢印コネクタ 31"/>
+          <p:cNvCxnSpPr/>
+          <p:nvPr/>
+        </p:nvCxnSpPr>
+        <p:spPr>
+          <a:xfrm flipH="1">
+            <a:off x="4572777" y="5733256"/>
+            <a:ext cx="2951551" cy="0"/>
+          </a:xfrm>
+          <a:prstGeom prst="straightConnector1">
+            <a:avLst/>
+          </a:prstGeom>
+          <a:ln>
+            <a:tailEnd type="arrow"/>
+          </a:ln>
+        </p:spPr>
+        <p:style>
+          <a:lnRef idx="1">
+            <a:schemeClr val="accent1"/>
+          </a:lnRef>
+          <a:fillRef idx="0">
+            <a:schemeClr val="accent1"/>
+          </a:fillRef>
+          <a:effectRef idx="0">
+            <a:schemeClr val="accent1"/>
+          </a:effectRef>
+          <a:fontRef idx="minor">
+            <a:schemeClr val="tx1"/>
+          </a:fontRef>
+        </p:style>
+      </p:cxnSp>
+      <p:sp>
+        <p:nvSpPr>
+          <p:cNvPr id="37" name="正方形/長方形 36"/>
+          <p:cNvSpPr/>
+          <p:nvPr/>
+        </p:nvSpPr>
+        <p:spPr>
+          <a:xfrm>
+            <a:off x="5580112" y="3041306"/>
+            <a:ext cx="1104817" cy="511136"/>
+          </a:xfrm>
+          <a:prstGeom prst="rect">
+            <a:avLst/>
+          </a:prstGeom>
+          <a:noFill/>
+          <a:ln>
+            <a:noFill/>
+          </a:ln>
+        </p:spPr>
+        <p:style>
+          <a:lnRef idx="2">
+            <a:schemeClr val="accent1">
+              <a:shade val="50000"/>
+            </a:schemeClr>
+          </a:lnRef>
+          <a:fillRef idx="1">
+            <a:schemeClr val="accent1"/>
+          </a:fillRef>
+          <a:effectRef idx="0">
+            <a:schemeClr val="accent1"/>
+          </a:effectRef>
+          <a:fontRef idx="minor">
+            <a:schemeClr val="lt1"/>
+          </a:fontRef>
+        </p:style>
+        <p:txBody>
+          <a:bodyPr rtlCol="0" anchor="ctr"/>
+          <a:lstStyle/>
+          <a:p>
+            <a:pPr algn="ctr"/>
+            <a:r>
+              <a:rPr lang="en-US" altLang="ja-JP" dirty="0" smtClean="0">
+                <a:solidFill>
+                  <a:schemeClr val="tx1"/>
+                </a:solidFill>
+              </a:rPr>
+              <a:t>yes</a:t>
+            </a:r>
+            <a:endParaRPr kumimoji="1" lang="ja-JP" altLang="en-US" dirty="0">
+              <a:solidFill>
+                <a:schemeClr val="tx1"/>
+              </a:solidFill>
+            </a:endParaRPr>
+          </a:p>
+        </p:txBody>
+      </p:sp>
+      <p:sp>
+        <p:nvSpPr>
+          <p:cNvPr id="38" name="正方形/長方形 37"/>
+          <p:cNvSpPr/>
+          <p:nvPr/>
+        </p:nvSpPr>
+        <p:spPr>
+          <a:xfrm>
+            <a:off x="4211960" y="3911514"/>
+            <a:ext cx="1104817" cy="511136"/>
+          </a:xfrm>
+          <a:prstGeom prst="rect">
+            <a:avLst/>
+          </a:prstGeom>
+          <a:noFill/>
+          <a:ln>
+            <a:noFill/>
+          </a:ln>
+        </p:spPr>
+        <p:style>
+          <a:lnRef idx="2">
+            <a:schemeClr val="accent1">
+              <a:shade val="50000"/>
+            </a:schemeClr>
+          </a:lnRef>
+          <a:fillRef idx="1">
+            <a:schemeClr val="accent1"/>
+          </a:fillRef>
+          <a:effectRef idx="0">
+            <a:schemeClr val="accent1"/>
+          </a:effectRef>
+          <a:fontRef idx="minor">
+            <a:schemeClr val="lt1"/>
+          </a:fontRef>
+        </p:style>
+        <p:txBody>
+          <a:bodyPr rtlCol="0" anchor="ctr"/>
+          <a:lstStyle/>
+          <a:p>
+            <a:pPr algn="ctr"/>
+            <a:r>
+              <a:rPr kumimoji="1" lang="en-US" altLang="ja-JP" dirty="0" smtClean="0">
+                <a:solidFill>
+                  <a:schemeClr val="tx1"/>
+                </a:solidFill>
+              </a:rPr>
+              <a:t>no</a:t>
+            </a:r>
+            <a:endParaRPr kumimoji="1" lang="ja-JP" altLang="en-US" dirty="0">
+              <a:solidFill>
+                <a:schemeClr val="tx1"/>
+              </a:solidFill>
+            </a:endParaRPr>
           </a:p>
         </p:txBody>
       </p:sp>
     </p:spTree>
     <p:extLst>
       <p:ext uri="{BB962C8B-B14F-4D97-AF65-F5344CB8AC3E}">
-        <p14:creationId xmlns:p14="http://schemas.microsoft.com/office/powerpoint/2010/main" val="2483157164"/>
+        <p14:creationId xmlns:p14="http://schemas.microsoft.com/office/powerpoint/2010/main" val="1503518994"/>
       </p:ext>
     </p:extLst>
   </p:cSld>
@@ -4184,55 +7686,40 @@
             <p:ph type="title"/>
           </p:nvPr>
         </p:nvSpPr>
-        <p:spPr/>
+        <p:spPr>
+          <a:xfrm>
+            <a:off x="457200" y="274638"/>
+            <a:ext cx="8229600" cy="994122"/>
+          </a:xfrm>
+        </p:spPr>
         <p:txBody>
           <a:bodyPr>
-            <a:normAutofit/>
+            <a:normAutofit fontScale="90000"/>
           </a:bodyPr>
           <a:lstStyle/>
           <a:p>
             <a:r>
               <a:rPr lang="ja-JP" altLang="en-US" sz="2000" dirty="0" smtClean="0"/>
-              <a:t>条件分岐</a:t>
+              <a:t>条件分</a:t>
+            </a:r>
+            <a:r>
+              <a:rPr lang="ja-JP" altLang="en-US" sz="2000" dirty="0" smtClean="0"/>
+              <a:t>岐</a:t>
+            </a:r>
+            <a:r>
+              <a:rPr lang="en-US" altLang="ja-JP" sz="2000" dirty="0"/>
+              <a:t>2</a:t>
             </a:r>
             <a:r>
               <a:rPr lang="en-US" altLang="ja-JP" sz="2000" dirty="0" smtClean="0"/>
-              <a:t>1</a:t>
+              <a:t/>
             </a:r>
             <a:br>
               <a:rPr lang="en-US" altLang="ja-JP" sz="2000" dirty="0" smtClean="0"/>
             </a:br>
             <a:r>
-              <a:rPr lang="ja-JP" altLang="en-US" sz="2000" dirty="0" smtClean="0"/>
-              <a:t>入</a:t>
-            </a:r>
-            <a:r>
               <a:rPr lang="ja-JP" altLang="en-US" sz="2000" dirty="0"/>
-              <a:t>力された数字が</a:t>
-            </a:r>
-            <a:r>
-              <a:rPr lang="en-US" altLang="ja-JP" sz="2000" dirty="0"/>
-              <a:t>5</a:t>
-            </a:r>
-            <a:r>
-              <a:rPr lang="ja-JP" altLang="en-US" sz="2000" dirty="0"/>
-              <a:t>以上なら「</a:t>
-            </a:r>
-            <a:r>
-              <a:rPr lang="en-US" altLang="ja-JP" sz="2000" dirty="0"/>
-              <a:t>true</a:t>
-            </a:r>
-            <a:r>
-              <a:rPr lang="ja-JP" altLang="en-US" sz="2000" dirty="0"/>
-              <a:t>」と、そうでないなら「</a:t>
-            </a:r>
-            <a:r>
-              <a:rPr lang="en-US" altLang="ja-JP" sz="2000" dirty="0"/>
-              <a:t>false</a:t>
-            </a:r>
-            <a:r>
-              <a:rPr lang="ja-JP" altLang="en-US" sz="2000" dirty="0"/>
-              <a:t>」と表示する処理</a:t>
+              <a:t>入力されたパスワードが正解なら「ログイン成功」と、そうでないなら何も表示しない処理</a:t>
             </a:r>
             <a:endParaRPr kumimoji="1" lang="ja-JP" altLang="en-US" sz="2000" dirty="0">
               <a:latin typeface="メイリオ" pitchFamily="50" charset="-128"/>
@@ -4366,8 +7853,8 @@
         </p:nvCxnSpPr>
         <p:spPr>
           <a:xfrm>
-            <a:off x="4452681" y="5181590"/>
-            <a:ext cx="11307" cy="839698"/>
+            <a:off x="4463988" y="4293096"/>
+            <a:ext cx="1" cy="1728192"/>
           </a:xfrm>
           <a:prstGeom prst="straightConnector1">
             <a:avLst/>
@@ -4431,7 +7918,11 @@
             </a:r>
             <a:r>
               <a:rPr kumimoji="1" lang="ja-JP" altLang="en-US" dirty="0" smtClean="0"/>
-              <a:t>に数字を入力</a:t>
+              <a:t>にパスワードを</a:t>
+            </a:r>
+            <a:r>
+              <a:rPr kumimoji="1" lang="ja-JP" altLang="en-US" dirty="0" smtClean="0"/>
+              <a:t>入力</a:t>
             </a:r>
             <a:endParaRPr kumimoji="1" lang="ja-JP" altLang="en-US" dirty="0"/>
           </a:p>
@@ -4470,51 +7961,18 @@
           </a:fontRef>
         </p:style>
       </p:cxnSp>
-      <p:cxnSp>
-        <p:nvCxnSpPr>
-          <p:cNvPr id="19" name="直線矢印コネクタ 18"/>
-          <p:cNvCxnSpPr/>
-          <p:nvPr/>
-        </p:nvCxnSpPr>
-        <p:spPr>
-          <a:xfrm>
-            <a:off x="4417812" y="4005064"/>
-            <a:ext cx="0" cy="324036"/>
-          </a:xfrm>
-          <a:prstGeom prst="straightConnector1">
-            <a:avLst/>
-          </a:prstGeom>
-          <a:ln>
-            <a:tailEnd type="arrow"/>
-          </a:ln>
-        </p:spPr>
-        <p:style>
-          <a:lnRef idx="1">
-            <a:schemeClr val="accent1"/>
-          </a:lnRef>
-          <a:fillRef idx="0">
-            <a:schemeClr val="accent1"/>
-          </a:fillRef>
-          <a:effectRef idx="0">
-            <a:schemeClr val="accent1"/>
-          </a:effectRef>
-          <a:fontRef idx="minor">
-            <a:schemeClr val="tx1"/>
-          </a:fontRef>
-        </p:style>
-      </p:cxnSp>
-      <p:sp>
-        <p:nvSpPr>
-          <p:cNvPr id="20" name="正方形/長方形 19"/>
+      <p:sp>
+        <p:nvSpPr>
+          <p:cNvPr id="3" name="フローチャート : 判断 2"/>
           <p:cNvSpPr/>
           <p:nvPr/>
         </p:nvSpPr>
         <p:spPr>
           <a:xfrm>
-            <a:off x="3347864" y="4509120"/>
-            <a:ext cx="2209634" cy="648072"/>
-          </a:xfrm>
-          <a:prstGeom prst="rect">
+            <a:off x="2627784" y="3284984"/>
+            <a:ext cx="3600400" cy="882098"/>
+          </a:xfrm>
+          <a:prstGeom prst="flowChartDecision">
             <a:avLst/>
           </a:prstGeom>
         </p:spPr>
@@ -4538,70 +7996,28 @@
           <a:p>
             <a:pPr algn="ctr"/>
             <a:r>
-              <a:rPr kumimoji="1" lang="ja-JP" altLang="en-US" dirty="0" smtClean="0"/>
-              <a:t>文字「</a:t>
-            </a:r>
-            <a:r>
-              <a:rPr kumimoji="1" lang="en-US" altLang="ja-JP" dirty="0" smtClean="0"/>
-              <a:t>false</a:t>
-            </a:r>
-            <a:r>
-              <a:rPr kumimoji="1" lang="ja-JP" altLang="en-US" dirty="0" smtClean="0"/>
-              <a:t>」を表示</a:t>
-            </a:r>
-            <a:endParaRPr kumimoji="1" lang="en-US" altLang="ja-JP" dirty="0" smtClean="0"/>
-          </a:p>
-        </p:txBody>
-      </p:sp>
-      <p:sp>
-        <p:nvSpPr>
-          <p:cNvPr id="3" name="フローチャート : 判断 2"/>
-          <p:cNvSpPr/>
-          <p:nvPr/>
-        </p:nvSpPr>
-        <p:spPr>
-          <a:xfrm>
-            <a:off x="2987824" y="3284984"/>
-            <a:ext cx="2880320" cy="648072"/>
-          </a:xfrm>
-          <a:prstGeom prst="flowChartDecision">
-            <a:avLst/>
-          </a:prstGeom>
-        </p:spPr>
-        <p:style>
-          <a:lnRef idx="2">
-            <a:schemeClr val="accent6"/>
-          </a:lnRef>
-          <a:fillRef idx="1">
-            <a:schemeClr val="lt1"/>
-          </a:fillRef>
-          <a:effectRef idx="0">
-            <a:schemeClr val="accent6"/>
-          </a:effectRef>
-          <a:fontRef idx="minor">
-            <a:schemeClr val="dk1"/>
-          </a:fontRef>
-        </p:style>
-        <p:txBody>
-          <a:bodyPr rtlCol="0" anchor="ctr"/>
-          <a:lstStyle/>
-          <a:p>
-            <a:pPr algn="ctr"/>
-            <a:r>
-              <a:rPr kumimoji="1" lang="en-US" altLang="ja-JP" dirty="0" smtClean="0"/>
+              <a:rPr lang="ja-JP" altLang="en-US" dirty="0"/>
+              <a:t>正解</a:t>
+            </a:r>
+            <a:r>
+              <a:rPr lang="ja-JP" altLang="en-US" dirty="0" smtClean="0"/>
+              <a:t>の</a:t>
+            </a:r>
+            <a:r>
+              <a:rPr lang="ja-JP" altLang="en-US" dirty="0"/>
+              <a:t>パスワー</a:t>
+            </a:r>
+            <a:r>
+              <a:rPr lang="ja-JP" altLang="en-US" dirty="0" smtClean="0"/>
+              <a:t>ドと</a:t>
+            </a:r>
+            <a:r>
+              <a:rPr lang="en-US" altLang="ja-JP" dirty="0" smtClean="0"/>
               <a:t>X</a:t>
             </a:r>
             <a:r>
-              <a:rPr kumimoji="1" lang="ja-JP" altLang="en-US" dirty="0" smtClean="0"/>
-              <a:t>が</a:t>
-            </a:r>
-            <a:r>
-              <a:rPr kumimoji="1" lang="en-US" altLang="ja-JP" dirty="0" smtClean="0"/>
-              <a:t>5</a:t>
-            </a:r>
-            <a:r>
-              <a:rPr kumimoji="1" lang="ja-JP" altLang="en-US" dirty="0" smtClean="0"/>
-              <a:t>以上</a:t>
+              <a:rPr lang="ja-JP" altLang="en-US" dirty="0" smtClean="0"/>
+              <a:t>が一致</a:t>
             </a:r>
             <a:endParaRPr kumimoji="1" lang="ja-JP" altLang="en-US" dirty="0"/>
           </a:p>
@@ -4617,8 +8033,8 @@
         </p:nvCxnSpPr>
         <p:spPr>
           <a:xfrm>
-            <a:off x="5868144" y="3609020"/>
-            <a:ext cx="1656184" cy="0"/>
+            <a:off x="6228184" y="3726033"/>
+            <a:ext cx="1296144" cy="0"/>
           </a:xfrm>
           <a:prstGeom prst="line">
             <a:avLst/>
@@ -4647,8 +8063,8 @@
         </p:nvCxnSpPr>
         <p:spPr>
           <a:xfrm>
-            <a:off x="7524328" y="3609020"/>
-            <a:ext cx="0" cy="900100"/>
+            <a:off x="7524328" y="3726033"/>
+            <a:ext cx="0" cy="783087"/>
           </a:xfrm>
           <a:prstGeom prst="straightConnector1">
             <a:avLst/>
@@ -4680,8 +8096,8 @@
         </p:nvSpPr>
         <p:spPr>
           <a:xfrm>
-            <a:off x="6419511" y="4533518"/>
-            <a:ext cx="2209634" cy="648072"/>
+            <a:off x="5580112" y="4533518"/>
+            <a:ext cx="3049033" cy="648072"/>
           </a:xfrm>
           <a:prstGeom prst="rect">
             <a:avLst/>
@@ -4712,15 +8128,7 @@
             </a:r>
             <a:r>
               <a:rPr lang="ja-JP" altLang="en-US" dirty="0" smtClean="0"/>
-              <a:t>「</a:t>
-            </a:r>
-            <a:r>
-              <a:rPr lang="en-US" altLang="ja-JP" dirty="0" smtClean="0"/>
-              <a:t>true</a:t>
-            </a:r>
-            <a:r>
-              <a:rPr lang="ja-JP" altLang="en-US" dirty="0" smtClean="0"/>
-              <a:t>」</a:t>
+              <a:t>「ログイン成功」</a:t>
             </a:r>
             <a:r>
               <a:rPr lang="ja-JP" altLang="en-US" dirty="0"/>
@@ -4857,7 +8265,7 @@
         </p:nvSpPr>
         <p:spPr>
           <a:xfrm>
-            <a:off x="4211960" y="3911514"/>
+            <a:off x="4211960" y="4142000"/>
             <a:ext cx="1104817" cy="511136"/>
           </a:xfrm>
           <a:prstGeom prst="rect">
@@ -4905,10 +8313,4668 @@
           </a:p>
         </p:txBody>
       </p:sp>
+      <p:sp>
+        <p:nvSpPr>
+          <p:cNvPr id="26" name="正方形/長方形 25"/>
+          <p:cNvSpPr/>
+          <p:nvPr/>
+        </p:nvSpPr>
+        <p:spPr>
+          <a:xfrm>
+            <a:off x="5915455" y="1412776"/>
+            <a:ext cx="2977025" cy="864096"/>
+          </a:xfrm>
+          <a:prstGeom prst="rect">
+            <a:avLst/>
+          </a:prstGeom>
+          <a:noFill/>
+          <a:ln>
+            <a:noFill/>
+          </a:ln>
+        </p:spPr>
+        <p:style>
+          <a:lnRef idx="2">
+            <a:schemeClr val="accent1">
+              <a:shade val="50000"/>
+            </a:schemeClr>
+          </a:lnRef>
+          <a:fillRef idx="1">
+            <a:schemeClr val="accent1"/>
+          </a:fillRef>
+          <a:effectRef idx="0">
+            <a:schemeClr val="accent1"/>
+          </a:effectRef>
+          <a:fontRef idx="minor">
+            <a:schemeClr val="lt1"/>
+          </a:fontRef>
+        </p:style>
+        <p:txBody>
+          <a:bodyPr rtlCol="0" anchor="ctr"/>
+          <a:lstStyle/>
+          <a:p>
+            <a:pPr algn="ctr"/>
+            <a:r>
+              <a:rPr lang="ja-JP" altLang="en-US" dirty="0">
+                <a:solidFill>
+                  <a:schemeClr val="tx1"/>
+                </a:solidFill>
+              </a:rPr>
+              <a:t>正解</a:t>
+            </a:r>
+            <a:r>
+              <a:rPr lang="ja-JP" altLang="en-US" dirty="0" smtClean="0">
+                <a:solidFill>
+                  <a:schemeClr val="tx1"/>
+                </a:solidFill>
+              </a:rPr>
+              <a:t>の</a:t>
+            </a:r>
+            <a:r>
+              <a:rPr lang="ja-JP" altLang="en-US" dirty="0">
+                <a:solidFill>
+                  <a:schemeClr val="tx1"/>
+                </a:solidFill>
+              </a:rPr>
+              <a:t>パスワー</a:t>
+            </a:r>
+            <a:r>
+              <a:rPr lang="ja-JP" altLang="en-US" dirty="0" smtClean="0">
+                <a:solidFill>
+                  <a:schemeClr val="tx1"/>
+                </a:solidFill>
+              </a:rPr>
+              <a:t>ドは</a:t>
+            </a:r>
+            <a:endParaRPr lang="en-US" altLang="ja-JP" dirty="0" smtClean="0">
+              <a:solidFill>
+                <a:schemeClr val="tx1"/>
+              </a:solidFill>
+            </a:endParaRPr>
+          </a:p>
+          <a:p>
+            <a:pPr algn="ctr"/>
+            <a:r>
+              <a:rPr lang="ja-JP" altLang="en-US" dirty="0" smtClean="0">
+                <a:solidFill>
+                  <a:schemeClr val="tx1"/>
+                </a:solidFill>
+              </a:rPr>
+              <a:t>別途用意</a:t>
+            </a:r>
+            <a:endParaRPr kumimoji="1" lang="ja-JP" altLang="en-US" dirty="0">
+              <a:solidFill>
+                <a:schemeClr val="tx1"/>
+              </a:solidFill>
+            </a:endParaRPr>
+          </a:p>
+        </p:txBody>
+      </p:sp>
     </p:spTree>
     <p:extLst>
       <p:ext uri="{BB962C8B-B14F-4D97-AF65-F5344CB8AC3E}">
-        <p14:creationId xmlns:p14="http://schemas.microsoft.com/office/powerpoint/2010/main" val="1503518994"/>
+        <p14:creationId xmlns:p14="http://schemas.microsoft.com/office/powerpoint/2010/main" val="597065903"/>
+      </p:ext>
+    </p:extLst>
+  </p:cSld>
+  <p:clrMapOvr>
+    <a:masterClrMapping/>
+  </p:clrMapOvr>
+</p:sld>
+</file>
+
+<file path=ppt/slides/slide5.xml><?xml version="1.0" encoding="utf-8"?>
+<p:sld xmlns:a="http://schemas.openxmlformats.org/drawingml/2006/main" xmlns:r="http://schemas.openxmlformats.org/officeDocument/2006/relationships" xmlns:p="http://schemas.openxmlformats.org/presentationml/2006/main">
+  <p:cSld>
+    <p:spTree>
+      <p:nvGrpSpPr>
+        <p:cNvPr id="1" name=""/>
+        <p:cNvGrpSpPr/>
+        <p:nvPr/>
+      </p:nvGrpSpPr>
+      <p:grpSpPr>
+        <a:xfrm>
+          <a:off x="0" y="0"/>
+          <a:ext cx="0" cy="0"/>
+          <a:chOff x="0" y="0"/>
+          <a:chExt cx="0" cy="0"/>
+        </a:xfrm>
+      </p:grpSpPr>
+      <p:sp>
+        <p:nvSpPr>
+          <p:cNvPr id="2" name="タイトル 1"/>
+          <p:cNvSpPr>
+            <a:spLocks noGrp="1"/>
+          </p:cNvSpPr>
+          <p:nvPr>
+            <p:ph type="title"/>
+          </p:nvPr>
+        </p:nvSpPr>
+        <p:spPr>
+          <a:xfrm>
+            <a:off x="457200" y="274638"/>
+            <a:ext cx="8229600" cy="706090"/>
+          </a:xfrm>
+        </p:spPr>
+        <p:txBody>
+          <a:bodyPr>
+            <a:normAutofit/>
+          </a:bodyPr>
+          <a:lstStyle/>
+          <a:p>
+            <a:r>
+              <a:rPr lang="ja-JP" altLang="en-US" sz="2000" dirty="0" smtClean="0"/>
+              <a:t>繰り返し処理</a:t>
+            </a:r>
+            <a:r>
+              <a:rPr lang="en-US" altLang="ja-JP" sz="2000" dirty="0" smtClean="0"/>
+              <a:t>1</a:t>
+            </a:r>
+            <a:r>
+              <a:rPr lang="en-US" altLang="ja-JP" sz="2000" dirty="0" smtClean="0"/>
+              <a:t/>
+            </a:r>
+            <a:br>
+              <a:rPr lang="en-US" altLang="ja-JP" sz="2000" dirty="0" smtClean="0"/>
+            </a:br>
+            <a:r>
+              <a:rPr lang="ja-JP" altLang="en-US" sz="2000" dirty="0"/>
+              <a:t>初期値を</a:t>
+            </a:r>
+            <a:r>
+              <a:rPr lang="en-US" altLang="ja-JP" sz="2000" dirty="0"/>
+              <a:t>1</a:t>
+            </a:r>
+            <a:r>
+              <a:rPr lang="ja-JP" altLang="en-US" sz="2000" dirty="0"/>
+              <a:t>とし、</a:t>
+            </a:r>
+            <a:r>
+              <a:rPr lang="en-US" altLang="ja-JP" sz="2000" dirty="0"/>
+              <a:t>1,3,5,7,9</a:t>
+            </a:r>
+            <a:r>
+              <a:rPr lang="ja-JP" altLang="en-US" sz="2000" dirty="0"/>
+              <a:t>までが表示される処理</a:t>
+            </a:r>
+            <a:endParaRPr kumimoji="1" lang="ja-JP" altLang="en-US" sz="2000" dirty="0">
+              <a:latin typeface="メイリオ" pitchFamily="50" charset="-128"/>
+              <a:ea typeface="メイリオ" pitchFamily="50" charset="-128"/>
+            </a:endParaRPr>
+          </a:p>
+        </p:txBody>
+      </p:sp>
+      <p:sp>
+        <p:nvSpPr>
+          <p:cNvPr id="4" name="円/楕円 3"/>
+          <p:cNvSpPr/>
+          <p:nvPr/>
+        </p:nvSpPr>
+        <p:spPr>
+          <a:xfrm>
+            <a:off x="3779912" y="1268760"/>
+            <a:ext cx="1431159" cy="545203"/>
+          </a:xfrm>
+          <a:prstGeom prst="ellipse">
+            <a:avLst/>
+          </a:prstGeom>
+        </p:spPr>
+        <p:style>
+          <a:lnRef idx="2">
+            <a:schemeClr val="accent6"/>
+          </a:lnRef>
+          <a:fillRef idx="1">
+            <a:schemeClr val="lt1"/>
+          </a:fillRef>
+          <a:effectRef idx="0">
+            <a:schemeClr val="accent6"/>
+          </a:effectRef>
+          <a:fontRef idx="minor">
+            <a:schemeClr val="dk1"/>
+          </a:fontRef>
+        </p:style>
+        <p:txBody>
+          <a:bodyPr rtlCol="0" anchor="ctr"/>
+          <a:lstStyle/>
+          <a:p>
+            <a:pPr algn="ctr"/>
+            <a:r>
+              <a:rPr kumimoji="1" lang="en-US" altLang="ja-JP" sz="2800" dirty="0" smtClean="0"/>
+              <a:t>start</a:t>
+            </a:r>
+            <a:endParaRPr kumimoji="1" lang="ja-JP" altLang="en-US" sz="2800" dirty="0"/>
+          </a:p>
+        </p:txBody>
+      </p:sp>
+      <p:sp>
+        <p:nvSpPr>
+          <p:cNvPr id="5" name="円/楕円 4"/>
+          <p:cNvSpPr/>
+          <p:nvPr/>
+        </p:nvSpPr>
+        <p:spPr>
+          <a:xfrm>
+            <a:off x="3860921" y="6021288"/>
+            <a:ext cx="1431159" cy="545203"/>
+          </a:xfrm>
+          <a:prstGeom prst="ellipse">
+            <a:avLst/>
+          </a:prstGeom>
+        </p:spPr>
+        <p:style>
+          <a:lnRef idx="2">
+            <a:schemeClr val="accent6"/>
+          </a:lnRef>
+          <a:fillRef idx="1">
+            <a:schemeClr val="lt1"/>
+          </a:fillRef>
+          <a:effectRef idx="0">
+            <a:schemeClr val="accent6"/>
+          </a:effectRef>
+          <a:fontRef idx="minor">
+            <a:schemeClr val="dk1"/>
+          </a:fontRef>
+        </p:style>
+        <p:txBody>
+          <a:bodyPr rtlCol="0" anchor="ctr"/>
+          <a:lstStyle/>
+          <a:p>
+            <a:pPr algn="ctr"/>
+            <a:r>
+              <a:rPr lang="en-US" altLang="ja-JP" sz="2800" dirty="0" smtClean="0"/>
+              <a:t>end</a:t>
+            </a:r>
+            <a:endParaRPr kumimoji="1" lang="en-US" altLang="ja-JP" sz="2800" dirty="0" smtClean="0"/>
+          </a:p>
+        </p:txBody>
+      </p:sp>
+      <p:cxnSp>
+        <p:nvCxnSpPr>
+          <p:cNvPr id="7" name="直線矢印コネクタ 6"/>
+          <p:cNvCxnSpPr/>
+          <p:nvPr/>
+        </p:nvCxnSpPr>
+        <p:spPr>
+          <a:xfrm flipH="1">
+            <a:off x="4495491" y="1813963"/>
+            <a:ext cx="4501" cy="390901"/>
+          </a:xfrm>
+          <a:prstGeom prst="straightConnector1">
+            <a:avLst/>
+          </a:prstGeom>
+          <a:ln>
+            <a:tailEnd type="arrow"/>
+          </a:ln>
+        </p:spPr>
+        <p:style>
+          <a:lnRef idx="1">
+            <a:schemeClr val="accent1"/>
+          </a:lnRef>
+          <a:fillRef idx="0">
+            <a:schemeClr val="accent1"/>
+          </a:fillRef>
+          <a:effectRef idx="0">
+            <a:schemeClr val="accent1"/>
+          </a:effectRef>
+          <a:fontRef idx="minor">
+            <a:schemeClr val="tx1"/>
+          </a:fontRef>
+        </p:style>
+      </p:cxnSp>
+      <p:cxnSp>
+        <p:nvCxnSpPr>
+          <p:cNvPr id="8" name="直線矢印コネクタ 7"/>
+          <p:cNvCxnSpPr/>
+          <p:nvPr/>
+        </p:nvCxnSpPr>
+        <p:spPr>
+          <a:xfrm flipH="1">
+            <a:off x="4559651" y="5680868"/>
+            <a:ext cx="12349" cy="268412"/>
+          </a:xfrm>
+          <a:prstGeom prst="straightConnector1">
+            <a:avLst/>
+          </a:prstGeom>
+          <a:ln>
+            <a:tailEnd type="arrow"/>
+          </a:ln>
+        </p:spPr>
+        <p:style>
+          <a:lnRef idx="1">
+            <a:schemeClr val="accent1"/>
+          </a:lnRef>
+          <a:fillRef idx="0">
+            <a:schemeClr val="accent1"/>
+          </a:fillRef>
+          <a:effectRef idx="0">
+            <a:schemeClr val="accent1"/>
+          </a:effectRef>
+          <a:fontRef idx="minor">
+            <a:schemeClr val="tx1"/>
+          </a:fontRef>
+        </p:style>
+      </p:cxnSp>
+      <p:cxnSp>
+        <p:nvCxnSpPr>
+          <p:cNvPr id="15" name="直線矢印コネクタ 14"/>
+          <p:cNvCxnSpPr/>
+          <p:nvPr/>
+        </p:nvCxnSpPr>
+        <p:spPr>
+          <a:xfrm flipH="1">
+            <a:off x="4489820" y="2564904"/>
+            <a:ext cx="4501" cy="390901"/>
+          </a:xfrm>
+          <a:prstGeom prst="straightConnector1">
+            <a:avLst/>
+          </a:prstGeom>
+          <a:ln>
+            <a:tailEnd type="arrow"/>
+          </a:ln>
+        </p:spPr>
+        <p:style>
+          <a:lnRef idx="1">
+            <a:schemeClr val="accent1"/>
+          </a:lnRef>
+          <a:fillRef idx="0">
+            <a:schemeClr val="accent1"/>
+          </a:fillRef>
+          <a:effectRef idx="0">
+            <a:schemeClr val="accent1"/>
+          </a:effectRef>
+          <a:fontRef idx="minor">
+            <a:schemeClr val="tx1"/>
+          </a:fontRef>
+        </p:style>
+      </p:cxnSp>
+      <p:cxnSp>
+        <p:nvCxnSpPr>
+          <p:cNvPr id="27" name="直線矢印コネクタ 26"/>
+          <p:cNvCxnSpPr/>
+          <p:nvPr/>
+        </p:nvCxnSpPr>
+        <p:spPr>
+          <a:xfrm>
+            <a:off x="4551715" y="3284984"/>
+            <a:ext cx="0" cy="391544"/>
+          </a:xfrm>
+          <a:prstGeom prst="straightConnector1">
+            <a:avLst/>
+          </a:prstGeom>
+          <a:ln>
+            <a:tailEnd type="arrow"/>
+          </a:ln>
+        </p:spPr>
+        <p:style>
+          <a:lnRef idx="1">
+            <a:schemeClr val="accent1"/>
+          </a:lnRef>
+          <a:fillRef idx="0">
+            <a:schemeClr val="accent1"/>
+          </a:fillRef>
+          <a:effectRef idx="0">
+            <a:schemeClr val="accent1"/>
+          </a:effectRef>
+          <a:fontRef idx="minor">
+            <a:schemeClr val="tx1"/>
+          </a:fontRef>
+        </p:style>
+      </p:cxnSp>
+      <p:sp>
+        <p:nvSpPr>
+          <p:cNvPr id="28" name="正方形/長方形 27"/>
+          <p:cNvSpPr/>
+          <p:nvPr/>
+        </p:nvSpPr>
+        <p:spPr>
+          <a:xfrm>
+            <a:off x="3761798" y="4437112"/>
+            <a:ext cx="1501086" cy="451926"/>
+          </a:xfrm>
+          <a:prstGeom prst="rect">
+            <a:avLst/>
+          </a:prstGeom>
+        </p:spPr>
+        <p:style>
+          <a:lnRef idx="2">
+            <a:schemeClr val="accent6"/>
+          </a:lnRef>
+          <a:fillRef idx="1">
+            <a:schemeClr val="lt1"/>
+          </a:fillRef>
+          <a:effectRef idx="0">
+            <a:schemeClr val="accent6"/>
+          </a:effectRef>
+          <a:fontRef idx="minor">
+            <a:schemeClr val="dk1"/>
+          </a:fontRef>
+        </p:style>
+        <p:txBody>
+          <a:bodyPr rtlCol="0" anchor="ctr"/>
+          <a:lstStyle/>
+          <a:p>
+            <a:pPr algn="ctr"/>
+            <a:r>
+              <a:rPr lang="en-US" altLang="ja-JP" dirty="0" smtClean="0"/>
+              <a:t>X</a:t>
+            </a:r>
+            <a:r>
+              <a:rPr lang="ja-JP" altLang="en-US" dirty="0" smtClean="0"/>
+              <a:t>に</a:t>
+            </a:r>
+            <a:r>
+              <a:rPr lang="en-US" altLang="ja-JP" dirty="0" smtClean="0"/>
+              <a:t>2</a:t>
+            </a:r>
+            <a:r>
+              <a:rPr lang="ja-JP" altLang="en-US" dirty="0" smtClean="0"/>
+              <a:t>を足す</a:t>
+            </a:r>
+            <a:endParaRPr lang="en-US" altLang="ja-JP" dirty="0"/>
+          </a:p>
+        </p:txBody>
+      </p:sp>
+      <p:cxnSp>
+        <p:nvCxnSpPr>
+          <p:cNvPr id="32" name="直線矢印コネクタ 31"/>
+          <p:cNvCxnSpPr/>
+          <p:nvPr/>
+        </p:nvCxnSpPr>
+        <p:spPr>
+          <a:xfrm>
+            <a:off x="4572000" y="4941168"/>
+            <a:ext cx="1" cy="407650"/>
+          </a:xfrm>
+          <a:prstGeom prst="straightConnector1">
+            <a:avLst/>
+          </a:prstGeom>
+          <a:ln>
+            <a:tailEnd type="arrow"/>
+          </a:ln>
+        </p:spPr>
+        <p:style>
+          <a:lnRef idx="1">
+            <a:schemeClr val="accent1"/>
+          </a:lnRef>
+          <a:fillRef idx="0">
+            <a:schemeClr val="accent1"/>
+          </a:fillRef>
+          <a:effectRef idx="0">
+            <a:schemeClr val="accent1"/>
+          </a:effectRef>
+          <a:fontRef idx="minor">
+            <a:schemeClr val="tx1"/>
+          </a:fontRef>
+        </p:style>
+      </p:cxnSp>
+      <p:sp>
+        <p:nvSpPr>
+          <p:cNvPr id="18" name="正方形/長方形 17"/>
+          <p:cNvSpPr/>
+          <p:nvPr/>
+        </p:nvSpPr>
+        <p:spPr>
+          <a:xfrm>
+            <a:off x="4067945" y="2204864"/>
+            <a:ext cx="888792" cy="352960"/>
+          </a:xfrm>
+          <a:prstGeom prst="rect">
+            <a:avLst/>
+          </a:prstGeom>
+        </p:spPr>
+        <p:style>
+          <a:lnRef idx="2">
+            <a:schemeClr val="accent6"/>
+          </a:lnRef>
+          <a:fillRef idx="1">
+            <a:schemeClr val="lt1"/>
+          </a:fillRef>
+          <a:effectRef idx="0">
+            <a:schemeClr val="accent6"/>
+          </a:effectRef>
+          <a:fontRef idx="minor">
+            <a:schemeClr val="dk1"/>
+          </a:fontRef>
+        </p:style>
+        <p:txBody>
+          <a:bodyPr rtlCol="0" anchor="ctr"/>
+          <a:lstStyle/>
+          <a:p>
+            <a:pPr algn="ctr"/>
+            <a:r>
+              <a:rPr lang="en-US" altLang="ja-JP" dirty="0" smtClean="0"/>
+              <a:t>X=1</a:t>
+            </a:r>
+            <a:endParaRPr lang="en-US" altLang="ja-JP" dirty="0"/>
+          </a:p>
+        </p:txBody>
+      </p:sp>
+      <p:sp>
+        <p:nvSpPr>
+          <p:cNvPr id="6" name="片側の 2 つの角を切り取った四角形 5"/>
+          <p:cNvSpPr/>
+          <p:nvPr/>
+        </p:nvSpPr>
+        <p:spPr>
+          <a:xfrm>
+            <a:off x="3635896" y="2996952"/>
+            <a:ext cx="1800200" cy="288032"/>
+          </a:xfrm>
+          <a:prstGeom prst="snip2SameRect">
+            <a:avLst/>
+          </a:prstGeom>
+        </p:spPr>
+        <p:style>
+          <a:lnRef idx="2">
+            <a:schemeClr val="accent6"/>
+          </a:lnRef>
+          <a:fillRef idx="1">
+            <a:schemeClr val="lt1"/>
+          </a:fillRef>
+          <a:effectRef idx="0">
+            <a:schemeClr val="accent6"/>
+          </a:effectRef>
+          <a:fontRef idx="minor">
+            <a:schemeClr val="dk1"/>
+          </a:fontRef>
+        </p:style>
+        <p:txBody>
+          <a:bodyPr rtlCol="0" anchor="ctr"/>
+          <a:lstStyle/>
+          <a:p>
+            <a:pPr algn="ctr"/>
+            <a:r>
+              <a:rPr lang="en-US" altLang="ja-JP" dirty="0" smtClean="0"/>
+              <a:t>X</a:t>
+            </a:r>
+            <a:r>
+              <a:rPr lang="ja-JP" altLang="en-US" dirty="0" smtClean="0"/>
+              <a:t>の値が</a:t>
+            </a:r>
+            <a:r>
+              <a:rPr lang="en-US" altLang="ja-JP" dirty="0" smtClean="0"/>
+              <a:t>9</a:t>
+            </a:r>
+            <a:r>
+              <a:rPr lang="ja-JP" altLang="en-US" dirty="0" smtClean="0"/>
+              <a:t>未満</a:t>
+            </a:r>
+            <a:endParaRPr kumimoji="1" lang="ja-JP" altLang="en-US" dirty="0"/>
+          </a:p>
+        </p:txBody>
+      </p:sp>
+      <p:sp>
+        <p:nvSpPr>
+          <p:cNvPr id="21" name="片側の 2 つの角を切り取った四角形 20"/>
+          <p:cNvSpPr/>
+          <p:nvPr/>
+        </p:nvSpPr>
+        <p:spPr>
+          <a:xfrm rot="10800000">
+            <a:off x="3591970" y="5373215"/>
+            <a:ext cx="1800200" cy="288032"/>
+          </a:xfrm>
+          <a:prstGeom prst="snip2SameRect">
+            <a:avLst/>
+          </a:prstGeom>
+        </p:spPr>
+        <p:style>
+          <a:lnRef idx="2">
+            <a:schemeClr val="accent6"/>
+          </a:lnRef>
+          <a:fillRef idx="1">
+            <a:schemeClr val="lt1"/>
+          </a:fillRef>
+          <a:effectRef idx="0">
+            <a:schemeClr val="accent6"/>
+          </a:effectRef>
+          <a:fontRef idx="minor">
+            <a:schemeClr val="dk1"/>
+          </a:fontRef>
+        </p:style>
+        <p:txBody>
+          <a:bodyPr rtlCol="0" anchor="ctr"/>
+          <a:lstStyle/>
+          <a:p>
+            <a:pPr algn="ctr"/>
+            <a:endParaRPr kumimoji="1" lang="ja-JP" altLang="en-US" dirty="0"/>
+          </a:p>
+        </p:txBody>
+      </p:sp>
+      <p:sp>
+        <p:nvSpPr>
+          <p:cNvPr id="33" name="正方形/長方形 32"/>
+          <p:cNvSpPr/>
+          <p:nvPr/>
+        </p:nvSpPr>
+        <p:spPr>
+          <a:xfrm>
+            <a:off x="3779912" y="3717032"/>
+            <a:ext cx="1501086" cy="451926"/>
+          </a:xfrm>
+          <a:prstGeom prst="rect">
+            <a:avLst/>
+          </a:prstGeom>
+        </p:spPr>
+        <p:style>
+          <a:lnRef idx="2">
+            <a:schemeClr val="accent6"/>
+          </a:lnRef>
+          <a:fillRef idx="1">
+            <a:schemeClr val="lt1"/>
+          </a:fillRef>
+          <a:effectRef idx="0">
+            <a:schemeClr val="accent6"/>
+          </a:effectRef>
+          <a:fontRef idx="minor">
+            <a:schemeClr val="dk1"/>
+          </a:fontRef>
+        </p:style>
+        <p:txBody>
+          <a:bodyPr rtlCol="0" anchor="ctr"/>
+          <a:lstStyle/>
+          <a:p>
+            <a:pPr algn="ctr"/>
+            <a:r>
+              <a:rPr lang="en-US" altLang="ja-JP" dirty="0" smtClean="0"/>
+              <a:t>X</a:t>
+            </a:r>
+            <a:r>
+              <a:rPr lang="ja-JP" altLang="en-US" dirty="0" smtClean="0"/>
+              <a:t>の値を表示</a:t>
+            </a:r>
+            <a:endParaRPr lang="en-US" altLang="ja-JP" dirty="0"/>
+          </a:p>
+        </p:txBody>
+      </p:sp>
+      <p:cxnSp>
+        <p:nvCxnSpPr>
+          <p:cNvPr id="34" name="直線矢印コネクタ 33"/>
+          <p:cNvCxnSpPr/>
+          <p:nvPr/>
+        </p:nvCxnSpPr>
+        <p:spPr>
+          <a:xfrm flipH="1">
+            <a:off x="4547303" y="4149080"/>
+            <a:ext cx="24696" cy="203825"/>
+          </a:xfrm>
+          <a:prstGeom prst="straightConnector1">
+            <a:avLst/>
+          </a:prstGeom>
+          <a:ln>
+            <a:tailEnd type="arrow"/>
+          </a:ln>
+        </p:spPr>
+        <p:style>
+          <a:lnRef idx="1">
+            <a:schemeClr val="accent1"/>
+          </a:lnRef>
+          <a:fillRef idx="0">
+            <a:schemeClr val="accent1"/>
+          </a:fillRef>
+          <a:effectRef idx="0">
+            <a:schemeClr val="accent1"/>
+          </a:effectRef>
+          <a:fontRef idx="minor">
+            <a:schemeClr val="tx1"/>
+          </a:fontRef>
+        </p:style>
+      </p:cxnSp>
+    </p:spTree>
+    <p:extLst>
+      <p:ext uri="{BB962C8B-B14F-4D97-AF65-F5344CB8AC3E}">
+        <p14:creationId xmlns:p14="http://schemas.microsoft.com/office/powerpoint/2010/main" val="1774753625"/>
+      </p:ext>
+    </p:extLst>
+  </p:cSld>
+  <p:clrMapOvr>
+    <a:masterClrMapping/>
+  </p:clrMapOvr>
+</p:sld>
+</file>
+
+<file path=ppt/slides/slide6.xml><?xml version="1.0" encoding="utf-8"?>
+<p:sld xmlns:a="http://schemas.openxmlformats.org/drawingml/2006/main" xmlns:r="http://schemas.openxmlformats.org/officeDocument/2006/relationships" xmlns:p="http://schemas.openxmlformats.org/presentationml/2006/main">
+  <p:cSld>
+    <p:spTree>
+      <p:nvGrpSpPr>
+        <p:cNvPr id="1" name=""/>
+        <p:cNvGrpSpPr/>
+        <p:nvPr/>
+      </p:nvGrpSpPr>
+      <p:grpSpPr>
+        <a:xfrm>
+          <a:off x="0" y="0"/>
+          <a:ext cx="0" cy="0"/>
+          <a:chOff x="0" y="0"/>
+          <a:chExt cx="0" cy="0"/>
+        </a:xfrm>
+      </p:grpSpPr>
+      <p:sp>
+        <p:nvSpPr>
+          <p:cNvPr id="2" name="タイトル 1"/>
+          <p:cNvSpPr>
+            <a:spLocks noGrp="1"/>
+          </p:cNvSpPr>
+          <p:nvPr>
+            <p:ph type="title"/>
+          </p:nvPr>
+        </p:nvSpPr>
+        <p:spPr>
+          <a:xfrm>
+            <a:off x="457200" y="274638"/>
+            <a:ext cx="8229600" cy="706090"/>
+          </a:xfrm>
+        </p:spPr>
+        <p:txBody>
+          <a:bodyPr>
+            <a:normAutofit/>
+          </a:bodyPr>
+          <a:lstStyle/>
+          <a:p>
+            <a:r>
+              <a:rPr lang="ja-JP" altLang="en-US" sz="2000" dirty="0" smtClean="0"/>
+              <a:t>繰り返し処理</a:t>
+            </a:r>
+            <a:r>
+              <a:rPr lang="en-US" altLang="ja-JP" sz="2000" dirty="0"/>
+              <a:t>2</a:t>
+            </a:r>
+            <a:r>
+              <a:rPr lang="en-US" altLang="ja-JP" sz="2000" dirty="0" smtClean="0"/>
+              <a:t/>
+            </a:r>
+            <a:br>
+              <a:rPr lang="en-US" altLang="ja-JP" sz="2000" dirty="0" smtClean="0"/>
+            </a:br>
+            <a:r>
+              <a:rPr lang="ja-JP" altLang="en-US" sz="2000" dirty="0"/>
+              <a:t>「</a:t>
+            </a:r>
+            <a:r>
+              <a:rPr lang="en-US" altLang="ja-JP" sz="2000" dirty="0"/>
+              <a:t>Hello World!</a:t>
+            </a:r>
+            <a:r>
+              <a:rPr lang="ja-JP" altLang="en-US" sz="2000" dirty="0"/>
+              <a:t>」と</a:t>
+            </a:r>
+            <a:r>
+              <a:rPr lang="en-US" altLang="ja-JP" sz="2000" dirty="0"/>
+              <a:t>3</a:t>
+            </a:r>
+            <a:r>
+              <a:rPr lang="ja-JP" altLang="en-US" sz="2000" dirty="0"/>
+              <a:t>回表示させる処理</a:t>
+            </a:r>
+            <a:endParaRPr kumimoji="1" lang="ja-JP" altLang="en-US" sz="2000" dirty="0">
+              <a:latin typeface="メイリオ" pitchFamily="50" charset="-128"/>
+              <a:ea typeface="メイリオ" pitchFamily="50" charset="-128"/>
+            </a:endParaRPr>
+          </a:p>
+        </p:txBody>
+      </p:sp>
+      <p:sp>
+        <p:nvSpPr>
+          <p:cNvPr id="4" name="円/楕円 3"/>
+          <p:cNvSpPr/>
+          <p:nvPr/>
+        </p:nvSpPr>
+        <p:spPr>
+          <a:xfrm>
+            <a:off x="3779912" y="1268760"/>
+            <a:ext cx="1431159" cy="545203"/>
+          </a:xfrm>
+          <a:prstGeom prst="ellipse">
+            <a:avLst/>
+          </a:prstGeom>
+        </p:spPr>
+        <p:style>
+          <a:lnRef idx="2">
+            <a:schemeClr val="accent6"/>
+          </a:lnRef>
+          <a:fillRef idx="1">
+            <a:schemeClr val="lt1"/>
+          </a:fillRef>
+          <a:effectRef idx="0">
+            <a:schemeClr val="accent6"/>
+          </a:effectRef>
+          <a:fontRef idx="minor">
+            <a:schemeClr val="dk1"/>
+          </a:fontRef>
+        </p:style>
+        <p:txBody>
+          <a:bodyPr rtlCol="0" anchor="ctr"/>
+          <a:lstStyle/>
+          <a:p>
+            <a:pPr algn="ctr"/>
+            <a:r>
+              <a:rPr kumimoji="1" lang="en-US" altLang="ja-JP" sz="2800" dirty="0" smtClean="0"/>
+              <a:t>start</a:t>
+            </a:r>
+            <a:endParaRPr kumimoji="1" lang="ja-JP" altLang="en-US" sz="2800" dirty="0"/>
+          </a:p>
+        </p:txBody>
+      </p:sp>
+      <p:sp>
+        <p:nvSpPr>
+          <p:cNvPr id="5" name="円/楕円 4"/>
+          <p:cNvSpPr/>
+          <p:nvPr/>
+        </p:nvSpPr>
+        <p:spPr>
+          <a:xfrm>
+            <a:off x="3860921" y="6268173"/>
+            <a:ext cx="1431159" cy="545203"/>
+          </a:xfrm>
+          <a:prstGeom prst="ellipse">
+            <a:avLst/>
+          </a:prstGeom>
+        </p:spPr>
+        <p:style>
+          <a:lnRef idx="2">
+            <a:schemeClr val="accent6"/>
+          </a:lnRef>
+          <a:fillRef idx="1">
+            <a:schemeClr val="lt1"/>
+          </a:fillRef>
+          <a:effectRef idx="0">
+            <a:schemeClr val="accent6"/>
+          </a:effectRef>
+          <a:fontRef idx="minor">
+            <a:schemeClr val="dk1"/>
+          </a:fontRef>
+        </p:style>
+        <p:txBody>
+          <a:bodyPr rtlCol="0" anchor="ctr"/>
+          <a:lstStyle/>
+          <a:p>
+            <a:pPr algn="ctr"/>
+            <a:r>
+              <a:rPr lang="en-US" altLang="ja-JP" sz="2800" dirty="0" smtClean="0"/>
+              <a:t>end</a:t>
+            </a:r>
+            <a:endParaRPr kumimoji="1" lang="en-US" altLang="ja-JP" sz="2800" dirty="0" smtClean="0"/>
+          </a:p>
+        </p:txBody>
+      </p:sp>
+      <p:cxnSp>
+        <p:nvCxnSpPr>
+          <p:cNvPr id="7" name="直線矢印コネクタ 6"/>
+          <p:cNvCxnSpPr/>
+          <p:nvPr/>
+        </p:nvCxnSpPr>
+        <p:spPr>
+          <a:xfrm flipH="1">
+            <a:off x="4495491" y="1813963"/>
+            <a:ext cx="4501" cy="390901"/>
+          </a:xfrm>
+          <a:prstGeom prst="straightConnector1">
+            <a:avLst/>
+          </a:prstGeom>
+          <a:ln>
+            <a:tailEnd type="arrow"/>
+          </a:ln>
+        </p:spPr>
+        <p:style>
+          <a:lnRef idx="1">
+            <a:schemeClr val="accent1"/>
+          </a:lnRef>
+          <a:fillRef idx="0">
+            <a:schemeClr val="accent1"/>
+          </a:fillRef>
+          <a:effectRef idx="0">
+            <a:schemeClr val="accent1"/>
+          </a:effectRef>
+          <a:fontRef idx="minor">
+            <a:schemeClr val="tx1"/>
+          </a:fontRef>
+        </p:style>
+      </p:cxnSp>
+      <p:cxnSp>
+        <p:nvCxnSpPr>
+          <p:cNvPr id="27" name="直線矢印コネクタ 26"/>
+          <p:cNvCxnSpPr/>
+          <p:nvPr/>
+        </p:nvCxnSpPr>
+        <p:spPr>
+          <a:xfrm>
+            <a:off x="7360027" y="3165366"/>
+            <a:ext cx="0" cy="391544"/>
+          </a:xfrm>
+          <a:prstGeom prst="straightConnector1">
+            <a:avLst/>
+          </a:prstGeom>
+          <a:ln>
+            <a:tailEnd type="arrow"/>
+          </a:ln>
+        </p:spPr>
+        <p:style>
+          <a:lnRef idx="1">
+            <a:schemeClr val="accent1"/>
+          </a:lnRef>
+          <a:fillRef idx="0">
+            <a:schemeClr val="accent1"/>
+          </a:fillRef>
+          <a:effectRef idx="0">
+            <a:schemeClr val="accent1"/>
+          </a:effectRef>
+          <a:fontRef idx="minor">
+            <a:schemeClr val="tx1"/>
+          </a:fontRef>
+        </p:style>
+      </p:cxnSp>
+      <p:sp>
+        <p:nvSpPr>
+          <p:cNvPr id="28" name="正方形/長方形 27"/>
+          <p:cNvSpPr/>
+          <p:nvPr/>
+        </p:nvSpPr>
+        <p:spPr>
+          <a:xfrm>
+            <a:off x="6012160" y="4293096"/>
+            <a:ext cx="2616986" cy="360040"/>
+          </a:xfrm>
+          <a:prstGeom prst="rect">
+            <a:avLst/>
+          </a:prstGeom>
+        </p:spPr>
+        <p:style>
+          <a:lnRef idx="2">
+            <a:schemeClr val="accent6"/>
+          </a:lnRef>
+          <a:fillRef idx="1">
+            <a:schemeClr val="lt1"/>
+          </a:fillRef>
+          <a:effectRef idx="0">
+            <a:schemeClr val="accent6"/>
+          </a:effectRef>
+          <a:fontRef idx="minor">
+            <a:schemeClr val="dk1"/>
+          </a:fontRef>
+        </p:style>
+        <p:txBody>
+          <a:bodyPr rtlCol="0" anchor="ctr"/>
+          <a:lstStyle/>
+          <a:p>
+            <a:pPr algn="ctr"/>
+            <a:r>
+              <a:rPr lang="ja-JP" altLang="en-US" dirty="0" smtClean="0"/>
+              <a:t>改行文字を表示</a:t>
+            </a:r>
+            <a:endParaRPr lang="en-US" altLang="ja-JP" dirty="0"/>
+          </a:p>
+        </p:txBody>
+      </p:sp>
+      <p:cxnSp>
+        <p:nvCxnSpPr>
+          <p:cNvPr id="32" name="直線矢印コネクタ 31"/>
+          <p:cNvCxnSpPr/>
+          <p:nvPr/>
+        </p:nvCxnSpPr>
+        <p:spPr>
+          <a:xfrm>
+            <a:off x="7283607" y="5457423"/>
+            <a:ext cx="24698" cy="203825"/>
+          </a:xfrm>
+          <a:prstGeom prst="straightConnector1">
+            <a:avLst/>
+          </a:prstGeom>
+          <a:ln>
+            <a:tailEnd type="arrow"/>
+          </a:ln>
+        </p:spPr>
+        <p:style>
+          <a:lnRef idx="1">
+            <a:schemeClr val="accent1"/>
+          </a:lnRef>
+          <a:fillRef idx="0">
+            <a:schemeClr val="accent1"/>
+          </a:fillRef>
+          <a:effectRef idx="0">
+            <a:schemeClr val="accent1"/>
+          </a:effectRef>
+          <a:fontRef idx="minor">
+            <a:schemeClr val="tx1"/>
+          </a:fontRef>
+        </p:style>
+      </p:cxnSp>
+      <p:sp>
+        <p:nvSpPr>
+          <p:cNvPr id="6" name="片側の 2 つの角を切り取った四角形 5"/>
+          <p:cNvSpPr/>
+          <p:nvPr/>
+        </p:nvSpPr>
+        <p:spPr>
+          <a:xfrm>
+            <a:off x="6444208" y="2852936"/>
+            <a:ext cx="1800200" cy="288032"/>
+          </a:xfrm>
+          <a:prstGeom prst="snip2SameRect">
+            <a:avLst/>
+          </a:prstGeom>
+        </p:spPr>
+        <p:style>
+          <a:lnRef idx="2">
+            <a:schemeClr val="accent6"/>
+          </a:lnRef>
+          <a:fillRef idx="1">
+            <a:schemeClr val="lt1"/>
+          </a:fillRef>
+          <a:effectRef idx="0">
+            <a:schemeClr val="accent6"/>
+          </a:effectRef>
+          <a:fontRef idx="minor">
+            <a:schemeClr val="dk1"/>
+          </a:fontRef>
+        </p:style>
+        <p:txBody>
+          <a:bodyPr rtlCol="0" anchor="ctr"/>
+          <a:lstStyle/>
+          <a:p>
+            <a:pPr algn="ctr"/>
+            <a:r>
+              <a:rPr lang="en-US" altLang="ja-JP" dirty="0" smtClean="0"/>
+              <a:t>i&lt;3</a:t>
+            </a:r>
+            <a:endParaRPr kumimoji="1" lang="ja-JP" altLang="en-US" dirty="0"/>
+          </a:p>
+        </p:txBody>
+      </p:sp>
+      <p:sp>
+        <p:nvSpPr>
+          <p:cNvPr id="21" name="片側の 2 つの角を切り取った四角形 20"/>
+          <p:cNvSpPr/>
+          <p:nvPr/>
+        </p:nvSpPr>
+        <p:spPr>
+          <a:xfrm rot="10800000">
+            <a:off x="6328274" y="5661247"/>
+            <a:ext cx="1800200" cy="288032"/>
+          </a:xfrm>
+          <a:prstGeom prst="snip2SameRect">
+            <a:avLst/>
+          </a:prstGeom>
+        </p:spPr>
+        <p:style>
+          <a:lnRef idx="2">
+            <a:schemeClr val="accent6"/>
+          </a:lnRef>
+          <a:fillRef idx="1">
+            <a:schemeClr val="lt1"/>
+          </a:fillRef>
+          <a:effectRef idx="0">
+            <a:schemeClr val="accent6"/>
+          </a:effectRef>
+          <a:fontRef idx="minor">
+            <a:schemeClr val="dk1"/>
+          </a:fontRef>
+        </p:style>
+        <p:txBody>
+          <a:bodyPr rtlCol="0" anchor="ctr"/>
+          <a:lstStyle/>
+          <a:p>
+            <a:pPr algn="ctr"/>
+            <a:endParaRPr kumimoji="1" lang="ja-JP" altLang="en-US" dirty="0"/>
+          </a:p>
+        </p:txBody>
+      </p:sp>
+      <p:sp>
+        <p:nvSpPr>
+          <p:cNvPr id="33" name="正方形/長方形 32"/>
+          <p:cNvSpPr/>
+          <p:nvPr/>
+        </p:nvSpPr>
+        <p:spPr>
+          <a:xfrm>
+            <a:off x="6012160" y="3573016"/>
+            <a:ext cx="2808312" cy="451926"/>
+          </a:xfrm>
+          <a:prstGeom prst="rect">
+            <a:avLst/>
+          </a:prstGeom>
+        </p:spPr>
+        <p:style>
+          <a:lnRef idx="2">
+            <a:schemeClr val="accent6"/>
+          </a:lnRef>
+          <a:fillRef idx="1">
+            <a:schemeClr val="lt1"/>
+          </a:fillRef>
+          <a:effectRef idx="0">
+            <a:schemeClr val="accent6"/>
+          </a:effectRef>
+          <a:fontRef idx="minor">
+            <a:schemeClr val="dk1"/>
+          </a:fontRef>
+        </p:style>
+        <p:txBody>
+          <a:bodyPr rtlCol="0" anchor="ctr"/>
+          <a:lstStyle/>
+          <a:p>
+            <a:pPr algn="ctr"/>
+            <a:r>
+              <a:rPr lang="en-US" altLang="ja-JP" dirty="0" smtClean="0"/>
+              <a:t>X</a:t>
+            </a:r>
+            <a:r>
+              <a:rPr lang="ja-JP" altLang="en-US" dirty="0" smtClean="0"/>
+              <a:t>に入っている文字</a:t>
+            </a:r>
+            <a:r>
+              <a:rPr lang="ja-JP" altLang="en-US" dirty="0" smtClean="0"/>
+              <a:t>を表示</a:t>
+            </a:r>
+            <a:endParaRPr lang="en-US" altLang="ja-JP" dirty="0"/>
+          </a:p>
+        </p:txBody>
+      </p:sp>
+      <p:cxnSp>
+        <p:nvCxnSpPr>
+          <p:cNvPr id="34" name="直線矢印コネクタ 33"/>
+          <p:cNvCxnSpPr/>
+          <p:nvPr/>
+        </p:nvCxnSpPr>
+        <p:spPr>
+          <a:xfrm flipH="1">
+            <a:off x="7355615" y="4029462"/>
+            <a:ext cx="24696" cy="203825"/>
+          </a:xfrm>
+          <a:prstGeom prst="straightConnector1">
+            <a:avLst/>
+          </a:prstGeom>
+          <a:ln>
+            <a:tailEnd type="arrow"/>
+          </a:ln>
+        </p:spPr>
+        <p:style>
+          <a:lnRef idx="1">
+            <a:schemeClr val="accent1"/>
+          </a:lnRef>
+          <a:fillRef idx="0">
+            <a:schemeClr val="accent1"/>
+          </a:fillRef>
+          <a:effectRef idx="0">
+            <a:schemeClr val="accent1"/>
+          </a:effectRef>
+          <a:fontRef idx="minor">
+            <a:schemeClr val="tx1"/>
+          </a:fontRef>
+        </p:style>
+      </p:cxnSp>
+      <p:cxnSp>
+        <p:nvCxnSpPr>
+          <p:cNvPr id="17" name="直線矢印コネクタ 16"/>
+          <p:cNvCxnSpPr/>
+          <p:nvPr/>
+        </p:nvCxnSpPr>
+        <p:spPr>
+          <a:xfrm>
+            <a:off x="4535996" y="2589302"/>
+            <a:ext cx="0" cy="231170"/>
+          </a:xfrm>
+          <a:prstGeom prst="straightConnector1">
+            <a:avLst/>
+          </a:prstGeom>
+          <a:ln>
+            <a:tailEnd type="arrow"/>
+          </a:ln>
+        </p:spPr>
+        <p:style>
+          <a:lnRef idx="1">
+            <a:schemeClr val="accent1"/>
+          </a:lnRef>
+          <a:fillRef idx="0">
+            <a:schemeClr val="accent1"/>
+          </a:fillRef>
+          <a:effectRef idx="0">
+            <a:schemeClr val="accent1"/>
+          </a:effectRef>
+          <a:fontRef idx="minor">
+            <a:schemeClr val="tx1"/>
+          </a:fontRef>
+        </p:style>
+      </p:cxnSp>
+      <p:sp>
+        <p:nvSpPr>
+          <p:cNvPr id="19" name="フローチャート : 手操作入力 18"/>
+          <p:cNvSpPr/>
+          <p:nvPr/>
+        </p:nvSpPr>
+        <p:spPr>
+          <a:xfrm>
+            <a:off x="3131840" y="2171495"/>
+            <a:ext cx="2952328" cy="411474"/>
+          </a:xfrm>
+          <a:prstGeom prst="flowChartManualInput">
+            <a:avLst/>
+          </a:prstGeom>
+        </p:spPr>
+        <p:style>
+          <a:lnRef idx="2">
+            <a:schemeClr val="accent6"/>
+          </a:lnRef>
+          <a:fillRef idx="1">
+            <a:schemeClr val="lt1"/>
+          </a:fillRef>
+          <a:effectRef idx="0">
+            <a:schemeClr val="accent6"/>
+          </a:effectRef>
+          <a:fontRef idx="minor">
+            <a:schemeClr val="dk1"/>
+          </a:fontRef>
+        </p:style>
+        <p:txBody>
+          <a:bodyPr rtlCol="0" anchor="ctr"/>
+          <a:lstStyle/>
+          <a:p>
+            <a:pPr algn="ctr"/>
+            <a:r>
+              <a:rPr lang="en-US" altLang="ja-JP" dirty="0"/>
+              <a:t>X</a:t>
+            </a:r>
+            <a:r>
+              <a:rPr lang="ja-JP" altLang="en-US" dirty="0"/>
+              <a:t>に「</a:t>
+            </a:r>
+            <a:r>
+              <a:rPr lang="en-US" altLang="ja-JP" dirty="0"/>
+              <a:t>Hello World!</a:t>
+            </a:r>
+            <a:r>
+              <a:rPr lang="ja-JP" altLang="en-US" dirty="0"/>
+              <a:t>」と入力</a:t>
+            </a:r>
+            <a:endParaRPr lang="en-US" altLang="ja-JP" dirty="0"/>
+          </a:p>
+        </p:txBody>
+      </p:sp>
+      <p:sp>
+        <p:nvSpPr>
+          <p:cNvPr id="22" name="正方形/長方形 21"/>
+          <p:cNvSpPr/>
+          <p:nvPr/>
+        </p:nvSpPr>
+        <p:spPr>
+          <a:xfrm>
+            <a:off x="4115256" y="2852936"/>
+            <a:ext cx="888792" cy="352960"/>
+          </a:xfrm>
+          <a:prstGeom prst="rect">
+            <a:avLst/>
+          </a:prstGeom>
+        </p:spPr>
+        <p:style>
+          <a:lnRef idx="2">
+            <a:schemeClr val="accent6"/>
+          </a:lnRef>
+          <a:fillRef idx="1">
+            <a:schemeClr val="lt1"/>
+          </a:fillRef>
+          <a:effectRef idx="0">
+            <a:schemeClr val="accent6"/>
+          </a:effectRef>
+          <a:fontRef idx="minor">
+            <a:schemeClr val="dk1"/>
+          </a:fontRef>
+        </p:style>
+        <p:txBody>
+          <a:bodyPr rtlCol="0" anchor="ctr"/>
+          <a:lstStyle/>
+          <a:p>
+            <a:pPr algn="ctr"/>
+            <a:r>
+              <a:rPr lang="en-US" altLang="ja-JP" dirty="0" smtClean="0"/>
+              <a:t>i</a:t>
+            </a:r>
+            <a:r>
+              <a:rPr lang="en-US" altLang="ja-JP" dirty="0" smtClean="0"/>
+              <a:t>=0</a:t>
+            </a:r>
+            <a:endParaRPr lang="en-US" altLang="ja-JP" dirty="0"/>
+          </a:p>
+        </p:txBody>
+      </p:sp>
+      <p:sp>
+        <p:nvSpPr>
+          <p:cNvPr id="25" name="正方形/長方形 24"/>
+          <p:cNvSpPr/>
+          <p:nvPr/>
+        </p:nvSpPr>
+        <p:spPr>
+          <a:xfrm>
+            <a:off x="6059470" y="5013176"/>
+            <a:ext cx="2616986" cy="360040"/>
+          </a:xfrm>
+          <a:prstGeom prst="rect">
+            <a:avLst/>
+          </a:prstGeom>
+        </p:spPr>
+        <p:style>
+          <a:lnRef idx="2">
+            <a:schemeClr val="accent6"/>
+          </a:lnRef>
+          <a:fillRef idx="1">
+            <a:schemeClr val="lt1"/>
+          </a:fillRef>
+          <a:effectRef idx="0">
+            <a:schemeClr val="accent6"/>
+          </a:effectRef>
+          <a:fontRef idx="minor">
+            <a:schemeClr val="dk1"/>
+          </a:fontRef>
+        </p:style>
+        <p:txBody>
+          <a:bodyPr rtlCol="0" anchor="ctr"/>
+          <a:lstStyle/>
+          <a:p>
+            <a:pPr algn="ctr"/>
+            <a:r>
+              <a:rPr lang="en-US" altLang="ja-JP" dirty="0" smtClean="0"/>
+              <a:t>i</a:t>
+            </a:r>
+            <a:r>
+              <a:rPr lang="ja-JP" altLang="en-US" dirty="0" smtClean="0"/>
+              <a:t>に</a:t>
+            </a:r>
+            <a:r>
+              <a:rPr lang="en-US" altLang="ja-JP" dirty="0" smtClean="0"/>
+              <a:t>1</a:t>
+            </a:r>
+            <a:r>
+              <a:rPr lang="ja-JP" altLang="en-US" dirty="0" smtClean="0"/>
+              <a:t>を足す</a:t>
+            </a:r>
+            <a:endParaRPr lang="en-US" altLang="ja-JP" dirty="0"/>
+          </a:p>
+        </p:txBody>
+      </p:sp>
+      <p:cxnSp>
+        <p:nvCxnSpPr>
+          <p:cNvPr id="26" name="直線矢印コネクタ 25"/>
+          <p:cNvCxnSpPr/>
+          <p:nvPr/>
+        </p:nvCxnSpPr>
+        <p:spPr>
+          <a:xfrm flipH="1">
+            <a:off x="7283608" y="4737343"/>
+            <a:ext cx="24696" cy="203825"/>
+          </a:xfrm>
+          <a:prstGeom prst="straightConnector1">
+            <a:avLst/>
+          </a:prstGeom>
+          <a:ln>
+            <a:tailEnd type="arrow"/>
+          </a:ln>
+        </p:spPr>
+        <p:style>
+          <a:lnRef idx="1">
+            <a:schemeClr val="accent1"/>
+          </a:lnRef>
+          <a:fillRef idx="0">
+            <a:schemeClr val="accent1"/>
+          </a:fillRef>
+          <a:effectRef idx="0">
+            <a:schemeClr val="accent1"/>
+          </a:effectRef>
+          <a:fontRef idx="minor">
+            <a:schemeClr val="tx1"/>
+          </a:fontRef>
+        </p:style>
+      </p:cxnSp>
+      <p:cxnSp>
+        <p:nvCxnSpPr>
+          <p:cNvPr id="12" name="カギ線コネクタ 11"/>
+          <p:cNvCxnSpPr/>
+          <p:nvPr/>
+        </p:nvCxnSpPr>
+        <p:spPr>
+          <a:xfrm flipV="1">
+            <a:off x="5076056" y="2996952"/>
+            <a:ext cx="1252217" cy="72008"/>
+          </a:xfrm>
+          <a:prstGeom prst="bentConnector3">
+            <a:avLst/>
+          </a:prstGeom>
+          <a:ln>
+            <a:tailEnd type="arrow"/>
+          </a:ln>
+        </p:spPr>
+        <p:style>
+          <a:lnRef idx="1">
+            <a:schemeClr val="accent1"/>
+          </a:lnRef>
+          <a:fillRef idx="0">
+            <a:schemeClr val="accent1"/>
+          </a:fillRef>
+          <a:effectRef idx="0">
+            <a:schemeClr val="accent1"/>
+          </a:effectRef>
+          <a:fontRef idx="minor">
+            <a:schemeClr val="tx1"/>
+          </a:fontRef>
+        </p:style>
+      </p:cxnSp>
+      <p:cxnSp>
+        <p:nvCxnSpPr>
+          <p:cNvPr id="30" name="カギ線コネクタ 29"/>
+          <p:cNvCxnSpPr/>
+          <p:nvPr/>
+        </p:nvCxnSpPr>
+        <p:spPr>
+          <a:xfrm rot="10800000" flipV="1">
+            <a:off x="5292081" y="5835170"/>
+            <a:ext cx="1025037" cy="546158"/>
+          </a:xfrm>
+          <a:prstGeom prst="bentConnector3">
+            <a:avLst/>
+          </a:prstGeom>
+          <a:ln>
+            <a:tailEnd type="arrow"/>
+          </a:ln>
+        </p:spPr>
+        <p:style>
+          <a:lnRef idx="1">
+            <a:schemeClr val="accent1"/>
+          </a:lnRef>
+          <a:fillRef idx="0">
+            <a:schemeClr val="accent1"/>
+          </a:fillRef>
+          <a:effectRef idx="0">
+            <a:schemeClr val="accent1"/>
+          </a:effectRef>
+          <a:fontRef idx="minor">
+            <a:schemeClr val="tx1"/>
+          </a:fontRef>
+        </p:style>
+      </p:cxnSp>
+    </p:spTree>
+    <p:extLst>
+      <p:ext uri="{BB962C8B-B14F-4D97-AF65-F5344CB8AC3E}">
+        <p14:creationId xmlns:p14="http://schemas.microsoft.com/office/powerpoint/2010/main" val="2804465004"/>
+      </p:ext>
+    </p:extLst>
+  </p:cSld>
+  <p:clrMapOvr>
+    <a:masterClrMapping/>
+  </p:clrMapOvr>
+</p:sld>
+</file>
+
+<file path=ppt/slides/slide7.xml><?xml version="1.0" encoding="utf-8"?>
+<p:sld xmlns:a="http://schemas.openxmlformats.org/drawingml/2006/main" xmlns:r="http://schemas.openxmlformats.org/officeDocument/2006/relationships" xmlns:p="http://schemas.openxmlformats.org/presentationml/2006/main">
+  <p:cSld>
+    <p:spTree>
+      <p:nvGrpSpPr>
+        <p:cNvPr id="1" name=""/>
+        <p:cNvGrpSpPr/>
+        <p:nvPr/>
+      </p:nvGrpSpPr>
+      <p:grpSpPr>
+        <a:xfrm>
+          <a:off x="0" y="0"/>
+          <a:ext cx="0" cy="0"/>
+          <a:chOff x="0" y="0"/>
+          <a:chExt cx="0" cy="0"/>
+        </a:xfrm>
+      </p:grpSpPr>
+      <p:sp>
+        <p:nvSpPr>
+          <p:cNvPr id="2" name="タイトル 1"/>
+          <p:cNvSpPr>
+            <a:spLocks noGrp="1"/>
+          </p:cNvSpPr>
+          <p:nvPr>
+            <p:ph type="title"/>
+          </p:nvPr>
+        </p:nvSpPr>
+        <p:spPr>
+          <a:xfrm>
+            <a:off x="457200" y="202630"/>
+            <a:ext cx="8229600" cy="922114"/>
+          </a:xfrm>
+        </p:spPr>
+        <p:txBody>
+          <a:bodyPr>
+            <a:normAutofit fontScale="90000"/>
+          </a:bodyPr>
+          <a:lstStyle/>
+          <a:p>
+            <a:r>
+              <a:rPr lang="ja-JP" altLang="en-US" sz="2000" dirty="0" smtClean="0"/>
+              <a:t>条件分岐・繰り返し処理</a:t>
+            </a:r>
+            <a:r>
+              <a:rPr lang="en-US" altLang="ja-JP" sz="2000" dirty="0" smtClean="0"/>
+              <a:t>1</a:t>
+            </a:r>
+            <a:r>
+              <a:rPr lang="en-US" altLang="ja-JP" sz="2000" dirty="0" smtClean="0"/>
+              <a:t/>
+            </a:r>
+            <a:br>
+              <a:rPr lang="en-US" altLang="ja-JP" sz="2000" dirty="0" smtClean="0"/>
+            </a:br>
+            <a:r>
+              <a:rPr lang="ja-JP" altLang="en-US" sz="2000" dirty="0"/>
+              <a:t>パスワードの入力が正解になるまで入力を求め続ける処理</a:t>
+            </a:r>
+            <a:r>
+              <a:rPr lang="ja-JP" altLang="en-US" sz="2000" dirty="0" smtClean="0"/>
+              <a:t>。</a:t>
+            </a:r>
+            <a:r>
+              <a:rPr lang="en-US" altLang="ja-JP" sz="2000" dirty="0" smtClean="0"/>
+              <a:t/>
+            </a:r>
+            <a:br>
+              <a:rPr lang="en-US" altLang="ja-JP" sz="2000" dirty="0" smtClean="0"/>
+            </a:br>
+            <a:r>
+              <a:rPr lang="ja-JP" altLang="en-US" sz="2000" dirty="0" smtClean="0"/>
+              <a:t>成</a:t>
+            </a:r>
+            <a:r>
+              <a:rPr lang="ja-JP" altLang="en-US" sz="2000" dirty="0"/>
+              <a:t>功すると「ログインしました」と表示</a:t>
+            </a:r>
+            <a:endParaRPr kumimoji="1" lang="ja-JP" altLang="en-US" sz="2000" dirty="0">
+              <a:latin typeface="メイリオ" pitchFamily="50" charset="-128"/>
+              <a:ea typeface="メイリオ" pitchFamily="50" charset="-128"/>
+            </a:endParaRPr>
+          </a:p>
+        </p:txBody>
+      </p:sp>
+      <p:sp>
+        <p:nvSpPr>
+          <p:cNvPr id="4" name="円/楕円 3"/>
+          <p:cNvSpPr/>
+          <p:nvPr/>
+        </p:nvSpPr>
+        <p:spPr>
+          <a:xfrm>
+            <a:off x="3779912" y="1268760"/>
+            <a:ext cx="1431159" cy="545203"/>
+          </a:xfrm>
+          <a:prstGeom prst="ellipse">
+            <a:avLst/>
+          </a:prstGeom>
+        </p:spPr>
+        <p:style>
+          <a:lnRef idx="2">
+            <a:schemeClr val="accent6"/>
+          </a:lnRef>
+          <a:fillRef idx="1">
+            <a:schemeClr val="lt1"/>
+          </a:fillRef>
+          <a:effectRef idx="0">
+            <a:schemeClr val="accent6"/>
+          </a:effectRef>
+          <a:fontRef idx="minor">
+            <a:schemeClr val="dk1"/>
+          </a:fontRef>
+        </p:style>
+        <p:txBody>
+          <a:bodyPr rtlCol="0" anchor="ctr"/>
+          <a:lstStyle/>
+          <a:p>
+            <a:pPr algn="ctr"/>
+            <a:r>
+              <a:rPr kumimoji="1" lang="en-US" altLang="ja-JP" sz="2800" dirty="0" smtClean="0"/>
+              <a:t>start</a:t>
+            </a:r>
+            <a:endParaRPr kumimoji="1" lang="ja-JP" altLang="en-US" sz="2800" dirty="0"/>
+          </a:p>
+        </p:txBody>
+      </p:sp>
+      <p:sp>
+        <p:nvSpPr>
+          <p:cNvPr id="5" name="円/楕円 4"/>
+          <p:cNvSpPr/>
+          <p:nvPr/>
+        </p:nvSpPr>
+        <p:spPr>
+          <a:xfrm>
+            <a:off x="3860921" y="6268173"/>
+            <a:ext cx="1431159" cy="545203"/>
+          </a:xfrm>
+          <a:prstGeom prst="ellipse">
+            <a:avLst/>
+          </a:prstGeom>
+        </p:spPr>
+        <p:style>
+          <a:lnRef idx="2">
+            <a:schemeClr val="accent6"/>
+          </a:lnRef>
+          <a:fillRef idx="1">
+            <a:schemeClr val="lt1"/>
+          </a:fillRef>
+          <a:effectRef idx="0">
+            <a:schemeClr val="accent6"/>
+          </a:effectRef>
+          <a:fontRef idx="minor">
+            <a:schemeClr val="dk1"/>
+          </a:fontRef>
+        </p:style>
+        <p:txBody>
+          <a:bodyPr rtlCol="0" anchor="ctr"/>
+          <a:lstStyle/>
+          <a:p>
+            <a:pPr algn="ctr"/>
+            <a:r>
+              <a:rPr lang="en-US" altLang="ja-JP" sz="2800" dirty="0" smtClean="0"/>
+              <a:t>end</a:t>
+            </a:r>
+            <a:endParaRPr kumimoji="1" lang="en-US" altLang="ja-JP" sz="2800" dirty="0" smtClean="0"/>
+          </a:p>
+        </p:txBody>
+      </p:sp>
+      <p:cxnSp>
+        <p:nvCxnSpPr>
+          <p:cNvPr id="7" name="直線矢印コネクタ 6"/>
+          <p:cNvCxnSpPr/>
+          <p:nvPr/>
+        </p:nvCxnSpPr>
+        <p:spPr>
+          <a:xfrm flipH="1">
+            <a:off x="4495491" y="1813963"/>
+            <a:ext cx="4502" cy="195450"/>
+          </a:xfrm>
+          <a:prstGeom prst="straightConnector1">
+            <a:avLst/>
+          </a:prstGeom>
+          <a:ln>
+            <a:tailEnd type="arrow"/>
+          </a:ln>
+        </p:spPr>
+        <p:style>
+          <a:lnRef idx="1">
+            <a:schemeClr val="accent1"/>
+          </a:lnRef>
+          <a:fillRef idx="0">
+            <a:schemeClr val="accent1"/>
+          </a:fillRef>
+          <a:effectRef idx="0">
+            <a:schemeClr val="accent1"/>
+          </a:effectRef>
+          <a:fontRef idx="minor">
+            <a:schemeClr val="tx1"/>
+          </a:fontRef>
+        </p:style>
+      </p:cxnSp>
+      <p:cxnSp>
+        <p:nvCxnSpPr>
+          <p:cNvPr id="27" name="直線矢印コネクタ 26"/>
+          <p:cNvCxnSpPr/>
+          <p:nvPr/>
+        </p:nvCxnSpPr>
+        <p:spPr>
+          <a:xfrm>
+            <a:off x="4499992" y="5773760"/>
+            <a:ext cx="0" cy="391544"/>
+          </a:xfrm>
+          <a:prstGeom prst="straightConnector1">
+            <a:avLst/>
+          </a:prstGeom>
+          <a:ln>
+            <a:tailEnd type="arrow"/>
+          </a:ln>
+        </p:spPr>
+        <p:style>
+          <a:lnRef idx="1">
+            <a:schemeClr val="accent1"/>
+          </a:lnRef>
+          <a:fillRef idx="0">
+            <a:schemeClr val="accent1"/>
+          </a:fillRef>
+          <a:effectRef idx="0">
+            <a:schemeClr val="accent1"/>
+          </a:effectRef>
+          <a:fontRef idx="minor">
+            <a:schemeClr val="tx1"/>
+          </a:fontRef>
+        </p:style>
+      </p:cxnSp>
+      <p:cxnSp>
+        <p:nvCxnSpPr>
+          <p:cNvPr id="17" name="直線矢印コネクタ 16"/>
+          <p:cNvCxnSpPr/>
+          <p:nvPr/>
+        </p:nvCxnSpPr>
+        <p:spPr>
+          <a:xfrm>
+            <a:off x="4535996" y="2492896"/>
+            <a:ext cx="11307" cy="524630"/>
+          </a:xfrm>
+          <a:prstGeom prst="straightConnector1">
+            <a:avLst/>
+          </a:prstGeom>
+          <a:ln>
+            <a:tailEnd type="arrow"/>
+          </a:ln>
+        </p:spPr>
+        <p:style>
+          <a:lnRef idx="1">
+            <a:schemeClr val="accent1"/>
+          </a:lnRef>
+          <a:fillRef idx="0">
+            <a:schemeClr val="accent1"/>
+          </a:fillRef>
+          <a:effectRef idx="0">
+            <a:schemeClr val="accent1"/>
+          </a:effectRef>
+          <a:fontRef idx="minor">
+            <a:schemeClr val="tx1"/>
+          </a:fontRef>
+        </p:style>
+      </p:cxnSp>
+      <p:sp>
+        <p:nvSpPr>
+          <p:cNvPr id="19" name="フローチャート : 手操作入力 18"/>
+          <p:cNvSpPr/>
+          <p:nvPr/>
+        </p:nvSpPr>
+        <p:spPr>
+          <a:xfrm>
+            <a:off x="3258930" y="3017526"/>
+            <a:ext cx="2393190" cy="411474"/>
+          </a:xfrm>
+          <a:prstGeom prst="flowChartManualInput">
+            <a:avLst/>
+          </a:prstGeom>
+        </p:spPr>
+        <p:style>
+          <a:lnRef idx="2">
+            <a:schemeClr val="accent6"/>
+          </a:lnRef>
+          <a:fillRef idx="1">
+            <a:schemeClr val="lt1"/>
+          </a:fillRef>
+          <a:effectRef idx="0">
+            <a:schemeClr val="accent6"/>
+          </a:effectRef>
+          <a:fontRef idx="minor">
+            <a:schemeClr val="dk1"/>
+          </a:fontRef>
+        </p:style>
+        <p:txBody>
+          <a:bodyPr rtlCol="0" anchor="ctr"/>
+          <a:lstStyle/>
+          <a:p>
+            <a:pPr algn="ctr"/>
+            <a:r>
+              <a:rPr lang="en-US" altLang="ja-JP" dirty="0"/>
+              <a:t>X</a:t>
+            </a:r>
+            <a:r>
+              <a:rPr lang="ja-JP" altLang="en-US" dirty="0" smtClean="0"/>
+              <a:t>にパスワードを入</a:t>
+            </a:r>
+            <a:r>
+              <a:rPr lang="ja-JP" altLang="en-US" dirty="0"/>
+              <a:t>力</a:t>
+            </a:r>
+            <a:endParaRPr lang="en-US" altLang="ja-JP" dirty="0"/>
+          </a:p>
+        </p:txBody>
+      </p:sp>
+      <p:sp>
+        <p:nvSpPr>
+          <p:cNvPr id="22" name="正方形/長方形 21"/>
+          <p:cNvSpPr/>
+          <p:nvPr/>
+        </p:nvSpPr>
+        <p:spPr>
+          <a:xfrm>
+            <a:off x="3338862" y="2114552"/>
+            <a:ext cx="2313258" cy="352960"/>
+          </a:xfrm>
+          <a:prstGeom prst="rect">
+            <a:avLst/>
+          </a:prstGeom>
+        </p:spPr>
+        <p:style>
+          <a:lnRef idx="2">
+            <a:schemeClr val="accent6"/>
+          </a:lnRef>
+          <a:fillRef idx="1">
+            <a:schemeClr val="lt1"/>
+          </a:fillRef>
+          <a:effectRef idx="0">
+            <a:schemeClr val="accent6"/>
+          </a:effectRef>
+          <a:fontRef idx="minor">
+            <a:schemeClr val="dk1"/>
+          </a:fontRef>
+        </p:style>
+        <p:txBody>
+          <a:bodyPr rtlCol="0" anchor="ctr"/>
+          <a:lstStyle/>
+          <a:p>
+            <a:pPr algn="ctr"/>
+            <a:r>
+              <a:rPr lang="en-US" altLang="ja-JP" dirty="0" smtClean="0"/>
+              <a:t>A=</a:t>
+            </a:r>
+            <a:r>
+              <a:rPr lang="ja-JP" altLang="en-US" dirty="0" smtClean="0"/>
+              <a:t>パスワードの正解</a:t>
+            </a:r>
+            <a:endParaRPr lang="en-US" altLang="ja-JP" dirty="0"/>
+          </a:p>
+        </p:txBody>
+      </p:sp>
+      <p:sp>
+        <p:nvSpPr>
+          <p:cNvPr id="25" name="正方形/長方形 24"/>
+          <p:cNvSpPr/>
+          <p:nvPr/>
+        </p:nvSpPr>
+        <p:spPr>
+          <a:xfrm>
+            <a:off x="3203848" y="5097383"/>
+            <a:ext cx="2616986" cy="635873"/>
+          </a:xfrm>
+          <a:prstGeom prst="rect">
+            <a:avLst/>
+          </a:prstGeom>
+        </p:spPr>
+        <p:style>
+          <a:lnRef idx="2">
+            <a:schemeClr val="accent6"/>
+          </a:lnRef>
+          <a:fillRef idx="1">
+            <a:schemeClr val="lt1"/>
+          </a:fillRef>
+          <a:effectRef idx="0">
+            <a:schemeClr val="accent6"/>
+          </a:effectRef>
+          <a:fontRef idx="minor">
+            <a:schemeClr val="dk1"/>
+          </a:fontRef>
+        </p:style>
+        <p:txBody>
+          <a:bodyPr rtlCol="0" anchor="ctr"/>
+          <a:lstStyle/>
+          <a:p>
+            <a:pPr algn="ctr"/>
+            <a:r>
+              <a:rPr lang="ja-JP" altLang="en-US" dirty="0" smtClean="0"/>
+              <a:t>「ログインに成功しました」と表示する</a:t>
+            </a:r>
+            <a:endParaRPr lang="en-US" altLang="ja-JP" dirty="0"/>
+          </a:p>
+        </p:txBody>
+      </p:sp>
+      <p:cxnSp>
+        <p:nvCxnSpPr>
+          <p:cNvPr id="26" name="直線矢印コネクタ 25"/>
+          <p:cNvCxnSpPr/>
+          <p:nvPr/>
+        </p:nvCxnSpPr>
+        <p:spPr>
+          <a:xfrm flipH="1">
+            <a:off x="4631716" y="2755212"/>
+            <a:ext cx="2316548" cy="0"/>
+          </a:xfrm>
+          <a:prstGeom prst="straightConnector1">
+            <a:avLst/>
+          </a:prstGeom>
+          <a:ln>
+            <a:tailEnd type="arrow"/>
+          </a:ln>
+        </p:spPr>
+        <p:style>
+          <a:lnRef idx="1">
+            <a:schemeClr val="accent1"/>
+          </a:lnRef>
+          <a:fillRef idx="0">
+            <a:schemeClr val="accent1"/>
+          </a:fillRef>
+          <a:effectRef idx="0">
+            <a:schemeClr val="accent1"/>
+          </a:effectRef>
+          <a:fontRef idx="minor">
+            <a:schemeClr val="tx1"/>
+          </a:fontRef>
+        </p:style>
+      </p:cxnSp>
+      <p:sp>
+        <p:nvSpPr>
+          <p:cNvPr id="23" name="フローチャート : 判断 22"/>
+          <p:cNvSpPr/>
+          <p:nvPr/>
+        </p:nvSpPr>
+        <p:spPr>
+          <a:xfrm>
+            <a:off x="2771800" y="3898948"/>
+            <a:ext cx="3456384" cy="610172"/>
+          </a:xfrm>
+          <a:prstGeom prst="flowChartDecision">
+            <a:avLst/>
+          </a:prstGeom>
+        </p:spPr>
+        <p:style>
+          <a:lnRef idx="2">
+            <a:schemeClr val="accent6"/>
+          </a:lnRef>
+          <a:fillRef idx="1">
+            <a:schemeClr val="lt1"/>
+          </a:fillRef>
+          <a:effectRef idx="0">
+            <a:schemeClr val="accent6"/>
+          </a:effectRef>
+          <a:fontRef idx="minor">
+            <a:schemeClr val="dk1"/>
+          </a:fontRef>
+        </p:style>
+        <p:txBody>
+          <a:bodyPr rtlCol="0" anchor="ctr"/>
+          <a:lstStyle/>
+          <a:p>
+            <a:pPr algn="ctr"/>
+            <a:r>
+              <a:rPr lang="en-US" altLang="ja-JP" dirty="0" smtClean="0"/>
+              <a:t>A</a:t>
+            </a:r>
+            <a:r>
+              <a:rPr lang="ja-JP" altLang="en-US" dirty="0" smtClean="0"/>
+              <a:t>と</a:t>
+            </a:r>
+            <a:r>
+              <a:rPr lang="en-US" altLang="ja-JP" dirty="0" smtClean="0"/>
+              <a:t>X</a:t>
+            </a:r>
+            <a:r>
+              <a:rPr lang="ja-JP" altLang="en-US" dirty="0" smtClean="0"/>
+              <a:t>が一致する</a:t>
+            </a:r>
+            <a:endParaRPr kumimoji="1" lang="ja-JP" altLang="en-US" dirty="0"/>
+          </a:p>
+        </p:txBody>
+      </p:sp>
+      <p:sp>
+        <p:nvSpPr>
+          <p:cNvPr id="24" name="正方形/長方形 23"/>
+          <p:cNvSpPr/>
+          <p:nvPr/>
+        </p:nvSpPr>
+        <p:spPr>
+          <a:xfrm>
+            <a:off x="4547303" y="4286016"/>
+            <a:ext cx="1104817" cy="511136"/>
+          </a:xfrm>
+          <a:prstGeom prst="rect">
+            <a:avLst/>
+          </a:prstGeom>
+          <a:noFill/>
+          <a:ln>
+            <a:noFill/>
+          </a:ln>
+        </p:spPr>
+        <p:style>
+          <a:lnRef idx="2">
+            <a:schemeClr val="accent1">
+              <a:shade val="50000"/>
+            </a:schemeClr>
+          </a:lnRef>
+          <a:fillRef idx="1">
+            <a:schemeClr val="accent1"/>
+          </a:fillRef>
+          <a:effectRef idx="0">
+            <a:schemeClr val="accent1"/>
+          </a:effectRef>
+          <a:fontRef idx="minor">
+            <a:schemeClr val="lt1"/>
+          </a:fontRef>
+        </p:style>
+        <p:txBody>
+          <a:bodyPr rtlCol="0" anchor="ctr"/>
+          <a:lstStyle/>
+          <a:p>
+            <a:pPr algn="ctr"/>
+            <a:r>
+              <a:rPr lang="en-US" altLang="ja-JP" dirty="0" smtClean="0">
+                <a:solidFill>
+                  <a:schemeClr val="tx1"/>
+                </a:solidFill>
+              </a:rPr>
+              <a:t>yes</a:t>
+            </a:r>
+            <a:endParaRPr kumimoji="1" lang="ja-JP" altLang="en-US" dirty="0">
+              <a:solidFill>
+                <a:schemeClr val="tx1"/>
+              </a:solidFill>
+            </a:endParaRPr>
+          </a:p>
+        </p:txBody>
+      </p:sp>
+      <p:sp>
+        <p:nvSpPr>
+          <p:cNvPr id="29" name="正方形/長方形 28"/>
+          <p:cNvSpPr/>
+          <p:nvPr/>
+        </p:nvSpPr>
+        <p:spPr>
+          <a:xfrm>
+            <a:off x="5684416" y="3643380"/>
+            <a:ext cx="1104817" cy="511136"/>
+          </a:xfrm>
+          <a:prstGeom prst="rect">
+            <a:avLst/>
+          </a:prstGeom>
+          <a:noFill/>
+          <a:ln>
+            <a:noFill/>
+          </a:ln>
+        </p:spPr>
+        <p:style>
+          <a:lnRef idx="2">
+            <a:schemeClr val="accent1">
+              <a:shade val="50000"/>
+            </a:schemeClr>
+          </a:lnRef>
+          <a:fillRef idx="1">
+            <a:schemeClr val="accent1"/>
+          </a:fillRef>
+          <a:effectRef idx="0">
+            <a:schemeClr val="accent1"/>
+          </a:effectRef>
+          <a:fontRef idx="minor">
+            <a:schemeClr val="lt1"/>
+          </a:fontRef>
+        </p:style>
+        <p:txBody>
+          <a:bodyPr rtlCol="0" anchor="ctr"/>
+          <a:lstStyle/>
+          <a:p>
+            <a:pPr algn="ctr"/>
+            <a:r>
+              <a:rPr kumimoji="1" lang="en-US" altLang="ja-JP" dirty="0" smtClean="0">
+                <a:solidFill>
+                  <a:schemeClr val="tx1"/>
+                </a:solidFill>
+              </a:rPr>
+              <a:t>no</a:t>
+            </a:r>
+            <a:endParaRPr kumimoji="1" lang="ja-JP" altLang="en-US" dirty="0">
+              <a:solidFill>
+                <a:schemeClr val="tx1"/>
+              </a:solidFill>
+            </a:endParaRPr>
+          </a:p>
+        </p:txBody>
+      </p:sp>
+      <p:cxnSp>
+        <p:nvCxnSpPr>
+          <p:cNvPr id="31" name="直線矢印コネクタ 30"/>
+          <p:cNvCxnSpPr/>
+          <p:nvPr/>
+        </p:nvCxnSpPr>
+        <p:spPr>
+          <a:xfrm flipH="1">
+            <a:off x="4499992" y="3517114"/>
+            <a:ext cx="1" cy="271926"/>
+          </a:xfrm>
+          <a:prstGeom prst="straightConnector1">
+            <a:avLst/>
+          </a:prstGeom>
+          <a:ln>
+            <a:tailEnd type="arrow"/>
+          </a:ln>
+        </p:spPr>
+        <p:style>
+          <a:lnRef idx="1">
+            <a:schemeClr val="accent1"/>
+          </a:lnRef>
+          <a:fillRef idx="0">
+            <a:schemeClr val="accent1"/>
+          </a:fillRef>
+          <a:effectRef idx="0">
+            <a:schemeClr val="accent1"/>
+          </a:effectRef>
+          <a:fontRef idx="minor">
+            <a:schemeClr val="tx1"/>
+          </a:fontRef>
+        </p:style>
+      </p:cxnSp>
+      <p:cxnSp>
+        <p:nvCxnSpPr>
+          <p:cNvPr id="35" name="直線コネクタ 34"/>
+          <p:cNvCxnSpPr>
+            <a:stCxn id="23" idx="3"/>
+          </p:cNvCxnSpPr>
+          <p:nvPr/>
+        </p:nvCxnSpPr>
+        <p:spPr>
+          <a:xfrm>
+            <a:off x="6228184" y="4204034"/>
+            <a:ext cx="720080" cy="0"/>
+          </a:xfrm>
+          <a:prstGeom prst="line">
+            <a:avLst/>
+          </a:prstGeom>
+        </p:spPr>
+        <p:style>
+          <a:lnRef idx="1">
+            <a:schemeClr val="accent1"/>
+          </a:lnRef>
+          <a:fillRef idx="0">
+            <a:schemeClr val="accent1"/>
+          </a:fillRef>
+          <a:effectRef idx="0">
+            <a:schemeClr val="accent1"/>
+          </a:effectRef>
+          <a:fontRef idx="minor">
+            <a:schemeClr val="tx1"/>
+          </a:fontRef>
+        </p:style>
+      </p:cxnSp>
+      <p:cxnSp>
+        <p:nvCxnSpPr>
+          <p:cNvPr id="37" name="直線矢印コネクタ 36"/>
+          <p:cNvCxnSpPr/>
+          <p:nvPr/>
+        </p:nvCxnSpPr>
+        <p:spPr>
+          <a:xfrm>
+            <a:off x="4499992" y="4621632"/>
+            <a:ext cx="0" cy="391544"/>
+          </a:xfrm>
+          <a:prstGeom prst="straightConnector1">
+            <a:avLst/>
+          </a:prstGeom>
+          <a:ln>
+            <a:tailEnd type="arrow"/>
+          </a:ln>
+        </p:spPr>
+        <p:style>
+          <a:lnRef idx="1">
+            <a:schemeClr val="accent1"/>
+          </a:lnRef>
+          <a:fillRef idx="0">
+            <a:schemeClr val="accent1"/>
+          </a:fillRef>
+          <a:effectRef idx="0">
+            <a:schemeClr val="accent1"/>
+          </a:effectRef>
+          <a:fontRef idx="minor">
+            <a:schemeClr val="tx1"/>
+          </a:fontRef>
+        </p:style>
+      </p:cxnSp>
+      <p:cxnSp>
+        <p:nvCxnSpPr>
+          <p:cNvPr id="44" name="直線コネクタ 43"/>
+          <p:cNvCxnSpPr/>
+          <p:nvPr/>
+        </p:nvCxnSpPr>
+        <p:spPr>
+          <a:xfrm flipV="1">
+            <a:off x="6948264" y="2755211"/>
+            <a:ext cx="0" cy="1448823"/>
+          </a:xfrm>
+          <a:prstGeom prst="line">
+            <a:avLst/>
+          </a:prstGeom>
+        </p:spPr>
+        <p:style>
+          <a:lnRef idx="1">
+            <a:schemeClr val="accent1"/>
+          </a:lnRef>
+          <a:fillRef idx="0">
+            <a:schemeClr val="accent1"/>
+          </a:fillRef>
+          <a:effectRef idx="0">
+            <a:schemeClr val="accent1"/>
+          </a:effectRef>
+          <a:fontRef idx="minor">
+            <a:schemeClr val="tx1"/>
+          </a:fontRef>
+        </p:style>
+      </p:cxnSp>
+    </p:spTree>
+    <p:extLst>
+      <p:ext uri="{BB962C8B-B14F-4D97-AF65-F5344CB8AC3E}">
+        <p14:creationId xmlns:p14="http://schemas.microsoft.com/office/powerpoint/2010/main" val="681025953"/>
+      </p:ext>
+    </p:extLst>
+  </p:cSld>
+  <p:clrMapOvr>
+    <a:masterClrMapping/>
+  </p:clrMapOvr>
+</p:sld>
+</file>
+
+<file path=ppt/slides/slide8.xml><?xml version="1.0" encoding="utf-8"?>
+<p:sld xmlns:a="http://schemas.openxmlformats.org/drawingml/2006/main" xmlns:r="http://schemas.openxmlformats.org/officeDocument/2006/relationships" xmlns:p="http://schemas.openxmlformats.org/presentationml/2006/main">
+  <p:cSld>
+    <p:spTree>
+      <p:nvGrpSpPr>
+        <p:cNvPr id="1" name=""/>
+        <p:cNvGrpSpPr/>
+        <p:nvPr/>
+      </p:nvGrpSpPr>
+      <p:grpSpPr>
+        <a:xfrm>
+          <a:off x="0" y="0"/>
+          <a:ext cx="0" cy="0"/>
+          <a:chOff x="0" y="0"/>
+          <a:chExt cx="0" cy="0"/>
+        </a:xfrm>
+      </p:grpSpPr>
+      <p:sp>
+        <p:nvSpPr>
+          <p:cNvPr id="2" name="タイトル 1"/>
+          <p:cNvSpPr>
+            <a:spLocks noGrp="1"/>
+          </p:cNvSpPr>
+          <p:nvPr>
+            <p:ph type="title"/>
+          </p:nvPr>
+        </p:nvSpPr>
+        <p:spPr>
+          <a:xfrm>
+            <a:off x="457200" y="202630"/>
+            <a:ext cx="8229600" cy="922114"/>
+          </a:xfrm>
+        </p:spPr>
+        <p:txBody>
+          <a:bodyPr>
+            <a:normAutofit fontScale="90000"/>
+          </a:bodyPr>
+          <a:lstStyle/>
+          <a:p>
+            <a:r>
+              <a:rPr lang="ja-JP" altLang="en-US" sz="2000" dirty="0"/>
+              <a:t>条件分岐</a:t>
+            </a:r>
+            <a:r>
+              <a:rPr lang="en-US" altLang="ja-JP" sz="2000" dirty="0" smtClean="0"/>
+              <a:t>3</a:t>
+            </a:r>
+            <a:r>
+              <a:rPr lang="en-US" altLang="ja-JP" sz="2000" dirty="0" smtClean="0"/>
+              <a:t/>
+            </a:r>
+            <a:br>
+              <a:rPr lang="en-US" altLang="ja-JP" sz="2000" dirty="0" smtClean="0"/>
+            </a:br>
+            <a:r>
+              <a:rPr lang="ja-JP" altLang="en-US" sz="2000" dirty="0"/>
+              <a:t>入力された数字が</a:t>
+            </a:r>
+            <a:r>
+              <a:rPr lang="en-US" altLang="ja-JP" sz="2000" dirty="0"/>
+              <a:t>1</a:t>
+            </a:r>
+            <a:r>
+              <a:rPr lang="ja-JP" altLang="en-US" sz="2000" dirty="0"/>
+              <a:t>以上なら「入力された数字は</a:t>
+            </a:r>
+            <a:r>
+              <a:rPr lang="en-US" altLang="ja-JP" sz="2000" dirty="0"/>
+              <a:t>1</a:t>
+            </a:r>
+            <a:r>
+              <a:rPr lang="ja-JP" altLang="en-US" sz="2000" dirty="0"/>
+              <a:t>以上です」と表示</a:t>
+            </a:r>
+            <a:br>
+              <a:rPr lang="ja-JP" altLang="en-US" sz="2000" dirty="0"/>
+            </a:br>
+            <a:r>
+              <a:rPr lang="en-US" altLang="ja-JP" sz="2000" dirty="0"/>
+              <a:t>0</a:t>
+            </a:r>
+            <a:r>
+              <a:rPr lang="ja-JP" altLang="en-US" sz="2000" dirty="0"/>
+              <a:t>なら「入力された数字は</a:t>
+            </a:r>
+            <a:r>
+              <a:rPr lang="en-US" altLang="ja-JP" sz="2000" dirty="0"/>
+              <a:t>0</a:t>
+            </a:r>
+            <a:r>
+              <a:rPr lang="ja-JP" altLang="en-US" sz="2000" dirty="0"/>
+              <a:t>です」と表示</a:t>
+            </a:r>
+            <a:br>
+              <a:rPr lang="ja-JP" altLang="en-US" sz="2000" dirty="0"/>
+            </a:br>
+            <a:r>
+              <a:rPr lang="en-US" altLang="ja-JP" sz="2000" dirty="0"/>
+              <a:t>0</a:t>
+            </a:r>
+            <a:r>
+              <a:rPr lang="ja-JP" altLang="en-US" sz="2000" dirty="0"/>
+              <a:t>未満なら「入力された数字は</a:t>
+            </a:r>
+            <a:r>
+              <a:rPr lang="en-US" altLang="ja-JP" sz="2000" dirty="0"/>
+              <a:t>0</a:t>
+            </a:r>
+            <a:r>
+              <a:rPr lang="ja-JP" altLang="en-US" sz="2000" dirty="0"/>
+              <a:t>未満です」と表示</a:t>
+            </a:r>
+            <a:endParaRPr kumimoji="1" lang="ja-JP" altLang="en-US" sz="2000" dirty="0">
+              <a:latin typeface="メイリオ" pitchFamily="50" charset="-128"/>
+              <a:ea typeface="メイリオ" pitchFamily="50" charset="-128"/>
+            </a:endParaRPr>
+          </a:p>
+        </p:txBody>
+      </p:sp>
+      <p:sp>
+        <p:nvSpPr>
+          <p:cNvPr id="4" name="円/楕円 3"/>
+          <p:cNvSpPr/>
+          <p:nvPr/>
+        </p:nvSpPr>
+        <p:spPr>
+          <a:xfrm>
+            <a:off x="1391299" y="1268760"/>
+            <a:ext cx="1431159" cy="545203"/>
+          </a:xfrm>
+          <a:prstGeom prst="ellipse">
+            <a:avLst/>
+          </a:prstGeom>
+        </p:spPr>
+        <p:style>
+          <a:lnRef idx="2">
+            <a:schemeClr val="accent6"/>
+          </a:lnRef>
+          <a:fillRef idx="1">
+            <a:schemeClr val="lt1"/>
+          </a:fillRef>
+          <a:effectRef idx="0">
+            <a:schemeClr val="accent6"/>
+          </a:effectRef>
+          <a:fontRef idx="minor">
+            <a:schemeClr val="dk1"/>
+          </a:fontRef>
+        </p:style>
+        <p:txBody>
+          <a:bodyPr rtlCol="0" anchor="ctr"/>
+          <a:lstStyle/>
+          <a:p>
+            <a:pPr algn="ctr"/>
+            <a:r>
+              <a:rPr kumimoji="1" lang="en-US" altLang="ja-JP" sz="2800" dirty="0" smtClean="0"/>
+              <a:t>start</a:t>
+            </a:r>
+            <a:endParaRPr kumimoji="1" lang="ja-JP" altLang="en-US" sz="2800" dirty="0"/>
+          </a:p>
+        </p:txBody>
+      </p:sp>
+      <p:sp>
+        <p:nvSpPr>
+          <p:cNvPr id="5" name="円/楕円 4"/>
+          <p:cNvSpPr/>
+          <p:nvPr/>
+        </p:nvSpPr>
+        <p:spPr>
+          <a:xfrm>
+            <a:off x="1403648" y="6268173"/>
+            <a:ext cx="1431159" cy="545203"/>
+          </a:xfrm>
+          <a:prstGeom prst="ellipse">
+            <a:avLst/>
+          </a:prstGeom>
+        </p:spPr>
+        <p:style>
+          <a:lnRef idx="2">
+            <a:schemeClr val="accent6"/>
+          </a:lnRef>
+          <a:fillRef idx="1">
+            <a:schemeClr val="lt1"/>
+          </a:fillRef>
+          <a:effectRef idx="0">
+            <a:schemeClr val="accent6"/>
+          </a:effectRef>
+          <a:fontRef idx="minor">
+            <a:schemeClr val="dk1"/>
+          </a:fontRef>
+        </p:style>
+        <p:txBody>
+          <a:bodyPr rtlCol="0" anchor="ctr"/>
+          <a:lstStyle/>
+          <a:p>
+            <a:pPr algn="ctr"/>
+            <a:r>
+              <a:rPr lang="en-US" altLang="ja-JP" sz="2800" dirty="0" smtClean="0"/>
+              <a:t>end</a:t>
+            </a:r>
+            <a:endParaRPr kumimoji="1" lang="en-US" altLang="ja-JP" sz="2800" dirty="0" smtClean="0"/>
+          </a:p>
+        </p:txBody>
+      </p:sp>
+      <p:cxnSp>
+        <p:nvCxnSpPr>
+          <p:cNvPr id="7" name="直線矢印コネクタ 6"/>
+          <p:cNvCxnSpPr/>
+          <p:nvPr/>
+        </p:nvCxnSpPr>
+        <p:spPr>
+          <a:xfrm flipH="1">
+            <a:off x="2106878" y="1813963"/>
+            <a:ext cx="4502" cy="195450"/>
+          </a:xfrm>
+          <a:prstGeom prst="straightConnector1">
+            <a:avLst/>
+          </a:prstGeom>
+          <a:ln>
+            <a:tailEnd type="arrow"/>
+          </a:ln>
+        </p:spPr>
+        <p:style>
+          <a:lnRef idx="1">
+            <a:schemeClr val="accent1"/>
+          </a:lnRef>
+          <a:fillRef idx="0">
+            <a:schemeClr val="accent1"/>
+          </a:fillRef>
+          <a:effectRef idx="0">
+            <a:schemeClr val="accent1"/>
+          </a:effectRef>
+          <a:fontRef idx="minor">
+            <a:schemeClr val="tx1"/>
+          </a:fontRef>
+        </p:style>
+      </p:cxnSp>
+      <p:cxnSp>
+        <p:nvCxnSpPr>
+          <p:cNvPr id="27" name="直線矢印コネクタ 26"/>
+          <p:cNvCxnSpPr/>
+          <p:nvPr/>
+        </p:nvCxnSpPr>
+        <p:spPr>
+          <a:xfrm>
+            <a:off x="2106878" y="5865073"/>
+            <a:ext cx="4502" cy="372239"/>
+          </a:xfrm>
+          <a:prstGeom prst="straightConnector1">
+            <a:avLst/>
+          </a:prstGeom>
+          <a:ln>
+            <a:tailEnd type="arrow"/>
+          </a:ln>
+        </p:spPr>
+        <p:style>
+          <a:lnRef idx="1">
+            <a:schemeClr val="accent1"/>
+          </a:lnRef>
+          <a:fillRef idx="0">
+            <a:schemeClr val="accent1"/>
+          </a:fillRef>
+          <a:effectRef idx="0">
+            <a:schemeClr val="accent1"/>
+          </a:effectRef>
+          <a:fontRef idx="minor">
+            <a:schemeClr val="tx1"/>
+          </a:fontRef>
+        </p:style>
+      </p:cxnSp>
+      <p:cxnSp>
+        <p:nvCxnSpPr>
+          <p:cNvPr id="17" name="直線矢印コネクタ 16"/>
+          <p:cNvCxnSpPr/>
+          <p:nvPr/>
+        </p:nvCxnSpPr>
+        <p:spPr>
+          <a:xfrm>
+            <a:off x="2111379" y="2420888"/>
+            <a:ext cx="11307" cy="360040"/>
+          </a:xfrm>
+          <a:prstGeom prst="straightConnector1">
+            <a:avLst/>
+          </a:prstGeom>
+          <a:ln>
+            <a:tailEnd type="arrow"/>
+          </a:ln>
+        </p:spPr>
+        <p:style>
+          <a:lnRef idx="1">
+            <a:schemeClr val="accent1"/>
+          </a:lnRef>
+          <a:fillRef idx="0">
+            <a:schemeClr val="accent1"/>
+          </a:fillRef>
+          <a:effectRef idx="0">
+            <a:schemeClr val="accent1"/>
+          </a:effectRef>
+          <a:fontRef idx="minor">
+            <a:schemeClr val="tx1"/>
+          </a:fontRef>
+        </p:style>
+      </p:cxnSp>
+      <p:sp>
+        <p:nvSpPr>
+          <p:cNvPr id="19" name="フローチャート : 手操作入力 18"/>
+          <p:cNvSpPr/>
+          <p:nvPr/>
+        </p:nvSpPr>
+        <p:spPr>
+          <a:xfrm>
+            <a:off x="942325" y="1988840"/>
+            <a:ext cx="2393190" cy="411474"/>
+          </a:xfrm>
+          <a:prstGeom prst="flowChartManualInput">
+            <a:avLst/>
+          </a:prstGeom>
+        </p:spPr>
+        <p:style>
+          <a:lnRef idx="2">
+            <a:schemeClr val="accent6"/>
+          </a:lnRef>
+          <a:fillRef idx="1">
+            <a:schemeClr val="lt1"/>
+          </a:fillRef>
+          <a:effectRef idx="0">
+            <a:schemeClr val="accent6"/>
+          </a:effectRef>
+          <a:fontRef idx="minor">
+            <a:schemeClr val="dk1"/>
+          </a:fontRef>
+        </p:style>
+        <p:txBody>
+          <a:bodyPr rtlCol="0" anchor="ctr"/>
+          <a:lstStyle/>
+          <a:p>
+            <a:pPr algn="ctr"/>
+            <a:r>
+              <a:rPr lang="en-US" altLang="ja-JP" dirty="0"/>
+              <a:t>X</a:t>
+            </a:r>
+            <a:r>
+              <a:rPr lang="ja-JP" altLang="en-US" dirty="0" smtClean="0"/>
+              <a:t>に数値を入</a:t>
+            </a:r>
+            <a:r>
+              <a:rPr lang="ja-JP" altLang="en-US" dirty="0"/>
+              <a:t>力</a:t>
+            </a:r>
+            <a:endParaRPr lang="en-US" altLang="ja-JP" dirty="0"/>
+          </a:p>
+        </p:txBody>
+      </p:sp>
+      <p:sp>
+        <p:nvSpPr>
+          <p:cNvPr id="25" name="正方形/長方形 24"/>
+          <p:cNvSpPr/>
+          <p:nvPr/>
+        </p:nvSpPr>
+        <p:spPr>
+          <a:xfrm>
+            <a:off x="467544" y="5229200"/>
+            <a:ext cx="2616986" cy="635873"/>
+          </a:xfrm>
+          <a:prstGeom prst="rect">
+            <a:avLst/>
+          </a:prstGeom>
+        </p:spPr>
+        <p:style>
+          <a:lnRef idx="2">
+            <a:schemeClr val="accent6"/>
+          </a:lnRef>
+          <a:fillRef idx="1">
+            <a:schemeClr val="lt1"/>
+          </a:fillRef>
+          <a:effectRef idx="0">
+            <a:schemeClr val="accent6"/>
+          </a:effectRef>
+          <a:fontRef idx="minor">
+            <a:schemeClr val="dk1"/>
+          </a:fontRef>
+        </p:style>
+        <p:txBody>
+          <a:bodyPr rtlCol="0" anchor="ctr"/>
+          <a:lstStyle/>
+          <a:p>
+            <a:pPr algn="ctr"/>
+            <a:r>
+              <a:rPr lang="ja-JP" altLang="en-US" dirty="0" smtClean="0"/>
+              <a:t>「入力された数値は</a:t>
+            </a:r>
+            <a:r>
+              <a:rPr lang="en-US" altLang="ja-JP" dirty="0" smtClean="0"/>
+              <a:t>0</a:t>
+            </a:r>
+            <a:r>
+              <a:rPr lang="ja-JP" altLang="en-US" dirty="0" smtClean="0"/>
+              <a:t>です」と表示する</a:t>
+            </a:r>
+            <a:endParaRPr lang="en-US" altLang="ja-JP" dirty="0"/>
+          </a:p>
+        </p:txBody>
+      </p:sp>
+      <p:sp>
+        <p:nvSpPr>
+          <p:cNvPr id="23" name="フローチャート : 判断 22"/>
+          <p:cNvSpPr/>
+          <p:nvPr/>
+        </p:nvSpPr>
+        <p:spPr>
+          <a:xfrm>
+            <a:off x="395536" y="2804615"/>
+            <a:ext cx="3456384" cy="610172"/>
+          </a:xfrm>
+          <a:prstGeom prst="flowChartDecision">
+            <a:avLst/>
+          </a:prstGeom>
+        </p:spPr>
+        <p:style>
+          <a:lnRef idx="2">
+            <a:schemeClr val="accent6"/>
+          </a:lnRef>
+          <a:fillRef idx="1">
+            <a:schemeClr val="lt1"/>
+          </a:fillRef>
+          <a:effectRef idx="0">
+            <a:schemeClr val="accent6"/>
+          </a:effectRef>
+          <a:fontRef idx="minor">
+            <a:schemeClr val="dk1"/>
+          </a:fontRef>
+        </p:style>
+        <p:txBody>
+          <a:bodyPr rtlCol="0" anchor="ctr"/>
+          <a:lstStyle/>
+          <a:p>
+            <a:pPr algn="ctr"/>
+            <a:r>
+              <a:rPr lang="en-US" altLang="ja-JP" dirty="0" smtClean="0"/>
+              <a:t>X</a:t>
+            </a:r>
+            <a:r>
+              <a:rPr lang="ja-JP" altLang="en-US" dirty="0" smtClean="0"/>
+              <a:t>が</a:t>
+            </a:r>
+            <a:r>
+              <a:rPr lang="en-US" altLang="ja-JP" dirty="0" smtClean="0"/>
+              <a:t>0</a:t>
+            </a:r>
+            <a:r>
+              <a:rPr lang="ja-JP" altLang="en-US" dirty="0" smtClean="0"/>
+              <a:t>である</a:t>
+            </a:r>
+            <a:endParaRPr kumimoji="1" lang="ja-JP" altLang="en-US" dirty="0"/>
+          </a:p>
+        </p:txBody>
+      </p:sp>
+      <p:sp>
+        <p:nvSpPr>
+          <p:cNvPr id="24" name="正方形/長方形 23"/>
+          <p:cNvSpPr/>
+          <p:nvPr/>
+        </p:nvSpPr>
+        <p:spPr>
+          <a:xfrm>
+            <a:off x="1895355" y="3311986"/>
+            <a:ext cx="1104817" cy="511136"/>
+          </a:xfrm>
+          <a:prstGeom prst="rect">
+            <a:avLst/>
+          </a:prstGeom>
+          <a:noFill/>
+          <a:ln>
+            <a:noFill/>
+          </a:ln>
+        </p:spPr>
+        <p:style>
+          <a:lnRef idx="2">
+            <a:schemeClr val="accent1">
+              <a:shade val="50000"/>
+            </a:schemeClr>
+          </a:lnRef>
+          <a:fillRef idx="1">
+            <a:schemeClr val="accent1"/>
+          </a:fillRef>
+          <a:effectRef idx="0">
+            <a:schemeClr val="accent1"/>
+          </a:effectRef>
+          <a:fontRef idx="minor">
+            <a:schemeClr val="lt1"/>
+          </a:fontRef>
+        </p:style>
+        <p:txBody>
+          <a:bodyPr rtlCol="0" anchor="ctr"/>
+          <a:lstStyle/>
+          <a:p>
+            <a:pPr algn="ctr"/>
+            <a:r>
+              <a:rPr lang="en-US" altLang="ja-JP" dirty="0" smtClean="0">
+                <a:solidFill>
+                  <a:schemeClr val="tx1"/>
+                </a:solidFill>
+              </a:rPr>
+              <a:t>yes</a:t>
+            </a:r>
+            <a:endParaRPr kumimoji="1" lang="ja-JP" altLang="en-US" dirty="0">
+              <a:solidFill>
+                <a:schemeClr val="tx1"/>
+              </a:solidFill>
+            </a:endParaRPr>
+          </a:p>
+        </p:txBody>
+      </p:sp>
+      <p:sp>
+        <p:nvSpPr>
+          <p:cNvPr id="29" name="正方形/長方形 28"/>
+          <p:cNvSpPr/>
+          <p:nvPr/>
+        </p:nvSpPr>
+        <p:spPr>
+          <a:xfrm>
+            <a:off x="3335515" y="2525360"/>
+            <a:ext cx="1104817" cy="511136"/>
+          </a:xfrm>
+          <a:prstGeom prst="rect">
+            <a:avLst/>
+          </a:prstGeom>
+          <a:noFill/>
+          <a:ln>
+            <a:noFill/>
+          </a:ln>
+        </p:spPr>
+        <p:style>
+          <a:lnRef idx="2">
+            <a:schemeClr val="accent1">
+              <a:shade val="50000"/>
+            </a:schemeClr>
+          </a:lnRef>
+          <a:fillRef idx="1">
+            <a:schemeClr val="accent1"/>
+          </a:fillRef>
+          <a:effectRef idx="0">
+            <a:schemeClr val="accent1"/>
+          </a:effectRef>
+          <a:fontRef idx="minor">
+            <a:schemeClr val="lt1"/>
+          </a:fontRef>
+        </p:style>
+        <p:txBody>
+          <a:bodyPr rtlCol="0" anchor="ctr"/>
+          <a:lstStyle/>
+          <a:p>
+            <a:pPr algn="ctr"/>
+            <a:r>
+              <a:rPr kumimoji="1" lang="en-US" altLang="ja-JP" dirty="0" smtClean="0">
+                <a:solidFill>
+                  <a:schemeClr val="tx1"/>
+                </a:solidFill>
+              </a:rPr>
+              <a:t>no</a:t>
+            </a:r>
+            <a:endParaRPr kumimoji="1" lang="ja-JP" altLang="en-US" dirty="0">
+              <a:solidFill>
+                <a:schemeClr val="tx1"/>
+              </a:solidFill>
+            </a:endParaRPr>
+          </a:p>
+        </p:txBody>
+      </p:sp>
+      <p:cxnSp>
+        <p:nvCxnSpPr>
+          <p:cNvPr id="31" name="直線矢印コネクタ 30"/>
+          <p:cNvCxnSpPr/>
+          <p:nvPr/>
+        </p:nvCxnSpPr>
+        <p:spPr>
+          <a:xfrm>
+            <a:off x="2111381" y="3517114"/>
+            <a:ext cx="27539" cy="1713217"/>
+          </a:xfrm>
+          <a:prstGeom prst="straightConnector1">
+            <a:avLst/>
+          </a:prstGeom>
+          <a:ln>
+            <a:tailEnd type="arrow"/>
+          </a:ln>
+        </p:spPr>
+        <p:style>
+          <a:lnRef idx="1">
+            <a:schemeClr val="accent1"/>
+          </a:lnRef>
+          <a:fillRef idx="0">
+            <a:schemeClr val="accent1"/>
+          </a:fillRef>
+          <a:effectRef idx="0">
+            <a:schemeClr val="accent1"/>
+          </a:effectRef>
+          <a:fontRef idx="minor">
+            <a:schemeClr val="tx1"/>
+          </a:fontRef>
+        </p:style>
+      </p:cxnSp>
+      <p:cxnSp>
+        <p:nvCxnSpPr>
+          <p:cNvPr id="35" name="直線コネクタ 34"/>
+          <p:cNvCxnSpPr/>
+          <p:nvPr/>
+        </p:nvCxnSpPr>
+        <p:spPr>
+          <a:xfrm>
+            <a:off x="3851920" y="3068960"/>
+            <a:ext cx="720080" cy="0"/>
+          </a:xfrm>
+          <a:prstGeom prst="line">
+            <a:avLst/>
+          </a:prstGeom>
+        </p:spPr>
+        <p:style>
+          <a:lnRef idx="1">
+            <a:schemeClr val="accent1"/>
+          </a:lnRef>
+          <a:fillRef idx="0">
+            <a:schemeClr val="accent1"/>
+          </a:fillRef>
+          <a:effectRef idx="0">
+            <a:schemeClr val="accent1"/>
+          </a:effectRef>
+          <a:fontRef idx="minor">
+            <a:schemeClr val="tx1"/>
+          </a:fontRef>
+        </p:style>
+      </p:cxnSp>
+      <p:cxnSp>
+        <p:nvCxnSpPr>
+          <p:cNvPr id="37" name="直線矢印コネクタ 36"/>
+          <p:cNvCxnSpPr/>
+          <p:nvPr/>
+        </p:nvCxnSpPr>
+        <p:spPr>
+          <a:xfrm>
+            <a:off x="4563417" y="3068960"/>
+            <a:ext cx="0" cy="391544"/>
+          </a:xfrm>
+          <a:prstGeom prst="straightConnector1">
+            <a:avLst/>
+          </a:prstGeom>
+          <a:ln>
+            <a:tailEnd type="arrow"/>
+          </a:ln>
+        </p:spPr>
+        <p:style>
+          <a:lnRef idx="1">
+            <a:schemeClr val="accent1"/>
+          </a:lnRef>
+          <a:fillRef idx="0">
+            <a:schemeClr val="accent1"/>
+          </a:fillRef>
+          <a:effectRef idx="0">
+            <a:schemeClr val="accent1"/>
+          </a:effectRef>
+          <a:fontRef idx="minor">
+            <a:schemeClr val="tx1"/>
+          </a:fontRef>
+        </p:style>
+      </p:cxnSp>
+      <p:sp>
+        <p:nvSpPr>
+          <p:cNvPr id="28" name="フローチャート : 判断 27"/>
+          <p:cNvSpPr/>
+          <p:nvPr/>
+        </p:nvSpPr>
+        <p:spPr>
+          <a:xfrm>
+            <a:off x="2831459" y="3573016"/>
+            <a:ext cx="3456384" cy="610172"/>
+          </a:xfrm>
+          <a:prstGeom prst="flowChartDecision">
+            <a:avLst/>
+          </a:prstGeom>
+        </p:spPr>
+        <p:style>
+          <a:lnRef idx="2">
+            <a:schemeClr val="accent6"/>
+          </a:lnRef>
+          <a:fillRef idx="1">
+            <a:schemeClr val="lt1"/>
+          </a:fillRef>
+          <a:effectRef idx="0">
+            <a:schemeClr val="accent6"/>
+          </a:effectRef>
+          <a:fontRef idx="minor">
+            <a:schemeClr val="dk1"/>
+          </a:fontRef>
+        </p:style>
+        <p:txBody>
+          <a:bodyPr rtlCol="0" anchor="ctr"/>
+          <a:lstStyle/>
+          <a:p>
+            <a:pPr algn="ctr"/>
+            <a:r>
+              <a:rPr lang="en-US" altLang="ja-JP" dirty="0" smtClean="0"/>
+              <a:t>X</a:t>
+            </a:r>
+            <a:r>
+              <a:rPr lang="ja-JP" altLang="en-US" dirty="0" smtClean="0"/>
+              <a:t>が</a:t>
+            </a:r>
+            <a:r>
+              <a:rPr lang="en-US" altLang="ja-JP" dirty="0" smtClean="0"/>
+              <a:t>1</a:t>
+            </a:r>
+            <a:r>
+              <a:rPr lang="ja-JP" altLang="en-US" dirty="0" smtClean="0"/>
+              <a:t>以上である</a:t>
+            </a:r>
+            <a:endParaRPr kumimoji="1" lang="ja-JP" altLang="en-US" dirty="0"/>
+          </a:p>
+        </p:txBody>
+      </p:sp>
+      <p:cxnSp>
+        <p:nvCxnSpPr>
+          <p:cNvPr id="30" name="直線コネクタ 29"/>
+          <p:cNvCxnSpPr/>
+          <p:nvPr/>
+        </p:nvCxnSpPr>
+        <p:spPr>
+          <a:xfrm>
+            <a:off x="6372200" y="3861048"/>
+            <a:ext cx="720080" cy="0"/>
+          </a:xfrm>
+          <a:prstGeom prst="line">
+            <a:avLst/>
+          </a:prstGeom>
+        </p:spPr>
+        <p:style>
+          <a:lnRef idx="1">
+            <a:schemeClr val="accent1"/>
+          </a:lnRef>
+          <a:fillRef idx="0">
+            <a:schemeClr val="accent1"/>
+          </a:fillRef>
+          <a:effectRef idx="0">
+            <a:schemeClr val="accent1"/>
+          </a:effectRef>
+          <a:fontRef idx="minor">
+            <a:schemeClr val="tx1"/>
+          </a:fontRef>
+        </p:style>
+      </p:cxnSp>
+      <p:cxnSp>
+        <p:nvCxnSpPr>
+          <p:cNvPr id="32" name="直線矢印コネクタ 31"/>
+          <p:cNvCxnSpPr/>
+          <p:nvPr/>
+        </p:nvCxnSpPr>
+        <p:spPr>
+          <a:xfrm>
+            <a:off x="7083697" y="3861048"/>
+            <a:ext cx="0" cy="391544"/>
+          </a:xfrm>
+          <a:prstGeom prst="straightConnector1">
+            <a:avLst/>
+          </a:prstGeom>
+          <a:ln>
+            <a:tailEnd type="arrow"/>
+          </a:ln>
+        </p:spPr>
+        <p:style>
+          <a:lnRef idx="1">
+            <a:schemeClr val="accent1"/>
+          </a:lnRef>
+          <a:fillRef idx="0">
+            <a:schemeClr val="accent1"/>
+          </a:fillRef>
+          <a:effectRef idx="0">
+            <a:schemeClr val="accent1"/>
+          </a:effectRef>
+          <a:fontRef idx="minor">
+            <a:schemeClr val="tx1"/>
+          </a:fontRef>
+        </p:style>
+      </p:cxnSp>
+      <p:sp>
+        <p:nvSpPr>
+          <p:cNvPr id="33" name="正方形/長方形 32"/>
+          <p:cNvSpPr/>
+          <p:nvPr/>
+        </p:nvSpPr>
+        <p:spPr>
+          <a:xfrm>
+            <a:off x="3251158" y="4761123"/>
+            <a:ext cx="2616986" cy="635873"/>
+          </a:xfrm>
+          <a:prstGeom prst="rect">
+            <a:avLst/>
+          </a:prstGeom>
+        </p:spPr>
+        <p:style>
+          <a:lnRef idx="2">
+            <a:schemeClr val="accent6"/>
+          </a:lnRef>
+          <a:fillRef idx="1">
+            <a:schemeClr val="lt1"/>
+          </a:fillRef>
+          <a:effectRef idx="0">
+            <a:schemeClr val="accent6"/>
+          </a:effectRef>
+          <a:fontRef idx="minor">
+            <a:schemeClr val="dk1"/>
+          </a:fontRef>
+        </p:style>
+        <p:txBody>
+          <a:bodyPr rtlCol="0" anchor="ctr"/>
+          <a:lstStyle/>
+          <a:p>
+            <a:pPr algn="ctr"/>
+            <a:r>
+              <a:rPr lang="ja-JP" altLang="en-US" dirty="0" smtClean="0"/>
+              <a:t>「入力された数値は</a:t>
+            </a:r>
+            <a:r>
+              <a:rPr lang="en-US" altLang="ja-JP" dirty="0" smtClean="0"/>
+              <a:t>1</a:t>
+            </a:r>
+            <a:r>
+              <a:rPr lang="ja-JP" altLang="en-US" dirty="0" smtClean="0"/>
+              <a:t>以上です」と表示する</a:t>
+            </a:r>
+            <a:endParaRPr lang="en-US" altLang="ja-JP" dirty="0"/>
+          </a:p>
+        </p:txBody>
+      </p:sp>
+      <p:cxnSp>
+        <p:nvCxnSpPr>
+          <p:cNvPr id="34" name="直線矢印コネクタ 33"/>
+          <p:cNvCxnSpPr/>
+          <p:nvPr/>
+        </p:nvCxnSpPr>
+        <p:spPr>
+          <a:xfrm>
+            <a:off x="4547304" y="4237194"/>
+            <a:ext cx="24696" cy="487950"/>
+          </a:xfrm>
+          <a:prstGeom prst="straightConnector1">
+            <a:avLst/>
+          </a:prstGeom>
+          <a:ln>
+            <a:tailEnd type="arrow"/>
+          </a:ln>
+        </p:spPr>
+        <p:style>
+          <a:lnRef idx="1">
+            <a:schemeClr val="accent1"/>
+          </a:lnRef>
+          <a:fillRef idx="0">
+            <a:schemeClr val="accent1"/>
+          </a:fillRef>
+          <a:effectRef idx="0">
+            <a:schemeClr val="accent1"/>
+          </a:effectRef>
+          <a:fontRef idx="minor">
+            <a:schemeClr val="tx1"/>
+          </a:fontRef>
+        </p:style>
+      </p:cxnSp>
+      <p:sp>
+        <p:nvSpPr>
+          <p:cNvPr id="36" name="正方形/長方形 35"/>
+          <p:cNvSpPr/>
+          <p:nvPr/>
+        </p:nvSpPr>
+        <p:spPr>
+          <a:xfrm>
+            <a:off x="4355976" y="4071610"/>
+            <a:ext cx="1104817" cy="511136"/>
+          </a:xfrm>
+          <a:prstGeom prst="rect">
+            <a:avLst/>
+          </a:prstGeom>
+          <a:noFill/>
+          <a:ln>
+            <a:noFill/>
+          </a:ln>
+        </p:spPr>
+        <p:style>
+          <a:lnRef idx="2">
+            <a:schemeClr val="accent1">
+              <a:shade val="50000"/>
+            </a:schemeClr>
+          </a:lnRef>
+          <a:fillRef idx="1">
+            <a:schemeClr val="accent1"/>
+          </a:fillRef>
+          <a:effectRef idx="0">
+            <a:schemeClr val="accent1"/>
+          </a:effectRef>
+          <a:fontRef idx="minor">
+            <a:schemeClr val="lt1"/>
+          </a:fontRef>
+        </p:style>
+        <p:txBody>
+          <a:bodyPr rtlCol="0" anchor="ctr"/>
+          <a:lstStyle/>
+          <a:p>
+            <a:pPr algn="ctr"/>
+            <a:r>
+              <a:rPr lang="en-US" altLang="ja-JP" dirty="0" smtClean="0">
+                <a:solidFill>
+                  <a:schemeClr val="tx1"/>
+                </a:solidFill>
+              </a:rPr>
+              <a:t>yes</a:t>
+            </a:r>
+            <a:endParaRPr kumimoji="1" lang="ja-JP" altLang="en-US" dirty="0">
+              <a:solidFill>
+                <a:schemeClr val="tx1"/>
+              </a:solidFill>
+            </a:endParaRPr>
+          </a:p>
+        </p:txBody>
+      </p:sp>
+      <p:sp>
+        <p:nvSpPr>
+          <p:cNvPr id="38" name="正方形/長方形 37"/>
+          <p:cNvSpPr/>
+          <p:nvPr/>
+        </p:nvSpPr>
+        <p:spPr>
+          <a:xfrm>
+            <a:off x="5796136" y="3284984"/>
+            <a:ext cx="1104817" cy="511136"/>
+          </a:xfrm>
+          <a:prstGeom prst="rect">
+            <a:avLst/>
+          </a:prstGeom>
+          <a:noFill/>
+          <a:ln>
+            <a:noFill/>
+          </a:ln>
+        </p:spPr>
+        <p:style>
+          <a:lnRef idx="2">
+            <a:schemeClr val="accent1">
+              <a:shade val="50000"/>
+            </a:schemeClr>
+          </a:lnRef>
+          <a:fillRef idx="1">
+            <a:schemeClr val="accent1"/>
+          </a:fillRef>
+          <a:effectRef idx="0">
+            <a:schemeClr val="accent1"/>
+          </a:effectRef>
+          <a:fontRef idx="minor">
+            <a:schemeClr val="lt1"/>
+          </a:fontRef>
+        </p:style>
+        <p:txBody>
+          <a:bodyPr rtlCol="0" anchor="ctr"/>
+          <a:lstStyle/>
+          <a:p>
+            <a:pPr algn="ctr"/>
+            <a:r>
+              <a:rPr kumimoji="1" lang="en-US" altLang="ja-JP" dirty="0" smtClean="0">
+                <a:solidFill>
+                  <a:schemeClr val="tx1"/>
+                </a:solidFill>
+              </a:rPr>
+              <a:t>no</a:t>
+            </a:r>
+            <a:endParaRPr kumimoji="1" lang="ja-JP" altLang="en-US" dirty="0">
+              <a:solidFill>
+                <a:schemeClr val="tx1"/>
+              </a:solidFill>
+            </a:endParaRPr>
+          </a:p>
+        </p:txBody>
+      </p:sp>
+      <p:sp>
+        <p:nvSpPr>
+          <p:cNvPr id="39" name="正方形/長方形 38"/>
+          <p:cNvSpPr/>
+          <p:nvPr/>
+        </p:nvSpPr>
+        <p:spPr>
+          <a:xfrm>
+            <a:off x="6059470" y="4305295"/>
+            <a:ext cx="2616986" cy="635873"/>
+          </a:xfrm>
+          <a:prstGeom prst="rect">
+            <a:avLst/>
+          </a:prstGeom>
+        </p:spPr>
+        <p:style>
+          <a:lnRef idx="2">
+            <a:schemeClr val="accent6"/>
+          </a:lnRef>
+          <a:fillRef idx="1">
+            <a:schemeClr val="lt1"/>
+          </a:fillRef>
+          <a:effectRef idx="0">
+            <a:schemeClr val="accent6"/>
+          </a:effectRef>
+          <a:fontRef idx="minor">
+            <a:schemeClr val="dk1"/>
+          </a:fontRef>
+        </p:style>
+        <p:txBody>
+          <a:bodyPr rtlCol="0" anchor="ctr"/>
+          <a:lstStyle/>
+          <a:p>
+            <a:pPr algn="ctr"/>
+            <a:r>
+              <a:rPr lang="ja-JP" altLang="en-US" dirty="0" smtClean="0"/>
+              <a:t>「入力された数値は</a:t>
+            </a:r>
+            <a:r>
+              <a:rPr lang="en-US" altLang="ja-JP" dirty="0" smtClean="0"/>
+              <a:t>0</a:t>
+            </a:r>
+            <a:r>
+              <a:rPr lang="ja-JP" altLang="en-US" dirty="0" smtClean="0"/>
+              <a:t>未満です」と表示する</a:t>
+            </a:r>
+            <a:endParaRPr lang="en-US" altLang="ja-JP" dirty="0"/>
+          </a:p>
+        </p:txBody>
+      </p:sp>
+      <p:cxnSp>
+        <p:nvCxnSpPr>
+          <p:cNvPr id="40" name="直線コネクタ 39"/>
+          <p:cNvCxnSpPr/>
+          <p:nvPr/>
+        </p:nvCxnSpPr>
+        <p:spPr>
+          <a:xfrm>
+            <a:off x="7077712" y="4941168"/>
+            <a:ext cx="0" cy="1552267"/>
+          </a:xfrm>
+          <a:prstGeom prst="line">
+            <a:avLst/>
+          </a:prstGeom>
+        </p:spPr>
+        <p:style>
+          <a:lnRef idx="1">
+            <a:schemeClr val="accent1"/>
+          </a:lnRef>
+          <a:fillRef idx="0">
+            <a:schemeClr val="accent1"/>
+          </a:fillRef>
+          <a:effectRef idx="0">
+            <a:schemeClr val="accent1"/>
+          </a:effectRef>
+          <a:fontRef idx="minor">
+            <a:schemeClr val="tx1"/>
+          </a:fontRef>
+        </p:style>
+      </p:cxnSp>
+      <p:cxnSp>
+        <p:nvCxnSpPr>
+          <p:cNvPr id="41" name="直線コネクタ 40"/>
+          <p:cNvCxnSpPr/>
+          <p:nvPr/>
+        </p:nvCxnSpPr>
+        <p:spPr>
+          <a:xfrm>
+            <a:off x="4499992" y="5445224"/>
+            <a:ext cx="0" cy="694202"/>
+          </a:xfrm>
+          <a:prstGeom prst="line">
+            <a:avLst/>
+          </a:prstGeom>
+        </p:spPr>
+        <p:style>
+          <a:lnRef idx="1">
+            <a:schemeClr val="accent1"/>
+          </a:lnRef>
+          <a:fillRef idx="0">
+            <a:schemeClr val="accent1"/>
+          </a:fillRef>
+          <a:effectRef idx="0">
+            <a:schemeClr val="accent1"/>
+          </a:effectRef>
+          <a:fontRef idx="minor">
+            <a:schemeClr val="tx1"/>
+          </a:fontRef>
+        </p:style>
+      </p:cxnSp>
+      <p:cxnSp>
+        <p:nvCxnSpPr>
+          <p:cNvPr id="42" name="直線矢印コネクタ 41"/>
+          <p:cNvCxnSpPr/>
+          <p:nvPr/>
+        </p:nvCxnSpPr>
+        <p:spPr>
+          <a:xfrm flipH="1" flipV="1">
+            <a:off x="2606434" y="6119174"/>
+            <a:ext cx="1893558" cy="20252"/>
+          </a:xfrm>
+          <a:prstGeom prst="straightConnector1">
+            <a:avLst/>
+          </a:prstGeom>
+          <a:ln>
+            <a:tailEnd type="arrow"/>
+          </a:ln>
+        </p:spPr>
+        <p:style>
+          <a:lnRef idx="1">
+            <a:schemeClr val="accent1"/>
+          </a:lnRef>
+          <a:fillRef idx="0">
+            <a:schemeClr val="accent1"/>
+          </a:fillRef>
+          <a:effectRef idx="0">
+            <a:schemeClr val="accent1"/>
+          </a:effectRef>
+          <a:fontRef idx="minor">
+            <a:schemeClr val="tx1"/>
+          </a:fontRef>
+        </p:style>
+      </p:cxnSp>
+      <p:cxnSp>
+        <p:nvCxnSpPr>
+          <p:cNvPr id="45" name="直線矢印コネクタ 44"/>
+          <p:cNvCxnSpPr/>
+          <p:nvPr/>
+        </p:nvCxnSpPr>
+        <p:spPr>
+          <a:xfrm flipH="1" flipV="1">
+            <a:off x="2834807" y="6493435"/>
+            <a:ext cx="4333446" cy="20252"/>
+          </a:xfrm>
+          <a:prstGeom prst="straightConnector1">
+            <a:avLst/>
+          </a:prstGeom>
+          <a:ln>
+            <a:tailEnd type="arrow"/>
+          </a:ln>
+        </p:spPr>
+        <p:style>
+          <a:lnRef idx="1">
+            <a:schemeClr val="accent1"/>
+          </a:lnRef>
+          <a:fillRef idx="0">
+            <a:schemeClr val="accent1"/>
+          </a:fillRef>
+          <a:effectRef idx="0">
+            <a:schemeClr val="accent1"/>
+          </a:effectRef>
+          <a:fontRef idx="minor">
+            <a:schemeClr val="tx1"/>
+          </a:fontRef>
+        </p:style>
+      </p:cxnSp>
+    </p:spTree>
+    <p:extLst>
+      <p:ext uri="{BB962C8B-B14F-4D97-AF65-F5344CB8AC3E}">
+        <p14:creationId xmlns:p14="http://schemas.microsoft.com/office/powerpoint/2010/main" val="2354636170"/>
+      </p:ext>
+    </p:extLst>
+  </p:cSld>
+  <p:clrMapOvr>
+    <a:masterClrMapping/>
+  </p:clrMapOvr>
+</p:sld>
+</file>
+
+<file path=ppt/slides/slide9.xml><?xml version="1.0" encoding="utf-8"?>
+<p:sld xmlns:a="http://schemas.openxmlformats.org/drawingml/2006/main" xmlns:r="http://schemas.openxmlformats.org/officeDocument/2006/relationships" xmlns:p="http://schemas.openxmlformats.org/presentationml/2006/main">
+  <p:cSld>
+    <p:spTree>
+      <p:nvGrpSpPr>
+        <p:cNvPr id="1" name=""/>
+        <p:cNvGrpSpPr/>
+        <p:nvPr/>
+      </p:nvGrpSpPr>
+      <p:grpSpPr>
+        <a:xfrm>
+          <a:off x="0" y="0"/>
+          <a:ext cx="0" cy="0"/>
+          <a:chOff x="0" y="0"/>
+          <a:chExt cx="0" cy="0"/>
+        </a:xfrm>
+      </p:grpSpPr>
+      <p:sp>
+        <p:nvSpPr>
+          <p:cNvPr id="2" name="タイトル 1"/>
+          <p:cNvSpPr>
+            <a:spLocks noGrp="1"/>
+          </p:cNvSpPr>
+          <p:nvPr>
+            <p:ph type="title"/>
+          </p:nvPr>
+        </p:nvSpPr>
+        <p:spPr>
+          <a:xfrm>
+            <a:off x="457200" y="202630"/>
+            <a:ext cx="8229600" cy="922114"/>
+          </a:xfrm>
+        </p:spPr>
+        <p:txBody>
+          <a:bodyPr>
+            <a:normAutofit fontScale="90000"/>
+          </a:bodyPr>
+          <a:lstStyle/>
+          <a:p>
+            <a:r>
+              <a:rPr lang="ja-JP" altLang="en-US" sz="2000" dirty="0"/>
+              <a:t>条件分</a:t>
+            </a:r>
+            <a:r>
+              <a:rPr lang="ja-JP" altLang="en-US" sz="2000" dirty="0" smtClean="0"/>
+              <a:t>岐・繰り返し処理</a:t>
+            </a:r>
+            <a:r>
+              <a:rPr lang="en-US" altLang="ja-JP" sz="2000" dirty="0" smtClean="0"/>
+              <a:t>2</a:t>
+            </a:r>
+            <a:r>
+              <a:rPr lang="en-US" altLang="ja-JP" sz="2000" dirty="0" smtClean="0"/>
+              <a:t/>
+            </a:r>
+            <a:br>
+              <a:rPr lang="en-US" altLang="ja-JP" sz="2000" dirty="0" smtClean="0"/>
+            </a:br>
+            <a:r>
+              <a:rPr lang="ja-JP" altLang="en-US" sz="2000" dirty="0"/>
+              <a:t>「</a:t>
+            </a:r>
+            <a:r>
+              <a:rPr lang="en-US" altLang="ja-JP" sz="2000" dirty="0"/>
+              <a:t>top</a:t>
+            </a:r>
+            <a:r>
+              <a:rPr lang="ja-JP" altLang="en-US" sz="2000" dirty="0"/>
+              <a:t>」と入力されたら</a:t>
+            </a:r>
+            <a:r>
+              <a:rPr lang="en-US" altLang="ja-JP" sz="2000" dirty="0"/>
+              <a:t>20</a:t>
+            </a:r>
+            <a:r>
+              <a:rPr lang="ja-JP" altLang="en-US" sz="2000" dirty="0"/>
+              <a:t>回「記事</a:t>
+            </a:r>
+            <a:r>
+              <a:rPr lang="en-US" altLang="ja-JP" sz="2000" dirty="0"/>
+              <a:t>No.x</a:t>
+            </a:r>
+            <a:r>
+              <a:rPr lang="ja-JP" altLang="en-US" sz="2000" dirty="0"/>
+              <a:t>を表示」と表示。</a:t>
+            </a:r>
+            <a:r>
+              <a:rPr lang="en-US" altLang="ja-JP" sz="2000" dirty="0"/>
+              <a:t>x</a:t>
+            </a:r>
+            <a:r>
+              <a:rPr lang="ja-JP" altLang="en-US" sz="2000" dirty="0"/>
+              <a:t>は</a:t>
+            </a:r>
+            <a:r>
+              <a:rPr lang="en-US" altLang="ja-JP" sz="2000" dirty="0"/>
+              <a:t>1</a:t>
+            </a:r>
+            <a:r>
+              <a:rPr lang="ja-JP" altLang="en-US" sz="2000" dirty="0"/>
+              <a:t>から</a:t>
+            </a:r>
+            <a:r>
+              <a:rPr lang="en-US" altLang="ja-JP" sz="2000" dirty="0"/>
+              <a:t>1</a:t>
+            </a:r>
+            <a:r>
+              <a:rPr lang="ja-JP" altLang="en-US" sz="2000" dirty="0"/>
+              <a:t>ずつ増えていく。</a:t>
+            </a:r>
+            <a:br>
+              <a:rPr lang="ja-JP" altLang="en-US" sz="2000" dirty="0"/>
+            </a:br>
+            <a:r>
+              <a:rPr lang="ja-JP" altLang="en-US" sz="2000" dirty="0"/>
+              <a:t>そうでないなら「</a:t>
+            </a:r>
+            <a:r>
+              <a:rPr lang="en-US" altLang="ja-JP" sz="2000" dirty="0"/>
+              <a:t>Log:</a:t>
+            </a:r>
+            <a:r>
+              <a:rPr lang="ja-JP" altLang="en-US" sz="2000" dirty="0"/>
+              <a:t>このページは</a:t>
+            </a:r>
+            <a:r>
+              <a:rPr lang="en-US" altLang="ja-JP" sz="2000" dirty="0"/>
+              <a:t>TOP</a:t>
+            </a:r>
+            <a:r>
+              <a:rPr lang="ja-JP" altLang="en-US" sz="2000" dirty="0"/>
+              <a:t>ページではありません」を表示。</a:t>
+            </a:r>
+            <a:endParaRPr kumimoji="1" lang="ja-JP" altLang="en-US" sz="2000" dirty="0">
+              <a:latin typeface="メイリオ" pitchFamily="50" charset="-128"/>
+              <a:ea typeface="メイリオ" pitchFamily="50" charset="-128"/>
+            </a:endParaRPr>
+          </a:p>
+        </p:txBody>
+      </p:sp>
+      <p:sp>
+        <p:nvSpPr>
+          <p:cNvPr id="4" name="円/楕円 3"/>
+          <p:cNvSpPr/>
+          <p:nvPr/>
+        </p:nvSpPr>
+        <p:spPr>
+          <a:xfrm>
+            <a:off x="1391299" y="1268760"/>
+            <a:ext cx="1431159" cy="545203"/>
+          </a:xfrm>
+          <a:prstGeom prst="ellipse">
+            <a:avLst/>
+          </a:prstGeom>
+        </p:spPr>
+        <p:style>
+          <a:lnRef idx="2">
+            <a:schemeClr val="accent6"/>
+          </a:lnRef>
+          <a:fillRef idx="1">
+            <a:schemeClr val="lt1"/>
+          </a:fillRef>
+          <a:effectRef idx="0">
+            <a:schemeClr val="accent6"/>
+          </a:effectRef>
+          <a:fontRef idx="minor">
+            <a:schemeClr val="dk1"/>
+          </a:fontRef>
+        </p:style>
+        <p:txBody>
+          <a:bodyPr rtlCol="0" anchor="ctr"/>
+          <a:lstStyle/>
+          <a:p>
+            <a:pPr algn="ctr"/>
+            <a:r>
+              <a:rPr kumimoji="1" lang="en-US" altLang="ja-JP" sz="2800" dirty="0" smtClean="0"/>
+              <a:t>start</a:t>
+            </a:r>
+            <a:endParaRPr kumimoji="1" lang="ja-JP" altLang="en-US" sz="2800" dirty="0"/>
+          </a:p>
+        </p:txBody>
+      </p:sp>
+      <p:sp>
+        <p:nvSpPr>
+          <p:cNvPr id="5" name="円/楕円 4"/>
+          <p:cNvSpPr/>
+          <p:nvPr/>
+        </p:nvSpPr>
+        <p:spPr>
+          <a:xfrm>
+            <a:off x="1403648" y="6268173"/>
+            <a:ext cx="1431159" cy="545203"/>
+          </a:xfrm>
+          <a:prstGeom prst="ellipse">
+            <a:avLst/>
+          </a:prstGeom>
+        </p:spPr>
+        <p:style>
+          <a:lnRef idx="2">
+            <a:schemeClr val="accent6"/>
+          </a:lnRef>
+          <a:fillRef idx="1">
+            <a:schemeClr val="lt1"/>
+          </a:fillRef>
+          <a:effectRef idx="0">
+            <a:schemeClr val="accent6"/>
+          </a:effectRef>
+          <a:fontRef idx="minor">
+            <a:schemeClr val="dk1"/>
+          </a:fontRef>
+        </p:style>
+        <p:txBody>
+          <a:bodyPr rtlCol="0" anchor="ctr"/>
+          <a:lstStyle/>
+          <a:p>
+            <a:pPr algn="ctr"/>
+            <a:r>
+              <a:rPr lang="en-US" altLang="ja-JP" sz="2800" dirty="0" smtClean="0"/>
+              <a:t>end</a:t>
+            </a:r>
+            <a:endParaRPr kumimoji="1" lang="en-US" altLang="ja-JP" sz="2800" dirty="0" smtClean="0"/>
+          </a:p>
+        </p:txBody>
+      </p:sp>
+      <p:cxnSp>
+        <p:nvCxnSpPr>
+          <p:cNvPr id="7" name="直線矢印コネクタ 6"/>
+          <p:cNvCxnSpPr/>
+          <p:nvPr/>
+        </p:nvCxnSpPr>
+        <p:spPr>
+          <a:xfrm flipH="1">
+            <a:off x="2106878" y="1813963"/>
+            <a:ext cx="4502" cy="195450"/>
+          </a:xfrm>
+          <a:prstGeom prst="straightConnector1">
+            <a:avLst/>
+          </a:prstGeom>
+          <a:ln>
+            <a:tailEnd type="arrow"/>
+          </a:ln>
+        </p:spPr>
+        <p:style>
+          <a:lnRef idx="1">
+            <a:schemeClr val="accent1"/>
+          </a:lnRef>
+          <a:fillRef idx="0">
+            <a:schemeClr val="accent1"/>
+          </a:fillRef>
+          <a:effectRef idx="0">
+            <a:schemeClr val="accent1"/>
+          </a:effectRef>
+          <a:fontRef idx="minor">
+            <a:schemeClr val="tx1"/>
+          </a:fontRef>
+        </p:style>
+      </p:cxnSp>
+      <p:cxnSp>
+        <p:nvCxnSpPr>
+          <p:cNvPr id="27" name="直線矢印コネクタ 26"/>
+          <p:cNvCxnSpPr/>
+          <p:nvPr/>
+        </p:nvCxnSpPr>
+        <p:spPr>
+          <a:xfrm>
+            <a:off x="2106878" y="5865073"/>
+            <a:ext cx="4502" cy="372239"/>
+          </a:xfrm>
+          <a:prstGeom prst="straightConnector1">
+            <a:avLst/>
+          </a:prstGeom>
+          <a:ln>
+            <a:tailEnd type="arrow"/>
+          </a:ln>
+        </p:spPr>
+        <p:style>
+          <a:lnRef idx="1">
+            <a:schemeClr val="accent1"/>
+          </a:lnRef>
+          <a:fillRef idx="0">
+            <a:schemeClr val="accent1"/>
+          </a:fillRef>
+          <a:effectRef idx="0">
+            <a:schemeClr val="accent1"/>
+          </a:effectRef>
+          <a:fontRef idx="minor">
+            <a:schemeClr val="tx1"/>
+          </a:fontRef>
+        </p:style>
+      </p:cxnSp>
+      <p:cxnSp>
+        <p:nvCxnSpPr>
+          <p:cNvPr id="17" name="直線矢印コネクタ 16"/>
+          <p:cNvCxnSpPr/>
+          <p:nvPr/>
+        </p:nvCxnSpPr>
+        <p:spPr>
+          <a:xfrm>
+            <a:off x="2111379" y="2420888"/>
+            <a:ext cx="11307" cy="360040"/>
+          </a:xfrm>
+          <a:prstGeom prst="straightConnector1">
+            <a:avLst/>
+          </a:prstGeom>
+          <a:ln>
+            <a:tailEnd type="arrow"/>
+          </a:ln>
+        </p:spPr>
+        <p:style>
+          <a:lnRef idx="1">
+            <a:schemeClr val="accent1"/>
+          </a:lnRef>
+          <a:fillRef idx="0">
+            <a:schemeClr val="accent1"/>
+          </a:fillRef>
+          <a:effectRef idx="0">
+            <a:schemeClr val="accent1"/>
+          </a:effectRef>
+          <a:fontRef idx="minor">
+            <a:schemeClr val="tx1"/>
+          </a:fontRef>
+        </p:style>
+      </p:cxnSp>
+      <p:sp>
+        <p:nvSpPr>
+          <p:cNvPr id="19" name="フローチャート : 手操作入力 18"/>
+          <p:cNvSpPr/>
+          <p:nvPr/>
+        </p:nvSpPr>
+        <p:spPr>
+          <a:xfrm>
+            <a:off x="942325" y="1988840"/>
+            <a:ext cx="2393190" cy="411474"/>
+          </a:xfrm>
+          <a:prstGeom prst="flowChartManualInput">
+            <a:avLst/>
+          </a:prstGeom>
+        </p:spPr>
+        <p:style>
+          <a:lnRef idx="2">
+            <a:schemeClr val="accent6"/>
+          </a:lnRef>
+          <a:fillRef idx="1">
+            <a:schemeClr val="lt1"/>
+          </a:fillRef>
+          <a:effectRef idx="0">
+            <a:schemeClr val="accent6"/>
+          </a:effectRef>
+          <a:fontRef idx="minor">
+            <a:schemeClr val="dk1"/>
+          </a:fontRef>
+        </p:style>
+        <p:txBody>
+          <a:bodyPr rtlCol="0" anchor="ctr"/>
+          <a:lstStyle/>
+          <a:p>
+            <a:pPr algn="ctr"/>
+            <a:r>
+              <a:rPr lang="en-US" altLang="ja-JP" dirty="0" smtClean="0"/>
+              <a:t>Y</a:t>
+            </a:r>
+            <a:r>
+              <a:rPr lang="ja-JP" altLang="en-US" dirty="0" smtClean="0"/>
+              <a:t>に文字列を入</a:t>
+            </a:r>
+            <a:r>
+              <a:rPr lang="ja-JP" altLang="en-US" dirty="0"/>
+              <a:t>力</a:t>
+            </a:r>
+            <a:endParaRPr lang="en-US" altLang="ja-JP" dirty="0"/>
+          </a:p>
+        </p:txBody>
+      </p:sp>
+      <p:sp>
+        <p:nvSpPr>
+          <p:cNvPr id="25" name="正方形/長方形 24"/>
+          <p:cNvSpPr/>
+          <p:nvPr/>
+        </p:nvSpPr>
+        <p:spPr>
+          <a:xfrm>
+            <a:off x="467544" y="5079060"/>
+            <a:ext cx="2616986" cy="786014"/>
+          </a:xfrm>
+          <a:prstGeom prst="rect">
+            <a:avLst/>
+          </a:prstGeom>
+        </p:spPr>
+        <p:style>
+          <a:lnRef idx="2">
+            <a:schemeClr val="accent6"/>
+          </a:lnRef>
+          <a:fillRef idx="1">
+            <a:schemeClr val="lt1"/>
+          </a:fillRef>
+          <a:effectRef idx="0">
+            <a:schemeClr val="accent6"/>
+          </a:effectRef>
+          <a:fontRef idx="minor">
+            <a:schemeClr val="dk1"/>
+          </a:fontRef>
+        </p:style>
+        <p:txBody>
+          <a:bodyPr rtlCol="0" anchor="ctr"/>
+          <a:lstStyle/>
+          <a:p>
+            <a:pPr algn="ctr"/>
+            <a:r>
+              <a:rPr lang="ja-JP" altLang="en-US" dirty="0"/>
+              <a:t>「</a:t>
+            </a:r>
+            <a:r>
+              <a:rPr lang="en-US" altLang="ja-JP" dirty="0"/>
+              <a:t>Log:</a:t>
+            </a:r>
+            <a:r>
+              <a:rPr lang="ja-JP" altLang="en-US" dirty="0"/>
+              <a:t>このページは</a:t>
+            </a:r>
+            <a:r>
+              <a:rPr lang="en-US" altLang="ja-JP" dirty="0"/>
+              <a:t>TOP</a:t>
+            </a:r>
+            <a:r>
+              <a:rPr lang="ja-JP" altLang="en-US" dirty="0"/>
+              <a:t>ページではありません</a:t>
+            </a:r>
+            <a:r>
+              <a:rPr lang="ja-JP" altLang="en-US" dirty="0" smtClean="0"/>
+              <a:t>」と</a:t>
+            </a:r>
+            <a:r>
+              <a:rPr lang="ja-JP" altLang="en-US" dirty="0" smtClean="0"/>
+              <a:t>表示する</a:t>
+            </a:r>
+            <a:endParaRPr lang="en-US" altLang="ja-JP" dirty="0"/>
+          </a:p>
+        </p:txBody>
+      </p:sp>
+      <p:sp>
+        <p:nvSpPr>
+          <p:cNvPr id="23" name="フローチャート : 判断 22"/>
+          <p:cNvSpPr/>
+          <p:nvPr/>
+        </p:nvSpPr>
+        <p:spPr>
+          <a:xfrm>
+            <a:off x="395536" y="2804614"/>
+            <a:ext cx="3456384" cy="1073487"/>
+          </a:xfrm>
+          <a:prstGeom prst="flowChartDecision">
+            <a:avLst/>
+          </a:prstGeom>
+        </p:spPr>
+        <p:style>
+          <a:lnRef idx="2">
+            <a:schemeClr val="accent6"/>
+          </a:lnRef>
+          <a:fillRef idx="1">
+            <a:schemeClr val="lt1"/>
+          </a:fillRef>
+          <a:effectRef idx="0">
+            <a:schemeClr val="accent6"/>
+          </a:effectRef>
+          <a:fontRef idx="minor">
+            <a:schemeClr val="dk1"/>
+          </a:fontRef>
+        </p:style>
+        <p:txBody>
+          <a:bodyPr rtlCol="0" anchor="ctr"/>
+          <a:lstStyle/>
+          <a:p>
+            <a:pPr algn="ctr"/>
+            <a:r>
+              <a:rPr lang="en-US" altLang="ja-JP" dirty="0" smtClean="0"/>
+              <a:t>Y</a:t>
+            </a:r>
+            <a:r>
+              <a:rPr lang="ja-JP" altLang="en-US" dirty="0" smtClean="0"/>
+              <a:t>に入力された文字列が「</a:t>
+            </a:r>
+            <a:r>
+              <a:rPr lang="en-US" altLang="ja-JP" dirty="0" smtClean="0"/>
+              <a:t>top</a:t>
+            </a:r>
+            <a:r>
+              <a:rPr lang="ja-JP" altLang="en-US" dirty="0" smtClean="0"/>
+              <a:t>」である</a:t>
+            </a:r>
+            <a:endParaRPr kumimoji="1" lang="ja-JP" altLang="en-US" dirty="0"/>
+          </a:p>
+        </p:txBody>
+      </p:sp>
+      <p:sp>
+        <p:nvSpPr>
+          <p:cNvPr id="24" name="正方形/長方形 23"/>
+          <p:cNvSpPr/>
+          <p:nvPr/>
+        </p:nvSpPr>
+        <p:spPr>
+          <a:xfrm>
+            <a:off x="2987824" y="2701840"/>
+            <a:ext cx="1104817" cy="511136"/>
+          </a:xfrm>
+          <a:prstGeom prst="rect">
+            <a:avLst/>
+          </a:prstGeom>
+          <a:noFill/>
+          <a:ln>
+            <a:noFill/>
+          </a:ln>
+        </p:spPr>
+        <p:style>
+          <a:lnRef idx="2">
+            <a:schemeClr val="accent1">
+              <a:shade val="50000"/>
+            </a:schemeClr>
+          </a:lnRef>
+          <a:fillRef idx="1">
+            <a:schemeClr val="accent1"/>
+          </a:fillRef>
+          <a:effectRef idx="0">
+            <a:schemeClr val="accent1"/>
+          </a:effectRef>
+          <a:fontRef idx="minor">
+            <a:schemeClr val="lt1"/>
+          </a:fontRef>
+        </p:style>
+        <p:txBody>
+          <a:bodyPr rtlCol="0" anchor="ctr"/>
+          <a:lstStyle/>
+          <a:p>
+            <a:pPr algn="ctr"/>
+            <a:r>
+              <a:rPr lang="en-US" altLang="ja-JP" dirty="0" smtClean="0">
+                <a:solidFill>
+                  <a:schemeClr val="tx1"/>
+                </a:solidFill>
+              </a:rPr>
+              <a:t>yes</a:t>
+            </a:r>
+            <a:endParaRPr kumimoji="1" lang="ja-JP" altLang="en-US" dirty="0">
+              <a:solidFill>
+                <a:schemeClr val="tx1"/>
+              </a:solidFill>
+            </a:endParaRPr>
+          </a:p>
+        </p:txBody>
+      </p:sp>
+      <p:sp>
+        <p:nvSpPr>
+          <p:cNvPr id="29" name="正方形/長方形 28"/>
+          <p:cNvSpPr/>
+          <p:nvPr/>
+        </p:nvSpPr>
+        <p:spPr>
+          <a:xfrm>
+            <a:off x="1223628" y="3861048"/>
+            <a:ext cx="1104817" cy="511136"/>
+          </a:xfrm>
+          <a:prstGeom prst="rect">
+            <a:avLst/>
+          </a:prstGeom>
+          <a:noFill/>
+          <a:ln>
+            <a:noFill/>
+          </a:ln>
+        </p:spPr>
+        <p:style>
+          <a:lnRef idx="2">
+            <a:schemeClr val="accent1">
+              <a:shade val="50000"/>
+            </a:schemeClr>
+          </a:lnRef>
+          <a:fillRef idx="1">
+            <a:schemeClr val="accent1"/>
+          </a:fillRef>
+          <a:effectRef idx="0">
+            <a:schemeClr val="accent1"/>
+          </a:effectRef>
+          <a:fontRef idx="minor">
+            <a:schemeClr val="lt1"/>
+          </a:fontRef>
+        </p:style>
+        <p:txBody>
+          <a:bodyPr rtlCol="0" anchor="ctr"/>
+          <a:lstStyle/>
+          <a:p>
+            <a:pPr algn="ctr"/>
+            <a:r>
+              <a:rPr kumimoji="1" lang="en-US" altLang="ja-JP" dirty="0" smtClean="0">
+                <a:solidFill>
+                  <a:schemeClr val="tx1"/>
+                </a:solidFill>
+              </a:rPr>
+              <a:t>no</a:t>
+            </a:r>
+            <a:endParaRPr kumimoji="1" lang="ja-JP" altLang="en-US" dirty="0">
+              <a:solidFill>
+                <a:schemeClr val="tx1"/>
+              </a:solidFill>
+            </a:endParaRPr>
+          </a:p>
+        </p:txBody>
+      </p:sp>
+      <p:cxnSp>
+        <p:nvCxnSpPr>
+          <p:cNvPr id="31" name="直線矢印コネクタ 30"/>
+          <p:cNvCxnSpPr/>
+          <p:nvPr/>
+        </p:nvCxnSpPr>
+        <p:spPr>
+          <a:xfrm>
+            <a:off x="2074836" y="3920338"/>
+            <a:ext cx="32042" cy="1158721"/>
+          </a:xfrm>
+          <a:prstGeom prst="straightConnector1">
+            <a:avLst/>
+          </a:prstGeom>
+          <a:ln>
+            <a:tailEnd type="arrow"/>
+          </a:ln>
+        </p:spPr>
+        <p:style>
+          <a:lnRef idx="1">
+            <a:schemeClr val="accent1"/>
+          </a:lnRef>
+          <a:fillRef idx="0">
+            <a:schemeClr val="accent1"/>
+          </a:fillRef>
+          <a:effectRef idx="0">
+            <a:schemeClr val="accent1"/>
+          </a:effectRef>
+          <a:fontRef idx="minor">
+            <a:schemeClr val="tx1"/>
+          </a:fontRef>
+        </p:style>
+      </p:cxnSp>
+      <p:cxnSp>
+        <p:nvCxnSpPr>
+          <p:cNvPr id="35" name="直線コネクタ 34"/>
+          <p:cNvCxnSpPr/>
+          <p:nvPr/>
+        </p:nvCxnSpPr>
+        <p:spPr>
+          <a:xfrm>
+            <a:off x="3923928" y="3325488"/>
+            <a:ext cx="720080" cy="0"/>
+          </a:xfrm>
+          <a:prstGeom prst="line">
+            <a:avLst/>
+          </a:prstGeom>
+        </p:spPr>
+        <p:style>
+          <a:lnRef idx="1">
+            <a:schemeClr val="accent1"/>
+          </a:lnRef>
+          <a:fillRef idx="0">
+            <a:schemeClr val="accent1"/>
+          </a:fillRef>
+          <a:effectRef idx="0">
+            <a:schemeClr val="accent1"/>
+          </a:effectRef>
+          <a:fontRef idx="minor">
+            <a:schemeClr val="tx1"/>
+          </a:fontRef>
+        </p:style>
+      </p:cxnSp>
+      <p:cxnSp>
+        <p:nvCxnSpPr>
+          <p:cNvPr id="37" name="直線矢印コネクタ 36"/>
+          <p:cNvCxnSpPr/>
+          <p:nvPr/>
+        </p:nvCxnSpPr>
+        <p:spPr>
+          <a:xfrm>
+            <a:off x="7200292" y="1422419"/>
+            <a:ext cx="0" cy="391544"/>
+          </a:xfrm>
+          <a:prstGeom prst="straightConnector1">
+            <a:avLst/>
+          </a:prstGeom>
+          <a:ln>
+            <a:tailEnd type="arrow"/>
+          </a:ln>
+        </p:spPr>
+        <p:style>
+          <a:lnRef idx="1">
+            <a:schemeClr val="accent1"/>
+          </a:lnRef>
+          <a:fillRef idx="0">
+            <a:schemeClr val="accent1"/>
+          </a:fillRef>
+          <a:effectRef idx="0">
+            <a:schemeClr val="accent1"/>
+          </a:effectRef>
+          <a:fontRef idx="minor">
+            <a:schemeClr val="tx1"/>
+          </a:fontRef>
+        </p:style>
+      </p:cxnSp>
+      <p:cxnSp>
+        <p:nvCxnSpPr>
+          <p:cNvPr id="40" name="直線コネクタ 39"/>
+          <p:cNvCxnSpPr/>
+          <p:nvPr/>
+        </p:nvCxnSpPr>
+        <p:spPr>
+          <a:xfrm flipH="1">
+            <a:off x="7164288" y="5717301"/>
+            <a:ext cx="1" cy="776134"/>
+          </a:xfrm>
+          <a:prstGeom prst="line">
+            <a:avLst/>
+          </a:prstGeom>
+        </p:spPr>
+        <p:style>
+          <a:lnRef idx="1">
+            <a:schemeClr val="accent1"/>
+          </a:lnRef>
+          <a:fillRef idx="0">
+            <a:schemeClr val="accent1"/>
+          </a:fillRef>
+          <a:effectRef idx="0">
+            <a:schemeClr val="accent1"/>
+          </a:effectRef>
+          <a:fontRef idx="minor">
+            <a:schemeClr val="tx1"/>
+          </a:fontRef>
+        </p:style>
+      </p:cxnSp>
+      <p:cxnSp>
+        <p:nvCxnSpPr>
+          <p:cNvPr id="45" name="直線矢印コネクタ 44"/>
+          <p:cNvCxnSpPr/>
+          <p:nvPr/>
+        </p:nvCxnSpPr>
+        <p:spPr>
+          <a:xfrm flipH="1" flipV="1">
+            <a:off x="2834807" y="6493435"/>
+            <a:ext cx="4333446" cy="20252"/>
+          </a:xfrm>
+          <a:prstGeom prst="straightConnector1">
+            <a:avLst/>
+          </a:prstGeom>
+          <a:ln>
+            <a:tailEnd type="arrow"/>
+          </a:ln>
+        </p:spPr>
+        <p:style>
+          <a:lnRef idx="1">
+            <a:schemeClr val="accent1"/>
+          </a:lnRef>
+          <a:fillRef idx="0">
+            <a:schemeClr val="accent1"/>
+          </a:fillRef>
+          <a:effectRef idx="0">
+            <a:schemeClr val="accent1"/>
+          </a:effectRef>
+          <a:fontRef idx="minor">
+            <a:schemeClr val="tx1"/>
+          </a:fontRef>
+        </p:style>
+      </p:cxnSp>
+      <p:cxnSp>
+        <p:nvCxnSpPr>
+          <p:cNvPr id="43" name="直線矢印コネクタ 42"/>
+          <p:cNvCxnSpPr/>
+          <p:nvPr/>
+        </p:nvCxnSpPr>
+        <p:spPr>
+          <a:xfrm>
+            <a:off x="7288019" y="2877334"/>
+            <a:ext cx="0" cy="391544"/>
+          </a:xfrm>
+          <a:prstGeom prst="straightConnector1">
+            <a:avLst/>
+          </a:prstGeom>
+          <a:ln>
+            <a:tailEnd type="arrow"/>
+          </a:ln>
+        </p:spPr>
+        <p:style>
+          <a:lnRef idx="1">
+            <a:schemeClr val="accent1"/>
+          </a:lnRef>
+          <a:fillRef idx="0">
+            <a:schemeClr val="accent1"/>
+          </a:fillRef>
+          <a:effectRef idx="0">
+            <a:schemeClr val="accent1"/>
+          </a:effectRef>
+          <a:fontRef idx="minor">
+            <a:schemeClr val="tx1"/>
+          </a:fontRef>
+        </p:style>
+      </p:cxnSp>
+      <p:sp>
+        <p:nvSpPr>
+          <p:cNvPr id="44" name="正方形/長方形 43"/>
+          <p:cNvSpPr/>
+          <p:nvPr/>
+        </p:nvSpPr>
+        <p:spPr>
+          <a:xfrm>
+            <a:off x="5940152" y="4005064"/>
+            <a:ext cx="2616986" cy="360040"/>
+          </a:xfrm>
+          <a:prstGeom prst="rect">
+            <a:avLst/>
+          </a:prstGeom>
+        </p:spPr>
+        <p:style>
+          <a:lnRef idx="2">
+            <a:schemeClr val="accent6"/>
+          </a:lnRef>
+          <a:fillRef idx="1">
+            <a:schemeClr val="lt1"/>
+          </a:fillRef>
+          <a:effectRef idx="0">
+            <a:schemeClr val="accent6"/>
+          </a:effectRef>
+          <a:fontRef idx="minor">
+            <a:schemeClr val="dk1"/>
+          </a:fontRef>
+        </p:style>
+        <p:txBody>
+          <a:bodyPr rtlCol="0" anchor="ctr"/>
+          <a:lstStyle/>
+          <a:p>
+            <a:pPr algn="ctr"/>
+            <a:r>
+              <a:rPr lang="ja-JP" altLang="en-US" dirty="0" smtClean="0"/>
+              <a:t>改行文字を表示</a:t>
+            </a:r>
+            <a:endParaRPr lang="en-US" altLang="ja-JP" dirty="0"/>
+          </a:p>
+        </p:txBody>
+      </p:sp>
+      <p:cxnSp>
+        <p:nvCxnSpPr>
+          <p:cNvPr id="46" name="直線矢印コネクタ 45"/>
+          <p:cNvCxnSpPr/>
+          <p:nvPr/>
+        </p:nvCxnSpPr>
+        <p:spPr>
+          <a:xfrm>
+            <a:off x="7211599" y="5169391"/>
+            <a:ext cx="24698" cy="203825"/>
+          </a:xfrm>
+          <a:prstGeom prst="straightConnector1">
+            <a:avLst/>
+          </a:prstGeom>
+          <a:ln>
+            <a:tailEnd type="arrow"/>
+          </a:ln>
+        </p:spPr>
+        <p:style>
+          <a:lnRef idx="1">
+            <a:schemeClr val="accent1"/>
+          </a:lnRef>
+          <a:fillRef idx="0">
+            <a:schemeClr val="accent1"/>
+          </a:fillRef>
+          <a:effectRef idx="0">
+            <a:schemeClr val="accent1"/>
+          </a:effectRef>
+          <a:fontRef idx="minor">
+            <a:schemeClr val="tx1"/>
+          </a:fontRef>
+        </p:style>
+      </p:cxnSp>
+      <p:sp>
+        <p:nvSpPr>
+          <p:cNvPr id="47" name="片側の 2 つの角を切り取った四角形 46"/>
+          <p:cNvSpPr/>
+          <p:nvPr/>
+        </p:nvSpPr>
+        <p:spPr>
+          <a:xfrm>
+            <a:off x="6372200" y="2564904"/>
+            <a:ext cx="1800200" cy="288032"/>
+          </a:xfrm>
+          <a:prstGeom prst="snip2SameRect">
+            <a:avLst/>
+          </a:prstGeom>
+        </p:spPr>
+        <p:style>
+          <a:lnRef idx="2">
+            <a:schemeClr val="accent6"/>
+          </a:lnRef>
+          <a:fillRef idx="1">
+            <a:schemeClr val="lt1"/>
+          </a:fillRef>
+          <a:effectRef idx="0">
+            <a:schemeClr val="accent6"/>
+          </a:effectRef>
+          <a:fontRef idx="minor">
+            <a:schemeClr val="dk1"/>
+          </a:fontRef>
+        </p:style>
+        <p:txBody>
+          <a:bodyPr rtlCol="0" anchor="ctr"/>
+          <a:lstStyle/>
+          <a:p>
+            <a:pPr algn="ctr"/>
+            <a:r>
+              <a:rPr lang="en-US" altLang="ja-JP" dirty="0" smtClean="0"/>
+              <a:t>x&lt;21</a:t>
+            </a:r>
+            <a:endParaRPr kumimoji="1" lang="ja-JP" altLang="en-US" dirty="0"/>
+          </a:p>
+        </p:txBody>
+      </p:sp>
+      <p:sp>
+        <p:nvSpPr>
+          <p:cNvPr id="48" name="片側の 2 つの角を切り取った四角形 47"/>
+          <p:cNvSpPr/>
+          <p:nvPr/>
+        </p:nvSpPr>
+        <p:spPr>
+          <a:xfrm rot="10800000">
+            <a:off x="6256266" y="5373215"/>
+            <a:ext cx="1800200" cy="288032"/>
+          </a:xfrm>
+          <a:prstGeom prst="snip2SameRect">
+            <a:avLst/>
+          </a:prstGeom>
+        </p:spPr>
+        <p:style>
+          <a:lnRef idx="2">
+            <a:schemeClr val="accent6"/>
+          </a:lnRef>
+          <a:fillRef idx="1">
+            <a:schemeClr val="lt1"/>
+          </a:fillRef>
+          <a:effectRef idx="0">
+            <a:schemeClr val="accent6"/>
+          </a:effectRef>
+          <a:fontRef idx="minor">
+            <a:schemeClr val="dk1"/>
+          </a:fontRef>
+        </p:style>
+        <p:txBody>
+          <a:bodyPr rtlCol="0" anchor="ctr"/>
+          <a:lstStyle/>
+          <a:p>
+            <a:pPr algn="ctr"/>
+            <a:endParaRPr kumimoji="1" lang="ja-JP" altLang="en-US" dirty="0"/>
+          </a:p>
+        </p:txBody>
+      </p:sp>
+      <p:sp>
+        <p:nvSpPr>
+          <p:cNvPr id="49" name="正方形/長方形 48"/>
+          <p:cNvSpPr/>
+          <p:nvPr/>
+        </p:nvSpPr>
+        <p:spPr>
+          <a:xfrm>
+            <a:off x="5580112" y="3284984"/>
+            <a:ext cx="3528392" cy="451926"/>
+          </a:xfrm>
+          <a:prstGeom prst="rect">
+            <a:avLst/>
+          </a:prstGeom>
+        </p:spPr>
+        <p:style>
+          <a:lnRef idx="2">
+            <a:schemeClr val="accent6"/>
+          </a:lnRef>
+          <a:fillRef idx="1">
+            <a:schemeClr val="lt1"/>
+          </a:fillRef>
+          <a:effectRef idx="0">
+            <a:schemeClr val="accent6"/>
+          </a:effectRef>
+          <a:fontRef idx="minor">
+            <a:schemeClr val="dk1"/>
+          </a:fontRef>
+        </p:style>
+        <p:txBody>
+          <a:bodyPr rtlCol="0" anchor="ctr"/>
+          <a:lstStyle/>
+          <a:p>
+            <a:pPr algn="ctr"/>
+            <a:r>
+              <a:rPr lang="ja-JP" altLang="en-US" dirty="0" smtClean="0"/>
+              <a:t>「記事</a:t>
+            </a:r>
+            <a:r>
+              <a:rPr lang="en-US" altLang="ja-JP" dirty="0" smtClean="0"/>
+              <a:t>No.X</a:t>
+            </a:r>
+            <a:r>
+              <a:rPr lang="ja-JP" altLang="en-US" dirty="0" smtClean="0"/>
+              <a:t>を表示」</a:t>
+            </a:r>
+            <a:r>
+              <a:rPr lang="ja-JP" altLang="en-US" dirty="0" smtClean="0"/>
+              <a:t>を表示する</a:t>
+            </a:r>
+            <a:endParaRPr lang="en-US" altLang="ja-JP" dirty="0"/>
+          </a:p>
+        </p:txBody>
+      </p:sp>
+      <p:cxnSp>
+        <p:nvCxnSpPr>
+          <p:cNvPr id="50" name="直線矢印コネクタ 49"/>
+          <p:cNvCxnSpPr/>
+          <p:nvPr/>
+        </p:nvCxnSpPr>
+        <p:spPr>
+          <a:xfrm flipH="1">
+            <a:off x="7283607" y="3741430"/>
+            <a:ext cx="24696" cy="203825"/>
+          </a:xfrm>
+          <a:prstGeom prst="straightConnector1">
+            <a:avLst/>
+          </a:prstGeom>
+          <a:ln>
+            <a:tailEnd type="arrow"/>
+          </a:ln>
+        </p:spPr>
+        <p:style>
+          <a:lnRef idx="1">
+            <a:schemeClr val="accent1"/>
+          </a:lnRef>
+          <a:fillRef idx="0">
+            <a:schemeClr val="accent1"/>
+          </a:fillRef>
+          <a:effectRef idx="0">
+            <a:schemeClr val="accent1"/>
+          </a:effectRef>
+          <a:fontRef idx="minor">
+            <a:schemeClr val="tx1"/>
+          </a:fontRef>
+        </p:style>
+      </p:cxnSp>
+      <p:sp>
+        <p:nvSpPr>
+          <p:cNvPr id="51" name="正方形/長方形 50"/>
+          <p:cNvSpPr/>
+          <p:nvPr/>
+        </p:nvSpPr>
+        <p:spPr>
+          <a:xfrm>
+            <a:off x="5987462" y="4725144"/>
+            <a:ext cx="2616986" cy="360040"/>
+          </a:xfrm>
+          <a:prstGeom prst="rect">
+            <a:avLst/>
+          </a:prstGeom>
+        </p:spPr>
+        <p:style>
+          <a:lnRef idx="2">
+            <a:schemeClr val="accent6"/>
+          </a:lnRef>
+          <a:fillRef idx="1">
+            <a:schemeClr val="lt1"/>
+          </a:fillRef>
+          <a:effectRef idx="0">
+            <a:schemeClr val="accent6"/>
+          </a:effectRef>
+          <a:fontRef idx="minor">
+            <a:schemeClr val="dk1"/>
+          </a:fontRef>
+        </p:style>
+        <p:txBody>
+          <a:bodyPr rtlCol="0" anchor="ctr"/>
+          <a:lstStyle/>
+          <a:p>
+            <a:pPr algn="ctr"/>
+            <a:r>
+              <a:rPr lang="en-US" altLang="ja-JP" dirty="0"/>
+              <a:t>x</a:t>
+            </a:r>
+            <a:r>
+              <a:rPr lang="ja-JP" altLang="en-US" dirty="0" smtClean="0"/>
+              <a:t>に</a:t>
+            </a:r>
+            <a:r>
+              <a:rPr lang="en-US" altLang="ja-JP" dirty="0" smtClean="0"/>
+              <a:t>1</a:t>
+            </a:r>
+            <a:r>
+              <a:rPr lang="ja-JP" altLang="en-US" dirty="0" smtClean="0"/>
+              <a:t>を足す</a:t>
+            </a:r>
+            <a:endParaRPr lang="en-US" altLang="ja-JP" dirty="0"/>
+          </a:p>
+        </p:txBody>
+      </p:sp>
+      <p:cxnSp>
+        <p:nvCxnSpPr>
+          <p:cNvPr id="52" name="直線矢印コネクタ 51"/>
+          <p:cNvCxnSpPr/>
+          <p:nvPr/>
+        </p:nvCxnSpPr>
+        <p:spPr>
+          <a:xfrm flipH="1">
+            <a:off x="7211600" y="4449311"/>
+            <a:ext cx="24696" cy="203825"/>
+          </a:xfrm>
+          <a:prstGeom prst="straightConnector1">
+            <a:avLst/>
+          </a:prstGeom>
+          <a:ln>
+            <a:tailEnd type="arrow"/>
+          </a:ln>
+        </p:spPr>
+        <p:style>
+          <a:lnRef idx="1">
+            <a:schemeClr val="accent1"/>
+          </a:lnRef>
+          <a:fillRef idx="0">
+            <a:schemeClr val="accent1"/>
+          </a:fillRef>
+          <a:effectRef idx="0">
+            <a:schemeClr val="accent1"/>
+          </a:effectRef>
+          <a:fontRef idx="minor">
+            <a:schemeClr val="tx1"/>
+          </a:fontRef>
+        </p:style>
+      </p:cxnSp>
+      <p:cxnSp>
+        <p:nvCxnSpPr>
+          <p:cNvPr id="53" name="直線コネクタ 52"/>
+          <p:cNvCxnSpPr/>
+          <p:nvPr/>
+        </p:nvCxnSpPr>
+        <p:spPr>
+          <a:xfrm>
+            <a:off x="4644008" y="1422419"/>
+            <a:ext cx="1488" cy="1903069"/>
+          </a:xfrm>
+          <a:prstGeom prst="line">
+            <a:avLst/>
+          </a:prstGeom>
+        </p:spPr>
+        <p:style>
+          <a:lnRef idx="1">
+            <a:schemeClr val="accent1"/>
+          </a:lnRef>
+          <a:fillRef idx="0">
+            <a:schemeClr val="accent1"/>
+          </a:fillRef>
+          <a:effectRef idx="0">
+            <a:schemeClr val="accent1"/>
+          </a:effectRef>
+          <a:fontRef idx="minor">
+            <a:schemeClr val="tx1"/>
+          </a:fontRef>
+        </p:style>
+      </p:cxnSp>
+      <p:cxnSp>
+        <p:nvCxnSpPr>
+          <p:cNvPr id="54" name="直線コネクタ 53"/>
+          <p:cNvCxnSpPr/>
+          <p:nvPr/>
+        </p:nvCxnSpPr>
+        <p:spPr>
+          <a:xfrm>
+            <a:off x="4559651" y="1422419"/>
+            <a:ext cx="2610234" cy="3053"/>
+          </a:xfrm>
+          <a:prstGeom prst="line">
+            <a:avLst/>
+          </a:prstGeom>
+        </p:spPr>
+        <p:style>
+          <a:lnRef idx="1">
+            <a:schemeClr val="accent1"/>
+          </a:lnRef>
+          <a:fillRef idx="0">
+            <a:schemeClr val="accent1"/>
+          </a:fillRef>
+          <a:effectRef idx="0">
+            <a:schemeClr val="accent1"/>
+          </a:effectRef>
+          <a:fontRef idx="minor">
+            <a:schemeClr val="tx1"/>
+          </a:fontRef>
+        </p:style>
+      </p:cxnSp>
+      <p:sp>
+        <p:nvSpPr>
+          <p:cNvPr id="55" name="正方形/長方形 54"/>
+          <p:cNvSpPr/>
+          <p:nvPr/>
+        </p:nvSpPr>
+        <p:spPr>
+          <a:xfrm>
+            <a:off x="6594318" y="1898135"/>
+            <a:ext cx="1578082" cy="360040"/>
+          </a:xfrm>
+          <a:prstGeom prst="rect">
+            <a:avLst/>
+          </a:prstGeom>
+        </p:spPr>
+        <p:style>
+          <a:lnRef idx="2">
+            <a:schemeClr val="accent6"/>
+          </a:lnRef>
+          <a:fillRef idx="1">
+            <a:schemeClr val="lt1"/>
+          </a:fillRef>
+          <a:effectRef idx="0">
+            <a:schemeClr val="accent6"/>
+          </a:effectRef>
+          <a:fontRef idx="minor">
+            <a:schemeClr val="dk1"/>
+          </a:fontRef>
+        </p:style>
+        <p:txBody>
+          <a:bodyPr rtlCol="0" anchor="ctr"/>
+          <a:lstStyle/>
+          <a:p>
+            <a:pPr algn="ctr"/>
+            <a:r>
+              <a:rPr lang="en-US" altLang="ja-JP" dirty="0" smtClean="0"/>
+              <a:t>X=1</a:t>
+            </a:r>
+            <a:endParaRPr lang="en-US" altLang="ja-JP" dirty="0"/>
+          </a:p>
+        </p:txBody>
+      </p:sp>
+      <p:cxnSp>
+        <p:nvCxnSpPr>
+          <p:cNvPr id="56" name="直線矢印コネクタ 55"/>
+          <p:cNvCxnSpPr/>
+          <p:nvPr/>
+        </p:nvCxnSpPr>
+        <p:spPr>
+          <a:xfrm flipH="1">
+            <a:off x="7236296" y="2276872"/>
+            <a:ext cx="24696" cy="203825"/>
+          </a:xfrm>
+          <a:prstGeom prst="straightConnector1">
+            <a:avLst/>
+          </a:prstGeom>
+          <a:ln>
+            <a:tailEnd type="arrow"/>
+          </a:ln>
+        </p:spPr>
+        <p:style>
+          <a:lnRef idx="1">
+            <a:schemeClr val="accent1"/>
+          </a:lnRef>
+          <a:fillRef idx="0">
+            <a:schemeClr val="accent1"/>
+          </a:fillRef>
+          <a:effectRef idx="0">
+            <a:schemeClr val="accent1"/>
+          </a:effectRef>
+          <a:fontRef idx="minor">
+            <a:schemeClr val="tx1"/>
+          </a:fontRef>
+        </p:style>
+      </p:cxnSp>
+    </p:spTree>
+    <p:extLst>
+      <p:ext uri="{BB962C8B-B14F-4D97-AF65-F5344CB8AC3E}">
+        <p14:creationId xmlns:p14="http://schemas.microsoft.com/office/powerpoint/2010/main" val="1304413692"/>
       </p:ext>
     </p:extLst>
   </p:cSld>

--- a/CampChallenge_PHP/000.座学/kadai.pptx
+++ b/CampChallenge_PHP/000.座学/kadai.pptx
@@ -16,6 +16,8 @@
     <p:sldId id="267" r:id="rId10"/>
     <p:sldId id="268" r:id="rId11"/>
     <p:sldId id="269" r:id="rId12"/>
+    <p:sldId id="270" r:id="rId13"/>
+    <p:sldId id="271" r:id="rId14"/>
   </p:sldIdLst>
   <p:sldSz cx="9144000" cy="6858000" type="screen4x3"/>
   <p:notesSz cx="6858000" cy="9144000"/>
@@ -3965,11 +3967,7 @@
             <a:pPr algn="ctr"/>
             <a:r>
               <a:rPr lang="ja-JP" altLang="en-US" dirty="0" smtClean="0"/>
-              <a:t>と</a:t>
-            </a:r>
-            <a:r>
-              <a:rPr lang="ja-JP" altLang="en-US" dirty="0" smtClean="0"/>
-              <a:t>表示する</a:t>
+              <a:t>と表示する</a:t>
             </a:r>
             <a:endParaRPr lang="en-US" altLang="ja-JP" dirty="0"/>
           </a:p>
@@ -4786,11 +4784,7 @@
             <a:pPr algn="ctr"/>
             <a:r>
               <a:rPr lang="ja-JP" altLang="en-US" dirty="0" smtClean="0"/>
-              <a:t>と</a:t>
-            </a:r>
-            <a:r>
-              <a:rPr lang="ja-JP" altLang="en-US" dirty="0" smtClean="0"/>
-              <a:t>表示する</a:t>
+              <a:t>と表示する</a:t>
             </a:r>
             <a:endParaRPr lang="en-US" altLang="ja-JP" dirty="0"/>
           </a:p>
@@ -6451,6 +6445,2051 @@
 </p:sld>
 </file>
 
+<file path=ppt/slides/slide12.xml><?xml version="1.0" encoding="utf-8"?>
+<p:sld xmlns:a="http://schemas.openxmlformats.org/drawingml/2006/main" xmlns:r="http://schemas.openxmlformats.org/officeDocument/2006/relationships" xmlns:p="http://schemas.openxmlformats.org/presentationml/2006/main">
+  <p:cSld>
+    <p:spTree>
+      <p:nvGrpSpPr>
+        <p:cNvPr id="1" name=""/>
+        <p:cNvGrpSpPr/>
+        <p:nvPr/>
+      </p:nvGrpSpPr>
+      <p:grpSpPr>
+        <a:xfrm>
+          <a:off x="0" y="0"/>
+          <a:ext cx="0" cy="0"/>
+          <a:chOff x="0" y="0"/>
+          <a:chExt cx="0" cy="0"/>
+        </a:xfrm>
+      </p:grpSpPr>
+      <p:sp>
+        <p:nvSpPr>
+          <p:cNvPr id="2" name="タイトル 1"/>
+          <p:cNvSpPr>
+            <a:spLocks noGrp="1"/>
+          </p:cNvSpPr>
+          <p:nvPr>
+            <p:ph type="title"/>
+          </p:nvPr>
+        </p:nvSpPr>
+        <p:spPr>
+          <a:xfrm>
+            <a:off x="457200" y="202630"/>
+            <a:ext cx="8229600" cy="706090"/>
+          </a:xfrm>
+        </p:spPr>
+        <p:txBody>
+          <a:bodyPr>
+            <a:normAutofit/>
+          </a:bodyPr>
+          <a:lstStyle/>
+          <a:p>
+            <a:r>
+              <a:rPr lang="ja-JP" altLang="en-US" sz="2000" dirty="0"/>
+              <a:t>バブルソートの処理を書きなさい</a:t>
+            </a:r>
+            <a:endParaRPr kumimoji="1" lang="ja-JP" altLang="en-US" sz="2000" dirty="0">
+              <a:latin typeface="メイリオ" pitchFamily="50" charset="-128"/>
+              <a:ea typeface="メイリオ" pitchFamily="50" charset="-128"/>
+            </a:endParaRPr>
+          </a:p>
+        </p:txBody>
+      </p:sp>
+      <p:sp>
+        <p:nvSpPr>
+          <p:cNvPr id="4" name="円/楕円 3"/>
+          <p:cNvSpPr/>
+          <p:nvPr/>
+        </p:nvSpPr>
+        <p:spPr>
+          <a:xfrm>
+            <a:off x="1331640" y="908720"/>
+            <a:ext cx="1236485" cy="474151"/>
+          </a:xfrm>
+          <a:prstGeom prst="ellipse">
+            <a:avLst/>
+          </a:prstGeom>
+        </p:spPr>
+        <p:style>
+          <a:lnRef idx="2">
+            <a:schemeClr val="accent6"/>
+          </a:lnRef>
+          <a:fillRef idx="1">
+            <a:schemeClr val="lt1"/>
+          </a:fillRef>
+          <a:effectRef idx="0">
+            <a:schemeClr val="accent6"/>
+          </a:effectRef>
+          <a:fontRef idx="minor">
+            <a:schemeClr val="dk1"/>
+          </a:fontRef>
+        </p:style>
+        <p:txBody>
+          <a:bodyPr rtlCol="0" anchor="ctr"/>
+          <a:lstStyle/>
+          <a:p>
+            <a:pPr algn="ctr"/>
+            <a:r>
+              <a:rPr kumimoji="1" lang="en-US" altLang="ja-JP" sz="2800" dirty="0" smtClean="0"/>
+              <a:t>start</a:t>
+            </a:r>
+            <a:endParaRPr kumimoji="1" lang="ja-JP" altLang="en-US" sz="2800" dirty="0"/>
+          </a:p>
+        </p:txBody>
+      </p:sp>
+      <p:sp>
+        <p:nvSpPr>
+          <p:cNvPr id="5" name="円/楕円 4"/>
+          <p:cNvSpPr/>
+          <p:nvPr/>
+        </p:nvSpPr>
+        <p:spPr>
+          <a:xfrm>
+            <a:off x="6127565" y="6260212"/>
+            <a:ext cx="1431159" cy="545203"/>
+          </a:xfrm>
+          <a:prstGeom prst="ellipse">
+            <a:avLst/>
+          </a:prstGeom>
+        </p:spPr>
+        <p:style>
+          <a:lnRef idx="2">
+            <a:schemeClr val="accent6"/>
+          </a:lnRef>
+          <a:fillRef idx="1">
+            <a:schemeClr val="lt1"/>
+          </a:fillRef>
+          <a:effectRef idx="0">
+            <a:schemeClr val="accent6"/>
+          </a:effectRef>
+          <a:fontRef idx="minor">
+            <a:schemeClr val="dk1"/>
+          </a:fontRef>
+        </p:style>
+        <p:txBody>
+          <a:bodyPr rtlCol="0" anchor="ctr"/>
+          <a:lstStyle/>
+          <a:p>
+            <a:pPr algn="ctr"/>
+            <a:r>
+              <a:rPr lang="en-US" altLang="ja-JP" sz="2800" dirty="0" smtClean="0"/>
+              <a:t>end</a:t>
+            </a:r>
+            <a:endParaRPr kumimoji="1" lang="en-US" altLang="ja-JP" sz="2800" dirty="0" smtClean="0"/>
+          </a:p>
+        </p:txBody>
+      </p:sp>
+      <p:cxnSp>
+        <p:nvCxnSpPr>
+          <p:cNvPr id="7" name="直線矢印コネクタ 6"/>
+          <p:cNvCxnSpPr>
+            <a:endCxn id="83" idx="1"/>
+          </p:cNvCxnSpPr>
+          <p:nvPr/>
+        </p:nvCxnSpPr>
+        <p:spPr>
+          <a:xfrm>
+            <a:off x="2572627" y="1155042"/>
+            <a:ext cx="559213" cy="206788"/>
+          </a:xfrm>
+          <a:prstGeom prst="straightConnector1">
+            <a:avLst/>
+          </a:prstGeom>
+          <a:ln>
+            <a:tailEnd type="arrow"/>
+          </a:ln>
+        </p:spPr>
+        <p:style>
+          <a:lnRef idx="1">
+            <a:schemeClr val="accent1"/>
+          </a:lnRef>
+          <a:fillRef idx="0">
+            <a:schemeClr val="accent1"/>
+          </a:fillRef>
+          <a:effectRef idx="0">
+            <a:schemeClr val="accent1"/>
+          </a:effectRef>
+          <a:fontRef idx="minor">
+            <a:schemeClr val="tx1"/>
+          </a:fontRef>
+        </p:style>
+      </p:cxnSp>
+      <p:sp>
+        <p:nvSpPr>
+          <p:cNvPr id="23" name="フローチャート : 判断 22"/>
+          <p:cNvSpPr/>
+          <p:nvPr/>
+        </p:nvSpPr>
+        <p:spPr>
+          <a:xfrm>
+            <a:off x="116475" y="3034518"/>
+            <a:ext cx="3735445" cy="826530"/>
+          </a:xfrm>
+          <a:prstGeom prst="flowChartDecision">
+            <a:avLst/>
+          </a:prstGeom>
+        </p:spPr>
+        <p:style>
+          <a:lnRef idx="2">
+            <a:schemeClr val="accent6"/>
+          </a:lnRef>
+          <a:fillRef idx="1">
+            <a:schemeClr val="lt1"/>
+          </a:fillRef>
+          <a:effectRef idx="0">
+            <a:schemeClr val="accent6"/>
+          </a:effectRef>
+          <a:fontRef idx="minor">
+            <a:schemeClr val="dk1"/>
+          </a:fontRef>
+        </p:style>
+        <p:txBody>
+          <a:bodyPr rtlCol="0" anchor="ctr"/>
+          <a:lstStyle/>
+          <a:p>
+            <a:pPr algn="ctr"/>
+            <a:r>
+              <a:rPr kumimoji="1" lang="ja-JP" altLang="en-US" dirty="0" smtClean="0"/>
+              <a:t>右隣りの数値の方が大きいか</a:t>
+            </a:r>
+            <a:endParaRPr kumimoji="1" lang="ja-JP" altLang="en-US" dirty="0"/>
+          </a:p>
+        </p:txBody>
+      </p:sp>
+      <p:sp>
+        <p:nvSpPr>
+          <p:cNvPr id="24" name="正方形/長方形 23"/>
+          <p:cNvSpPr/>
+          <p:nvPr/>
+        </p:nvSpPr>
+        <p:spPr>
+          <a:xfrm>
+            <a:off x="1883007" y="3709952"/>
+            <a:ext cx="1104817" cy="511136"/>
+          </a:xfrm>
+          <a:prstGeom prst="rect">
+            <a:avLst/>
+          </a:prstGeom>
+          <a:noFill/>
+          <a:ln>
+            <a:noFill/>
+          </a:ln>
+        </p:spPr>
+        <p:style>
+          <a:lnRef idx="2">
+            <a:schemeClr val="accent1">
+              <a:shade val="50000"/>
+            </a:schemeClr>
+          </a:lnRef>
+          <a:fillRef idx="1">
+            <a:schemeClr val="accent1"/>
+          </a:fillRef>
+          <a:effectRef idx="0">
+            <a:schemeClr val="accent1"/>
+          </a:effectRef>
+          <a:fontRef idx="minor">
+            <a:schemeClr val="lt1"/>
+          </a:fontRef>
+        </p:style>
+        <p:txBody>
+          <a:bodyPr rtlCol="0" anchor="ctr"/>
+          <a:lstStyle/>
+          <a:p>
+            <a:pPr algn="ctr"/>
+            <a:r>
+              <a:rPr lang="en-US" altLang="ja-JP" dirty="0" smtClean="0">
+                <a:solidFill>
+                  <a:schemeClr val="tx1"/>
+                </a:solidFill>
+              </a:rPr>
+              <a:t>yes</a:t>
+            </a:r>
+            <a:endParaRPr kumimoji="1" lang="ja-JP" altLang="en-US" dirty="0">
+              <a:solidFill>
+                <a:schemeClr val="tx1"/>
+              </a:solidFill>
+            </a:endParaRPr>
+          </a:p>
+        </p:txBody>
+      </p:sp>
+      <p:sp>
+        <p:nvSpPr>
+          <p:cNvPr id="29" name="正方形/長方形 28"/>
+          <p:cNvSpPr/>
+          <p:nvPr/>
+        </p:nvSpPr>
+        <p:spPr>
+          <a:xfrm>
+            <a:off x="3131840" y="2955429"/>
+            <a:ext cx="1104817" cy="511136"/>
+          </a:xfrm>
+          <a:prstGeom prst="rect">
+            <a:avLst/>
+          </a:prstGeom>
+          <a:noFill/>
+          <a:ln>
+            <a:noFill/>
+          </a:ln>
+        </p:spPr>
+        <p:style>
+          <a:lnRef idx="2">
+            <a:schemeClr val="accent1">
+              <a:shade val="50000"/>
+            </a:schemeClr>
+          </a:lnRef>
+          <a:fillRef idx="1">
+            <a:schemeClr val="accent1"/>
+          </a:fillRef>
+          <a:effectRef idx="0">
+            <a:schemeClr val="accent1"/>
+          </a:effectRef>
+          <a:fontRef idx="minor">
+            <a:schemeClr val="lt1"/>
+          </a:fontRef>
+        </p:style>
+        <p:txBody>
+          <a:bodyPr rtlCol="0" anchor="ctr"/>
+          <a:lstStyle/>
+          <a:p>
+            <a:pPr algn="ctr"/>
+            <a:r>
+              <a:rPr kumimoji="1" lang="en-US" altLang="ja-JP" dirty="0" smtClean="0">
+                <a:solidFill>
+                  <a:schemeClr val="tx1"/>
+                </a:solidFill>
+              </a:rPr>
+              <a:t>no</a:t>
+            </a:r>
+            <a:endParaRPr kumimoji="1" lang="ja-JP" altLang="en-US" dirty="0">
+              <a:solidFill>
+                <a:schemeClr val="tx1"/>
+              </a:solidFill>
+            </a:endParaRPr>
+          </a:p>
+        </p:txBody>
+      </p:sp>
+      <p:cxnSp>
+        <p:nvCxnSpPr>
+          <p:cNvPr id="35" name="直線コネクタ 34"/>
+          <p:cNvCxnSpPr/>
+          <p:nvPr/>
+        </p:nvCxnSpPr>
+        <p:spPr>
+          <a:xfrm>
+            <a:off x="3851920" y="3429000"/>
+            <a:ext cx="360040" cy="0"/>
+          </a:xfrm>
+          <a:prstGeom prst="line">
+            <a:avLst/>
+          </a:prstGeom>
+        </p:spPr>
+        <p:style>
+          <a:lnRef idx="1">
+            <a:schemeClr val="accent1"/>
+          </a:lnRef>
+          <a:fillRef idx="0">
+            <a:schemeClr val="accent1"/>
+          </a:fillRef>
+          <a:effectRef idx="0">
+            <a:schemeClr val="accent1"/>
+          </a:effectRef>
+          <a:fontRef idx="minor">
+            <a:schemeClr val="tx1"/>
+          </a:fontRef>
+        </p:style>
+      </p:cxnSp>
+      <p:cxnSp>
+        <p:nvCxnSpPr>
+          <p:cNvPr id="46" name="直線矢印コネクタ 45"/>
+          <p:cNvCxnSpPr>
+            <a:endCxn id="5" idx="2"/>
+          </p:cNvCxnSpPr>
+          <p:nvPr/>
+        </p:nvCxnSpPr>
+        <p:spPr>
+          <a:xfrm>
+            <a:off x="2987824" y="6294805"/>
+            <a:ext cx="3139741" cy="238009"/>
+          </a:xfrm>
+          <a:prstGeom prst="straightConnector1">
+            <a:avLst/>
+          </a:prstGeom>
+          <a:ln>
+            <a:tailEnd type="arrow"/>
+          </a:ln>
+        </p:spPr>
+        <p:style>
+          <a:lnRef idx="1">
+            <a:schemeClr val="accent1"/>
+          </a:lnRef>
+          <a:fillRef idx="0">
+            <a:schemeClr val="accent1"/>
+          </a:fillRef>
+          <a:effectRef idx="0">
+            <a:schemeClr val="accent1"/>
+          </a:effectRef>
+          <a:fontRef idx="minor">
+            <a:schemeClr val="tx1"/>
+          </a:fontRef>
+        </p:style>
+      </p:cxnSp>
+      <p:cxnSp>
+        <p:nvCxnSpPr>
+          <p:cNvPr id="56" name="直線矢印コネクタ 55"/>
+          <p:cNvCxnSpPr/>
+          <p:nvPr/>
+        </p:nvCxnSpPr>
+        <p:spPr>
+          <a:xfrm>
+            <a:off x="2010558" y="5715531"/>
+            <a:ext cx="0" cy="347841"/>
+          </a:xfrm>
+          <a:prstGeom prst="straightConnector1">
+            <a:avLst/>
+          </a:prstGeom>
+          <a:ln>
+            <a:tailEnd type="arrow"/>
+          </a:ln>
+        </p:spPr>
+        <p:style>
+          <a:lnRef idx="1">
+            <a:schemeClr val="accent1"/>
+          </a:lnRef>
+          <a:fillRef idx="0">
+            <a:schemeClr val="accent1"/>
+          </a:fillRef>
+          <a:effectRef idx="0">
+            <a:schemeClr val="accent1"/>
+          </a:effectRef>
+          <a:fontRef idx="minor">
+            <a:schemeClr val="tx1"/>
+          </a:fontRef>
+        </p:style>
+      </p:cxnSp>
+      <p:cxnSp>
+        <p:nvCxnSpPr>
+          <p:cNvPr id="42" name="直線コネクタ 41"/>
+          <p:cNvCxnSpPr/>
+          <p:nvPr/>
+        </p:nvCxnSpPr>
+        <p:spPr>
+          <a:xfrm flipH="1">
+            <a:off x="4224309" y="1975094"/>
+            <a:ext cx="12349" cy="1381898"/>
+          </a:xfrm>
+          <a:prstGeom prst="line">
+            <a:avLst/>
+          </a:prstGeom>
+        </p:spPr>
+        <p:style>
+          <a:lnRef idx="1">
+            <a:schemeClr val="accent1"/>
+          </a:lnRef>
+          <a:fillRef idx="0">
+            <a:schemeClr val="accent1"/>
+          </a:fillRef>
+          <a:effectRef idx="0">
+            <a:schemeClr val="accent1"/>
+          </a:effectRef>
+          <a:fontRef idx="minor">
+            <a:schemeClr val="tx1"/>
+          </a:fontRef>
+        </p:style>
+      </p:cxnSp>
+      <p:cxnSp>
+        <p:nvCxnSpPr>
+          <p:cNvPr id="34" name="直線矢印コネクタ 33"/>
+          <p:cNvCxnSpPr/>
+          <p:nvPr/>
+        </p:nvCxnSpPr>
+        <p:spPr>
+          <a:xfrm flipH="1">
+            <a:off x="1979712" y="2801502"/>
+            <a:ext cx="4502" cy="195450"/>
+          </a:xfrm>
+          <a:prstGeom prst="straightConnector1">
+            <a:avLst/>
+          </a:prstGeom>
+          <a:ln>
+            <a:tailEnd type="arrow"/>
+          </a:ln>
+        </p:spPr>
+        <p:style>
+          <a:lnRef idx="1">
+            <a:schemeClr val="accent1"/>
+          </a:lnRef>
+          <a:fillRef idx="0">
+            <a:schemeClr val="accent1"/>
+          </a:fillRef>
+          <a:effectRef idx="0">
+            <a:schemeClr val="accent1"/>
+          </a:effectRef>
+          <a:fontRef idx="minor">
+            <a:schemeClr val="tx1"/>
+          </a:fontRef>
+        </p:style>
+      </p:cxnSp>
+      <p:sp>
+        <p:nvSpPr>
+          <p:cNvPr id="36" name="正方形/長方形 35"/>
+          <p:cNvSpPr/>
+          <p:nvPr/>
+        </p:nvSpPr>
+        <p:spPr>
+          <a:xfrm>
+            <a:off x="395536" y="2204864"/>
+            <a:ext cx="3347380" cy="655291"/>
+          </a:xfrm>
+          <a:prstGeom prst="rect">
+            <a:avLst/>
+          </a:prstGeom>
+        </p:spPr>
+        <p:style>
+          <a:lnRef idx="2">
+            <a:schemeClr val="accent6"/>
+          </a:lnRef>
+          <a:fillRef idx="1">
+            <a:schemeClr val="lt1"/>
+          </a:fillRef>
+          <a:effectRef idx="0">
+            <a:schemeClr val="accent6"/>
+          </a:effectRef>
+          <a:fontRef idx="minor">
+            <a:schemeClr val="dk1"/>
+          </a:fontRef>
+        </p:style>
+        <p:txBody>
+          <a:bodyPr rtlCol="0" anchor="ctr"/>
+          <a:lstStyle/>
+          <a:p>
+            <a:pPr algn="ctr"/>
+            <a:r>
+              <a:rPr lang="en-US" altLang="ja-JP" dirty="0" smtClean="0"/>
+              <a:t>n</a:t>
+            </a:r>
+            <a:r>
+              <a:rPr lang="ja-JP" altLang="en-US" dirty="0" smtClean="0"/>
+              <a:t>個の要素の中の</a:t>
+            </a:r>
+            <a:r>
+              <a:rPr lang="en-US" altLang="ja-JP" dirty="0"/>
+              <a:t>X</a:t>
+            </a:r>
+            <a:r>
+              <a:rPr lang="ja-JP" altLang="en-US" dirty="0" smtClean="0"/>
+              <a:t>番目</a:t>
+            </a:r>
+            <a:r>
+              <a:rPr lang="ja-JP" altLang="en-US" dirty="0" smtClean="0"/>
+              <a:t>の数値を選択する</a:t>
+            </a:r>
+            <a:endParaRPr lang="en-US" altLang="ja-JP" dirty="0" smtClean="0"/>
+          </a:p>
+        </p:txBody>
+      </p:sp>
+      <p:cxnSp>
+        <p:nvCxnSpPr>
+          <p:cNvPr id="45" name="直線矢印コネクタ 44"/>
+          <p:cNvCxnSpPr/>
+          <p:nvPr/>
+        </p:nvCxnSpPr>
+        <p:spPr>
+          <a:xfrm>
+            <a:off x="1977462" y="3717032"/>
+            <a:ext cx="14599" cy="394584"/>
+          </a:xfrm>
+          <a:prstGeom prst="straightConnector1">
+            <a:avLst/>
+          </a:prstGeom>
+          <a:ln>
+            <a:tailEnd type="arrow"/>
+          </a:ln>
+        </p:spPr>
+        <p:style>
+          <a:lnRef idx="1">
+            <a:schemeClr val="accent1"/>
+          </a:lnRef>
+          <a:fillRef idx="0">
+            <a:schemeClr val="accent1"/>
+          </a:fillRef>
+          <a:effectRef idx="0">
+            <a:schemeClr val="accent1"/>
+          </a:effectRef>
+          <a:fontRef idx="minor">
+            <a:schemeClr val="tx1"/>
+          </a:fontRef>
+        </p:style>
+      </p:cxnSp>
+      <p:sp>
+        <p:nvSpPr>
+          <p:cNvPr id="53" name="正方形/長方形 52"/>
+          <p:cNvSpPr/>
+          <p:nvPr/>
+        </p:nvSpPr>
+        <p:spPr>
+          <a:xfrm>
+            <a:off x="702065" y="4166804"/>
+            <a:ext cx="2616986" cy="558339"/>
+          </a:xfrm>
+          <a:prstGeom prst="rect">
+            <a:avLst/>
+          </a:prstGeom>
+        </p:spPr>
+        <p:style>
+          <a:lnRef idx="2">
+            <a:schemeClr val="accent6"/>
+          </a:lnRef>
+          <a:fillRef idx="1">
+            <a:schemeClr val="lt1"/>
+          </a:fillRef>
+          <a:effectRef idx="0">
+            <a:schemeClr val="accent6"/>
+          </a:effectRef>
+          <a:fontRef idx="minor">
+            <a:schemeClr val="dk1"/>
+          </a:fontRef>
+        </p:style>
+        <p:txBody>
+          <a:bodyPr rtlCol="0" anchor="ctr"/>
+          <a:lstStyle/>
+          <a:p>
+            <a:pPr algn="ctr"/>
+            <a:r>
+              <a:rPr lang="en-US" altLang="ja-JP" dirty="0" smtClean="0"/>
+              <a:t>X+1</a:t>
+            </a:r>
+            <a:r>
+              <a:rPr lang="ja-JP" altLang="en-US" dirty="0" smtClean="0"/>
+              <a:t>番目の</a:t>
+            </a:r>
+            <a:r>
+              <a:rPr lang="ja-JP" altLang="en-US" dirty="0"/>
+              <a:t>数値</a:t>
+            </a:r>
+            <a:r>
+              <a:rPr lang="ja-JP" altLang="en-US" dirty="0" smtClean="0"/>
+              <a:t>と位置を</a:t>
+            </a:r>
+            <a:r>
+              <a:rPr lang="ja-JP" altLang="en-US" dirty="0"/>
+              <a:t>入れ替える</a:t>
+            </a:r>
+            <a:endParaRPr lang="en-US" altLang="ja-JP" dirty="0"/>
+          </a:p>
+        </p:txBody>
+      </p:sp>
+      <p:cxnSp>
+        <p:nvCxnSpPr>
+          <p:cNvPr id="49" name="直線コネクタ 48"/>
+          <p:cNvCxnSpPr/>
+          <p:nvPr/>
+        </p:nvCxnSpPr>
+        <p:spPr>
+          <a:xfrm>
+            <a:off x="3347864" y="5445224"/>
+            <a:ext cx="864096" cy="0"/>
+          </a:xfrm>
+          <a:prstGeom prst="line">
+            <a:avLst/>
+          </a:prstGeom>
+        </p:spPr>
+        <p:style>
+          <a:lnRef idx="1">
+            <a:schemeClr val="accent1"/>
+          </a:lnRef>
+          <a:fillRef idx="0">
+            <a:schemeClr val="accent1"/>
+          </a:fillRef>
+          <a:effectRef idx="0">
+            <a:schemeClr val="accent1"/>
+          </a:effectRef>
+          <a:fontRef idx="minor">
+            <a:schemeClr val="tx1"/>
+          </a:fontRef>
+        </p:style>
+      </p:cxnSp>
+      <p:cxnSp>
+        <p:nvCxnSpPr>
+          <p:cNvPr id="50" name="直線コネクタ 49"/>
+          <p:cNvCxnSpPr/>
+          <p:nvPr/>
+        </p:nvCxnSpPr>
+        <p:spPr>
+          <a:xfrm flipH="1">
+            <a:off x="4211960" y="2492896"/>
+            <a:ext cx="24698" cy="2943465"/>
+          </a:xfrm>
+          <a:prstGeom prst="line">
+            <a:avLst/>
+          </a:prstGeom>
+        </p:spPr>
+        <p:style>
+          <a:lnRef idx="1">
+            <a:schemeClr val="accent1"/>
+          </a:lnRef>
+          <a:fillRef idx="0">
+            <a:schemeClr val="accent1"/>
+          </a:fillRef>
+          <a:effectRef idx="0">
+            <a:schemeClr val="accent1"/>
+          </a:effectRef>
+          <a:fontRef idx="minor">
+            <a:schemeClr val="tx1"/>
+          </a:fontRef>
+        </p:style>
+      </p:cxnSp>
+      <p:cxnSp>
+        <p:nvCxnSpPr>
+          <p:cNvPr id="51" name="直線矢印コネクタ 50"/>
+          <p:cNvCxnSpPr/>
+          <p:nvPr/>
+        </p:nvCxnSpPr>
+        <p:spPr>
+          <a:xfrm>
+            <a:off x="1979712" y="4725144"/>
+            <a:ext cx="14599" cy="394584"/>
+          </a:xfrm>
+          <a:prstGeom prst="straightConnector1">
+            <a:avLst/>
+          </a:prstGeom>
+          <a:ln>
+            <a:tailEnd type="arrow"/>
+          </a:ln>
+        </p:spPr>
+        <p:style>
+          <a:lnRef idx="1">
+            <a:schemeClr val="accent1"/>
+          </a:lnRef>
+          <a:fillRef idx="0">
+            <a:schemeClr val="accent1"/>
+          </a:fillRef>
+          <a:effectRef idx="0">
+            <a:schemeClr val="accent1"/>
+          </a:effectRef>
+          <a:fontRef idx="minor">
+            <a:schemeClr val="tx1"/>
+          </a:fontRef>
+        </p:style>
+      </p:cxnSp>
+      <p:sp>
+        <p:nvSpPr>
+          <p:cNvPr id="52" name="正方形/長方形 51"/>
+          <p:cNvSpPr/>
+          <p:nvPr/>
+        </p:nvSpPr>
+        <p:spPr>
+          <a:xfrm>
+            <a:off x="730878" y="5157192"/>
+            <a:ext cx="2616986" cy="558339"/>
+          </a:xfrm>
+          <a:prstGeom prst="rect">
+            <a:avLst/>
+          </a:prstGeom>
+        </p:spPr>
+        <p:style>
+          <a:lnRef idx="2">
+            <a:schemeClr val="accent6"/>
+          </a:lnRef>
+          <a:fillRef idx="1">
+            <a:schemeClr val="lt1"/>
+          </a:fillRef>
+          <a:effectRef idx="0">
+            <a:schemeClr val="accent6"/>
+          </a:effectRef>
+          <a:fontRef idx="minor">
+            <a:schemeClr val="dk1"/>
+          </a:fontRef>
+        </p:style>
+        <p:txBody>
+          <a:bodyPr rtlCol="0" anchor="ctr"/>
+          <a:lstStyle/>
+          <a:p>
+            <a:pPr algn="ctr"/>
+            <a:r>
+              <a:rPr lang="en-US" altLang="ja-JP" dirty="0" smtClean="0"/>
+              <a:t>X</a:t>
+            </a:r>
+            <a:r>
+              <a:rPr lang="ja-JP" altLang="en-US" dirty="0" smtClean="0"/>
+              <a:t>に</a:t>
+            </a:r>
+            <a:r>
+              <a:rPr lang="en-US" altLang="ja-JP" dirty="0" smtClean="0"/>
+              <a:t>1</a:t>
+            </a:r>
+            <a:r>
+              <a:rPr lang="ja-JP" altLang="en-US" dirty="0" smtClean="0"/>
+              <a:t>を足す</a:t>
+            </a:r>
+            <a:endParaRPr lang="en-US" altLang="ja-JP" dirty="0"/>
+          </a:p>
+        </p:txBody>
+      </p:sp>
+      <p:sp>
+        <p:nvSpPr>
+          <p:cNvPr id="74" name="片側の 2 つの角を切り取った四角形 73"/>
+          <p:cNvSpPr/>
+          <p:nvPr/>
+        </p:nvSpPr>
+        <p:spPr>
+          <a:xfrm>
+            <a:off x="1049782" y="1700808"/>
+            <a:ext cx="1800200" cy="288032"/>
+          </a:xfrm>
+          <a:prstGeom prst="snip2SameRect">
+            <a:avLst/>
+          </a:prstGeom>
+        </p:spPr>
+        <p:style>
+          <a:lnRef idx="2">
+            <a:schemeClr val="accent6"/>
+          </a:lnRef>
+          <a:fillRef idx="1">
+            <a:schemeClr val="lt1"/>
+          </a:fillRef>
+          <a:effectRef idx="0">
+            <a:schemeClr val="accent6"/>
+          </a:effectRef>
+          <a:fontRef idx="minor">
+            <a:schemeClr val="dk1"/>
+          </a:fontRef>
+        </p:style>
+        <p:txBody>
+          <a:bodyPr rtlCol="0" anchor="ctr"/>
+          <a:lstStyle/>
+          <a:p>
+            <a:pPr algn="ctr"/>
+            <a:endParaRPr kumimoji="1" lang="ja-JP" altLang="en-US" dirty="0"/>
+          </a:p>
+        </p:txBody>
+      </p:sp>
+      <p:sp>
+        <p:nvSpPr>
+          <p:cNvPr id="76" name="片側の 2 つの角を切り取った四角形 75"/>
+          <p:cNvSpPr/>
+          <p:nvPr/>
+        </p:nvSpPr>
+        <p:spPr>
+          <a:xfrm rot="10800000">
+            <a:off x="1115616" y="6093296"/>
+            <a:ext cx="1800200" cy="476013"/>
+          </a:xfrm>
+          <a:prstGeom prst="snip2SameRect">
+            <a:avLst/>
+          </a:prstGeom>
+        </p:spPr>
+        <p:style>
+          <a:lnRef idx="2">
+            <a:schemeClr val="accent6"/>
+          </a:lnRef>
+          <a:fillRef idx="1">
+            <a:schemeClr val="lt1"/>
+          </a:fillRef>
+          <a:effectRef idx="0">
+            <a:schemeClr val="accent6"/>
+          </a:effectRef>
+          <a:fontRef idx="minor">
+            <a:schemeClr val="dk1"/>
+          </a:fontRef>
+        </p:style>
+        <p:txBody>
+          <a:bodyPr rtlCol="0" anchor="ctr"/>
+          <a:lstStyle/>
+          <a:p>
+            <a:pPr algn="ctr"/>
+            <a:endParaRPr kumimoji="1" lang="ja-JP" altLang="en-US" dirty="0"/>
+          </a:p>
+        </p:txBody>
+      </p:sp>
+      <p:cxnSp>
+        <p:nvCxnSpPr>
+          <p:cNvPr id="77" name="直線矢印コネクタ 76"/>
+          <p:cNvCxnSpPr/>
+          <p:nvPr/>
+        </p:nvCxnSpPr>
+        <p:spPr>
+          <a:xfrm flipH="1">
+            <a:off x="2047218" y="1982522"/>
+            <a:ext cx="4502" cy="195450"/>
+          </a:xfrm>
+          <a:prstGeom prst="straightConnector1">
+            <a:avLst/>
+          </a:prstGeom>
+          <a:ln>
+            <a:tailEnd type="arrow"/>
+          </a:ln>
+        </p:spPr>
+        <p:style>
+          <a:lnRef idx="1">
+            <a:schemeClr val="accent1"/>
+          </a:lnRef>
+          <a:fillRef idx="0">
+            <a:schemeClr val="accent1"/>
+          </a:fillRef>
+          <a:effectRef idx="0">
+            <a:schemeClr val="accent1"/>
+          </a:effectRef>
+          <a:fontRef idx="minor">
+            <a:schemeClr val="tx1"/>
+          </a:fontRef>
+        </p:style>
+      </p:cxnSp>
+      <p:sp>
+        <p:nvSpPr>
+          <p:cNvPr id="26" name="正方形/長方形 25"/>
+          <p:cNvSpPr/>
+          <p:nvPr/>
+        </p:nvSpPr>
+        <p:spPr>
+          <a:xfrm>
+            <a:off x="1110458" y="6063372"/>
+            <a:ext cx="1800200" cy="469440"/>
+          </a:xfrm>
+          <a:prstGeom prst="rect">
+            <a:avLst/>
+          </a:prstGeom>
+          <a:noFill/>
+          <a:ln>
+            <a:noFill/>
+          </a:ln>
+        </p:spPr>
+        <p:style>
+          <a:lnRef idx="2">
+            <a:schemeClr val="accent1">
+              <a:shade val="50000"/>
+            </a:schemeClr>
+          </a:lnRef>
+          <a:fillRef idx="1">
+            <a:schemeClr val="accent1"/>
+          </a:fillRef>
+          <a:effectRef idx="0">
+            <a:schemeClr val="accent1"/>
+          </a:effectRef>
+          <a:fontRef idx="minor">
+            <a:schemeClr val="lt1"/>
+          </a:fontRef>
+        </p:style>
+        <p:txBody>
+          <a:bodyPr rtlCol="0" anchor="ctr"/>
+          <a:lstStyle/>
+          <a:p>
+            <a:pPr algn="ctr"/>
+            <a:r>
+              <a:rPr lang="en-US" altLang="ja-JP" dirty="0">
+                <a:solidFill>
+                  <a:schemeClr val="tx1"/>
+                </a:solidFill>
+              </a:rPr>
+              <a:t>X</a:t>
+            </a:r>
+            <a:r>
+              <a:rPr lang="ja-JP" altLang="en-US" dirty="0">
+                <a:solidFill>
+                  <a:schemeClr val="tx1"/>
+                </a:solidFill>
+              </a:rPr>
+              <a:t>≦</a:t>
+            </a:r>
+            <a:r>
+              <a:rPr lang="en-US" altLang="ja-JP" dirty="0">
+                <a:solidFill>
+                  <a:schemeClr val="tx1"/>
+                </a:solidFill>
+              </a:rPr>
+              <a:t>n(</a:t>
+            </a:r>
+            <a:r>
+              <a:rPr lang="ja-JP" altLang="en-US" dirty="0">
+                <a:solidFill>
+                  <a:schemeClr val="tx1"/>
+                </a:solidFill>
+              </a:rPr>
+              <a:t>要素数</a:t>
+            </a:r>
+            <a:r>
+              <a:rPr lang="en-US" altLang="ja-JP" dirty="0" smtClean="0">
+                <a:solidFill>
+                  <a:schemeClr val="tx1"/>
+                </a:solidFill>
+              </a:rPr>
+              <a:t>)</a:t>
+            </a:r>
+            <a:endParaRPr lang="ja-JP" altLang="en-US" dirty="0">
+              <a:solidFill>
+                <a:schemeClr val="tx1"/>
+              </a:solidFill>
+            </a:endParaRPr>
+          </a:p>
+        </p:txBody>
+      </p:sp>
+      <p:cxnSp>
+        <p:nvCxnSpPr>
+          <p:cNvPr id="81" name="直線矢印コネクタ 80"/>
+          <p:cNvCxnSpPr/>
+          <p:nvPr/>
+        </p:nvCxnSpPr>
+        <p:spPr>
+          <a:xfrm flipH="1">
+            <a:off x="2181136" y="2066801"/>
+            <a:ext cx="2049347" cy="13446"/>
+          </a:xfrm>
+          <a:prstGeom prst="straightConnector1">
+            <a:avLst/>
+          </a:prstGeom>
+          <a:ln>
+            <a:tailEnd type="arrow"/>
+          </a:ln>
+        </p:spPr>
+        <p:style>
+          <a:lnRef idx="1">
+            <a:schemeClr val="accent1"/>
+          </a:lnRef>
+          <a:fillRef idx="0">
+            <a:schemeClr val="accent1"/>
+          </a:fillRef>
+          <a:effectRef idx="0">
+            <a:schemeClr val="accent1"/>
+          </a:effectRef>
+          <a:fontRef idx="minor">
+            <a:schemeClr val="tx1"/>
+          </a:fontRef>
+        </p:style>
+      </p:cxnSp>
+      <p:cxnSp>
+        <p:nvCxnSpPr>
+          <p:cNvPr id="82" name="直線矢印コネクタ 81"/>
+          <p:cNvCxnSpPr>
+            <a:endCxn id="74" idx="0"/>
+          </p:cNvCxnSpPr>
+          <p:nvPr/>
+        </p:nvCxnSpPr>
+        <p:spPr>
+          <a:xfrm flipH="1">
+            <a:off x="2849982" y="1640999"/>
+            <a:ext cx="281858" cy="203825"/>
+          </a:xfrm>
+          <a:prstGeom prst="straightConnector1">
+            <a:avLst/>
+          </a:prstGeom>
+          <a:ln>
+            <a:tailEnd type="arrow"/>
+          </a:ln>
+        </p:spPr>
+        <p:style>
+          <a:lnRef idx="1">
+            <a:schemeClr val="accent1"/>
+          </a:lnRef>
+          <a:fillRef idx="0">
+            <a:schemeClr val="accent1"/>
+          </a:fillRef>
+          <a:effectRef idx="0">
+            <a:schemeClr val="accent1"/>
+          </a:effectRef>
+          <a:fontRef idx="minor">
+            <a:schemeClr val="tx1"/>
+          </a:fontRef>
+        </p:style>
+      </p:cxnSp>
+      <p:sp>
+        <p:nvSpPr>
+          <p:cNvPr id="83" name="正方形/長方形 82"/>
+          <p:cNvSpPr/>
+          <p:nvPr/>
+        </p:nvSpPr>
+        <p:spPr>
+          <a:xfrm>
+            <a:off x="3131840" y="1082660"/>
+            <a:ext cx="2616986" cy="558339"/>
+          </a:xfrm>
+          <a:prstGeom prst="rect">
+            <a:avLst/>
+          </a:prstGeom>
+        </p:spPr>
+        <p:style>
+          <a:lnRef idx="2">
+            <a:schemeClr val="accent6"/>
+          </a:lnRef>
+          <a:fillRef idx="1">
+            <a:schemeClr val="lt1"/>
+          </a:fillRef>
+          <a:effectRef idx="0">
+            <a:schemeClr val="accent6"/>
+          </a:effectRef>
+          <a:fontRef idx="minor">
+            <a:schemeClr val="dk1"/>
+          </a:fontRef>
+        </p:style>
+        <p:txBody>
+          <a:bodyPr rtlCol="0" anchor="ctr"/>
+          <a:lstStyle/>
+          <a:p>
+            <a:pPr algn="ctr"/>
+            <a:r>
+              <a:rPr lang="en-US" altLang="ja-JP" dirty="0" smtClean="0"/>
+              <a:t>X=1</a:t>
+            </a:r>
+            <a:endParaRPr lang="en-US" altLang="ja-JP" dirty="0"/>
+          </a:p>
+        </p:txBody>
+      </p:sp>
+    </p:spTree>
+    <p:extLst>
+      <p:ext uri="{BB962C8B-B14F-4D97-AF65-F5344CB8AC3E}">
+        <p14:creationId xmlns:p14="http://schemas.microsoft.com/office/powerpoint/2010/main" val="2611739153"/>
+      </p:ext>
+    </p:extLst>
+  </p:cSld>
+  <p:clrMapOvr>
+    <a:masterClrMapping/>
+  </p:clrMapOvr>
+</p:sld>
+</file>
+
+<file path=ppt/slides/slide13.xml><?xml version="1.0" encoding="utf-8"?>
+<p:sld xmlns:a="http://schemas.openxmlformats.org/drawingml/2006/main" xmlns:r="http://schemas.openxmlformats.org/officeDocument/2006/relationships" xmlns:p="http://schemas.openxmlformats.org/presentationml/2006/main">
+  <p:cSld>
+    <p:spTree>
+      <p:nvGrpSpPr>
+        <p:cNvPr id="1" name=""/>
+        <p:cNvGrpSpPr/>
+        <p:nvPr/>
+      </p:nvGrpSpPr>
+      <p:grpSpPr>
+        <a:xfrm>
+          <a:off x="0" y="0"/>
+          <a:ext cx="0" cy="0"/>
+          <a:chOff x="0" y="0"/>
+          <a:chExt cx="0" cy="0"/>
+        </a:xfrm>
+      </p:grpSpPr>
+      <p:sp>
+        <p:nvSpPr>
+          <p:cNvPr id="2" name="タイトル 1"/>
+          <p:cNvSpPr>
+            <a:spLocks noGrp="1"/>
+          </p:cNvSpPr>
+          <p:nvPr>
+            <p:ph type="title"/>
+          </p:nvPr>
+        </p:nvSpPr>
+        <p:spPr>
+          <a:xfrm>
+            <a:off x="457200" y="202630"/>
+            <a:ext cx="8229600" cy="706090"/>
+          </a:xfrm>
+        </p:spPr>
+        <p:txBody>
+          <a:bodyPr>
+            <a:normAutofit/>
+          </a:bodyPr>
+          <a:lstStyle/>
+          <a:p>
+            <a:r>
+              <a:rPr lang="ja-JP" altLang="en-US" sz="2000" dirty="0"/>
+              <a:t>フローチャートを用いて、リニアサーチの処理を書きなさい</a:t>
+            </a:r>
+            <a:endParaRPr kumimoji="1" lang="ja-JP" altLang="en-US" sz="2000" dirty="0">
+              <a:latin typeface="メイリオ" pitchFamily="50" charset="-128"/>
+              <a:ea typeface="メイリオ" pitchFamily="50" charset="-128"/>
+            </a:endParaRPr>
+          </a:p>
+        </p:txBody>
+      </p:sp>
+      <p:sp>
+        <p:nvSpPr>
+          <p:cNvPr id="4" name="円/楕円 3"/>
+          <p:cNvSpPr/>
+          <p:nvPr/>
+        </p:nvSpPr>
+        <p:spPr>
+          <a:xfrm>
+            <a:off x="1331640" y="908720"/>
+            <a:ext cx="1236485" cy="474151"/>
+          </a:xfrm>
+          <a:prstGeom prst="ellipse">
+            <a:avLst/>
+          </a:prstGeom>
+        </p:spPr>
+        <p:style>
+          <a:lnRef idx="2">
+            <a:schemeClr val="accent6"/>
+          </a:lnRef>
+          <a:fillRef idx="1">
+            <a:schemeClr val="lt1"/>
+          </a:fillRef>
+          <a:effectRef idx="0">
+            <a:schemeClr val="accent6"/>
+          </a:effectRef>
+          <a:fontRef idx="minor">
+            <a:schemeClr val="dk1"/>
+          </a:fontRef>
+        </p:style>
+        <p:txBody>
+          <a:bodyPr rtlCol="0" anchor="ctr"/>
+          <a:lstStyle/>
+          <a:p>
+            <a:pPr algn="ctr"/>
+            <a:r>
+              <a:rPr kumimoji="1" lang="en-US" altLang="ja-JP" sz="2800" dirty="0" smtClean="0"/>
+              <a:t>start</a:t>
+            </a:r>
+            <a:endParaRPr kumimoji="1" lang="ja-JP" altLang="en-US" sz="2800" dirty="0"/>
+          </a:p>
+        </p:txBody>
+      </p:sp>
+      <p:sp>
+        <p:nvSpPr>
+          <p:cNvPr id="5" name="円/楕円 4"/>
+          <p:cNvSpPr/>
+          <p:nvPr/>
+        </p:nvSpPr>
+        <p:spPr>
+          <a:xfrm>
+            <a:off x="6110740" y="5119310"/>
+            <a:ext cx="1431159" cy="545203"/>
+          </a:xfrm>
+          <a:prstGeom prst="ellipse">
+            <a:avLst/>
+          </a:prstGeom>
+        </p:spPr>
+        <p:style>
+          <a:lnRef idx="2">
+            <a:schemeClr val="accent6"/>
+          </a:lnRef>
+          <a:fillRef idx="1">
+            <a:schemeClr val="lt1"/>
+          </a:fillRef>
+          <a:effectRef idx="0">
+            <a:schemeClr val="accent6"/>
+          </a:effectRef>
+          <a:fontRef idx="minor">
+            <a:schemeClr val="dk1"/>
+          </a:fontRef>
+        </p:style>
+        <p:txBody>
+          <a:bodyPr rtlCol="0" anchor="ctr"/>
+          <a:lstStyle/>
+          <a:p>
+            <a:pPr algn="ctr"/>
+            <a:r>
+              <a:rPr lang="en-US" altLang="ja-JP" sz="2800" dirty="0" smtClean="0"/>
+              <a:t>end</a:t>
+            </a:r>
+            <a:endParaRPr kumimoji="1" lang="en-US" altLang="ja-JP" sz="2800" dirty="0" smtClean="0"/>
+          </a:p>
+        </p:txBody>
+      </p:sp>
+      <p:cxnSp>
+        <p:nvCxnSpPr>
+          <p:cNvPr id="7" name="直線矢印コネクタ 6"/>
+          <p:cNvCxnSpPr>
+            <a:endCxn id="83" idx="1"/>
+          </p:cNvCxnSpPr>
+          <p:nvPr/>
+        </p:nvCxnSpPr>
+        <p:spPr>
+          <a:xfrm>
+            <a:off x="2572627" y="1155042"/>
+            <a:ext cx="559213" cy="206788"/>
+          </a:xfrm>
+          <a:prstGeom prst="straightConnector1">
+            <a:avLst/>
+          </a:prstGeom>
+          <a:ln>
+            <a:tailEnd type="arrow"/>
+          </a:ln>
+        </p:spPr>
+        <p:style>
+          <a:lnRef idx="1">
+            <a:schemeClr val="accent1"/>
+          </a:lnRef>
+          <a:fillRef idx="0">
+            <a:schemeClr val="accent1"/>
+          </a:fillRef>
+          <a:effectRef idx="0">
+            <a:schemeClr val="accent1"/>
+          </a:effectRef>
+          <a:fontRef idx="minor">
+            <a:schemeClr val="tx1"/>
+          </a:fontRef>
+        </p:style>
+      </p:cxnSp>
+      <p:sp>
+        <p:nvSpPr>
+          <p:cNvPr id="23" name="フローチャート : 判断 22"/>
+          <p:cNvSpPr/>
+          <p:nvPr/>
+        </p:nvSpPr>
+        <p:spPr>
+          <a:xfrm>
+            <a:off x="116475" y="3394558"/>
+            <a:ext cx="3735445" cy="826530"/>
+          </a:xfrm>
+          <a:prstGeom prst="flowChartDecision">
+            <a:avLst/>
+          </a:prstGeom>
+        </p:spPr>
+        <p:style>
+          <a:lnRef idx="2">
+            <a:schemeClr val="accent6"/>
+          </a:lnRef>
+          <a:fillRef idx="1">
+            <a:schemeClr val="lt1"/>
+          </a:fillRef>
+          <a:effectRef idx="0">
+            <a:schemeClr val="accent6"/>
+          </a:effectRef>
+          <a:fontRef idx="minor">
+            <a:schemeClr val="dk1"/>
+          </a:fontRef>
+        </p:style>
+        <p:txBody>
+          <a:bodyPr rtlCol="0" anchor="ctr"/>
+          <a:lstStyle/>
+          <a:p>
+            <a:pPr algn="ctr"/>
+            <a:r>
+              <a:rPr kumimoji="1" lang="en-US" altLang="ja-JP" dirty="0" smtClean="0"/>
+              <a:t>Y</a:t>
+            </a:r>
+            <a:r>
+              <a:rPr kumimoji="1" lang="ja-JP" altLang="en-US" dirty="0" smtClean="0"/>
+              <a:t>と</a:t>
+            </a:r>
+            <a:r>
+              <a:rPr kumimoji="1" lang="en-US" altLang="ja-JP" dirty="0" smtClean="0"/>
+              <a:t>X</a:t>
+            </a:r>
+            <a:r>
+              <a:rPr kumimoji="1" lang="ja-JP" altLang="en-US" dirty="0" smtClean="0"/>
+              <a:t>番目の数値は一致するか</a:t>
+            </a:r>
+            <a:endParaRPr kumimoji="1" lang="ja-JP" altLang="en-US" dirty="0"/>
+          </a:p>
+        </p:txBody>
+      </p:sp>
+      <p:sp>
+        <p:nvSpPr>
+          <p:cNvPr id="24" name="正方形/長方形 23"/>
+          <p:cNvSpPr/>
+          <p:nvPr/>
+        </p:nvSpPr>
+        <p:spPr>
+          <a:xfrm>
+            <a:off x="3131840" y="3277904"/>
+            <a:ext cx="1104817" cy="511136"/>
+          </a:xfrm>
+          <a:prstGeom prst="rect">
+            <a:avLst/>
+          </a:prstGeom>
+          <a:noFill/>
+          <a:ln>
+            <a:noFill/>
+          </a:ln>
+        </p:spPr>
+        <p:style>
+          <a:lnRef idx="2">
+            <a:schemeClr val="accent1">
+              <a:shade val="50000"/>
+            </a:schemeClr>
+          </a:lnRef>
+          <a:fillRef idx="1">
+            <a:schemeClr val="accent1"/>
+          </a:fillRef>
+          <a:effectRef idx="0">
+            <a:schemeClr val="accent1"/>
+          </a:effectRef>
+          <a:fontRef idx="minor">
+            <a:schemeClr val="lt1"/>
+          </a:fontRef>
+        </p:style>
+        <p:txBody>
+          <a:bodyPr rtlCol="0" anchor="ctr"/>
+          <a:lstStyle/>
+          <a:p>
+            <a:pPr algn="ctr"/>
+            <a:r>
+              <a:rPr lang="en-US" altLang="ja-JP" dirty="0" smtClean="0">
+                <a:solidFill>
+                  <a:schemeClr val="tx1"/>
+                </a:solidFill>
+              </a:rPr>
+              <a:t>yes</a:t>
+            </a:r>
+            <a:endParaRPr kumimoji="1" lang="ja-JP" altLang="en-US" dirty="0">
+              <a:solidFill>
+                <a:schemeClr val="tx1"/>
+              </a:solidFill>
+            </a:endParaRPr>
+          </a:p>
+        </p:txBody>
+      </p:sp>
+      <p:sp>
+        <p:nvSpPr>
+          <p:cNvPr id="29" name="正方形/長方形 28"/>
+          <p:cNvSpPr/>
+          <p:nvPr/>
+        </p:nvSpPr>
+        <p:spPr>
+          <a:xfrm>
+            <a:off x="1979712" y="4142000"/>
+            <a:ext cx="1104817" cy="511136"/>
+          </a:xfrm>
+          <a:prstGeom prst="rect">
+            <a:avLst/>
+          </a:prstGeom>
+          <a:noFill/>
+          <a:ln>
+            <a:noFill/>
+          </a:ln>
+        </p:spPr>
+        <p:style>
+          <a:lnRef idx="2">
+            <a:schemeClr val="accent1">
+              <a:shade val="50000"/>
+            </a:schemeClr>
+          </a:lnRef>
+          <a:fillRef idx="1">
+            <a:schemeClr val="accent1"/>
+          </a:fillRef>
+          <a:effectRef idx="0">
+            <a:schemeClr val="accent1"/>
+          </a:effectRef>
+          <a:fontRef idx="minor">
+            <a:schemeClr val="lt1"/>
+          </a:fontRef>
+        </p:style>
+        <p:txBody>
+          <a:bodyPr rtlCol="0" anchor="ctr"/>
+          <a:lstStyle/>
+          <a:p>
+            <a:pPr algn="ctr"/>
+            <a:r>
+              <a:rPr kumimoji="1" lang="en-US" altLang="ja-JP" dirty="0" smtClean="0">
+                <a:solidFill>
+                  <a:schemeClr val="tx1"/>
+                </a:solidFill>
+              </a:rPr>
+              <a:t>no</a:t>
+            </a:r>
+            <a:endParaRPr kumimoji="1" lang="ja-JP" altLang="en-US" dirty="0">
+              <a:solidFill>
+                <a:schemeClr val="tx1"/>
+              </a:solidFill>
+            </a:endParaRPr>
+          </a:p>
+        </p:txBody>
+      </p:sp>
+      <p:cxnSp>
+        <p:nvCxnSpPr>
+          <p:cNvPr id="46" name="直線矢印コネクタ 45"/>
+          <p:cNvCxnSpPr/>
+          <p:nvPr/>
+        </p:nvCxnSpPr>
+        <p:spPr>
+          <a:xfrm flipV="1">
+            <a:off x="2910658" y="5391912"/>
+            <a:ext cx="3139741" cy="3286"/>
+          </a:xfrm>
+          <a:prstGeom prst="straightConnector1">
+            <a:avLst/>
+          </a:prstGeom>
+          <a:ln>
+            <a:tailEnd type="arrow"/>
+          </a:ln>
+        </p:spPr>
+        <p:style>
+          <a:lnRef idx="1">
+            <a:schemeClr val="accent1"/>
+          </a:lnRef>
+          <a:fillRef idx="0">
+            <a:schemeClr val="accent1"/>
+          </a:fillRef>
+          <a:effectRef idx="0">
+            <a:schemeClr val="accent1"/>
+          </a:effectRef>
+          <a:fontRef idx="minor">
+            <a:schemeClr val="tx1"/>
+          </a:fontRef>
+        </p:style>
+      </p:cxnSp>
+      <p:cxnSp>
+        <p:nvCxnSpPr>
+          <p:cNvPr id="34" name="直線矢印コネクタ 33"/>
+          <p:cNvCxnSpPr/>
+          <p:nvPr/>
+        </p:nvCxnSpPr>
+        <p:spPr>
+          <a:xfrm>
+            <a:off x="1984214" y="2801502"/>
+            <a:ext cx="10097" cy="494069"/>
+          </a:xfrm>
+          <a:prstGeom prst="straightConnector1">
+            <a:avLst/>
+          </a:prstGeom>
+          <a:ln>
+            <a:tailEnd type="arrow"/>
+          </a:ln>
+        </p:spPr>
+        <p:style>
+          <a:lnRef idx="1">
+            <a:schemeClr val="accent1"/>
+          </a:lnRef>
+          <a:fillRef idx="0">
+            <a:schemeClr val="accent1"/>
+          </a:fillRef>
+          <a:effectRef idx="0">
+            <a:schemeClr val="accent1"/>
+          </a:effectRef>
+          <a:fontRef idx="minor">
+            <a:schemeClr val="tx1"/>
+          </a:fontRef>
+        </p:style>
+      </p:cxnSp>
+      <p:sp>
+        <p:nvSpPr>
+          <p:cNvPr id="36" name="正方形/長方形 35"/>
+          <p:cNvSpPr/>
+          <p:nvPr/>
+        </p:nvSpPr>
+        <p:spPr>
+          <a:xfrm>
+            <a:off x="395536" y="2204864"/>
+            <a:ext cx="3347380" cy="655291"/>
+          </a:xfrm>
+          <a:prstGeom prst="rect">
+            <a:avLst/>
+          </a:prstGeom>
+        </p:spPr>
+        <p:style>
+          <a:lnRef idx="2">
+            <a:schemeClr val="accent6"/>
+          </a:lnRef>
+          <a:fillRef idx="1">
+            <a:schemeClr val="lt1"/>
+          </a:fillRef>
+          <a:effectRef idx="0">
+            <a:schemeClr val="accent6"/>
+          </a:effectRef>
+          <a:fontRef idx="minor">
+            <a:schemeClr val="dk1"/>
+          </a:fontRef>
+        </p:style>
+        <p:txBody>
+          <a:bodyPr rtlCol="0" anchor="ctr"/>
+          <a:lstStyle/>
+          <a:p>
+            <a:pPr algn="ctr"/>
+            <a:r>
+              <a:rPr lang="en-US" altLang="ja-JP" dirty="0" smtClean="0"/>
+              <a:t>n</a:t>
+            </a:r>
+            <a:r>
+              <a:rPr lang="ja-JP" altLang="en-US" dirty="0" smtClean="0"/>
+              <a:t>個の要素の中の</a:t>
+            </a:r>
+            <a:r>
+              <a:rPr lang="en-US" altLang="ja-JP" dirty="0"/>
+              <a:t>X</a:t>
+            </a:r>
+            <a:r>
+              <a:rPr lang="ja-JP" altLang="en-US" dirty="0" smtClean="0"/>
+              <a:t>番目</a:t>
+            </a:r>
+            <a:r>
+              <a:rPr lang="ja-JP" altLang="en-US" dirty="0" smtClean="0"/>
+              <a:t>の数値を取り出す</a:t>
+            </a:r>
+            <a:endParaRPr lang="en-US" altLang="ja-JP" dirty="0" smtClean="0"/>
+          </a:p>
+        </p:txBody>
+      </p:sp>
+      <p:cxnSp>
+        <p:nvCxnSpPr>
+          <p:cNvPr id="45" name="直線矢印コネクタ 44"/>
+          <p:cNvCxnSpPr/>
+          <p:nvPr/>
+        </p:nvCxnSpPr>
+        <p:spPr>
+          <a:xfrm flipV="1">
+            <a:off x="3827380" y="3574741"/>
+            <a:ext cx="1064675" cy="215974"/>
+          </a:xfrm>
+          <a:prstGeom prst="straightConnector1">
+            <a:avLst/>
+          </a:prstGeom>
+          <a:ln>
+            <a:tailEnd type="arrow"/>
+          </a:ln>
+        </p:spPr>
+        <p:style>
+          <a:lnRef idx="1">
+            <a:schemeClr val="accent1"/>
+          </a:lnRef>
+          <a:fillRef idx="0">
+            <a:schemeClr val="accent1"/>
+          </a:fillRef>
+          <a:effectRef idx="0">
+            <a:schemeClr val="accent1"/>
+          </a:effectRef>
+          <a:fontRef idx="minor">
+            <a:schemeClr val="tx1"/>
+          </a:fontRef>
+        </p:style>
+      </p:cxnSp>
+      <p:cxnSp>
+        <p:nvCxnSpPr>
+          <p:cNvPr id="50" name="直線コネクタ 49"/>
+          <p:cNvCxnSpPr/>
+          <p:nvPr/>
+        </p:nvCxnSpPr>
+        <p:spPr>
+          <a:xfrm>
+            <a:off x="5699430" y="2080247"/>
+            <a:ext cx="0" cy="954271"/>
+          </a:xfrm>
+          <a:prstGeom prst="line">
+            <a:avLst/>
+          </a:prstGeom>
+        </p:spPr>
+        <p:style>
+          <a:lnRef idx="1">
+            <a:schemeClr val="accent1"/>
+          </a:lnRef>
+          <a:fillRef idx="0">
+            <a:schemeClr val="accent1"/>
+          </a:fillRef>
+          <a:effectRef idx="0">
+            <a:schemeClr val="accent1"/>
+          </a:effectRef>
+          <a:fontRef idx="minor">
+            <a:schemeClr val="tx1"/>
+          </a:fontRef>
+        </p:style>
+      </p:cxnSp>
+      <p:cxnSp>
+        <p:nvCxnSpPr>
+          <p:cNvPr id="51" name="直線矢印コネクタ 50"/>
+          <p:cNvCxnSpPr/>
+          <p:nvPr/>
+        </p:nvCxnSpPr>
+        <p:spPr>
+          <a:xfrm>
+            <a:off x="1979712" y="4365104"/>
+            <a:ext cx="14599" cy="754624"/>
+          </a:xfrm>
+          <a:prstGeom prst="straightConnector1">
+            <a:avLst/>
+          </a:prstGeom>
+          <a:ln>
+            <a:tailEnd type="arrow"/>
+          </a:ln>
+        </p:spPr>
+        <p:style>
+          <a:lnRef idx="1">
+            <a:schemeClr val="accent1"/>
+          </a:lnRef>
+          <a:fillRef idx="0">
+            <a:schemeClr val="accent1"/>
+          </a:fillRef>
+          <a:effectRef idx="0">
+            <a:schemeClr val="accent1"/>
+          </a:effectRef>
+          <a:fontRef idx="minor">
+            <a:schemeClr val="tx1"/>
+          </a:fontRef>
+        </p:style>
+      </p:cxnSp>
+      <p:sp>
+        <p:nvSpPr>
+          <p:cNvPr id="52" name="正方形/長方形 51"/>
+          <p:cNvSpPr/>
+          <p:nvPr/>
+        </p:nvSpPr>
+        <p:spPr>
+          <a:xfrm>
+            <a:off x="4892055" y="3016402"/>
+            <a:ext cx="1614750" cy="558339"/>
+          </a:xfrm>
+          <a:prstGeom prst="rect">
+            <a:avLst/>
+          </a:prstGeom>
+        </p:spPr>
+        <p:style>
+          <a:lnRef idx="2">
+            <a:schemeClr val="accent6"/>
+          </a:lnRef>
+          <a:fillRef idx="1">
+            <a:schemeClr val="lt1"/>
+          </a:fillRef>
+          <a:effectRef idx="0">
+            <a:schemeClr val="accent6"/>
+          </a:effectRef>
+          <a:fontRef idx="minor">
+            <a:schemeClr val="dk1"/>
+          </a:fontRef>
+        </p:style>
+        <p:txBody>
+          <a:bodyPr rtlCol="0" anchor="ctr"/>
+          <a:lstStyle/>
+          <a:p>
+            <a:pPr algn="ctr"/>
+            <a:r>
+              <a:rPr lang="en-US" altLang="ja-JP" dirty="0" smtClean="0"/>
+              <a:t>X</a:t>
+            </a:r>
+            <a:r>
+              <a:rPr lang="ja-JP" altLang="en-US" dirty="0" smtClean="0"/>
+              <a:t>に</a:t>
+            </a:r>
+            <a:r>
+              <a:rPr lang="en-US" altLang="ja-JP" dirty="0" smtClean="0"/>
+              <a:t>1</a:t>
+            </a:r>
+            <a:r>
+              <a:rPr lang="ja-JP" altLang="en-US" dirty="0" smtClean="0"/>
+              <a:t>を足す</a:t>
+            </a:r>
+            <a:endParaRPr lang="en-US" altLang="ja-JP" dirty="0"/>
+          </a:p>
+        </p:txBody>
+      </p:sp>
+      <p:sp>
+        <p:nvSpPr>
+          <p:cNvPr id="74" name="片側の 2 つの角を切り取った四角形 73"/>
+          <p:cNvSpPr/>
+          <p:nvPr/>
+        </p:nvSpPr>
+        <p:spPr>
+          <a:xfrm>
+            <a:off x="1049782" y="1700808"/>
+            <a:ext cx="1800200" cy="288032"/>
+          </a:xfrm>
+          <a:prstGeom prst="snip2SameRect">
+            <a:avLst/>
+          </a:prstGeom>
+        </p:spPr>
+        <p:style>
+          <a:lnRef idx="2">
+            <a:schemeClr val="accent6"/>
+          </a:lnRef>
+          <a:fillRef idx="1">
+            <a:schemeClr val="lt1"/>
+          </a:fillRef>
+          <a:effectRef idx="0">
+            <a:schemeClr val="accent6"/>
+          </a:effectRef>
+          <a:fontRef idx="minor">
+            <a:schemeClr val="dk1"/>
+          </a:fontRef>
+        </p:style>
+        <p:txBody>
+          <a:bodyPr rtlCol="0" anchor="ctr"/>
+          <a:lstStyle/>
+          <a:p>
+            <a:pPr algn="ctr"/>
+            <a:endParaRPr kumimoji="1" lang="ja-JP" altLang="en-US" dirty="0"/>
+          </a:p>
+        </p:txBody>
+      </p:sp>
+      <p:sp>
+        <p:nvSpPr>
+          <p:cNvPr id="76" name="片側の 2 つの角を切り取った四角形 75"/>
+          <p:cNvSpPr/>
+          <p:nvPr/>
+        </p:nvSpPr>
+        <p:spPr>
+          <a:xfrm rot="10800000">
+            <a:off x="1115616" y="5157192"/>
+            <a:ext cx="1800200" cy="476013"/>
+          </a:xfrm>
+          <a:prstGeom prst="snip2SameRect">
+            <a:avLst/>
+          </a:prstGeom>
+        </p:spPr>
+        <p:style>
+          <a:lnRef idx="2">
+            <a:schemeClr val="accent6"/>
+          </a:lnRef>
+          <a:fillRef idx="1">
+            <a:schemeClr val="lt1"/>
+          </a:fillRef>
+          <a:effectRef idx="0">
+            <a:schemeClr val="accent6"/>
+          </a:effectRef>
+          <a:fontRef idx="minor">
+            <a:schemeClr val="dk1"/>
+          </a:fontRef>
+        </p:style>
+        <p:txBody>
+          <a:bodyPr rtlCol="0" anchor="ctr"/>
+          <a:lstStyle/>
+          <a:p>
+            <a:pPr algn="ctr"/>
+            <a:endParaRPr kumimoji="1" lang="ja-JP" altLang="en-US" dirty="0"/>
+          </a:p>
+        </p:txBody>
+      </p:sp>
+      <p:cxnSp>
+        <p:nvCxnSpPr>
+          <p:cNvPr id="77" name="直線矢印コネクタ 76"/>
+          <p:cNvCxnSpPr/>
+          <p:nvPr/>
+        </p:nvCxnSpPr>
+        <p:spPr>
+          <a:xfrm flipH="1">
+            <a:off x="2047218" y="1982522"/>
+            <a:ext cx="4502" cy="195450"/>
+          </a:xfrm>
+          <a:prstGeom prst="straightConnector1">
+            <a:avLst/>
+          </a:prstGeom>
+          <a:ln>
+            <a:tailEnd type="arrow"/>
+          </a:ln>
+        </p:spPr>
+        <p:style>
+          <a:lnRef idx="1">
+            <a:schemeClr val="accent1"/>
+          </a:lnRef>
+          <a:fillRef idx="0">
+            <a:schemeClr val="accent1"/>
+          </a:fillRef>
+          <a:effectRef idx="0">
+            <a:schemeClr val="accent1"/>
+          </a:effectRef>
+          <a:fontRef idx="minor">
+            <a:schemeClr val="tx1"/>
+          </a:fontRef>
+        </p:style>
+      </p:cxnSp>
+      <p:sp>
+        <p:nvSpPr>
+          <p:cNvPr id="26" name="正方形/長方形 25"/>
+          <p:cNvSpPr/>
+          <p:nvPr/>
+        </p:nvSpPr>
+        <p:spPr>
+          <a:xfrm>
+            <a:off x="1110458" y="5157192"/>
+            <a:ext cx="1800200" cy="469440"/>
+          </a:xfrm>
+          <a:prstGeom prst="rect">
+            <a:avLst/>
+          </a:prstGeom>
+          <a:noFill/>
+          <a:ln>
+            <a:noFill/>
+          </a:ln>
+        </p:spPr>
+        <p:style>
+          <a:lnRef idx="2">
+            <a:schemeClr val="accent1">
+              <a:shade val="50000"/>
+            </a:schemeClr>
+          </a:lnRef>
+          <a:fillRef idx="1">
+            <a:schemeClr val="accent1"/>
+          </a:fillRef>
+          <a:effectRef idx="0">
+            <a:schemeClr val="accent1"/>
+          </a:effectRef>
+          <a:fontRef idx="minor">
+            <a:schemeClr val="lt1"/>
+          </a:fontRef>
+        </p:style>
+        <p:txBody>
+          <a:bodyPr rtlCol="0" anchor="ctr"/>
+          <a:lstStyle/>
+          <a:p>
+            <a:pPr algn="ctr"/>
+            <a:r>
+              <a:rPr lang="en-US" altLang="ja-JP" dirty="0">
+                <a:solidFill>
+                  <a:schemeClr val="tx1"/>
+                </a:solidFill>
+              </a:rPr>
+              <a:t>X</a:t>
+            </a:r>
+            <a:r>
+              <a:rPr lang="ja-JP" altLang="en-US" dirty="0">
+                <a:solidFill>
+                  <a:schemeClr val="tx1"/>
+                </a:solidFill>
+              </a:rPr>
+              <a:t>≦</a:t>
+            </a:r>
+            <a:r>
+              <a:rPr lang="en-US" altLang="ja-JP" dirty="0">
+                <a:solidFill>
+                  <a:schemeClr val="tx1"/>
+                </a:solidFill>
+              </a:rPr>
+              <a:t>n(</a:t>
+            </a:r>
+            <a:r>
+              <a:rPr lang="ja-JP" altLang="en-US" dirty="0">
+                <a:solidFill>
+                  <a:schemeClr val="tx1"/>
+                </a:solidFill>
+              </a:rPr>
+              <a:t>要素数</a:t>
+            </a:r>
+            <a:r>
+              <a:rPr lang="en-US" altLang="ja-JP" dirty="0" smtClean="0">
+                <a:solidFill>
+                  <a:schemeClr val="tx1"/>
+                </a:solidFill>
+              </a:rPr>
+              <a:t>)</a:t>
+            </a:r>
+            <a:endParaRPr lang="ja-JP" altLang="en-US" dirty="0">
+              <a:solidFill>
+                <a:schemeClr val="tx1"/>
+              </a:solidFill>
+            </a:endParaRPr>
+          </a:p>
+        </p:txBody>
+      </p:sp>
+      <p:cxnSp>
+        <p:nvCxnSpPr>
+          <p:cNvPr id="81" name="直線矢印コネクタ 80"/>
+          <p:cNvCxnSpPr/>
+          <p:nvPr/>
+        </p:nvCxnSpPr>
+        <p:spPr>
+          <a:xfrm flipH="1">
+            <a:off x="2181137" y="2080247"/>
+            <a:ext cx="3518293" cy="0"/>
+          </a:xfrm>
+          <a:prstGeom prst="straightConnector1">
+            <a:avLst/>
+          </a:prstGeom>
+          <a:ln>
+            <a:tailEnd type="arrow"/>
+          </a:ln>
+        </p:spPr>
+        <p:style>
+          <a:lnRef idx="1">
+            <a:schemeClr val="accent1"/>
+          </a:lnRef>
+          <a:fillRef idx="0">
+            <a:schemeClr val="accent1"/>
+          </a:fillRef>
+          <a:effectRef idx="0">
+            <a:schemeClr val="accent1"/>
+          </a:effectRef>
+          <a:fontRef idx="minor">
+            <a:schemeClr val="tx1"/>
+          </a:fontRef>
+        </p:style>
+      </p:cxnSp>
+      <p:cxnSp>
+        <p:nvCxnSpPr>
+          <p:cNvPr id="82" name="直線矢印コネクタ 81"/>
+          <p:cNvCxnSpPr>
+            <a:endCxn id="74" idx="0"/>
+          </p:cNvCxnSpPr>
+          <p:nvPr/>
+        </p:nvCxnSpPr>
+        <p:spPr>
+          <a:xfrm flipH="1">
+            <a:off x="2849982" y="1640999"/>
+            <a:ext cx="281858" cy="203825"/>
+          </a:xfrm>
+          <a:prstGeom prst="straightConnector1">
+            <a:avLst/>
+          </a:prstGeom>
+          <a:ln>
+            <a:tailEnd type="arrow"/>
+          </a:ln>
+        </p:spPr>
+        <p:style>
+          <a:lnRef idx="1">
+            <a:schemeClr val="accent1"/>
+          </a:lnRef>
+          <a:fillRef idx="0">
+            <a:schemeClr val="accent1"/>
+          </a:fillRef>
+          <a:effectRef idx="0">
+            <a:schemeClr val="accent1"/>
+          </a:effectRef>
+          <a:fontRef idx="minor">
+            <a:schemeClr val="tx1"/>
+          </a:fontRef>
+        </p:style>
+      </p:cxnSp>
+      <p:sp>
+        <p:nvSpPr>
+          <p:cNvPr id="83" name="正方形/長方形 82"/>
+          <p:cNvSpPr/>
+          <p:nvPr/>
+        </p:nvSpPr>
+        <p:spPr>
+          <a:xfrm>
+            <a:off x="3131840" y="1082660"/>
+            <a:ext cx="2616986" cy="558339"/>
+          </a:xfrm>
+          <a:prstGeom prst="rect">
+            <a:avLst/>
+          </a:prstGeom>
+        </p:spPr>
+        <p:style>
+          <a:lnRef idx="2">
+            <a:schemeClr val="accent6"/>
+          </a:lnRef>
+          <a:fillRef idx="1">
+            <a:schemeClr val="lt1"/>
+          </a:fillRef>
+          <a:effectRef idx="0">
+            <a:schemeClr val="accent6"/>
+          </a:effectRef>
+          <a:fontRef idx="minor">
+            <a:schemeClr val="dk1"/>
+          </a:fontRef>
+        </p:style>
+        <p:txBody>
+          <a:bodyPr rtlCol="0" anchor="ctr"/>
+          <a:lstStyle/>
+          <a:p>
+            <a:pPr algn="ctr"/>
+            <a:r>
+              <a:rPr lang="ja-JP" altLang="en-US" dirty="0"/>
+              <a:t>ランダム</a:t>
+            </a:r>
+            <a:r>
+              <a:rPr lang="ja-JP" altLang="en-US" dirty="0" smtClean="0"/>
+              <a:t>な値を</a:t>
+            </a:r>
+            <a:r>
+              <a:rPr lang="en-US" altLang="ja-JP" dirty="0" smtClean="0"/>
+              <a:t>Y</a:t>
+            </a:r>
+            <a:r>
+              <a:rPr lang="ja-JP" altLang="en-US" dirty="0" smtClean="0"/>
+              <a:t>と</a:t>
+            </a:r>
+            <a:r>
+              <a:rPr lang="ja-JP" altLang="en-US" dirty="0"/>
+              <a:t>する</a:t>
+            </a:r>
+            <a:endParaRPr lang="en-US" altLang="ja-JP" dirty="0"/>
+          </a:p>
+        </p:txBody>
+      </p:sp>
+    </p:spTree>
+    <p:extLst>
+      <p:ext uri="{BB962C8B-B14F-4D97-AF65-F5344CB8AC3E}">
+        <p14:creationId xmlns:p14="http://schemas.microsoft.com/office/powerpoint/2010/main" val="2500761974"/>
+      </p:ext>
+    </p:extLst>
+  </p:cSld>
+  <p:clrMapOvr>
+    <a:masterClrMapping/>
+  </p:clrMapOvr>
+</p:sld>
+</file>
+
 <file path=ppt/slides/slide2.xml><?xml version="1.0" encoding="utf-8"?>
 <p:sld xmlns:a="http://schemas.openxmlformats.org/drawingml/2006/main" xmlns:r="http://schemas.openxmlformats.org/officeDocument/2006/relationships" xmlns:p="http://schemas.openxmlformats.org/presentationml/2006/main">
   <p:cSld>
@@ -7700,11 +9739,7 @@
           <a:p>
             <a:r>
               <a:rPr lang="ja-JP" altLang="en-US" sz="2000" dirty="0" smtClean="0"/>
-              <a:t>条件分</a:t>
-            </a:r>
-            <a:r>
-              <a:rPr lang="ja-JP" altLang="en-US" sz="2000" dirty="0" smtClean="0"/>
-              <a:t>岐</a:t>
+              <a:t>条件分岐</a:t>
             </a:r>
             <a:r>
               <a:rPr lang="en-US" altLang="ja-JP" sz="2000" dirty="0"/>
@@ -7918,11 +9953,7 @@
             </a:r>
             <a:r>
               <a:rPr kumimoji="1" lang="ja-JP" altLang="en-US" dirty="0" smtClean="0"/>
-              <a:t>にパスワードを</a:t>
-            </a:r>
-            <a:r>
-              <a:rPr kumimoji="1" lang="ja-JP" altLang="en-US" dirty="0" smtClean="0"/>
-              <a:t>入力</a:t>
+              <a:t>にパスワードを入力</a:t>
             </a:r>
             <a:endParaRPr kumimoji="1" lang="ja-JP" altLang="en-US" dirty="0"/>
           </a:p>
@@ -8468,10 +10499,6 @@
             <a:r>
               <a:rPr lang="en-US" altLang="ja-JP" sz="2000" dirty="0" smtClean="0"/>
               <a:t>1</a:t>
-            </a:r>
-            <a:r>
-              <a:rPr lang="en-US" altLang="ja-JP" sz="2000" dirty="0" smtClean="0"/>
-              <a:t/>
             </a:r>
             <a:br>
               <a:rPr lang="en-US" altLang="ja-JP" sz="2000" dirty="0" smtClean="0"/>
@@ -9458,11 +11485,7 @@
             </a:r>
             <a:r>
               <a:rPr lang="ja-JP" altLang="en-US" dirty="0" smtClean="0"/>
-              <a:t>に入っている文字</a:t>
-            </a:r>
-            <a:r>
-              <a:rPr lang="ja-JP" altLang="en-US" dirty="0" smtClean="0"/>
-              <a:t>を表示</a:t>
+              <a:t>に入っている文字を表示</a:t>
             </a:r>
             <a:endParaRPr lang="en-US" altLang="ja-JP" dirty="0"/>
           </a:p>
@@ -9624,11 +11647,7 @@
             <a:pPr algn="ctr"/>
             <a:r>
               <a:rPr lang="en-US" altLang="ja-JP" dirty="0" smtClean="0"/>
-              <a:t>i</a:t>
-            </a:r>
-            <a:r>
-              <a:rPr lang="en-US" altLang="ja-JP" dirty="0" smtClean="0"/>
-              <a:t>=0</a:t>
+              <a:t>i=0</a:t>
             </a:r>
             <a:endParaRPr lang="en-US" altLang="ja-JP" dirty="0"/>
           </a:p>
@@ -9847,10 +11866,6 @@
               <a:rPr lang="en-US" altLang="ja-JP" sz="2000" dirty="0" smtClean="0"/>
               <a:t>1</a:t>
             </a:r>
-            <a:r>
-              <a:rPr lang="en-US" altLang="ja-JP" sz="2000" dirty="0" smtClean="0"/>
-              <a:t/>
-            </a:r>
             <a:br>
               <a:rPr lang="en-US" altLang="ja-JP" sz="2000" dirty="0" smtClean="0"/>
             </a:br>
@@ -10592,10 +12607,6 @@
               <a:rPr lang="en-US" altLang="ja-JP" sz="2000" dirty="0" smtClean="0"/>
               <a:t>3</a:t>
             </a:r>
-            <a:r>
-              <a:rPr lang="en-US" altLang="ja-JP" sz="2000" dirty="0" smtClean="0"/>
-              <a:t/>
-            </a:r>
             <a:br>
               <a:rPr lang="en-US" altLang="ja-JP" sz="2000" dirty="0" smtClean="0"/>
             </a:br>
@@ -11761,10 +13772,6 @@
               <a:rPr lang="en-US" altLang="ja-JP" sz="2000" dirty="0" smtClean="0"/>
               <a:t>2</a:t>
             </a:r>
-            <a:r>
-              <a:rPr lang="en-US" altLang="ja-JP" sz="2000" dirty="0" smtClean="0"/>
-              <a:t/>
-            </a:r>
             <a:br>
               <a:rPr lang="en-US" altLang="ja-JP" sz="2000" dirty="0" smtClean="0"/>
             </a:br>
@@ -12139,11 +14146,7 @@
             </a:r>
             <a:r>
               <a:rPr lang="ja-JP" altLang="en-US" dirty="0" smtClean="0"/>
-              <a:t>」と</a:t>
-            </a:r>
-            <a:r>
-              <a:rPr lang="ja-JP" altLang="en-US" dirty="0" smtClean="0"/>
-              <a:t>表示する</a:t>
+              <a:t>」と表示する</a:t>
             </a:r>
             <a:endParaRPr lang="en-US" altLang="ja-JP" dirty="0"/>
           </a:p>
@@ -12706,11 +14709,7 @@
             </a:r>
             <a:r>
               <a:rPr lang="ja-JP" altLang="en-US" dirty="0" smtClean="0"/>
-              <a:t>を表示」</a:t>
-            </a:r>
-            <a:r>
-              <a:rPr lang="ja-JP" altLang="en-US" dirty="0" smtClean="0"/>
-              <a:t>を表示する</a:t>
+              <a:t>を表示」を表示する</a:t>
             </a:r>
             <a:endParaRPr lang="en-US" altLang="ja-JP" dirty="0"/>
           </a:p>
